--- a/AmeriCorps EDA.pptx
+++ b/AmeriCorps EDA.pptx
@@ -11,12 +11,11 @@
     <p:sldId id="262" r:id="rId5"/>
     <p:sldId id="259" r:id="rId6"/>
     <p:sldId id="260" r:id="rId7"/>
-    <p:sldId id="261" r:id="rId8"/>
-    <p:sldId id="263" r:id="rId9"/>
-    <p:sldId id="264" r:id="rId10"/>
-    <p:sldId id="265" r:id="rId11"/>
-    <p:sldId id="266" r:id="rId12"/>
-    <p:sldId id="267" r:id="rId13"/>
+    <p:sldId id="265" r:id="rId8"/>
+    <p:sldId id="264" r:id="rId9"/>
+    <p:sldId id="261" r:id="rId10"/>
+    <p:sldId id="266" r:id="rId11"/>
+    <p:sldId id="267" r:id="rId12"/>
   </p:sldIdLst>
   <p:sldSz cx="12192000" cy="6858000"/>
   <p:notesSz cx="6858000" cy="9144000"/>
@@ -115,6 +114,11 @@
       </a:defRPr>
     </a:lvl9pPr>
   </p:defaultTextStyle>
+  <p:extLst>
+    <p:ext uri="{EFAFB233-063F-42B5-8137-9DF3F51BA10A}">
+      <p15:sldGuideLst xmlns:p15="http://schemas.microsoft.com/office/powerpoint/2012/main"/>
+    </p:ext>
+  </p:extLst>
 </p:presentation>
 </file>
 
@@ -1850,7 +1854,7 @@
         <a:p>
           <a:r>
             <a:rPr lang="en-US" dirty="0"/>
-            <a:t>Are some racial groups more engaged in volunteer activities within specific states or program offices? </a:t>
+            <a:t>Are some racial groups more engaged in volunteer activities within specific states? </a:t>
           </a:r>
         </a:p>
       </dgm:t>
@@ -1898,8 +1902,44 @@
       <dgm:prSet presAssocID="{1E87161D-774D-4F01-B8BE-3939316ECE66}" presName="sibTrans" presStyleCnt="0"/>
       <dgm:spPr/>
     </dgm:pt>
+    <dgm:pt modelId="{7841ACC1-79AE-494F-B2E6-92FD9D40CD26}" type="pres">
+      <dgm:prSet presAssocID="{3D448B3C-F6AA-4EE9-8FAD-EE904AE46D4D}" presName="node" presStyleLbl="node1" presStyleIdx="1" presStyleCnt="6">
+        <dgm:presLayoutVars>
+          <dgm:bulletEnabled val="1"/>
+        </dgm:presLayoutVars>
+      </dgm:prSet>
+      <dgm:spPr/>
+    </dgm:pt>
+    <dgm:pt modelId="{BE5D58D6-7168-B94E-82F9-9D40B66A0C03}" type="pres">
+      <dgm:prSet presAssocID="{9E28FB94-1F10-46E1-ACAF-182EC0BF2449}" presName="sibTrans" presStyleCnt="0"/>
+      <dgm:spPr/>
+    </dgm:pt>
+    <dgm:pt modelId="{8147F015-1415-C14E-BBFE-BE7576D964C9}" type="pres">
+      <dgm:prSet presAssocID="{6EAC7457-FFA0-401C-8F64-4D3B6DF5BFA6}" presName="node" presStyleLbl="node1" presStyleIdx="2" presStyleCnt="6">
+        <dgm:presLayoutVars>
+          <dgm:bulletEnabled val="1"/>
+        </dgm:presLayoutVars>
+      </dgm:prSet>
+      <dgm:spPr/>
+    </dgm:pt>
+    <dgm:pt modelId="{882B692F-2ACC-4643-A13C-5FFBD8B45319}" type="pres">
+      <dgm:prSet presAssocID="{9D9CCD66-B7E7-4D09-8FE9-021D47862B6D}" presName="sibTrans" presStyleCnt="0"/>
+      <dgm:spPr/>
+    </dgm:pt>
+    <dgm:pt modelId="{20D40851-767D-4F42-A803-562DD3620BD6}" type="pres">
+      <dgm:prSet presAssocID="{30C9B5A2-3178-463F-A074-FAF9DF1E64D9}" presName="node" presStyleLbl="node1" presStyleIdx="3" presStyleCnt="6">
+        <dgm:presLayoutVars>
+          <dgm:bulletEnabled val="1"/>
+        </dgm:presLayoutVars>
+      </dgm:prSet>
+      <dgm:spPr/>
+    </dgm:pt>
+    <dgm:pt modelId="{DCEB0B25-F4A8-5143-B2DC-7A69C8A0F76A}" type="pres">
+      <dgm:prSet presAssocID="{71C87C73-33C1-489B-8C54-E306FEE96F4B}" presName="sibTrans" presStyleCnt="0"/>
+      <dgm:spPr/>
+    </dgm:pt>
     <dgm:pt modelId="{A3EF6C9D-2F66-264F-B119-63001DD44078}" type="pres">
-      <dgm:prSet presAssocID="{6BE1F448-E3C3-4EC0-B587-21F769512DA9}" presName="node" presStyleLbl="node1" presStyleIdx="1" presStyleCnt="6">
+      <dgm:prSet presAssocID="{6BE1F448-E3C3-4EC0-B587-21F769512DA9}" presName="node" presStyleLbl="node1" presStyleIdx="4" presStyleCnt="6">
         <dgm:presLayoutVars>
           <dgm:bulletEnabled val="1"/>
         </dgm:presLayoutVars>
@@ -1911,43 +1951,7 @@
       <dgm:spPr/>
     </dgm:pt>
     <dgm:pt modelId="{984EE22B-BD1B-124C-8930-2A741E92D1B2}" type="pres">
-      <dgm:prSet presAssocID="{24EEF010-E3A7-4B9A-822C-58BB2D7091B7}" presName="node" presStyleLbl="node1" presStyleIdx="2" presStyleCnt="6">
-        <dgm:presLayoutVars>
-          <dgm:bulletEnabled val="1"/>
-        </dgm:presLayoutVars>
-      </dgm:prSet>
-      <dgm:spPr/>
-    </dgm:pt>
-    <dgm:pt modelId="{956F6EE1-1FC4-DE4B-8509-13A7420D47E7}" type="pres">
-      <dgm:prSet presAssocID="{1F5A9BFF-2C57-40B3-928F-586E56108578}" presName="sibTrans" presStyleCnt="0"/>
-      <dgm:spPr/>
-    </dgm:pt>
-    <dgm:pt modelId="{8147F015-1415-C14E-BBFE-BE7576D964C9}" type="pres">
-      <dgm:prSet presAssocID="{6EAC7457-FFA0-401C-8F64-4D3B6DF5BFA6}" presName="node" presStyleLbl="node1" presStyleIdx="3" presStyleCnt="6">
-        <dgm:presLayoutVars>
-          <dgm:bulletEnabled val="1"/>
-        </dgm:presLayoutVars>
-      </dgm:prSet>
-      <dgm:spPr/>
-    </dgm:pt>
-    <dgm:pt modelId="{882B692F-2ACC-4643-A13C-5FFBD8B45319}" type="pres">
-      <dgm:prSet presAssocID="{9D9CCD66-B7E7-4D09-8FE9-021D47862B6D}" presName="sibTrans" presStyleCnt="0"/>
-      <dgm:spPr/>
-    </dgm:pt>
-    <dgm:pt modelId="{7841ACC1-79AE-494F-B2E6-92FD9D40CD26}" type="pres">
-      <dgm:prSet presAssocID="{3D448B3C-F6AA-4EE9-8FAD-EE904AE46D4D}" presName="node" presStyleLbl="node1" presStyleIdx="4" presStyleCnt="6">
-        <dgm:presLayoutVars>
-          <dgm:bulletEnabled val="1"/>
-        </dgm:presLayoutVars>
-      </dgm:prSet>
-      <dgm:spPr/>
-    </dgm:pt>
-    <dgm:pt modelId="{BE5D58D6-7168-B94E-82F9-9D40B66A0C03}" type="pres">
-      <dgm:prSet presAssocID="{9E28FB94-1F10-46E1-ACAF-182EC0BF2449}" presName="sibTrans" presStyleCnt="0"/>
-      <dgm:spPr/>
-    </dgm:pt>
-    <dgm:pt modelId="{20D40851-767D-4F42-A803-562DD3620BD6}" type="pres">
-      <dgm:prSet presAssocID="{30C9B5A2-3178-463F-A074-FAF9DF1E64D9}" presName="node" presStyleLbl="node1" presStyleIdx="5" presStyleCnt="6">
+      <dgm:prSet presAssocID="{24EEF010-E3A7-4B9A-822C-58BB2D7091B7}" presName="node" presStyleLbl="node1" presStyleIdx="5" presStyleCnt="6">
         <dgm:presLayoutVars>
           <dgm:bulletEnabled val="1"/>
         </dgm:presLayoutVars>
@@ -1956,30 +1960,30 @@
     </dgm:pt>
   </dgm:ptLst>
   <dgm:cxnLst>
-    <dgm:cxn modelId="{0F7B031B-1096-403B-A43C-35CD09B6A964}" srcId="{D7A75558-2A91-4794-96E4-8A235CD035D5}" destId="{30C9B5A2-3178-463F-A074-FAF9DF1E64D9}" srcOrd="5" destOrd="0" parTransId="{A5AE448F-C380-4B5A-BC52-B98494906160}" sibTransId="{71C87C73-33C1-489B-8C54-E306FEE96F4B}"/>
-    <dgm:cxn modelId="{0B38E722-877B-4FF8-BAEA-941F5C2EBF80}" srcId="{D7A75558-2A91-4794-96E4-8A235CD035D5}" destId="{6EAC7457-FFA0-401C-8F64-4D3B6DF5BFA6}" srcOrd="3" destOrd="0" parTransId="{DE53AA48-8AC2-4E95-9A01-4497EDD49920}" sibTransId="{9D9CCD66-B7E7-4D09-8FE9-021D47862B6D}"/>
-    <dgm:cxn modelId="{87CE9B2B-8920-DF40-829A-F4FF53174A35}" type="presOf" srcId="{3D448B3C-F6AA-4EE9-8FAD-EE904AE46D4D}" destId="{7841ACC1-79AE-494F-B2E6-92FD9D40CD26}" srcOrd="0" destOrd="0" presId="urn:microsoft.com/office/officeart/2005/8/layout/default"/>
-    <dgm:cxn modelId="{07D4D14A-BE4A-B243-9ABC-1EDBD728A302}" type="presOf" srcId="{6EAC7457-FFA0-401C-8F64-4D3B6DF5BFA6}" destId="{8147F015-1415-C14E-BBFE-BE7576D964C9}" srcOrd="0" destOrd="0" presId="urn:microsoft.com/office/officeart/2005/8/layout/default"/>
+    <dgm:cxn modelId="{0F7B031B-1096-403B-A43C-35CD09B6A964}" srcId="{D7A75558-2A91-4794-96E4-8A235CD035D5}" destId="{30C9B5A2-3178-463F-A074-FAF9DF1E64D9}" srcOrd="3" destOrd="0" parTransId="{A5AE448F-C380-4B5A-BC52-B98494906160}" sibTransId="{71C87C73-33C1-489B-8C54-E306FEE96F4B}"/>
+    <dgm:cxn modelId="{0B38E722-877B-4FF8-BAEA-941F5C2EBF80}" srcId="{D7A75558-2A91-4794-96E4-8A235CD035D5}" destId="{6EAC7457-FFA0-401C-8F64-4D3B6DF5BFA6}" srcOrd="2" destOrd="0" parTransId="{DE53AA48-8AC2-4E95-9A01-4497EDD49920}" sibTransId="{9D9CCD66-B7E7-4D09-8FE9-021D47862B6D}"/>
+    <dgm:cxn modelId="{0F262639-7B50-5545-945D-B36F015B1939}" type="presOf" srcId="{6BE1F448-E3C3-4EC0-B587-21F769512DA9}" destId="{A3EF6C9D-2F66-264F-B119-63001DD44078}" srcOrd="0" destOrd="0" presId="urn:microsoft.com/office/officeart/2005/8/layout/default"/>
     <dgm:cxn modelId="{9E759B66-715F-4E7A-8EAA-C09C760D4944}" srcId="{D7A75558-2A91-4794-96E4-8A235CD035D5}" destId="{EB46AF44-BC0C-4D74-A7C0-7789902875CD}" srcOrd="0" destOrd="0" parTransId="{187EB187-C710-430F-A9B9-7FF5446363BF}" sibTransId="{1E87161D-774D-4F01-B8BE-3939316ECE66}"/>
-    <dgm:cxn modelId="{DA7C826E-4491-364B-BE3F-92ECB1F87596}" type="presOf" srcId="{EB46AF44-BC0C-4D74-A7C0-7789902875CD}" destId="{140C1881-6713-344D-9FC9-F6D8E8C6FE3A}" srcOrd="0" destOrd="0" presId="urn:microsoft.com/office/officeart/2005/8/layout/default"/>
+    <dgm:cxn modelId="{F1A79A80-CA7E-0D45-9A7F-A2B74EED2043}" type="presOf" srcId="{24EEF010-E3A7-4B9A-822C-58BB2D7091B7}" destId="{984EE22B-BD1B-124C-8930-2A741E92D1B2}" srcOrd="0" destOrd="0" presId="urn:microsoft.com/office/officeart/2005/8/layout/default"/>
     <dgm:cxn modelId="{B0CB8B84-895F-1A4B-AD5A-A863B3BCC36A}" type="presOf" srcId="{D7A75558-2A91-4794-96E4-8A235CD035D5}" destId="{F0557D5D-14B0-A34F-B751-C4FD0706FCED}" srcOrd="0" destOrd="0" presId="urn:microsoft.com/office/officeart/2005/8/layout/default"/>
-    <dgm:cxn modelId="{768A4D94-2EC9-46B4-9BEE-3D8867CFAF9C}" srcId="{D7A75558-2A91-4794-96E4-8A235CD035D5}" destId="{6BE1F448-E3C3-4EC0-B587-21F769512DA9}" srcOrd="1" destOrd="0" parTransId="{EE252077-D150-47AE-87D5-443271E109EF}" sibTransId="{08A56BF1-27B1-474C-B122-ADCCFB2E6DC9}"/>
-    <dgm:cxn modelId="{97C25B9F-E2E6-D146-AAE4-00BA913F744C}" type="presOf" srcId="{30C9B5A2-3178-463F-A074-FAF9DF1E64D9}" destId="{20D40851-767D-4F42-A803-562DD3620BD6}" srcOrd="0" destOrd="0" presId="urn:microsoft.com/office/officeart/2005/8/layout/default"/>
-    <dgm:cxn modelId="{A2F420A2-ECEC-514C-A4FD-92755F42DAF7}" type="presOf" srcId="{6BE1F448-E3C3-4EC0-B587-21F769512DA9}" destId="{A3EF6C9D-2F66-264F-B119-63001DD44078}" srcOrd="0" destOrd="0" presId="urn:microsoft.com/office/officeart/2005/8/layout/default"/>
-    <dgm:cxn modelId="{522682BD-0D25-B64E-839D-3984383C4477}" type="presOf" srcId="{24EEF010-E3A7-4B9A-822C-58BB2D7091B7}" destId="{984EE22B-BD1B-124C-8930-2A741E92D1B2}" srcOrd="0" destOrd="0" presId="urn:microsoft.com/office/officeart/2005/8/layout/default"/>
-    <dgm:cxn modelId="{93B309D6-813F-4F78-ACAE-2DCA59D7361C}" srcId="{D7A75558-2A91-4794-96E4-8A235CD035D5}" destId="{3D448B3C-F6AA-4EE9-8FAD-EE904AE46D4D}" srcOrd="4" destOrd="0" parTransId="{39678B51-300E-49AF-9882-E99406A12AF0}" sibTransId="{9E28FB94-1F10-46E1-ACAF-182EC0BF2449}"/>
-    <dgm:cxn modelId="{35552DFF-5261-4DDB-ADC0-DDC2822DA475}" srcId="{D7A75558-2A91-4794-96E4-8A235CD035D5}" destId="{24EEF010-E3A7-4B9A-822C-58BB2D7091B7}" srcOrd="2" destOrd="0" parTransId="{3795C511-E605-4A88-BBB5-BFF9371E1445}" sibTransId="{1F5A9BFF-2C57-40B3-928F-586E56108578}"/>
-    <dgm:cxn modelId="{A73F53A0-28E6-AD45-8FC0-6776A6A19547}" type="presParOf" srcId="{F0557D5D-14B0-A34F-B751-C4FD0706FCED}" destId="{140C1881-6713-344D-9FC9-F6D8E8C6FE3A}" srcOrd="0" destOrd="0" presId="urn:microsoft.com/office/officeart/2005/8/layout/default"/>
-    <dgm:cxn modelId="{CA6DA9D5-4AC1-7746-8A52-05E521A79203}" type="presParOf" srcId="{F0557D5D-14B0-A34F-B751-C4FD0706FCED}" destId="{4BBAE651-B5E3-3242-89BD-E1D6828A728D}" srcOrd="1" destOrd="0" presId="urn:microsoft.com/office/officeart/2005/8/layout/default"/>
-    <dgm:cxn modelId="{135F2BC7-F22D-104C-8C13-42ADF9A4188C}" type="presParOf" srcId="{F0557D5D-14B0-A34F-B751-C4FD0706FCED}" destId="{A3EF6C9D-2F66-264F-B119-63001DD44078}" srcOrd="2" destOrd="0" presId="urn:microsoft.com/office/officeart/2005/8/layout/default"/>
-    <dgm:cxn modelId="{93BB2550-2383-5C4D-A45D-D295A52FAA90}" type="presParOf" srcId="{F0557D5D-14B0-A34F-B751-C4FD0706FCED}" destId="{5F29973C-43DA-B949-BD05-E133522AF9CD}" srcOrd="3" destOrd="0" presId="urn:microsoft.com/office/officeart/2005/8/layout/default"/>
-    <dgm:cxn modelId="{ACDD582D-8D9E-434E-AB38-6EB42BEBB889}" type="presParOf" srcId="{F0557D5D-14B0-A34F-B751-C4FD0706FCED}" destId="{984EE22B-BD1B-124C-8930-2A741E92D1B2}" srcOrd="4" destOrd="0" presId="urn:microsoft.com/office/officeart/2005/8/layout/default"/>
-    <dgm:cxn modelId="{4FAD0097-E4D8-EC4F-AA18-D6BB86A45D2D}" type="presParOf" srcId="{F0557D5D-14B0-A34F-B751-C4FD0706FCED}" destId="{956F6EE1-1FC4-DE4B-8509-13A7420D47E7}" srcOrd="5" destOrd="0" presId="urn:microsoft.com/office/officeart/2005/8/layout/default"/>
-    <dgm:cxn modelId="{D8B28250-7046-184E-830F-58F4F90578FB}" type="presParOf" srcId="{F0557D5D-14B0-A34F-B751-C4FD0706FCED}" destId="{8147F015-1415-C14E-BBFE-BE7576D964C9}" srcOrd="6" destOrd="0" presId="urn:microsoft.com/office/officeart/2005/8/layout/default"/>
-    <dgm:cxn modelId="{F38DC382-62F3-AA4A-BE79-2E563347A746}" type="presParOf" srcId="{F0557D5D-14B0-A34F-B751-C4FD0706FCED}" destId="{882B692F-2ACC-4643-A13C-5FFBD8B45319}" srcOrd="7" destOrd="0" presId="urn:microsoft.com/office/officeart/2005/8/layout/default"/>
-    <dgm:cxn modelId="{A5106F39-F5AD-A640-87EC-A0FD7A8F27E9}" type="presParOf" srcId="{F0557D5D-14B0-A34F-B751-C4FD0706FCED}" destId="{7841ACC1-79AE-494F-B2E6-92FD9D40CD26}" srcOrd="8" destOrd="0" presId="urn:microsoft.com/office/officeart/2005/8/layout/default"/>
-    <dgm:cxn modelId="{BCCD76C7-E90A-9B4F-85DC-43FB3D863E31}" type="presParOf" srcId="{F0557D5D-14B0-A34F-B751-C4FD0706FCED}" destId="{BE5D58D6-7168-B94E-82F9-9D40B66A0C03}" srcOrd="9" destOrd="0" presId="urn:microsoft.com/office/officeart/2005/8/layout/default"/>
-    <dgm:cxn modelId="{9A708B23-738F-584A-A105-3573FF6C5933}" type="presParOf" srcId="{F0557D5D-14B0-A34F-B751-C4FD0706FCED}" destId="{20D40851-767D-4F42-A803-562DD3620BD6}" srcOrd="10" destOrd="0" presId="urn:microsoft.com/office/officeart/2005/8/layout/default"/>
+    <dgm:cxn modelId="{768A4D94-2EC9-46B4-9BEE-3D8867CFAF9C}" srcId="{D7A75558-2A91-4794-96E4-8A235CD035D5}" destId="{6BE1F448-E3C3-4EC0-B587-21F769512DA9}" srcOrd="4" destOrd="0" parTransId="{EE252077-D150-47AE-87D5-443271E109EF}" sibTransId="{08A56BF1-27B1-474C-B122-ADCCFB2E6DC9}"/>
+    <dgm:cxn modelId="{545A4BA6-AB3E-3742-8383-14375A00FD15}" type="presOf" srcId="{30C9B5A2-3178-463F-A074-FAF9DF1E64D9}" destId="{20D40851-767D-4F42-A803-562DD3620BD6}" srcOrd="0" destOrd="0" presId="urn:microsoft.com/office/officeart/2005/8/layout/default"/>
+    <dgm:cxn modelId="{F0ABB2AD-9376-2047-B81E-E1F49005B451}" type="presOf" srcId="{3D448B3C-F6AA-4EE9-8FAD-EE904AE46D4D}" destId="{7841ACC1-79AE-494F-B2E6-92FD9D40CD26}" srcOrd="0" destOrd="0" presId="urn:microsoft.com/office/officeart/2005/8/layout/default"/>
+    <dgm:cxn modelId="{75F44FD1-8E39-E946-969C-F11066A629CE}" type="presOf" srcId="{6EAC7457-FFA0-401C-8F64-4D3B6DF5BFA6}" destId="{8147F015-1415-C14E-BBFE-BE7576D964C9}" srcOrd="0" destOrd="0" presId="urn:microsoft.com/office/officeart/2005/8/layout/default"/>
+    <dgm:cxn modelId="{93B309D6-813F-4F78-ACAE-2DCA59D7361C}" srcId="{D7A75558-2A91-4794-96E4-8A235CD035D5}" destId="{3D448B3C-F6AA-4EE9-8FAD-EE904AE46D4D}" srcOrd="1" destOrd="0" parTransId="{39678B51-300E-49AF-9882-E99406A12AF0}" sibTransId="{9E28FB94-1F10-46E1-ACAF-182EC0BF2449}"/>
+    <dgm:cxn modelId="{4DF468EB-A529-544B-9EF1-0A8E54758941}" type="presOf" srcId="{EB46AF44-BC0C-4D74-A7C0-7789902875CD}" destId="{140C1881-6713-344D-9FC9-F6D8E8C6FE3A}" srcOrd="0" destOrd="0" presId="urn:microsoft.com/office/officeart/2005/8/layout/default"/>
+    <dgm:cxn modelId="{35552DFF-5261-4DDB-ADC0-DDC2822DA475}" srcId="{D7A75558-2A91-4794-96E4-8A235CD035D5}" destId="{24EEF010-E3A7-4B9A-822C-58BB2D7091B7}" srcOrd="5" destOrd="0" parTransId="{3795C511-E605-4A88-BBB5-BFF9371E1445}" sibTransId="{1F5A9BFF-2C57-40B3-928F-586E56108578}"/>
+    <dgm:cxn modelId="{3931395E-67E0-6E42-BDF5-17A4283B7460}" type="presParOf" srcId="{F0557D5D-14B0-A34F-B751-C4FD0706FCED}" destId="{140C1881-6713-344D-9FC9-F6D8E8C6FE3A}" srcOrd="0" destOrd="0" presId="urn:microsoft.com/office/officeart/2005/8/layout/default"/>
+    <dgm:cxn modelId="{12E73A93-DC86-994C-9D81-620506D8DFB1}" type="presParOf" srcId="{F0557D5D-14B0-A34F-B751-C4FD0706FCED}" destId="{4BBAE651-B5E3-3242-89BD-E1D6828A728D}" srcOrd="1" destOrd="0" presId="urn:microsoft.com/office/officeart/2005/8/layout/default"/>
+    <dgm:cxn modelId="{4580BF7B-104B-8948-B631-83F81BD39CD1}" type="presParOf" srcId="{F0557D5D-14B0-A34F-B751-C4FD0706FCED}" destId="{7841ACC1-79AE-494F-B2E6-92FD9D40CD26}" srcOrd="2" destOrd="0" presId="urn:microsoft.com/office/officeart/2005/8/layout/default"/>
+    <dgm:cxn modelId="{91F60600-1C9E-FC45-AF5B-1445A1A2AC67}" type="presParOf" srcId="{F0557D5D-14B0-A34F-B751-C4FD0706FCED}" destId="{BE5D58D6-7168-B94E-82F9-9D40B66A0C03}" srcOrd="3" destOrd="0" presId="urn:microsoft.com/office/officeart/2005/8/layout/default"/>
+    <dgm:cxn modelId="{81729C06-CAAB-F347-A96B-EBC09A216BD3}" type="presParOf" srcId="{F0557D5D-14B0-A34F-B751-C4FD0706FCED}" destId="{8147F015-1415-C14E-BBFE-BE7576D964C9}" srcOrd="4" destOrd="0" presId="urn:microsoft.com/office/officeart/2005/8/layout/default"/>
+    <dgm:cxn modelId="{88884498-3EB9-194D-9C2A-08378E9B2B82}" type="presParOf" srcId="{F0557D5D-14B0-A34F-B751-C4FD0706FCED}" destId="{882B692F-2ACC-4643-A13C-5FFBD8B45319}" srcOrd="5" destOrd="0" presId="urn:microsoft.com/office/officeart/2005/8/layout/default"/>
+    <dgm:cxn modelId="{C8BEA146-35CD-7940-94DD-6CD37E303BF5}" type="presParOf" srcId="{F0557D5D-14B0-A34F-B751-C4FD0706FCED}" destId="{20D40851-767D-4F42-A803-562DD3620BD6}" srcOrd="6" destOrd="0" presId="urn:microsoft.com/office/officeart/2005/8/layout/default"/>
+    <dgm:cxn modelId="{EBD14253-C600-FA4B-8CBB-DAF75D67D83A}" type="presParOf" srcId="{F0557D5D-14B0-A34F-B751-C4FD0706FCED}" destId="{DCEB0B25-F4A8-5143-B2DC-7A69C8A0F76A}" srcOrd="7" destOrd="0" presId="urn:microsoft.com/office/officeart/2005/8/layout/default"/>
+    <dgm:cxn modelId="{F31E8325-9652-3A47-BF6F-28C348D97E1C}" type="presParOf" srcId="{F0557D5D-14B0-A34F-B751-C4FD0706FCED}" destId="{A3EF6C9D-2F66-264F-B119-63001DD44078}" srcOrd="8" destOrd="0" presId="urn:microsoft.com/office/officeart/2005/8/layout/default"/>
+    <dgm:cxn modelId="{1F20CE97-C6F7-E64E-8528-50E4CF2C8321}" type="presParOf" srcId="{F0557D5D-14B0-A34F-B751-C4FD0706FCED}" destId="{5F29973C-43DA-B949-BD05-E133522AF9CD}" srcOrd="9" destOrd="0" presId="urn:microsoft.com/office/officeart/2005/8/layout/default"/>
+    <dgm:cxn modelId="{A6038FBD-B059-8942-9A07-FA065902F48E}" type="presParOf" srcId="{F0557D5D-14B0-A34F-B751-C4FD0706FCED}" destId="{984EE22B-BD1B-124C-8930-2A741E92D1B2}" srcOrd="10" destOrd="0" presId="urn:microsoft.com/office/officeart/2005/8/layout/default"/>
   </dgm:cxnLst>
   <dgm:bg/>
   <dgm:whole/>
@@ -1995,7 +1999,7 @@
 <dgm:dataModel xmlns:dgm="http://schemas.openxmlformats.org/drawingml/2006/diagram" xmlns:a="http://schemas.openxmlformats.org/drawingml/2006/main">
   <dgm:ptLst>
     <dgm:pt modelId="{F998C548-BA78-4773-826D-D67EEC85DC2F}" type="doc">
-      <dgm:prSet loTypeId="urn:microsoft.com/office/officeart/2005/8/layout/hierarchy1" loCatId="hierarchy" qsTypeId="urn:microsoft.com/office/officeart/2005/8/quickstyle/simple1" qsCatId="simple" csTypeId="urn:microsoft.com/office/officeart/2005/8/colors/accent1_2" csCatId="accent1"/>
+      <dgm:prSet loTypeId="urn:microsoft.com/office/officeart/2005/8/layout/hierarchy1" loCatId="hierarchy" qsTypeId="urn:microsoft.com/office/officeart/2005/8/quickstyle/simple1" qsCatId="simple" csTypeId="urn:microsoft.com/office/officeart/2005/8/colors/accent1_2" csCatId="accent1" phldr="1"/>
       <dgm:spPr/>
       <dgm:t>
         <a:bodyPr/>
@@ -2013,8 +2017,8 @@
         <a:lstStyle/>
         <a:p>
           <a:r>
-            <a:rPr lang="en-US"/>
-            <a:t>AmeriCorps is a unique US federal agency with a unique mission</a:t>
+            <a:rPr lang="en-US" dirty="0"/>
+            <a:t>AmeriCorps consists of </a:t>
           </a:r>
         </a:p>
       </dgm:t>
@@ -2318,7 +2322,7 @@
         <a:ext cx="3222855" cy="1933713"/>
       </dsp:txXfrm>
     </dsp:sp>
-    <dsp:sp modelId="{A3EF6C9D-2F66-264F-B119-63001DD44078}">
+    <dsp:sp modelId="{7841ACC1-79AE-494F-B2E6-92FD9D40CD26}">
       <dsp:nvSpPr>
         <dsp:cNvPr id="0" name=""/>
         <dsp:cNvSpPr/>
@@ -2387,7 +2391,7 @@
           </a:pPr>
           <a:r>
             <a:rPr lang="en-US" sz="2100" kern="1200" dirty="0"/>
-            <a:t>How does the representation of different demographic groups compare to their proportions in the general population? </a:t>
+            <a:t>Are some racial groups more engaged in volunteer activities within specific states? </a:t>
           </a:r>
         </a:p>
       </dsp:txBody>
@@ -2396,7 +2400,7 @@
         <a:ext cx="3222855" cy="1933713"/>
       </dsp:txXfrm>
     </dsp:sp>
-    <dsp:sp modelId="{984EE22B-BD1B-124C-8930-2A741E92D1B2}">
+    <dsp:sp modelId="{8147F015-1415-C14E-BBFE-BE7576D964C9}">
       <dsp:nvSpPr>
         <dsp:cNvPr id="0" name=""/>
         <dsp:cNvSpPr/>
@@ -2465,7 +2469,7 @@
           </a:pPr>
           <a:r>
             <a:rPr lang="en-US" sz="2100" kern="1200" dirty="0"/>
-            <a:t>Which groups are overrepresented or underrepresented in AmeriCorps? </a:t>
+            <a:t>Which program offices are most effective in engaging a diverse range of participants? </a:t>
           </a:r>
         </a:p>
       </dsp:txBody>
@@ -2474,7 +2478,7 @@
         <a:ext cx="3222855" cy="1933713"/>
       </dsp:txXfrm>
     </dsp:sp>
-    <dsp:sp modelId="{8147F015-1415-C14E-BBFE-BE7576D964C9}">
+    <dsp:sp modelId="{20D40851-767D-4F42-A803-562DD3620BD6}">
       <dsp:nvSpPr>
         <dsp:cNvPr id="0" name=""/>
         <dsp:cNvSpPr/>
@@ -2543,7 +2547,7 @@
           </a:pPr>
           <a:r>
             <a:rPr lang="en-US" sz="2100" kern="1200" dirty="0"/>
-            <a:t>Which program offices are most effective in engaging a diverse range of participants? </a:t>
+            <a:t>How do participation rates compare between different programs within the same service region? </a:t>
           </a:r>
         </a:p>
       </dsp:txBody>
@@ -2552,7 +2556,7 @@
         <a:ext cx="3222855" cy="1933713"/>
       </dsp:txXfrm>
     </dsp:sp>
-    <dsp:sp modelId="{7841ACC1-79AE-494F-B2E6-92FD9D40CD26}">
+    <dsp:sp modelId="{A3EF6C9D-2F66-264F-B119-63001DD44078}">
       <dsp:nvSpPr>
         <dsp:cNvPr id="0" name=""/>
         <dsp:cNvSpPr/>
@@ -2621,7 +2625,7 @@
           </a:pPr>
           <a:r>
             <a:rPr lang="en-US" sz="2100" kern="1200" dirty="0"/>
-            <a:t>Are some racial groups more engaged in volunteer activities within specific states or program offices? </a:t>
+            <a:t>How does the representation of different demographic groups compare to their proportions in the general population? </a:t>
           </a:r>
         </a:p>
       </dsp:txBody>
@@ -2630,7 +2634,7 @@
         <a:ext cx="3222855" cy="1933713"/>
       </dsp:txXfrm>
     </dsp:sp>
-    <dsp:sp modelId="{20D40851-767D-4F42-A803-562DD3620BD6}">
+    <dsp:sp modelId="{984EE22B-BD1B-124C-8930-2A741E92D1B2}">
       <dsp:nvSpPr>
         <dsp:cNvPr id="0" name=""/>
         <dsp:cNvSpPr/>
@@ -2699,7 +2703,7 @@
           </a:pPr>
           <a:r>
             <a:rPr lang="en-US" sz="2100" kern="1200" dirty="0"/>
-            <a:t>How do participation rates compare between different programs within the same service region? </a:t>
+            <a:t>Which groups are overrepresented or underrepresented in AmeriCorps? </a:t>
           </a:r>
         </a:p>
       </dsp:txBody>
@@ -2841,8 +2845,8 @@
             <a:buNone/>
           </a:pPr>
           <a:r>
-            <a:rPr lang="en-US" sz="2200" kern="1200"/>
-            <a:t>AmeriCorps is a unique US federal agency with a unique mission</a:t>
+            <a:rPr lang="en-US" sz="2200" kern="1200" dirty="0"/>
+            <a:t>AmeriCorps consists of </a:t>
           </a:r>
         </a:p>
       </dsp:txBody>
@@ -6042,7 +6046,7 @@
           <a:p>
             <a:fld id="{6004D711-28DD-1248-858B-9A1F4978A960}" type="datetimeFigureOut">
               <a:rPr lang="en-US" smtClean="0"/>
-              <a:t>10/18/24</a:t>
+              <a:t>10/19/24</a:t>
             </a:fld>
             <a:endParaRPr lang="en-US"/>
           </a:p>
@@ -6240,7 +6244,7 @@
           <a:p>
             <a:fld id="{6004D711-28DD-1248-858B-9A1F4978A960}" type="datetimeFigureOut">
               <a:rPr lang="en-US" smtClean="0"/>
-              <a:t>10/18/24</a:t>
+              <a:t>10/19/24</a:t>
             </a:fld>
             <a:endParaRPr lang="en-US"/>
           </a:p>
@@ -6448,7 +6452,7 @@
           <a:p>
             <a:fld id="{6004D711-28DD-1248-858B-9A1F4978A960}" type="datetimeFigureOut">
               <a:rPr lang="en-US" smtClean="0"/>
-              <a:t>10/18/24</a:t>
+              <a:t>10/19/24</a:t>
             </a:fld>
             <a:endParaRPr lang="en-US"/>
           </a:p>
@@ -6646,7 +6650,7 @@
           <a:p>
             <a:fld id="{6004D711-28DD-1248-858B-9A1F4978A960}" type="datetimeFigureOut">
               <a:rPr lang="en-US" smtClean="0"/>
-              <a:t>10/18/24</a:t>
+              <a:t>10/19/24</a:t>
             </a:fld>
             <a:endParaRPr lang="en-US"/>
           </a:p>
@@ -6921,7 +6925,7 @@
           <a:p>
             <a:fld id="{6004D711-28DD-1248-858B-9A1F4978A960}" type="datetimeFigureOut">
               <a:rPr lang="en-US" smtClean="0"/>
-              <a:t>10/18/24</a:t>
+              <a:t>10/19/24</a:t>
             </a:fld>
             <a:endParaRPr lang="en-US"/>
           </a:p>
@@ -7186,7 +7190,7 @@
           <a:p>
             <a:fld id="{6004D711-28DD-1248-858B-9A1F4978A960}" type="datetimeFigureOut">
               <a:rPr lang="en-US" smtClean="0"/>
-              <a:t>10/18/24</a:t>
+              <a:t>10/19/24</a:t>
             </a:fld>
             <a:endParaRPr lang="en-US"/>
           </a:p>
@@ -7598,7 +7602,7 @@
           <a:p>
             <a:fld id="{6004D711-28DD-1248-858B-9A1F4978A960}" type="datetimeFigureOut">
               <a:rPr lang="en-US" smtClean="0"/>
-              <a:t>10/18/24</a:t>
+              <a:t>10/19/24</a:t>
             </a:fld>
             <a:endParaRPr lang="en-US"/>
           </a:p>
@@ -7739,7 +7743,7 @@
           <a:p>
             <a:fld id="{6004D711-28DD-1248-858B-9A1F4978A960}" type="datetimeFigureOut">
               <a:rPr lang="en-US" smtClean="0"/>
-              <a:t>10/18/24</a:t>
+              <a:t>10/19/24</a:t>
             </a:fld>
             <a:endParaRPr lang="en-US"/>
           </a:p>
@@ -7852,7 +7856,7 @@
           <a:p>
             <a:fld id="{6004D711-28DD-1248-858B-9A1F4978A960}" type="datetimeFigureOut">
               <a:rPr lang="en-US" smtClean="0"/>
-              <a:t>10/18/24</a:t>
+              <a:t>10/19/24</a:t>
             </a:fld>
             <a:endParaRPr lang="en-US"/>
           </a:p>
@@ -8163,7 +8167,7 @@
           <a:p>
             <a:fld id="{6004D711-28DD-1248-858B-9A1F4978A960}" type="datetimeFigureOut">
               <a:rPr lang="en-US" smtClean="0"/>
-              <a:t>10/18/24</a:t>
+              <a:t>10/19/24</a:t>
             </a:fld>
             <a:endParaRPr lang="en-US"/>
           </a:p>
@@ -8451,7 +8455,7 @@
           <a:p>
             <a:fld id="{6004D711-28DD-1248-858B-9A1F4978A960}" type="datetimeFigureOut">
               <a:rPr lang="en-US" smtClean="0"/>
-              <a:t>10/18/24</a:t>
+              <a:t>10/19/24</a:t>
             </a:fld>
             <a:endParaRPr lang="en-US"/>
           </a:p>
@@ -8692,7 +8696,7 @@
           <a:p>
             <a:fld id="{6004D711-28DD-1248-858B-9A1F4978A960}" type="datetimeFigureOut">
               <a:rPr lang="en-US" smtClean="0"/>
-              <a:t>10/18/24</a:t>
+              <a:t>10/19/24</a:t>
             </a:fld>
             <a:endParaRPr lang="en-US"/>
           </a:p>
@@ -9996,7 +10000,7 @@
       </p:grpSpPr>
       <p:sp useBgFill="1">
         <p:nvSpPr>
-          <p:cNvPr id="8" name="Rectangle 7">
+          <p:cNvPr id="23" name="Rectangle 22">
             <a:extLst>
               <a:ext uri="{FF2B5EF4-FFF2-40B4-BE49-F238E27FC236}">
                 <a16:creationId xmlns:a16="http://schemas.microsoft.com/office/drawing/2014/main" id="{1B15ED52-F352-441B-82BF-E0EA34836D08}"/>
@@ -10072,7 +10076,7 @@
       </p:sp>
       <p:sp>
         <p:nvSpPr>
-          <p:cNvPr id="10" name="Rectangle 9">
+          <p:cNvPr id="25" name="Rectangle 24">
             <a:extLst>
               <a:ext uri="{FF2B5EF4-FFF2-40B4-BE49-F238E27FC236}">
                 <a16:creationId xmlns:a16="http://schemas.microsoft.com/office/drawing/2014/main" id="{3B2E3793-BFE6-45A2-9B7B-E18844431C99}"/>
@@ -10145,7 +10149,7 @@
       </p:sp>
       <p:sp>
         <p:nvSpPr>
-          <p:cNvPr id="12" name="Rectangle 11">
+          <p:cNvPr id="27" name="Rectangle 26">
             <a:extLst>
               <a:ext uri="{FF2B5EF4-FFF2-40B4-BE49-F238E27FC236}">
                 <a16:creationId xmlns:a16="http://schemas.microsoft.com/office/drawing/2014/main" id="{BC4C4868-CB8F-4AF9-9CDB-8108F2C19B67}"/>
@@ -10221,7 +10225,7 @@
       </p:sp>
       <p:sp>
         <p:nvSpPr>
-          <p:cNvPr id="14" name="Rectangle 13">
+          <p:cNvPr id="29" name="Rectangle 28">
             <a:extLst>
               <a:ext uri="{FF2B5EF4-FFF2-40B4-BE49-F238E27FC236}">
                 <a16:creationId xmlns:a16="http://schemas.microsoft.com/office/drawing/2014/main" id="{375E0459-6403-40CD-989D-56A4407CA12E}"/>
@@ -10296,7 +10300,7 @@
       </p:sp>
       <p:sp>
         <p:nvSpPr>
-          <p:cNvPr id="16" name="Rectangle 15">
+          <p:cNvPr id="31" name="Rectangle 30">
             <a:extLst>
               <a:ext uri="{FF2B5EF4-FFF2-40B4-BE49-F238E27FC236}">
                 <a16:creationId xmlns:a16="http://schemas.microsoft.com/office/drawing/2014/main" id="{53E5B1A8-3AC9-4BD1-9BBC-78CA94F2D1BA}"/>
@@ -10375,7 +10379,7 @@
           <p:cNvPr id="2" name="Title 1">
             <a:extLst>
               <a:ext uri="{FF2B5EF4-FFF2-40B4-BE49-F238E27FC236}">
-                <a16:creationId xmlns:a16="http://schemas.microsoft.com/office/drawing/2014/main" id="{B8982814-4D8D-CDBC-9E09-E3CED6366D50}"/>
+                <a16:creationId xmlns:a16="http://schemas.microsoft.com/office/drawing/2014/main" id="{B80CC77E-40BC-46BF-D1EB-E390C3513CB5}"/>
               </a:ext>
             </a:extLst>
           </p:cNvPr>
@@ -10399,25 +10403,13 @@
           <a:lstStyle/>
           <a:p>
             <a:r>
-              <a:rPr lang="en-US" sz="2200" dirty="0">
+              <a:rPr lang="en-US" sz="3200" dirty="0">
                 <a:solidFill>
                   <a:srgbClr val="FFFFFF"/>
                 </a:solidFill>
               </a:rPr>
-              <a:t>Are some racial groups more engaged in volunteer activities within specific states or program offices? </a:t>
+              <a:t>The questions we couldn’t answer</a:t>
             </a:r>
-            <a:br>
-              <a:rPr lang="en-US" sz="2200" dirty="0">
-                <a:solidFill>
-                  <a:srgbClr val="FFFFFF"/>
-                </a:solidFill>
-              </a:rPr>
-            </a:br>
-            <a:endParaRPr lang="en-US" sz="2200" dirty="0">
-              <a:solidFill>
-                <a:srgbClr val="FFFFFF"/>
-              </a:solidFill>
-            </a:endParaRPr>
           </a:p>
         </p:txBody>
       </p:sp>
@@ -10426,7 +10418,7 @@
           <p:cNvPr id="3" name="Content Placeholder 2">
             <a:extLst>
               <a:ext uri="{FF2B5EF4-FFF2-40B4-BE49-F238E27FC236}">
-                <a16:creationId xmlns:a16="http://schemas.microsoft.com/office/drawing/2014/main" id="{3C740411-BC30-658B-D251-E828C553EDF2}"/>
+                <a16:creationId xmlns:a16="http://schemas.microsoft.com/office/drawing/2014/main" id="{3675A650-1028-8283-2AFA-B885AC34DF78}"/>
               </a:ext>
             </a:extLst>
           </p:cNvPr>
@@ -10449,14 +10441,24 @@
           </a:bodyPr>
           <a:lstStyle/>
           <a:p>
-            <a:endParaRPr lang="en-US" sz="2000"/>
+            <a:pPr lvl="0"/>
+            <a:r>
+              <a:rPr lang="en-US" dirty="0"/>
+              <a:t>How does the representation of different demographic groups compare to their proportions in the general population?</a:t>
+            </a:r>
+          </a:p>
+          <a:p>
+            <a:r>
+              <a:rPr lang="en-US" dirty="0"/>
+              <a:t>Which groups are overrepresented or underrepresented in AmeriCorps?</a:t>
+            </a:r>
           </a:p>
         </p:txBody>
       </p:sp>
     </p:spTree>
     <p:extLst>
       <p:ext uri="{BB962C8B-B14F-4D97-AF65-F5344CB8AC3E}">
-        <p14:creationId xmlns:p14="http://schemas.microsoft.com/office/powerpoint/2010/main" val="96234309"/>
+        <p14:creationId xmlns:p14="http://schemas.microsoft.com/office/powerpoint/2010/main" val="269991464"/>
       </p:ext>
     </p:extLst>
   </p:cSld>
@@ -10496,7 +10498,7 @@
           <p:cNvPr id="8" name="Rectangle 7">
             <a:extLst>
               <a:ext uri="{FF2B5EF4-FFF2-40B4-BE49-F238E27FC236}">
-                <a16:creationId xmlns:a16="http://schemas.microsoft.com/office/drawing/2014/main" id="{DEE2AD96-B495-4E06-9291-B71706F728CB}"/>
+                <a16:creationId xmlns:a16="http://schemas.microsoft.com/office/drawing/2014/main" id="{1B15ED52-F352-441B-82BF-E0EA34836D08}"/>
               </a:ext>
               <a:ext uri="{C183D7F6-B498-43B3-948B-1728B52AA6E4}">
                 <adec:decorative xmlns:adec="http://schemas.microsoft.com/office/drawing/2017/decorative" val="1"/>
@@ -10572,579 +10574,6 @@
           <p:cNvPr id="10" name="Rectangle 9">
             <a:extLst>
               <a:ext uri="{FF2B5EF4-FFF2-40B4-BE49-F238E27FC236}">
-                <a16:creationId xmlns:a16="http://schemas.microsoft.com/office/drawing/2014/main" id="{53CF6D67-C5A8-4ADD-9E8E-1E38CA1D3166}"/>
-              </a:ext>
-              <a:ext uri="{C183D7F6-B498-43B3-948B-1728B52AA6E4}">
-                <adec:decorative xmlns:adec="http://schemas.microsoft.com/office/drawing/2017/decorative" val="1"/>
-              </a:ext>
-            </a:extLst>
-          </p:cNvPr>
-          <p:cNvSpPr>
-            <a:spLocks noGrp="1" noRot="1" noChangeAspect="1" noMove="1" noResize="1" noEditPoints="1" noAdjustHandles="1" noChangeArrowheads="1" noChangeShapeType="1" noTextEdit="1"/>
-          </p:cNvSpPr>
-          <p:nvPr>
-            <p:extLst>
-              <p:ext uri="{386F3935-93C4-4BCD-93E2-E3B085C9AB24}">
-                <p16:designElem xmlns:p16="http://schemas.microsoft.com/office/powerpoint/2015/main" val="1"/>
-              </p:ext>
-            </p:extLst>
-          </p:nvPr>
-        </p:nvSpPr>
-        <p:spPr>
-          <a:xfrm rot="5400000" flipH="1">
-            <a:off x="-638515" y="639280"/>
-            <a:ext cx="6858000" cy="5579440"/>
-          </a:xfrm>
-          <a:prstGeom prst="rect">
-            <a:avLst/>
-          </a:prstGeom>
-          <a:gradFill>
-            <a:gsLst>
-              <a:gs pos="8000">
-                <a:srgbClr val="000000"/>
-              </a:gs>
-              <a:gs pos="100000">
-                <a:schemeClr val="accent1">
-                  <a:lumMod val="75000"/>
-                </a:schemeClr>
-              </a:gs>
-            </a:gsLst>
-            <a:lin ang="3000000" scaled="0"/>
-          </a:gradFill>
-          <a:ln>
-            <a:noFill/>
-          </a:ln>
-        </p:spPr>
-        <p:style>
-          <a:lnRef idx="2">
-            <a:schemeClr val="accent1">
-              <a:shade val="50000"/>
-            </a:schemeClr>
-          </a:lnRef>
-          <a:fillRef idx="1">
-            <a:schemeClr val="accent1"/>
-          </a:fillRef>
-          <a:effectRef idx="0">
-            <a:schemeClr val="accent1"/>
-          </a:effectRef>
-          <a:fontRef idx="minor">
-            <a:schemeClr val="lt1"/>
-          </a:fontRef>
-        </p:style>
-        <p:txBody>
-          <a:bodyPr rtlCol="0" anchor="ctr"/>
-          <a:lstStyle/>
-          <a:p>
-            <a:pPr algn="ctr"/>
-            <a:endParaRPr lang="en-US"/>
-          </a:p>
-        </p:txBody>
-      </p:sp>
-      <p:sp>
-        <p:nvSpPr>
-          <p:cNvPr id="12" name="Rectangle 11">
-            <a:extLst>
-              <a:ext uri="{FF2B5EF4-FFF2-40B4-BE49-F238E27FC236}">
-                <a16:creationId xmlns:a16="http://schemas.microsoft.com/office/drawing/2014/main" id="{86909FA0-B515-4681-B7A8-FA281D133B94}"/>
-              </a:ext>
-              <a:ext uri="{C183D7F6-B498-43B3-948B-1728B52AA6E4}">
-                <adec:decorative xmlns:adec="http://schemas.microsoft.com/office/drawing/2017/decorative" val="1"/>
-              </a:ext>
-            </a:extLst>
-          </p:cNvPr>
-          <p:cNvSpPr>
-            <a:spLocks noGrp="1" noRot="1" noChangeAspect="1" noMove="1" noResize="1" noEditPoints="1" noAdjustHandles="1" noChangeArrowheads="1" noChangeShapeType="1" noTextEdit="1"/>
-          </p:cNvSpPr>
-          <p:nvPr>
-            <p:extLst>
-              <p:ext uri="{386F3935-93C4-4BCD-93E2-E3B085C9AB24}">
-                <p16:designElem xmlns:p16="http://schemas.microsoft.com/office/powerpoint/2015/main" val="1"/>
-              </p:ext>
-            </p:extLst>
-          </p:nvPr>
-        </p:nvSpPr>
-        <p:spPr>
-          <a:xfrm rot="5400000" flipH="1">
-            <a:off x="-393206" y="395206"/>
-            <a:ext cx="6346209" cy="5576080"/>
-          </a:xfrm>
-          <a:prstGeom prst="rect">
-            <a:avLst/>
-          </a:prstGeom>
-          <a:gradFill>
-            <a:gsLst>
-              <a:gs pos="0">
-                <a:srgbClr val="000000">
-                  <a:alpha val="0"/>
-                </a:srgbClr>
-              </a:gs>
-              <a:gs pos="99000">
-                <a:schemeClr val="accent1">
-                  <a:alpha val="0"/>
-                </a:schemeClr>
-              </a:gs>
-            </a:gsLst>
-            <a:lin ang="1800000" scaled="0"/>
-          </a:gradFill>
-          <a:ln>
-            <a:noFill/>
-          </a:ln>
-        </p:spPr>
-        <p:style>
-          <a:lnRef idx="2">
-            <a:schemeClr val="accent1">
-              <a:shade val="50000"/>
-            </a:schemeClr>
-          </a:lnRef>
-          <a:fillRef idx="1">
-            <a:schemeClr val="accent1"/>
-          </a:fillRef>
-          <a:effectRef idx="0">
-            <a:schemeClr val="accent1"/>
-          </a:effectRef>
-          <a:fontRef idx="minor">
-            <a:schemeClr val="lt1"/>
-          </a:fontRef>
-        </p:style>
-        <p:txBody>
-          <a:bodyPr rtlCol="0" anchor="ctr"/>
-          <a:lstStyle/>
-          <a:p>
-            <a:pPr algn="ctr"/>
-            <a:endParaRPr lang="en-US"/>
-          </a:p>
-        </p:txBody>
-      </p:sp>
-      <p:sp>
-        <p:nvSpPr>
-          <p:cNvPr id="14" name="Rectangle 13">
-            <a:extLst>
-              <a:ext uri="{FF2B5EF4-FFF2-40B4-BE49-F238E27FC236}">
-                <a16:creationId xmlns:a16="http://schemas.microsoft.com/office/drawing/2014/main" id="{21C9FE86-FCC3-4A31-AA1C-C882262B7FE7}"/>
-              </a:ext>
-              <a:ext uri="{C183D7F6-B498-43B3-948B-1728B52AA6E4}">
-                <adec:decorative xmlns:adec="http://schemas.microsoft.com/office/drawing/2017/decorative" val="1"/>
-              </a:ext>
-            </a:extLst>
-          </p:cNvPr>
-          <p:cNvSpPr>
-            <a:spLocks noGrp="1" noRot="1" noChangeAspect="1" noMove="1" noResize="1" noEditPoints="1" noAdjustHandles="1" noChangeArrowheads="1" noChangeShapeType="1" noTextEdit="1"/>
-          </p:cNvSpPr>
-          <p:nvPr>
-            <p:extLst>
-              <p:ext uri="{386F3935-93C4-4BCD-93E2-E3B085C9AB24}">
-                <p16:designElem xmlns:p16="http://schemas.microsoft.com/office/powerpoint/2015/main" val="1"/>
-              </p:ext>
-            </p:extLst>
-          </p:nvPr>
-        </p:nvSpPr>
-        <p:spPr>
-          <a:xfrm rot="5400000" flipH="1">
-            <a:off x="1528907" y="2818967"/>
-            <a:ext cx="2501979" cy="5576080"/>
-          </a:xfrm>
-          <a:prstGeom prst="rect">
-            <a:avLst/>
-          </a:prstGeom>
-          <a:gradFill>
-            <a:gsLst>
-              <a:gs pos="2000">
-                <a:schemeClr val="accent1">
-                  <a:alpha val="29000"/>
-                </a:schemeClr>
-              </a:gs>
-              <a:gs pos="100000">
-                <a:srgbClr val="000000">
-                  <a:alpha val="30000"/>
-                </a:srgbClr>
-              </a:gs>
-            </a:gsLst>
-            <a:lin ang="7800000" scaled="0"/>
-          </a:gradFill>
-          <a:ln>
-            <a:noFill/>
-          </a:ln>
-        </p:spPr>
-        <p:style>
-          <a:lnRef idx="2">
-            <a:schemeClr val="accent1">
-              <a:shade val="50000"/>
-            </a:schemeClr>
-          </a:lnRef>
-          <a:fillRef idx="1">
-            <a:schemeClr val="accent1"/>
-          </a:fillRef>
-          <a:effectRef idx="0">
-            <a:schemeClr val="accent1"/>
-          </a:effectRef>
-          <a:fontRef idx="minor">
-            <a:schemeClr val="lt1"/>
-          </a:fontRef>
-        </p:style>
-        <p:txBody>
-          <a:bodyPr rtlCol="0" anchor="ctr"/>
-          <a:lstStyle/>
-          <a:p>
-            <a:pPr algn="ctr"/>
-            <a:endParaRPr lang="en-US" dirty="0"/>
-          </a:p>
-        </p:txBody>
-      </p:sp>
-      <p:sp>
-        <p:nvSpPr>
-          <p:cNvPr id="16" name="Rectangle 15">
-            <a:extLst>
-              <a:ext uri="{FF2B5EF4-FFF2-40B4-BE49-F238E27FC236}">
-                <a16:creationId xmlns:a16="http://schemas.microsoft.com/office/drawing/2014/main" id="{7D96243B-ECED-4B71-8E06-AE9A285EAD20}"/>
-              </a:ext>
-              <a:ext uri="{C183D7F6-B498-43B3-948B-1728B52AA6E4}">
-                <adec:decorative xmlns:adec="http://schemas.microsoft.com/office/drawing/2017/decorative" val="1"/>
-              </a:ext>
-            </a:extLst>
-          </p:cNvPr>
-          <p:cNvSpPr>
-            <a:spLocks noGrp="1" noRot="1" noChangeAspect="1" noMove="1" noResize="1" noEditPoints="1" noAdjustHandles="1" noChangeArrowheads="1" noChangeShapeType="1" noTextEdit="1"/>
-          </p:cNvSpPr>
-          <p:nvPr>
-            <p:extLst>
-              <p:ext uri="{386F3935-93C4-4BCD-93E2-E3B085C9AB24}">
-                <p16:designElem xmlns:p16="http://schemas.microsoft.com/office/powerpoint/2015/main" val="1"/>
-              </p:ext>
-            </p:extLst>
-          </p:nvPr>
-        </p:nvSpPr>
-        <p:spPr>
-          <a:xfrm rot="5400000" flipH="1">
-            <a:off x="-425002" y="852793"/>
-            <a:ext cx="6858001" cy="5152412"/>
-          </a:xfrm>
-          <a:prstGeom prst="rect">
-            <a:avLst/>
-          </a:prstGeom>
-          <a:gradFill>
-            <a:gsLst>
-              <a:gs pos="0">
-                <a:srgbClr val="000000">
-                  <a:alpha val="0"/>
-                </a:srgbClr>
-              </a:gs>
-              <a:gs pos="99000">
-                <a:schemeClr val="accent1">
-                  <a:alpha val="11000"/>
-                </a:schemeClr>
-              </a:gs>
-            </a:gsLst>
-            <a:lin ang="7800000" scaled="0"/>
-          </a:gradFill>
-          <a:ln>
-            <a:noFill/>
-          </a:ln>
-        </p:spPr>
-        <p:style>
-          <a:lnRef idx="2">
-            <a:schemeClr val="accent1">
-              <a:shade val="50000"/>
-            </a:schemeClr>
-          </a:lnRef>
-          <a:fillRef idx="1">
-            <a:schemeClr val="accent1"/>
-          </a:fillRef>
-          <a:effectRef idx="0">
-            <a:schemeClr val="accent1"/>
-          </a:effectRef>
-          <a:fontRef idx="minor">
-            <a:schemeClr val="lt1"/>
-          </a:fontRef>
-        </p:style>
-        <p:txBody>
-          <a:bodyPr rtlCol="0" anchor="ctr"/>
-          <a:lstStyle/>
-          <a:p>
-            <a:pPr algn="ctr"/>
-            <a:endParaRPr lang="en-US"/>
-          </a:p>
-        </p:txBody>
-      </p:sp>
-      <p:sp>
-        <p:nvSpPr>
-          <p:cNvPr id="18" name="Oval 17">
-            <a:extLst>
-              <a:ext uri="{FF2B5EF4-FFF2-40B4-BE49-F238E27FC236}">
-                <a16:creationId xmlns:a16="http://schemas.microsoft.com/office/drawing/2014/main" id="{A09989E4-EFDC-4A90-A633-E0525FB4139E}"/>
-              </a:ext>
-              <a:ext uri="{C183D7F6-B498-43B3-948B-1728B52AA6E4}">
-                <adec:decorative xmlns:adec="http://schemas.microsoft.com/office/drawing/2017/decorative" val="1"/>
-              </a:ext>
-            </a:extLst>
-          </p:cNvPr>
-          <p:cNvSpPr>
-            <a:spLocks noGrp="1" noRot="1" noChangeAspect="1" noMove="1" noResize="1" noEditPoints="1" noAdjustHandles="1" noChangeArrowheads="1" noChangeShapeType="1" noTextEdit="1"/>
-          </p:cNvSpPr>
-          <p:nvPr>
-            <p:extLst>
-              <p:ext uri="{386F3935-93C4-4BCD-93E2-E3B085C9AB24}">
-                <p16:designElem xmlns:p16="http://schemas.microsoft.com/office/powerpoint/2015/main" val="1"/>
-              </p:ext>
-            </p:extLst>
-          </p:nvPr>
-        </p:nvSpPr>
-        <p:spPr>
-          <a:xfrm rot="6097846">
-            <a:off x="818753" y="1128497"/>
-            <a:ext cx="4318303" cy="4318303"/>
-          </a:xfrm>
-          <a:prstGeom prst="ellipse">
-            <a:avLst/>
-          </a:prstGeom>
-          <a:gradFill>
-            <a:gsLst>
-              <a:gs pos="39000">
-                <a:schemeClr val="accent1">
-                  <a:alpha val="0"/>
-                </a:schemeClr>
-              </a:gs>
-              <a:gs pos="100000">
-                <a:schemeClr val="accent1">
-                  <a:lumMod val="60000"/>
-                  <a:lumOff val="40000"/>
-                  <a:alpha val="15000"/>
-                </a:schemeClr>
-              </a:gs>
-            </a:gsLst>
-            <a:lin ang="17400000" scaled="0"/>
-          </a:gradFill>
-          <a:ln>
-            <a:noFill/>
-          </a:ln>
-        </p:spPr>
-        <p:style>
-          <a:lnRef idx="2">
-            <a:schemeClr val="accent1">
-              <a:shade val="50000"/>
-            </a:schemeClr>
-          </a:lnRef>
-          <a:fillRef idx="1">
-            <a:schemeClr val="accent1"/>
-          </a:fillRef>
-          <a:effectRef idx="0">
-            <a:schemeClr val="accent1"/>
-          </a:effectRef>
-          <a:fontRef idx="minor">
-            <a:schemeClr val="lt1"/>
-          </a:fontRef>
-        </p:style>
-        <p:txBody>
-          <a:bodyPr rtlCol="0" anchor="ctr"/>
-          <a:lstStyle/>
-          <a:p>
-            <a:pPr algn="ctr"/>
-            <a:endParaRPr lang="en-US" dirty="0"/>
-          </a:p>
-        </p:txBody>
-      </p:sp>
-      <p:sp>
-        <p:nvSpPr>
-          <p:cNvPr id="2" name="Title 1">
-            <a:extLst>
-              <a:ext uri="{FF2B5EF4-FFF2-40B4-BE49-F238E27FC236}">
-                <a16:creationId xmlns:a16="http://schemas.microsoft.com/office/drawing/2014/main" id="{B80CC77E-40BC-46BF-D1EB-E390C3513CB5}"/>
-              </a:ext>
-            </a:extLst>
-          </p:cNvPr>
-          <p:cNvSpPr>
-            <a:spLocks noGrp="1"/>
-          </p:cNvSpPr>
-          <p:nvPr>
-            <p:ph type="title"/>
-          </p:nvPr>
-        </p:nvSpPr>
-        <p:spPr>
-          <a:xfrm>
-            <a:off x="826396" y="586855"/>
-            <a:ext cx="4230100" cy="3387497"/>
-          </a:xfrm>
-        </p:spPr>
-        <p:txBody>
-          <a:bodyPr anchor="b">
-            <a:normAutofit/>
-          </a:bodyPr>
-          <a:lstStyle/>
-          <a:p>
-            <a:pPr algn="r"/>
-            <a:r>
-              <a:rPr lang="en-US" sz="3400" dirty="0">
-                <a:solidFill>
-                  <a:srgbClr val="FFFFFF"/>
-                </a:solidFill>
-              </a:rPr>
-              <a:t>How do participation rates compare between different programs within the same service region? </a:t>
-            </a:r>
-            <a:br>
-              <a:rPr lang="en-US" sz="3400" dirty="0">
-                <a:solidFill>
-                  <a:srgbClr val="FFFFFF"/>
-                </a:solidFill>
-              </a:rPr>
-            </a:br>
-            <a:endParaRPr lang="en-US" sz="3400" dirty="0">
-              <a:solidFill>
-                <a:srgbClr val="FFFFFF"/>
-              </a:solidFill>
-            </a:endParaRPr>
-          </a:p>
-        </p:txBody>
-      </p:sp>
-      <p:sp>
-        <p:nvSpPr>
-          <p:cNvPr id="3" name="Content Placeholder 2">
-            <a:extLst>
-              <a:ext uri="{FF2B5EF4-FFF2-40B4-BE49-F238E27FC236}">
-                <a16:creationId xmlns:a16="http://schemas.microsoft.com/office/drawing/2014/main" id="{3675A650-1028-8283-2AFA-B885AC34DF78}"/>
-              </a:ext>
-            </a:extLst>
-          </p:cNvPr>
-          <p:cNvSpPr>
-            <a:spLocks noGrp="1"/>
-          </p:cNvSpPr>
-          <p:nvPr>
-            <p:ph idx="1"/>
-          </p:nvPr>
-        </p:nvSpPr>
-        <p:spPr>
-          <a:xfrm>
-            <a:off x="6503158" y="649480"/>
-            <a:ext cx="4862447" cy="5546047"/>
-          </a:xfrm>
-        </p:spPr>
-        <p:txBody>
-          <a:bodyPr anchor="ctr">
-            <a:normAutofit/>
-          </a:bodyPr>
-          <a:lstStyle/>
-          <a:p>
-            <a:endParaRPr lang="en-US" sz="2000"/>
-          </a:p>
-        </p:txBody>
-      </p:sp>
-    </p:spTree>
-    <p:extLst>
-      <p:ext uri="{BB962C8B-B14F-4D97-AF65-F5344CB8AC3E}">
-        <p14:creationId xmlns:p14="http://schemas.microsoft.com/office/powerpoint/2010/main" val="269991464"/>
-      </p:ext>
-    </p:extLst>
-  </p:cSld>
-  <p:clrMapOvr>
-    <a:masterClrMapping/>
-  </p:clrMapOvr>
-</p:sld>
-</file>
-
-<file path=ppt/slides/slide12.xml><?xml version="1.0" encoding="utf-8"?>
-<p:sld xmlns:a="http://schemas.openxmlformats.org/drawingml/2006/main" xmlns:r="http://schemas.openxmlformats.org/officeDocument/2006/relationships" xmlns:p="http://schemas.openxmlformats.org/presentationml/2006/main">
-  <p:cSld>
-    <p:bg>
-      <p:bgPr>
-        <a:solidFill>
-          <a:schemeClr val="bg1"/>
-        </a:solidFill>
-        <a:effectLst/>
-      </p:bgPr>
-    </p:bg>
-    <p:spTree>
-      <p:nvGrpSpPr>
-        <p:cNvPr id="1" name=""/>
-        <p:cNvGrpSpPr/>
-        <p:nvPr/>
-      </p:nvGrpSpPr>
-      <p:grpSpPr>
-        <a:xfrm>
-          <a:off x="0" y="0"/>
-          <a:ext cx="0" cy="0"/>
-          <a:chOff x="0" y="0"/>
-          <a:chExt cx="0" cy="0"/>
-        </a:xfrm>
-      </p:grpSpPr>
-      <p:sp useBgFill="1">
-        <p:nvSpPr>
-          <p:cNvPr id="8" name="Rectangle 7">
-            <a:extLst>
-              <a:ext uri="{FF2B5EF4-FFF2-40B4-BE49-F238E27FC236}">
-                <a16:creationId xmlns:a16="http://schemas.microsoft.com/office/drawing/2014/main" id="{1B15ED52-F352-441B-82BF-E0EA34836D08}"/>
-              </a:ext>
-              <a:ext uri="{C183D7F6-B498-43B3-948B-1728B52AA6E4}">
-                <adec:decorative xmlns:adec="http://schemas.microsoft.com/office/drawing/2017/decorative" val="1"/>
-              </a:ext>
-            </a:extLst>
-          </p:cNvPr>
-          <p:cNvSpPr>
-            <a:spLocks noGrp="1" noRot="1" noChangeAspect="1" noMove="1" noResize="1" noEditPoints="1" noAdjustHandles="1" noChangeArrowheads="1" noChangeShapeType="1" noTextEdit="1"/>
-          </p:cNvSpPr>
-          <p:nvPr>
-            <p:extLst>
-              <p:ext uri="{386F3935-93C4-4BCD-93E2-E3B085C9AB24}">
-                <p16:designElem xmlns:p16="http://schemas.microsoft.com/office/powerpoint/2015/main" val="1"/>
-              </p:ext>
-            </p:extLst>
-          </p:nvPr>
-        </p:nvSpPr>
-        <p:spPr>
-          <a:xfrm>
-            <a:off x="0" y="0"/>
-            <a:ext cx="12192000" cy="6858000"/>
-          </a:xfrm>
-          <a:prstGeom prst="rect">
-            <a:avLst/>
-          </a:prstGeom>
-          <a:ln w="12700" cap="flat" cmpd="sng" algn="ctr">
-            <a:noFill/>
-            <a:prstDash val="solid"/>
-            <a:miter lim="800000"/>
-          </a:ln>
-          <a:effectLst/>
-          <a:extLst>
-            <a:ext uri="{91240B29-F687-4F45-9708-019B960494DF}">
-              <a14:hiddenLine xmlns:a14="http://schemas.microsoft.com/office/drawing/2010/main" w="12700" cap="flat" cmpd="sng" algn="ctr">
-                <a:solidFill>
-                  <a:schemeClr val="accent1">
-                    <a:shade val="50000"/>
-                  </a:schemeClr>
-                </a:solidFill>
-                <a:prstDash val="solid"/>
-                <a:miter lim="800000"/>
-              </a14:hiddenLine>
-            </a:ext>
-          </a:extLst>
-        </p:spPr>
-        <p:style>
-          <a:lnRef idx="2">
-            <a:schemeClr val="accent1">
-              <a:shade val="50000"/>
-            </a:schemeClr>
-          </a:lnRef>
-          <a:fillRef idx="1">
-            <a:schemeClr val="accent1"/>
-          </a:fillRef>
-          <a:effectRef idx="0">
-            <a:schemeClr val="accent1"/>
-          </a:effectRef>
-          <a:fontRef idx="minor">
-            <a:schemeClr val="lt1"/>
-          </a:fontRef>
-        </p:style>
-        <p:txBody>
-          <a:bodyPr rtlCol="0" anchor="ctr"/>
-          <a:lstStyle/>
-          <a:p>
-            <a:pPr algn="ctr"/>
-            <a:endParaRPr lang="en-US"/>
-          </a:p>
-        </p:txBody>
-      </p:sp>
-      <p:sp>
-        <p:nvSpPr>
-          <p:cNvPr id="10" name="Rectangle 9">
-            <a:extLst>
-              <a:ext uri="{FF2B5EF4-FFF2-40B4-BE49-F238E27FC236}">
                 <a16:creationId xmlns:a16="http://schemas.microsoft.com/office/drawing/2014/main" id="{3B2E3793-BFE6-45A2-9B7B-E18844431C99}"/>
               </a:ext>
               <a:ext uri="{C183D7F6-B498-43B3-948B-1728B52AA6E4}">
@@ -11494,7 +10923,7 @@
           <p:nvPr>
             <p:extLst>
               <p:ext uri="{D42A27DB-BD31-4B8C-83A1-F6EECF244321}">
-                <p14:modId xmlns:p14="http://schemas.microsoft.com/office/powerpoint/2010/main" val="2242677944"/>
+                <p14:modId xmlns:p14="http://schemas.microsoft.com/office/powerpoint/2010/main" val="645221393"/>
               </p:ext>
             </p:extLst>
           </p:nvPr>
@@ -13125,13 +12554,13 @@
             <p:ph idx="1"/>
             <p:extLst>
               <p:ext uri="{D42A27DB-BD31-4B8C-83A1-F6EECF244321}">
-                <p14:modId xmlns:p14="http://schemas.microsoft.com/office/powerpoint/2010/main" val="1415115465"/>
+                <p14:modId xmlns:p14="http://schemas.microsoft.com/office/powerpoint/2010/main" val="3612172669"/>
               </p:ext>
             </p:extLst>
           </p:nvPr>
         </p:nvGraphicFramePr>
         <p:xfrm>
-          <a:off x="644056" y="2112579"/>
+          <a:off x="632085" y="2162006"/>
           <a:ext cx="10927829" cy="4192805"/>
         </p:xfrm>
         <a:graphic>
@@ -14259,10 +13688,10 @@
       </p:grpSpPr>
       <p:sp useBgFill="1">
         <p:nvSpPr>
-          <p:cNvPr id="8" name="Rectangle 7">
+          <p:cNvPr id="36" name="Rectangle 35">
             <a:extLst>
               <a:ext uri="{FF2B5EF4-FFF2-40B4-BE49-F238E27FC236}">
-                <a16:creationId xmlns:a16="http://schemas.microsoft.com/office/drawing/2014/main" id="{1B15ED52-F352-441B-82BF-E0EA34836D08}"/>
+                <a16:creationId xmlns:a16="http://schemas.microsoft.com/office/drawing/2014/main" id="{A8384FB5-9ADC-4DDC-881B-597D56F5B15D}"/>
               </a:ext>
               <a:ext uri="{C183D7F6-B498-43B3-948B-1728B52AA6E4}">
                 <adec:decorative xmlns:adec="http://schemas.microsoft.com/office/drawing/2017/decorative" val="1"/>
@@ -14335,7 +13764,575 @@
       </p:sp>
       <p:sp>
         <p:nvSpPr>
-          <p:cNvPr id="10" name="Rectangle 9">
+          <p:cNvPr id="38" name="Rectangle 37">
+            <a:extLst>
+              <a:ext uri="{FF2B5EF4-FFF2-40B4-BE49-F238E27FC236}">
+                <a16:creationId xmlns:a16="http://schemas.microsoft.com/office/drawing/2014/main" id="{1199E1B1-A8C0-4FE8-A5A8-1CB41D69F857}"/>
+              </a:ext>
+              <a:ext uri="{C183D7F6-B498-43B3-948B-1728B52AA6E4}">
+                <adec:decorative xmlns:adec="http://schemas.microsoft.com/office/drawing/2017/decorative" val="1"/>
+              </a:ext>
+            </a:extLst>
+          </p:cNvPr>
+          <p:cNvSpPr>
+            <a:spLocks noGrp="1" noRot="1" noChangeAspect="1" noMove="1" noResize="1" noEditPoints="1" noAdjustHandles="1" noChangeArrowheads="1" noChangeShapeType="1" noTextEdit="1"/>
+          </p:cNvSpPr>
+          <p:nvPr>
+            <p:extLst>
+              <p:ext uri="{386F3935-93C4-4BCD-93E2-E3B085C9AB24}">
+                <p16:designElem xmlns:p16="http://schemas.microsoft.com/office/powerpoint/2015/main" val="1"/>
+              </p:ext>
+            </p:extLst>
+          </p:nvPr>
+        </p:nvSpPr>
+        <p:spPr>
+          <a:xfrm rot="10800000" flipH="1">
+            <a:off x="2" y="0"/>
+            <a:ext cx="12191998" cy="1575955"/>
+          </a:xfrm>
+          <a:prstGeom prst="rect">
+            <a:avLst/>
+          </a:prstGeom>
+          <a:gradFill>
+            <a:gsLst>
+              <a:gs pos="0">
+                <a:srgbClr val="000000">
+                  <a:alpha val="96000"/>
+                </a:srgbClr>
+              </a:gs>
+              <a:gs pos="100000">
+                <a:schemeClr val="accent1">
+                  <a:lumMod val="75000"/>
+                </a:schemeClr>
+              </a:gs>
+            </a:gsLst>
+            <a:lin ang="6000000" scaled="0"/>
+          </a:gradFill>
+          <a:ln>
+            <a:noFill/>
+          </a:ln>
+        </p:spPr>
+        <p:style>
+          <a:lnRef idx="2">
+            <a:schemeClr val="accent1">
+              <a:shade val="50000"/>
+            </a:schemeClr>
+          </a:lnRef>
+          <a:fillRef idx="1">
+            <a:schemeClr val="accent1"/>
+          </a:fillRef>
+          <a:effectRef idx="0">
+            <a:schemeClr val="accent1"/>
+          </a:effectRef>
+          <a:fontRef idx="minor">
+            <a:schemeClr val="lt1"/>
+          </a:fontRef>
+        </p:style>
+        <p:txBody>
+          <a:bodyPr rtlCol="0" anchor="ctr"/>
+          <a:lstStyle/>
+          <a:p>
+            <a:pPr algn="ctr"/>
+            <a:endParaRPr lang="en-US"/>
+          </a:p>
+        </p:txBody>
+      </p:sp>
+      <p:sp>
+        <p:nvSpPr>
+          <p:cNvPr id="40" name="Rectangle 39">
+            <a:extLst>
+              <a:ext uri="{FF2B5EF4-FFF2-40B4-BE49-F238E27FC236}">
+                <a16:creationId xmlns:a16="http://schemas.microsoft.com/office/drawing/2014/main" id="{84A8DE83-DE75-4B41-9DB4-A7EC0B0DEC0B}"/>
+              </a:ext>
+              <a:ext uri="{C183D7F6-B498-43B3-948B-1728B52AA6E4}">
+                <adec:decorative xmlns:adec="http://schemas.microsoft.com/office/drawing/2017/decorative" val="1"/>
+              </a:ext>
+            </a:extLst>
+          </p:cNvPr>
+          <p:cNvSpPr>
+            <a:spLocks noGrp="1" noRot="1" noChangeAspect="1" noMove="1" noResize="1" noEditPoints="1" noAdjustHandles="1" noChangeArrowheads="1" noChangeShapeType="1" noTextEdit="1"/>
+          </p:cNvSpPr>
+          <p:nvPr>
+            <p:extLst>
+              <p:ext uri="{386F3935-93C4-4BCD-93E2-E3B085C9AB24}">
+                <p16:designElem xmlns:p16="http://schemas.microsoft.com/office/powerpoint/2015/main" val="1"/>
+              </p:ext>
+            </p:extLst>
+          </p:nvPr>
+        </p:nvSpPr>
+        <p:spPr>
+          <a:xfrm>
+            <a:off x="0" y="0"/>
+            <a:ext cx="8128856" cy="1575461"/>
+          </a:xfrm>
+          <a:prstGeom prst="rect">
+            <a:avLst/>
+          </a:prstGeom>
+          <a:gradFill>
+            <a:gsLst>
+              <a:gs pos="0">
+                <a:schemeClr val="accent1">
+                  <a:alpha val="41000"/>
+                </a:schemeClr>
+              </a:gs>
+              <a:gs pos="74000">
+                <a:schemeClr val="accent1">
+                  <a:lumMod val="60000"/>
+                  <a:lumOff val="40000"/>
+                  <a:alpha val="0"/>
+                </a:schemeClr>
+              </a:gs>
+            </a:gsLst>
+            <a:lin ang="8400000" scaled="0"/>
+          </a:gradFill>
+          <a:ln>
+            <a:noFill/>
+          </a:ln>
+        </p:spPr>
+        <p:style>
+          <a:lnRef idx="2">
+            <a:schemeClr val="accent1">
+              <a:shade val="50000"/>
+            </a:schemeClr>
+          </a:lnRef>
+          <a:fillRef idx="1">
+            <a:schemeClr val="accent1"/>
+          </a:fillRef>
+          <a:effectRef idx="0">
+            <a:schemeClr val="accent1"/>
+          </a:effectRef>
+          <a:fontRef idx="minor">
+            <a:schemeClr val="lt1"/>
+          </a:fontRef>
+        </p:style>
+        <p:txBody>
+          <a:bodyPr rtlCol="0" anchor="ctr"/>
+          <a:lstStyle/>
+          <a:p>
+            <a:pPr algn="ctr"/>
+            <a:endParaRPr lang="en-US"/>
+          </a:p>
+        </p:txBody>
+      </p:sp>
+      <p:sp>
+        <p:nvSpPr>
+          <p:cNvPr id="42" name="Rectangle 41">
+            <a:extLst>
+              <a:ext uri="{FF2B5EF4-FFF2-40B4-BE49-F238E27FC236}">
+                <a16:creationId xmlns:a16="http://schemas.microsoft.com/office/drawing/2014/main" id="{A7009A0A-BEF5-4EAC-AF15-E4F9F002E239}"/>
+              </a:ext>
+              <a:ext uri="{C183D7F6-B498-43B3-948B-1728B52AA6E4}">
+                <adec:decorative xmlns:adec="http://schemas.microsoft.com/office/drawing/2017/decorative" val="1"/>
+              </a:ext>
+            </a:extLst>
+          </p:cNvPr>
+          <p:cNvSpPr>
+            <a:spLocks noGrp="1" noRot="1" noChangeAspect="1" noMove="1" noResize="1" noEditPoints="1" noAdjustHandles="1" noChangeArrowheads="1" noChangeShapeType="1" noTextEdit="1"/>
+          </p:cNvSpPr>
+          <p:nvPr>
+            <p:extLst>
+              <p:ext uri="{386F3935-93C4-4BCD-93E2-E3B085C9AB24}">
+                <p16:designElem xmlns:p16="http://schemas.microsoft.com/office/powerpoint/2015/main" val="1"/>
+              </p:ext>
+            </p:extLst>
+          </p:nvPr>
+        </p:nvSpPr>
+        <p:spPr>
+          <a:xfrm flipH="1">
+            <a:off x="-3" y="-1"/>
+            <a:ext cx="12192002" cy="1574311"/>
+          </a:xfrm>
+          <a:prstGeom prst="rect">
+            <a:avLst/>
+          </a:prstGeom>
+          <a:gradFill>
+            <a:gsLst>
+              <a:gs pos="0">
+                <a:srgbClr val="000000">
+                  <a:alpha val="63000"/>
+                </a:srgbClr>
+              </a:gs>
+              <a:gs pos="78000">
+                <a:schemeClr val="accent1">
+                  <a:alpha val="15000"/>
+                </a:schemeClr>
+              </a:gs>
+            </a:gsLst>
+            <a:lin ang="15600000" scaled="0"/>
+          </a:gradFill>
+          <a:ln>
+            <a:noFill/>
+          </a:ln>
+        </p:spPr>
+        <p:style>
+          <a:lnRef idx="2">
+            <a:schemeClr val="accent1">
+              <a:shade val="50000"/>
+            </a:schemeClr>
+          </a:lnRef>
+          <a:fillRef idx="1">
+            <a:schemeClr val="accent1"/>
+          </a:fillRef>
+          <a:effectRef idx="0">
+            <a:schemeClr val="accent1"/>
+          </a:effectRef>
+          <a:fontRef idx="minor">
+            <a:schemeClr val="lt1"/>
+          </a:fontRef>
+        </p:style>
+        <p:txBody>
+          <a:bodyPr rtlCol="0" anchor="ctr"/>
+          <a:lstStyle/>
+          <a:p>
+            <a:pPr algn="ctr"/>
+            <a:endParaRPr lang="en-US"/>
+          </a:p>
+        </p:txBody>
+      </p:sp>
+      <p:sp>
+        <p:nvSpPr>
+          <p:cNvPr id="2" name="Title 1">
+            <a:extLst>
+              <a:ext uri="{FF2B5EF4-FFF2-40B4-BE49-F238E27FC236}">
+                <a16:creationId xmlns:a16="http://schemas.microsoft.com/office/drawing/2014/main" id="{B8982814-4D8D-CDBC-9E09-E3CED6366D50}"/>
+              </a:ext>
+            </a:extLst>
+          </p:cNvPr>
+          <p:cNvSpPr>
+            <a:spLocks noGrp="1"/>
+          </p:cNvSpPr>
+          <p:nvPr>
+            <p:ph type="title"/>
+          </p:nvPr>
+        </p:nvSpPr>
+        <p:spPr>
+          <a:xfrm>
+            <a:off x="699713" y="248038"/>
+            <a:ext cx="7063721" cy="1159200"/>
+          </a:xfrm>
+        </p:spPr>
+        <p:txBody>
+          <a:bodyPr vert="horz" lIns="91440" tIns="45720" rIns="91440" bIns="45720" rtlCol="0" anchor="ctr">
+            <a:normAutofit/>
+          </a:bodyPr>
+          <a:lstStyle/>
+          <a:p>
+            <a:r>
+              <a:rPr lang="en-US" sz="2500" kern="1200" dirty="0">
+                <a:solidFill>
+                  <a:srgbClr val="FFFFFF"/>
+                </a:solidFill>
+                <a:latin typeface="+mj-lt"/>
+                <a:ea typeface="+mj-ea"/>
+                <a:cs typeface="+mj-cs"/>
+              </a:rPr>
+              <a:t>Are some racial groups more engaged in volunteer activities within specific states? </a:t>
+            </a:r>
+            <a:br>
+              <a:rPr lang="en-US" sz="2500" kern="1200" dirty="0">
+                <a:solidFill>
+                  <a:srgbClr val="FFFFFF"/>
+                </a:solidFill>
+                <a:latin typeface="+mj-lt"/>
+                <a:ea typeface="+mj-ea"/>
+                <a:cs typeface="+mj-cs"/>
+              </a:rPr>
+            </a:br>
+            <a:endParaRPr lang="en-US" sz="2500" kern="1200" dirty="0">
+              <a:solidFill>
+                <a:srgbClr val="FFFFFF"/>
+              </a:solidFill>
+              <a:latin typeface="+mj-lt"/>
+              <a:ea typeface="+mj-ea"/>
+              <a:cs typeface="+mj-cs"/>
+            </a:endParaRPr>
+          </a:p>
+        </p:txBody>
+      </p:sp>
+      <p:sp>
+        <p:nvSpPr>
+          <p:cNvPr id="5" name="AutoShape 4">
+            <a:extLst>
+              <a:ext uri="{FF2B5EF4-FFF2-40B4-BE49-F238E27FC236}">
+                <a16:creationId xmlns:a16="http://schemas.microsoft.com/office/drawing/2014/main" id="{C693F95A-58CD-F57F-12CC-B136BAB3F4CF}"/>
+              </a:ext>
+            </a:extLst>
+          </p:cNvPr>
+          <p:cNvSpPr>
+            <a:spLocks noChangeAspect="1" noChangeArrowheads="1"/>
+          </p:cNvSpPr>
+          <p:nvPr/>
+        </p:nvSpPr>
+        <p:spPr bwMode="auto">
+          <a:xfrm>
+            <a:off x="5943600" y="3276600"/>
+            <a:ext cx="304800" cy="304800"/>
+          </a:xfrm>
+          <a:prstGeom prst="rect">
+            <a:avLst/>
+          </a:prstGeom>
+          <a:noFill/>
+          <a:extLst>
+            <a:ext uri="{909E8E84-426E-40DD-AFC4-6F175D3DCCD1}">
+              <a14:hiddenFill xmlns:a14="http://schemas.microsoft.com/office/drawing/2010/main">
+                <a:solidFill>
+                  <a:srgbClr val="FFFFFF"/>
+                </a:solidFill>
+              </a14:hiddenFill>
+            </a:ext>
+          </a:extLst>
+        </p:spPr>
+        <p:txBody>
+          <a:bodyPr vert="horz" wrap="square" lIns="91440" tIns="45720" rIns="91440" bIns="45720" numCol="1" anchor="t" anchorCtr="0" compatLnSpc="1">
+            <a:prstTxWarp prst="textNoShape">
+              <a:avLst/>
+            </a:prstTxWarp>
+          </a:bodyPr>
+          <a:lstStyle/>
+          <a:p>
+            <a:endParaRPr lang="en-US"/>
+          </a:p>
+        </p:txBody>
+      </p:sp>
+      <p:pic>
+        <p:nvPicPr>
+          <p:cNvPr id="4" name="Picture 3">
+            <a:extLst>
+              <a:ext uri="{FF2B5EF4-FFF2-40B4-BE49-F238E27FC236}">
+                <a16:creationId xmlns:a16="http://schemas.microsoft.com/office/drawing/2014/main" id="{363E4159-93D2-F7C4-8CC3-BE803AA91D86}"/>
+              </a:ext>
+            </a:extLst>
+          </p:cNvPr>
+          <p:cNvPicPr>
+            <a:picLocks noChangeAspect="1"/>
+          </p:cNvPicPr>
+          <p:nvPr/>
+        </p:nvPicPr>
+        <p:blipFill>
+          <a:blip r:embed="rId2"/>
+          <a:stretch>
+            <a:fillRect/>
+          </a:stretch>
+        </p:blipFill>
+        <p:spPr>
+          <a:xfrm>
+            <a:off x="2362200" y="1786704"/>
+            <a:ext cx="7772400" cy="4857750"/>
+          </a:xfrm>
+          <a:prstGeom prst="rect">
+            <a:avLst/>
+          </a:prstGeom>
+        </p:spPr>
+      </p:pic>
+    </p:spTree>
+    <p:extLst>
+      <p:ext uri="{BB962C8B-B14F-4D97-AF65-F5344CB8AC3E}">
+        <p14:creationId xmlns:p14="http://schemas.microsoft.com/office/powerpoint/2010/main" val="96234309"/>
+      </p:ext>
+    </p:extLst>
+  </p:cSld>
+  <p:clrMapOvr>
+    <a:masterClrMapping/>
+  </p:clrMapOvr>
+  <p:timing>
+    <p:tnLst>
+      <p:par>
+        <p:cTn id="1" dur="indefinite" restart="never" nodeType="tmRoot">
+          <p:childTnLst>
+            <p:seq concurrent="1" nextAc="seek">
+              <p:cTn id="2" dur="indefinite" nodeType="mainSeq">
+                <p:childTnLst>
+                  <p:par>
+                    <p:cTn id="3" fill="hold">
+                      <p:stCondLst>
+                        <p:cond delay="indefinite"/>
+                        <p:cond evt="onBegin" delay="0">
+                          <p:tn val="2"/>
+                        </p:cond>
+                      </p:stCondLst>
+                      <p:childTnLst>
+                        <p:par>
+                          <p:cTn id="4" fill="hold">
+                            <p:stCondLst>
+                              <p:cond delay="0"/>
+                            </p:stCondLst>
+                            <p:childTnLst>
+                              <p:par>
+                                <p:cTn id="5" presetID="10" presetClass="entr" presetSubtype="0" fill="hold" grpId="0" nodeType="withEffect">
+                                  <p:stCondLst>
+                                    <p:cond delay="500"/>
+                                  </p:stCondLst>
+                                  <p:iterate type="lt">
+                                    <p:tmPct val="10000"/>
+                                  </p:iterate>
+                                  <p:childTnLst>
+                                    <p:set>
+                                      <p:cBhvr>
+                                        <p:cTn id="6" dur="1" fill="hold">
+                                          <p:stCondLst>
+                                            <p:cond delay="0"/>
+                                          </p:stCondLst>
+                                        </p:cTn>
+                                        <p:tgtEl>
+                                          <p:spTgt spid="2"/>
+                                        </p:tgtEl>
+                                        <p:attrNameLst>
+                                          <p:attrName>style.visibility</p:attrName>
+                                        </p:attrNameLst>
+                                      </p:cBhvr>
+                                      <p:to>
+                                        <p:strVal val="visible"/>
+                                      </p:to>
+                                    </p:set>
+                                    <p:animEffect transition="in" filter="fade">
+                                      <p:cBhvr>
+                                        <p:cTn id="7" dur="400"/>
+                                        <p:tgtEl>
+                                          <p:spTgt spid="2"/>
+                                        </p:tgtEl>
+                                      </p:cBhvr>
+                                    </p:animEffect>
+                                  </p:childTnLst>
+                                </p:cTn>
+                              </p:par>
+                            </p:childTnLst>
+                          </p:cTn>
+                        </p:par>
+                      </p:childTnLst>
+                    </p:cTn>
+                  </p:par>
+                </p:childTnLst>
+              </p:cTn>
+              <p:prevCondLst>
+                <p:cond evt="onPrev" delay="0">
+                  <p:tgtEl>
+                    <p:sldTgt/>
+                  </p:tgtEl>
+                </p:cond>
+              </p:prevCondLst>
+              <p:nextCondLst>
+                <p:cond evt="onNext" delay="0">
+                  <p:tgtEl>
+                    <p:sldTgt/>
+                  </p:tgtEl>
+                </p:cond>
+              </p:nextCondLst>
+            </p:seq>
+          </p:childTnLst>
+        </p:cTn>
+      </p:par>
+    </p:tnLst>
+    <p:bldLst>
+      <p:bldP spid="2" grpId="0"/>
+    </p:bldLst>
+  </p:timing>
+</p:sld>
+</file>
+
+<file path=ppt/slides/slide8.xml><?xml version="1.0" encoding="utf-8"?>
+<p:sld xmlns:a="http://schemas.openxmlformats.org/drawingml/2006/main" xmlns:r="http://schemas.openxmlformats.org/officeDocument/2006/relationships" xmlns:p="http://schemas.openxmlformats.org/presentationml/2006/main">
+  <p:cSld>
+    <p:bg>
+      <p:bgPr>
+        <a:solidFill>
+          <a:schemeClr val="bg1"/>
+        </a:solidFill>
+        <a:effectLst/>
+      </p:bgPr>
+    </p:bg>
+    <p:spTree>
+      <p:nvGrpSpPr>
+        <p:cNvPr id="1" name=""/>
+        <p:cNvGrpSpPr/>
+        <p:nvPr/>
+      </p:nvGrpSpPr>
+      <p:grpSpPr>
+        <a:xfrm>
+          <a:off x="0" y="0"/>
+          <a:ext cx="0" cy="0"/>
+          <a:chOff x="0" y="0"/>
+          <a:chExt cx="0" cy="0"/>
+        </a:xfrm>
+      </p:grpSpPr>
+      <p:sp useBgFill="1">
+        <p:nvSpPr>
+          <p:cNvPr id="23" name="Rectangle 22">
+            <a:extLst>
+              <a:ext uri="{FF2B5EF4-FFF2-40B4-BE49-F238E27FC236}">
+                <a16:creationId xmlns:a16="http://schemas.microsoft.com/office/drawing/2014/main" id="{1B15ED52-F352-441B-82BF-E0EA34836D08}"/>
+              </a:ext>
+              <a:ext uri="{C183D7F6-B498-43B3-948B-1728B52AA6E4}">
+                <adec:decorative xmlns:adec="http://schemas.microsoft.com/office/drawing/2017/decorative" val="1"/>
+              </a:ext>
+            </a:extLst>
+          </p:cNvPr>
+          <p:cNvSpPr>
+            <a:spLocks noGrp="1" noRot="1" noChangeAspect="1" noMove="1" noResize="1" noEditPoints="1" noAdjustHandles="1" noChangeArrowheads="1" noChangeShapeType="1" noTextEdit="1"/>
+          </p:cNvSpPr>
+          <p:nvPr>
+            <p:extLst>
+              <p:ext uri="{386F3935-93C4-4BCD-93E2-E3B085C9AB24}">
+                <p16:designElem xmlns:p16="http://schemas.microsoft.com/office/powerpoint/2015/main" val="1"/>
+              </p:ext>
+            </p:extLst>
+          </p:nvPr>
+        </p:nvSpPr>
+        <p:spPr>
+          <a:xfrm>
+            <a:off x="0" y="0"/>
+            <a:ext cx="12192000" cy="6858000"/>
+          </a:xfrm>
+          <a:prstGeom prst="rect">
+            <a:avLst/>
+          </a:prstGeom>
+          <a:ln w="12700" cap="flat" cmpd="sng" algn="ctr">
+            <a:noFill/>
+            <a:prstDash val="solid"/>
+            <a:miter lim="800000"/>
+          </a:ln>
+          <a:effectLst/>
+          <a:extLst>
+            <a:ext uri="{91240B29-F687-4F45-9708-019B960494DF}">
+              <a14:hiddenLine xmlns:a14="http://schemas.microsoft.com/office/drawing/2010/main" w="12700" cap="flat" cmpd="sng" algn="ctr">
+                <a:solidFill>
+                  <a:schemeClr val="accent1">
+                    <a:shade val="50000"/>
+                  </a:schemeClr>
+                </a:solidFill>
+                <a:prstDash val="solid"/>
+                <a:miter lim="800000"/>
+              </a14:hiddenLine>
+            </a:ext>
+          </a:extLst>
+        </p:spPr>
+        <p:style>
+          <a:lnRef idx="2">
+            <a:schemeClr val="accent1">
+              <a:shade val="50000"/>
+            </a:schemeClr>
+          </a:lnRef>
+          <a:fillRef idx="1">
+            <a:schemeClr val="accent1"/>
+          </a:fillRef>
+          <a:effectRef idx="0">
+            <a:schemeClr val="accent1"/>
+          </a:effectRef>
+          <a:fontRef idx="minor">
+            <a:schemeClr val="lt1"/>
+          </a:fontRef>
+        </p:style>
+        <p:txBody>
+          <a:bodyPr rtlCol="0" anchor="ctr"/>
+          <a:lstStyle/>
+          <a:p>
+            <a:pPr algn="ctr"/>
+            <a:endParaRPr lang="en-US"/>
+          </a:p>
+        </p:txBody>
+      </p:sp>
+      <p:sp>
+        <p:nvSpPr>
+          <p:cNvPr id="25" name="Rectangle 24">
             <a:extLst>
               <a:ext uri="{FF2B5EF4-FFF2-40B4-BE49-F238E27FC236}">
                 <a16:creationId xmlns:a16="http://schemas.microsoft.com/office/drawing/2014/main" id="{3B2E3793-BFE6-45A2-9B7B-E18844431C99}"/>
@@ -14408,7 +14405,7 @@
       </p:sp>
       <p:sp>
         <p:nvSpPr>
-          <p:cNvPr id="12" name="Rectangle 11">
+          <p:cNvPr id="27" name="Rectangle 26">
             <a:extLst>
               <a:ext uri="{FF2B5EF4-FFF2-40B4-BE49-F238E27FC236}">
                 <a16:creationId xmlns:a16="http://schemas.microsoft.com/office/drawing/2014/main" id="{BC4C4868-CB8F-4AF9-9CDB-8108F2C19B67}"/>
@@ -14484,7 +14481,7 @@
       </p:sp>
       <p:sp>
         <p:nvSpPr>
-          <p:cNvPr id="14" name="Rectangle 13">
+          <p:cNvPr id="29" name="Rectangle 28">
             <a:extLst>
               <a:ext uri="{FF2B5EF4-FFF2-40B4-BE49-F238E27FC236}">
                 <a16:creationId xmlns:a16="http://schemas.microsoft.com/office/drawing/2014/main" id="{375E0459-6403-40CD-989D-56A4407CA12E}"/>
@@ -14559,7 +14556,7 @@
       </p:sp>
       <p:sp>
         <p:nvSpPr>
-          <p:cNvPr id="16" name="Rectangle 15">
+          <p:cNvPr id="31" name="Rectangle 30">
             <a:extLst>
               <a:ext uri="{FF2B5EF4-FFF2-40B4-BE49-F238E27FC236}">
                 <a16:creationId xmlns:a16="http://schemas.microsoft.com/office/drawing/2014/main" id="{53E5B1A8-3AC9-4BD1-9BBC-78CA94F2D1BA}"/>
@@ -14638,7 +14635,7 @@
           <p:cNvPr id="2" name="Title 1">
             <a:extLst>
               <a:ext uri="{FF2B5EF4-FFF2-40B4-BE49-F238E27FC236}">
-                <a16:creationId xmlns:a16="http://schemas.microsoft.com/office/drawing/2014/main" id="{97F6B807-3088-3DF3-0C00-BCE0F211FD61}"/>
+                <a16:creationId xmlns:a16="http://schemas.microsoft.com/office/drawing/2014/main" id="{389D26DF-83AF-9B11-21D3-82AC617792BE}"/>
               </a:ext>
             </a:extLst>
           </p:cNvPr>
@@ -14662,21 +14659,21 @@
           <a:lstStyle/>
           <a:p>
             <a:r>
-              <a:rPr lang="en-US" sz="2200" dirty="0">
+              <a:rPr lang="en-US" sz="2200">
                 <a:solidFill>
                   <a:srgbClr val="FFFFFF"/>
                 </a:solidFill>
               </a:rPr>
-              <a:t>How does the representation of different demographic groups compare to their proportions in the general population? </a:t>
+              <a:t>Which program offices are most effective in engaging a diverse range of participants? </a:t>
             </a:r>
             <a:br>
-              <a:rPr lang="en-US" sz="2200" dirty="0">
+              <a:rPr lang="en-US" sz="2200">
                 <a:solidFill>
                   <a:srgbClr val="FFFFFF"/>
                 </a:solidFill>
               </a:rPr>
             </a:br>
-            <a:endParaRPr lang="en-US" sz="2200" dirty="0">
+            <a:endParaRPr lang="en-US" sz="2200">
               <a:solidFill>
                 <a:srgbClr val="FFFFFF"/>
               </a:solidFill>
@@ -14684,42 +14681,40 @@
           </a:p>
         </p:txBody>
       </p:sp>
-      <p:sp>
-        <p:nvSpPr>
-          <p:cNvPr id="3" name="Content Placeholder 2">
+      <p:pic>
+        <p:nvPicPr>
+          <p:cNvPr id="4" name="Picture 3">
             <a:extLst>
               <a:ext uri="{FF2B5EF4-FFF2-40B4-BE49-F238E27FC236}">
-                <a16:creationId xmlns:a16="http://schemas.microsoft.com/office/drawing/2014/main" id="{C1751F6E-171D-4254-E946-E27910A7EF5E}"/>
+                <a16:creationId xmlns:a16="http://schemas.microsoft.com/office/drawing/2014/main" id="{2C349930-41AB-52C6-C44D-AA8759A13DD9}"/>
               </a:ext>
             </a:extLst>
           </p:cNvPr>
-          <p:cNvSpPr>
-            <a:spLocks noGrp="1"/>
-          </p:cNvSpPr>
-          <p:nvPr>
-            <p:ph idx="1"/>
-          </p:nvPr>
-        </p:nvSpPr>
+          <p:cNvPicPr>
+            <a:picLocks noChangeAspect="1"/>
+          </p:cNvPicPr>
+          <p:nvPr/>
+        </p:nvPicPr>
+        <p:blipFill>
+          <a:blip r:embed="rId2"/>
+          <a:stretch>
+            <a:fillRect/>
+          </a:stretch>
+        </p:blipFill>
         <p:spPr>
           <a:xfrm>
-            <a:off x="1371599" y="2318197"/>
-            <a:ext cx="9724031" cy="3683358"/>
+            <a:off x="2433374" y="1798841"/>
+            <a:ext cx="7772400" cy="4857750"/>
           </a:xfrm>
+          <a:prstGeom prst="rect">
+            <a:avLst/>
+          </a:prstGeom>
         </p:spPr>
-        <p:txBody>
-          <a:bodyPr anchor="ctr">
-            <a:normAutofit/>
-          </a:bodyPr>
-          <a:lstStyle/>
-          <a:p>
-            <a:endParaRPr lang="en-US" sz="2000"/>
-          </a:p>
-        </p:txBody>
-      </p:sp>
+      </p:pic>
     </p:spTree>
     <p:extLst>
       <p:ext uri="{BB962C8B-B14F-4D97-AF65-F5344CB8AC3E}">
-        <p14:creationId xmlns:p14="http://schemas.microsoft.com/office/powerpoint/2010/main" val="1573446236"/>
+        <p14:creationId xmlns:p14="http://schemas.microsoft.com/office/powerpoint/2010/main" val="3965314190"/>
       </p:ext>
     </p:extLst>
   </p:cSld>
@@ -14729,7 +14724,7 @@
 </p:sld>
 </file>
 
-<file path=ppt/slides/slide8.xml><?xml version="1.0" encoding="utf-8"?>
+<file path=ppt/slides/slide9.xml><?xml version="1.0" encoding="utf-8"?>
 <p:sld xmlns:a="http://schemas.openxmlformats.org/drawingml/2006/main" xmlns:r="http://schemas.openxmlformats.org/officeDocument/2006/relationships" xmlns:p="http://schemas.openxmlformats.org/presentationml/2006/main">
   <p:cSld>
     <p:bg>
@@ -14759,7 +14754,7 @@
           <p:cNvPr id="8" name="Rectangle 7">
             <a:extLst>
               <a:ext uri="{FF2B5EF4-FFF2-40B4-BE49-F238E27FC236}">
-                <a16:creationId xmlns:a16="http://schemas.microsoft.com/office/drawing/2014/main" id="{DEE2AD96-B495-4E06-9291-B71706F728CB}"/>
+                <a16:creationId xmlns:a16="http://schemas.microsoft.com/office/drawing/2014/main" id="{1B15ED52-F352-441B-82BF-E0EA34836D08}"/>
               </a:ext>
               <a:ext uri="{C183D7F6-B498-43B3-948B-1728B52AA6E4}">
                 <adec:decorative xmlns:adec="http://schemas.microsoft.com/office/drawing/2017/decorative" val="1"/>
@@ -14835,7 +14830,7 @@
           <p:cNvPr id="10" name="Rectangle 9">
             <a:extLst>
               <a:ext uri="{FF2B5EF4-FFF2-40B4-BE49-F238E27FC236}">
-                <a16:creationId xmlns:a16="http://schemas.microsoft.com/office/drawing/2014/main" id="{53CF6D67-C5A8-4ADD-9E8E-1E38CA1D3166}"/>
+                <a16:creationId xmlns:a16="http://schemas.microsoft.com/office/drawing/2014/main" id="{3B2E3793-BFE6-45A2-9B7B-E18844431C99}"/>
               </a:ext>
               <a:ext uri="{C183D7F6-B498-43B3-948B-1728B52AA6E4}">
                 <adec:decorative xmlns:adec="http://schemas.microsoft.com/office/drawing/2017/decorative" val="1"/>
@@ -14854,16 +14849,16 @@
           </p:nvPr>
         </p:nvSpPr>
         <p:spPr>
-          <a:xfrm rot="5400000" flipH="1">
-            <a:off x="-638515" y="639280"/>
-            <a:ext cx="6858000" cy="5579440"/>
+          <a:xfrm flipH="1">
+            <a:off x="-1" y="-1"/>
+            <a:ext cx="12191998" cy="1590742"/>
           </a:xfrm>
           <a:prstGeom prst="rect">
             <a:avLst/>
           </a:prstGeom>
           <a:gradFill>
             <a:gsLst>
-              <a:gs pos="8000">
+              <a:gs pos="0">
                 <a:srgbClr val="000000"/>
               </a:gs>
               <a:gs pos="100000">
@@ -14872,7 +14867,7 @@
                 </a:schemeClr>
               </a:gs>
             </a:gsLst>
-            <a:lin ang="3000000" scaled="0"/>
+            <a:lin ang="8400000" scaled="0"/>
           </a:gradFill>
           <a:ln>
             <a:noFill/>
@@ -14908,7 +14903,7 @@
           <p:cNvPr id="12" name="Rectangle 11">
             <a:extLst>
               <a:ext uri="{FF2B5EF4-FFF2-40B4-BE49-F238E27FC236}">
-                <a16:creationId xmlns:a16="http://schemas.microsoft.com/office/drawing/2014/main" id="{86909FA0-B515-4681-B7A8-FA281D133B94}"/>
+                <a16:creationId xmlns:a16="http://schemas.microsoft.com/office/drawing/2014/main" id="{BC4C4868-CB8F-4AF9-9CDB-8108F2C19B67}"/>
               </a:ext>
               <a:ext uri="{C183D7F6-B498-43B3-948B-1728B52AA6E4}">
                 <adec:decorative xmlns:adec="http://schemas.microsoft.com/office/drawing/2017/decorative" val="1"/>
@@ -14927,27 +14922,28 @@
           </p:nvPr>
         </p:nvSpPr>
         <p:spPr>
-          <a:xfrm rot="5400000" flipH="1">
-            <a:off x="-393206" y="395206"/>
-            <a:ext cx="6346209" cy="5576080"/>
+          <a:xfrm rot="10800000" flipH="1">
+            <a:off x="-3" y="0"/>
+            <a:ext cx="8115306" cy="1590742"/>
           </a:xfrm>
           <a:prstGeom prst="rect">
             <a:avLst/>
           </a:prstGeom>
           <a:gradFill>
             <a:gsLst>
-              <a:gs pos="0">
-                <a:srgbClr val="000000">
-                  <a:alpha val="0"/>
-                </a:srgbClr>
-              </a:gs>
-              <a:gs pos="99000">
+              <a:gs pos="20000">
                 <a:schemeClr val="accent1">
                   <a:alpha val="0"/>
                 </a:schemeClr>
               </a:gs>
+              <a:gs pos="100000">
+                <a:schemeClr val="accent1">
+                  <a:lumMod val="50000"/>
+                  <a:alpha val="55000"/>
+                </a:schemeClr>
+              </a:gs>
             </a:gsLst>
-            <a:lin ang="1800000" scaled="0"/>
+            <a:lin ang="13800000" scaled="0"/>
           </a:gradFill>
           <a:ln>
             <a:noFill/>
@@ -14983,7 +14979,7 @@
           <p:cNvPr id="14" name="Rectangle 13">
             <a:extLst>
               <a:ext uri="{FF2B5EF4-FFF2-40B4-BE49-F238E27FC236}">
-                <a16:creationId xmlns:a16="http://schemas.microsoft.com/office/drawing/2014/main" id="{21C9FE86-FCC3-4A31-AA1C-C882262B7FE7}"/>
+                <a16:creationId xmlns:a16="http://schemas.microsoft.com/office/drawing/2014/main" id="{375E0459-6403-40CD-989D-56A4407CA12E}"/>
               </a:ext>
               <a:ext uri="{C183D7F6-B498-43B3-948B-1728B52AA6E4}">
                 <adec:decorative xmlns:adec="http://schemas.microsoft.com/office/drawing/2017/decorative" val="1"/>
@@ -15002,18 +14998,18 @@
           </p:nvPr>
         </p:nvSpPr>
         <p:spPr>
-          <a:xfrm rot="5400000" flipH="1">
-            <a:off x="1528907" y="2818967"/>
-            <a:ext cx="2501979" cy="5576080"/>
+          <a:xfrm flipH="1">
+            <a:off x="8115299" y="-1"/>
+            <a:ext cx="4076698" cy="1590742"/>
           </a:xfrm>
           <a:prstGeom prst="rect">
             <a:avLst/>
           </a:prstGeom>
           <a:gradFill>
             <a:gsLst>
-              <a:gs pos="2000">
+              <a:gs pos="0">
                 <a:schemeClr val="accent1">
-                  <a:alpha val="29000"/>
+                  <a:alpha val="66000"/>
                 </a:schemeClr>
               </a:gs>
               <a:gs pos="100000">
@@ -15022,7 +15018,7 @@
                 </a:srgbClr>
               </a:gs>
             </a:gsLst>
-            <a:lin ang="7800000" scaled="0"/>
+            <a:lin ang="13200000" scaled="0"/>
           </a:gradFill>
           <a:ln>
             <a:noFill/>
@@ -15049,7 +15045,7 @@
           <a:lstStyle/>
           <a:p>
             <a:pPr algn="ctr"/>
-            <a:endParaRPr lang="en-US" dirty="0"/>
+            <a:endParaRPr lang="en-US"/>
           </a:p>
         </p:txBody>
       </p:sp>
@@ -15058,7 +15054,7 @@
           <p:cNvPr id="16" name="Rectangle 15">
             <a:extLst>
               <a:ext uri="{FF2B5EF4-FFF2-40B4-BE49-F238E27FC236}">
-                <a16:creationId xmlns:a16="http://schemas.microsoft.com/office/drawing/2014/main" id="{7D96243B-ECED-4B71-8E06-AE9A285EAD20}"/>
+                <a16:creationId xmlns:a16="http://schemas.microsoft.com/office/drawing/2014/main" id="{53E5B1A8-3AC9-4BD1-9BBC-78CA94F2D1BA}"/>
               </a:ext>
               <a:ext uri="{C183D7F6-B498-43B3-948B-1728B52AA6E4}">
                 <adec:decorative xmlns:adec="http://schemas.microsoft.com/office/drawing/2017/decorative" val="1"/>
@@ -15077,27 +15073,28 @@
           </p:nvPr>
         </p:nvSpPr>
         <p:spPr>
-          <a:xfrm rot="5400000" flipH="1">
-            <a:off x="-425002" y="852793"/>
-            <a:ext cx="6858001" cy="5152412"/>
+          <a:xfrm>
+            <a:off x="459350" y="-1"/>
+            <a:ext cx="11732646" cy="1597433"/>
           </a:xfrm>
           <a:prstGeom prst="rect">
             <a:avLst/>
           </a:prstGeom>
           <a:gradFill>
             <a:gsLst>
-              <a:gs pos="0">
+              <a:gs pos="50000">
                 <a:srgbClr val="000000">
                   <a:alpha val="0"/>
                 </a:srgbClr>
               </a:gs>
               <a:gs pos="99000">
                 <a:schemeClr val="accent1">
-                  <a:alpha val="11000"/>
+                  <a:lumMod val="50000"/>
+                  <a:alpha val="52000"/>
                 </a:schemeClr>
               </a:gs>
             </a:gsLst>
-            <a:lin ang="7800000" scaled="0"/>
+            <a:lin ang="16800000" scaled="0"/>
           </a:gradFill>
           <a:ln>
             <a:noFill/>
@@ -15130,87 +15127,10 @@
       </p:sp>
       <p:sp>
         <p:nvSpPr>
-          <p:cNvPr id="18" name="Oval 17">
-            <a:extLst>
-              <a:ext uri="{FF2B5EF4-FFF2-40B4-BE49-F238E27FC236}">
-                <a16:creationId xmlns:a16="http://schemas.microsoft.com/office/drawing/2014/main" id="{A09989E4-EFDC-4A90-A633-E0525FB4139E}"/>
-              </a:ext>
-              <a:ext uri="{C183D7F6-B498-43B3-948B-1728B52AA6E4}">
-                <adec:decorative xmlns:adec="http://schemas.microsoft.com/office/drawing/2017/decorative" val="1"/>
-              </a:ext>
-            </a:extLst>
-          </p:cNvPr>
-          <p:cNvSpPr>
-            <a:spLocks noGrp="1" noRot="1" noChangeAspect="1" noMove="1" noResize="1" noEditPoints="1" noAdjustHandles="1" noChangeArrowheads="1" noChangeShapeType="1" noTextEdit="1"/>
-          </p:cNvSpPr>
-          <p:nvPr>
-            <p:extLst>
-              <p:ext uri="{386F3935-93C4-4BCD-93E2-E3B085C9AB24}">
-                <p16:designElem xmlns:p16="http://schemas.microsoft.com/office/powerpoint/2015/main" val="1"/>
-              </p:ext>
-            </p:extLst>
-          </p:nvPr>
-        </p:nvSpPr>
-        <p:spPr>
-          <a:xfrm rot="6097846">
-            <a:off x="818753" y="1128497"/>
-            <a:ext cx="4318303" cy="4318303"/>
-          </a:xfrm>
-          <a:prstGeom prst="ellipse">
-            <a:avLst/>
-          </a:prstGeom>
-          <a:gradFill>
-            <a:gsLst>
-              <a:gs pos="39000">
-                <a:schemeClr val="accent1">
-                  <a:alpha val="0"/>
-                </a:schemeClr>
-              </a:gs>
-              <a:gs pos="100000">
-                <a:schemeClr val="accent1">
-                  <a:lumMod val="60000"/>
-                  <a:lumOff val="40000"/>
-                  <a:alpha val="15000"/>
-                </a:schemeClr>
-              </a:gs>
-            </a:gsLst>
-            <a:lin ang="17400000" scaled="0"/>
-          </a:gradFill>
-          <a:ln>
-            <a:noFill/>
-          </a:ln>
-        </p:spPr>
-        <p:style>
-          <a:lnRef idx="2">
-            <a:schemeClr val="accent1">
-              <a:shade val="50000"/>
-            </a:schemeClr>
-          </a:lnRef>
-          <a:fillRef idx="1">
-            <a:schemeClr val="accent1"/>
-          </a:fillRef>
-          <a:effectRef idx="0">
-            <a:schemeClr val="accent1"/>
-          </a:effectRef>
-          <a:fontRef idx="minor">
-            <a:schemeClr val="lt1"/>
-          </a:fontRef>
-        </p:style>
-        <p:txBody>
-          <a:bodyPr rtlCol="0" anchor="ctr"/>
-          <a:lstStyle/>
-          <a:p>
-            <a:pPr algn="ctr"/>
-            <a:endParaRPr lang="en-US" dirty="0"/>
-          </a:p>
-        </p:txBody>
-      </p:sp>
-      <p:sp>
-        <p:nvSpPr>
           <p:cNvPr id="2" name="Title 1">
             <a:extLst>
               <a:ext uri="{FF2B5EF4-FFF2-40B4-BE49-F238E27FC236}">
-                <a16:creationId xmlns:a16="http://schemas.microsoft.com/office/drawing/2014/main" id="{D744F9BD-8E7F-7CD7-4EE3-71DC1EEB7F46}"/>
+                <a16:creationId xmlns:a16="http://schemas.microsoft.com/office/drawing/2014/main" id="{97F6B807-3088-3DF3-0C00-BCE0F211FD61}"/>
               </a:ext>
             </a:extLst>
           </p:cNvPr>
@@ -15223,33 +15143,25 @@
         </p:nvSpPr>
         <p:spPr>
           <a:xfrm>
-            <a:off x="826396" y="586855"/>
-            <a:ext cx="4230100" cy="3387497"/>
+            <a:off x="1371599" y="294538"/>
+            <a:ext cx="9895951" cy="1033669"/>
           </a:xfrm>
         </p:spPr>
         <p:txBody>
-          <a:bodyPr anchor="b">
+          <a:bodyPr>
             <a:normAutofit/>
           </a:bodyPr>
           <a:lstStyle/>
           <a:p>
-            <a:pPr algn="r"/>
             <a:r>
-              <a:rPr lang="en-US" sz="4000" dirty="0">
+              <a:rPr lang="en-US" sz="2400" dirty="0">
                 <a:solidFill>
                   <a:srgbClr val="FFFFFF"/>
                 </a:solidFill>
               </a:rPr>
-              <a:t>Which groups are overrepresented or underrepresented in AmeriCorps? </a:t>
+              <a:t>How do participation rates compare between different programs within the same service region? </a:t>
             </a:r>
-            <a:br>
-              <a:rPr lang="en-US" sz="4000" dirty="0">
-                <a:solidFill>
-                  <a:srgbClr val="FFFFFF"/>
-                </a:solidFill>
-              </a:rPr>
-            </a:br>
-            <a:endParaRPr lang="en-US" sz="4000" dirty="0">
+            <a:endParaRPr lang="en-US" sz="2200" dirty="0">
               <a:solidFill>
                 <a:srgbClr val="FFFFFF"/>
               </a:solidFill>
@@ -15257,615 +15169,40 @@
           </a:p>
         </p:txBody>
       </p:sp>
-      <p:sp>
-        <p:nvSpPr>
-          <p:cNvPr id="3" name="Content Placeholder 2">
+      <p:pic>
+        <p:nvPicPr>
+          <p:cNvPr id="4" name="Picture 3">
             <a:extLst>
               <a:ext uri="{FF2B5EF4-FFF2-40B4-BE49-F238E27FC236}">
-                <a16:creationId xmlns:a16="http://schemas.microsoft.com/office/drawing/2014/main" id="{F4AB2264-27CD-9D90-8E49-6808B110E193}"/>
+                <a16:creationId xmlns:a16="http://schemas.microsoft.com/office/drawing/2014/main" id="{87FA8915-981C-CD76-3214-A32EF8418458}"/>
               </a:ext>
             </a:extLst>
           </p:cNvPr>
-          <p:cNvSpPr>
-            <a:spLocks noGrp="1"/>
-          </p:cNvSpPr>
-          <p:nvPr>
-            <p:ph idx="1"/>
-          </p:nvPr>
-        </p:nvSpPr>
+          <p:cNvPicPr>
+            <a:picLocks noChangeAspect="1"/>
+          </p:cNvPicPr>
+          <p:nvPr/>
+        </p:nvPicPr>
+        <p:blipFill>
+          <a:blip r:embed="rId2"/>
+          <a:stretch>
+            <a:fillRect/>
+          </a:stretch>
+        </p:blipFill>
         <p:spPr>
           <a:xfrm>
-            <a:off x="6503158" y="649480"/>
-            <a:ext cx="4862447" cy="5546047"/>
-          </a:xfrm>
-        </p:spPr>
-        <p:txBody>
-          <a:bodyPr anchor="ctr">
-            <a:normAutofit/>
-          </a:bodyPr>
-          <a:lstStyle/>
-          <a:p>
-            <a:endParaRPr lang="en-US" sz="2000"/>
-          </a:p>
-        </p:txBody>
-      </p:sp>
-    </p:spTree>
-    <p:extLst>
-      <p:ext uri="{BB962C8B-B14F-4D97-AF65-F5344CB8AC3E}">
-        <p14:creationId xmlns:p14="http://schemas.microsoft.com/office/powerpoint/2010/main" val="1342751953"/>
-      </p:ext>
-    </p:extLst>
-  </p:cSld>
-  <p:clrMapOvr>
-    <a:masterClrMapping/>
-  </p:clrMapOvr>
-</p:sld>
-</file>
-
-<file path=ppt/slides/slide9.xml><?xml version="1.0" encoding="utf-8"?>
-<p:sld xmlns:a="http://schemas.openxmlformats.org/drawingml/2006/main" xmlns:r="http://schemas.openxmlformats.org/officeDocument/2006/relationships" xmlns:p="http://schemas.openxmlformats.org/presentationml/2006/main">
-  <p:cSld>
-    <p:bg>
-      <p:bgPr>
-        <a:solidFill>
-          <a:schemeClr val="bg1"/>
-        </a:solidFill>
-        <a:effectLst/>
-      </p:bgPr>
-    </p:bg>
-    <p:spTree>
-      <p:nvGrpSpPr>
-        <p:cNvPr id="1" name=""/>
-        <p:cNvGrpSpPr/>
-        <p:nvPr/>
-      </p:nvGrpSpPr>
-      <p:grpSpPr>
-        <a:xfrm>
-          <a:off x="0" y="0"/>
-          <a:ext cx="0" cy="0"/>
-          <a:chOff x="0" y="0"/>
-          <a:chExt cx="0" cy="0"/>
-        </a:xfrm>
-      </p:grpSpPr>
-      <p:sp useBgFill="1">
-        <p:nvSpPr>
-          <p:cNvPr id="8" name="Rectangle 7">
-            <a:extLst>
-              <a:ext uri="{FF2B5EF4-FFF2-40B4-BE49-F238E27FC236}">
-                <a16:creationId xmlns:a16="http://schemas.microsoft.com/office/drawing/2014/main" id="{DEE2AD96-B495-4E06-9291-B71706F728CB}"/>
-              </a:ext>
-              <a:ext uri="{C183D7F6-B498-43B3-948B-1728B52AA6E4}">
-                <adec:decorative xmlns:adec="http://schemas.microsoft.com/office/drawing/2017/decorative" val="1"/>
-              </a:ext>
-            </a:extLst>
-          </p:cNvPr>
-          <p:cNvSpPr>
-            <a:spLocks noGrp="1" noRot="1" noChangeAspect="1" noMove="1" noResize="1" noEditPoints="1" noAdjustHandles="1" noChangeArrowheads="1" noChangeShapeType="1" noTextEdit="1"/>
-          </p:cNvSpPr>
-          <p:nvPr>
-            <p:extLst>
-              <p:ext uri="{386F3935-93C4-4BCD-93E2-E3B085C9AB24}">
-                <p16:designElem xmlns:p16="http://schemas.microsoft.com/office/powerpoint/2015/main" val="1"/>
-              </p:ext>
-            </p:extLst>
-          </p:nvPr>
-        </p:nvSpPr>
-        <p:spPr>
-          <a:xfrm>
-            <a:off x="0" y="0"/>
-            <a:ext cx="12192000" cy="6858000"/>
+            <a:off x="2433374" y="1798841"/>
+            <a:ext cx="7772400" cy="4857750"/>
           </a:xfrm>
           <a:prstGeom prst="rect">
             <a:avLst/>
           </a:prstGeom>
-          <a:ln w="12700" cap="flat" cmpd="sng" algn="ctr">
-            <a:noFill/>
-            <a:prstDash val="solid"/>
-            <a:miter lim="800000"/>
-          </a:ln>
-          <a:effectLst/>
-          <a:extLst>
-            <a:ext uri="{91240B29-F687-4F45-9708-019B960494DF}">
-              <a14:hiddenLine xmlns:a14="http://schemas.microsoft.com/office/drawing/2010/main" w="12700" cap="flat" cmpd="sng" algn="ctr">
-                <a:solidFill>
-                  <a:schemeClr val="accent1">
-                    <a:shade val="50000"/>
-                  </a:schemeClr>
-                </a:solidFill>
-                <a:prstDash val="solid"/>
-                <a:miter lim="800000"/>
-              </a14:hiddenLine>
-            </a:ext>
-          </a:extLst>
         </p:spPr>
-        <p:style>
-          <a:lnRef idx="2">
-            <a:schemeClr val="accent1">
-              <a:shade val="50000"/>
-            </a:schemeClr>
-          </a:lnRef>
-          <a:fillRef idx="1">
-            <a:schemeClr val="accent1"/>
-          </a:fillRef>
-          <a:effectRef idx="0">
-            <a:schemeClr val="accent1"/>
-          </a:effectRef>
-          <a:fontRef idx="minor">
-            <a:schemeClr val="lt1"/>
-          </a:fontRef>
-        </p:style>
-        <p:txBody>
-          <a:bodyPr rtlCol="0" anchor="ctr"/>
-          <a:lstStyle/>
-          <a:p>
-            <a:pPr algn="ctr"/>
-            <a:endParaRPr lang="en-US"/>
-          </a:p>
-        </p:txBody>
-      </p:sp>
-      <p:sp>
-        <p:nvSpPr>
-          <p:cNvPr id="10" name="Rectangle 9">
-            <a:extLst>
-              <a:ext uri="{FF2B5EF4-FFF2-40B4-BE49-F238E27FC236}">
-                <a16:creationId xmlns:a16="http://schemas.microsoft.com/office/drawing/2014/main" id="{53CF6D67-C5A8-4ADD-9E8E-1E38CA1D3166}"/>
-              </a:ext>
-              <a:ext uri="{C183D7F6-B498-43B3-948B-1728B52AA6E4}">
-                <adec:decorative xmlns:adec="http://schemas.microsoft.com/office/drawing/2017/decorative" val="1"/>
-              </a:ext>
-            </a:extLst>
-          </p:cNvPr>
-          <p:cNvSpPr>
-            <a:spLocks noGrp="1" noRot="1" noChangeAspect="1" noMove="1" noResize="1" noEditPoints="1" noAdjustHandles="1" noChangeArrowheads="1" noChangeShapeType="1" noTextEdit="1"/>
-          </p:cNvSpPr>
-          <p:nvPr>
-            <p:extLst>
-              <p:ext uri="{386F3935-93C4-4BCD-93E2-E3B085C9AB24}">
-                <p16:designElem xmlns:p16="http://schemas.microsoft.com/office/powerpoint/2015/main" val="1"/>
-              </p:ext>
-            </p:extLst>
-          </p:nvPr>
-        </p:nvSpPr>
-        <p:spPr>
-          <a:xfrm rot="5400000" flipH="1">
-            <a:off x="-638515" y="639280"/>
-            <a:ext cx="6858000" cy="5579440"/>
-          </a:xfrm>
-          <a:prstGeom prst="rect">
-            <a:avLst/>
-          </a:prstGeom>
-          <a:gradFill>
-            <a:gsLst>
-              <a:gs pos="8000">
-                <a:srgbClr val="000000"/>
-              </a:gs>
-              <a:gs pos="100000">
-                <a:schemeClr val="accent1">
-                  <a:lumMod val="75000"/>
-                </a:schemeClr>
-              </a:gs>
-            </a:gsLst>
-            <a:lin ang="3000000" scaled="0"/>
-          </a:gradFill>
-          <a:ln>
-            <a:noFill/>
-          </a:ln>
-        </p:spPr>
-        <p:style>
-          <a:lnRef idx="2">
-            <a:schemeClr val="accent1">
-              <a:shade val="50000"/>
-            </a:schemeClr>
-          </a:lnRef>
-          <a:fillRef idx="1">
-            <a:schemeClr val="accent1"/>
-          </a:fillRef>
-          <a:effectRef idx="0">
-            <a:schemeClr val="accent1"/>
-          </a:effectRef>
-          <a:fontRef idx="minor">
-            <a:schemeClr val="lt1"/>
-          </a:fontRef>
-        </p:style>
-        <p:txBody>
-          <a:bodyPr rtlCol="0" anchor="ctr"/>
-          <a:lstStyle/>
-          <a:p>
-            <a:pPr algn="ctr"/>
-            <a:endParaRPr lang="en-US"/>
-          </a:p>
-        </p:txBody>
-      </p:sp>
-      <p:sp>
-        <p:nvSpPr>
-          <p:cNvPr id="12" name="Rectangle 11">
-            <a:extLst>
-              <a:ext uri="{FF2B5EF4-FFF2-40B4-BE49-F238E27FC236}">
-                <a16:creationId xmlns:a16="http://schemas.microsoft.com/office/drawing/2014/main" id="{86909FA0-B515-4681-B7A8-FA281D133B94}"/>
-              </a:ext>
-              <a:ext uri="{C183D7F6-B498-43B3-948B-1728B52AA6E4}">
-                <adec:decorative xmlns:adec="http://schemas.microsoft.com/office/drawing/2017/decorative" val="1"/>
-              </a:ext>
-            </a:extLst>
-          </p:cNvPr>
-          <p:cNvSpPr>
-            <a:spLocks noGrp="1" noRot="1" noChangeAspect="1" noMove="1" noResize="1" noEditPoints="1" noAdjustHandles="1" noChangeArrowheads="1" noChangeShapeType="1" noTextEdit="1"/>
-          </p:cNvSpPr>
-          <p:nvPr>
-            <p:extLst>
-              <p:ext uri="{386F3935-93C4-4BCD-93E2-E3B085C9AB24}">
-                <p16:designElem xmlns:p16="http://schemas.microsoft.com/office/powerpoint/2015/main" val="1"/>
-              </p:ext>
-            </p:extLst>
-          </p:nvPr>
-        </p:nvSpPr>
-        <p:spPr>
-          <a:xfrm rot="5400000" flipH="1">
-            <a:off x="-393206" y="395206"/>
-            <a:ext cx="6346209" cy="5576080"/>
-          </a:xfrm>
-          <a:prstGeom prst="rect">
-            <a:avLst/>
-          </a:prstGeom>
-          <a:gradFill>
-            <a:gsLst>
-              <a:gs pos="0">
-                <a:srgbClr val="000000">
-                  <a:alpha val="0"/>
-                </a:srgbClr>
-              </a:gs>
-              <a:gs pos="99000">
-                <a:schemeClr val="accent1">
-                  <a:alpha val="0"/>
-                </a:schemeClr>
-              </a:gs>
-            </a:gsLst>
-            <a:lin ang="1800000" scaled="0"/>
-          </a:gradFill>
-          <a:ln>
-            <a:noFill/>
-          </a:ln>
-        </p:spPr>
-        <p:style>
-          <a:lnRef idx="2">
-            <a:schemeClr val="accent1">
-              <a:shade val="50000"/>
-            </a:schemeClr>
-          </a:lnRef>
-          <a:fillRef idx="1">
-            <a:schemeClr val="accent1"/>
-          </a:fillRef>
-          <a:effectRef idx="0">
-            <a:schemeClr val="accent1"/>
-          </a:effectRef>
-          <a:fontRef idx="minor">
-            <a:schemeClr val="lt1"/>
-          </a:fontRef>
-        </p:style>
-        <p:txBody>
-          <a:bodyPr rtlCol="0" anchor="ctr"/>
-          <a:lstStyle/>
-          <a:p>
-            <a:pPr algn="ctr"/>
-            <a:endParaRPr lang="en-US"/>
-          </a:p>
-        </p:txBody>
-      </p:sp>
-      <p:sp>
-        <p:nvSpPr>
-          <p:cNvPr id="14" name="Rectangle 13">
-            <a:extLst>
-              <a:ext uri="{FF2B5EF4-FFF2-40B4-BE49-F238E27FC236}">
-                <a16:creationId xmlns:a16="http://schemas.microsoft.com/office/drawing/2014/main" id="{21C9FE86-FCC3-4A31-AA1C-C882262B7FE7}"/>
-              </a:ext>
-              <a:ext uri="{C183D7F6-B498-43B3-948B-1728B52AA6E4}">
-                <adec:decorative xmlns:adec="http://schemas.microsoft.com/office/drawing/2017/decorative" val="1"/>
-              </a:ext>
-            </a:extLst>
-          </p:cNvPr>
-          <p:cNvSpPr>
-            <a:spLocks noGrp="1" noRot="1" noChangeAspect="1" noMove="1" noResize="1" noEditPoints="1" noAdjustHandles="1" noChangeArrowheads="1" noChangeShapeType="1" noTextEdit="1"/>
-          </p:cNvSpPr>
-          <p:nvPr>
-            <p:extLst>
-              <p:ext uri="{386F3935-93C4-4BCD-93E2-E3B085C9AB24}">
-                <p16:designElem xmlns:p16="http://schemas.microsoft.com/office/powerpoint/2015/main" val="1"/>
-              </p:ext>
-            </p:extLst>
-          </p:nvPr>
-        </p:nvSpPr>
-        <p:spPr>
-          <a:xfrm rot="5400000" flipH="1">
-            <a:off x="1528907" y="2818967"/>
-            <a:ext cx="2501979" cy="5576080"/>
-          </a:xfrm>
-          <a:prstGeom prst="rect">
-            <a:avLst/>
-          </a:prstGeom>
-          <a:gradFill>
-            <a:gsLst>
-              <a:gs pos="2000">
-                <a:schemeClr val="accent1">
-                  <a:alpha val="29000"/>
-                </a:schemeClr>
-              </a:gs>
-              <a:gs pos="100000">
-                <a:srgbClr val="000000">
-                  <a:alpha val="30000"/>
-                </a:srgbClr>
-              </a:gs>
-            </a:gsLst>
-            <a:lin ang="7800000" scaled="0"/>
-          </a:gradFill>
-          <a:ln>
-            <a:noFill/>
-          </a:ln>
-        </p:spPr>
-        <p:style>
-          <a:lnRef idx="2">
-            <a:schemeClr val="accent1">
-              <a:shade val="50000"/>
-            </a:schemeClr>
-          </a:lnRef>
-          <a:fillRef idx="1">
-            <a:schemeClr val="accent1"/>
-          </a:fillRef>
-          <a:effectRef idx="0">
-            <a:schemeClr val="accent1"/>
-          </a:effectRef>
-          <a:fontRef idx="minor">
-            <a:schemeClr val="lt1"/>
-          </a:fontRef>
-        </p:style>
-        <p:txBody>
-          <a:bodyPr rtlCol="0" anchor="ctr"/>
-          <a:lstStyle/>
-          <a:p>
-            <a:pPr algn="ctr"/>
-            <a:endParaRPr lang="en-US" dirty="0"/>
-          </a:p>
-        </p:txBody>
-      </p:sp>
-      <p:sp>
-        <p:nvSpPr>
-          <p:cNvPr id="16" name="Rectangle 15">
-            <a:extLst>
-              <a:ext uri="{FF2B5EF4-FFF2-40B4-BE49-F238E27FC236}">
-                <a16:creationId xmlns:a16="http://schemas.microsoft.com/office/drawing/2014/main" id="{7D96243B-ECED-4B71-8E06-AE9A285EAD20}"/>
-              </a:ext>
-              <a:ext uri="{C183D7F6-B498-43B3-948B-1728B52AA6E4}">
-                <adec:decorative xmlns:adec="http://schemas.microsoft.com/office/drawing/2017/decorative" val="1"/>
-              </a:ext>
-            </a:extLst>
-          </p:cNvPr>
-          <p:cNvSpPr>
-            <a:spLocks noGrp="1" noRot="1" noChangeAspect="1" noMove="1" noResize="1" noEditPoints="1" noAdjustHandles="1" noChangeArrowheads="1" noChangeShapeType="1" noTextEdit="1"/>
-          </p:cNvSpPr>
-          <p:nvPr>
-            <p:extLst>
-              <p:ext uri="{386F3935-93C4-4BCD-93E2-E3B085C9AB24}">
-                <p16:designElem xmlns:p16="http://schemas.microsoft.com/office/powerpoint/2015/main" val="1"/>
-              </p:ext>
-            </p:extLst>
-          </p:nvPr>
-        </p:nvSpPr>
-        <p:spPr>
-          <a:xfrm rot="5400000" flipH="1">
-            <a:off x="-425002" y="852793"/>
-            <a:ext cx="6858001" cy="5152412"/>
-          </a:xfrm>
-          <a:prstGeom prst="rect">
-            <a:avLst/>
-          </a:prstGeom>
-          <a:gradFill>
-            <a:gsLst>
-              <a:gs pos="0">
-                <a:srgbClr val="000000">
-                  <a:alpha val="0"/>
-                </a:srgbClr>
-              </a:gs>
-              <a:gs pos="99000">
-                <a:schemeClr val="accent1">
-                  <a:alpha val="11000"/>
-                </a:schemeClr>
-              </a:gs>
-            </a:gsLst>
-            <a:lin ang="7800000" scaled="0"/>
-          </a:gradFill>
-          <a:ln>
-            <a:noFill/>
-          </a:ln>
-        </p:spPr>
-        <p:style>
-          <a:lnRef idx="2">
-            <a:schemeClr val="accent1">
-              <a:shade val="50000"/>
-            </a:schemeClr>
-          </a:lnRef>
-          <a:fillRef idx="1">
-            <a:schemeClr val="accent1"/>
-          </a:fillRef>
-          <a:effectRef idx="0">
-            <a:schemeClr val="accent1"/>
-          </a:effectRef>
-          <a:fontRef idx="minor">
-            <a:schemeClr val="lt1"/>
-          </a:fontRef>
-        </p:style>
-        <p:txBody>
-          <a:bodyPr rtlCol="0" anchor="ctr"/>
-          <a:lstStyle/>
-          <a:p>
-            <a:pPr algn="ctr"/>
-            <a:endParaRPr lang="en-US"/>
-          </a:p>
-        </p:txBody>
-      </p:sp>
-      <p:sp>
-        <p:nvSpPr>
-          <p:cNvPr id="18" name="Oval 17">
-            <a:extLst>
-              <a:ext uri="{FF2B5EF4-FFF2-40B4-BE49-F238E27FC236}">
-                <a16:creationId xmlns:a16="http://schemas.microsoft.com/office/drawing/2014/main" id="{A09989E4-EFDC-4A90-A633-E0525FB4139E}"/>
-              </a:ext>
-              <a:ext uri="{C183D7F6-B498-43B3-948B-1728B52AA6E4}">
-                <adec:decorative xmlns:adec="http://schemas.microsoft.com/office/drawing/2017/decorative" val="1"/>
-              </a:ext>
-            </a:extLst>
-          </p:cNvPr>
-          <p:cNvSpPr>
-            <a:spLocks noGrp="1" noRot="1" noChangeAspect="1" noMove="1" noResize="1" noEditPoints="1" noAdjustHandles="1" noChangeArrowheads="1" noChangeShapeType="1" noTextEdit="1"/>
-          </p:cNvSpPr>
-          <p:nvPr>
-            <p:extLst>
-              <p:ext uri="{386F3935-93C4-4BCD-93E2-E3B085C9AB24}">
-                <p16:designElem xmlns:p16="http://schemas.microsoft.com/office/powerpoint/2015/main" val="1"/>
-              </p:ext>
-            </p:extLst>
-          </p:nvPr>
-        </p:nvSpPr>
-        <p:spPr>
-          <a:xfrm rot="6097846">
-            <a:off x="818753" y="1128497"/>
-            <a:ext cx="4318303" cy="4318303"/>
-          </a:xfrm>
-          <a:prstGeom prst="ellipse">
-            <a:avLst/>
-          </a:prstGeom>
-          <a:gradFill>
-            <a:gsLst>
-              <a:gs pos="39000">
-                <a:schemeClr val="accent1">
-                  <a:alpha val="0"/>
-                </a:schemeClr>
-              </a:gs>
-              <a:gs pos="100000">
-                <a:schemeClr val="accent1">
-                  <a:lumMod val="60000"/>
-                  <a:lumOff val="40000"/>
-                  <a:alpha val="15000"/>
-                </a:schemeClr>
-              </a:gs>
-            </a:gsLst>
-            <a:lin ang="17400000" scaled="0"/>
-          </a:gradFill>
-          <a:ln>
-            <a:noFill/>
-          </a:ln>
-        </p:spPr>
-        <p:style>
-          <a:lnRef idx="2">
-            <a:schemeClr val="accent1">
-              <a:shade val="50000"/>
-            </a:schemeClr>
-          </a:lnRef>
-          <a:fillRef idx="1">
-            <a:schemeClr val="accent1"/>
-          </a:fillRef>
-          <a:effectRef idx="0">
-            <a:schemeClr val="accent1"/>
-          </a:effectRef>
-          <a:fontRef idx="minor">
-            <a:schemeClr val="lt1"/>
-          </a:fontRef>
-        </p:style>
-        <p:txBody>
-          <a:bodyPr rtlCol="0" anchor="ctr"/>
-          <a:lstStyle/>
-          <a:p>
-            <a:pPr algn="ctr"/>
-            <a:endParaRPr lang="en-US" dirty="0"/>
-          </a:p>
-        </p:txBody>
-      </p:sp>
-      <p:sp>
-        <p:nvSpPr>
-          <p:cNvPr id="2" name="Title 1">
-            <a:extLst>
-              <a:ext uri="{FF2B5EF4-FFF2-40B4-BE49-F238E27FC236}">
-                <a16:creationId xmlns:a16="http://schemas.microsoft.com/office/drawing/2014/main" id="{389D26DF-83AF-9B11-21D3-82AC617792BE}"/>
-              </a:ext>
-            </a:extLst>
-          </p:cNvPr>
-          <p:cNvSpPr>
-            <a:spLocks noGrp="1"/>
-          </p:cNvSpPr>
-          <p:nvPr>
-            <p:ph type="title"/>
-          </p:nvPr>
-        </p:nvSpPr>
-        <p:spPr>
-          <a:xfrm>
-            <a:off x="826396" y="586855"/>
-            <a:ext cx="4230100" cy="3387497"/>
-          </a:xfrm>
-        </p:spPr>
-        <p:txBody>
-          <a:bodyPr anchor="b">
-            <a:normAutofit/>
-          </a:bodyPr>
-          <a:lstStyle/>
-          <a:p>
-            <a:pPr algn="r"/>
-            <a:r>
-              <a:rPr lang="en-US" sz="3700" dirty="0">
-                <a:solidFill>
-                  <a:srgbClr val="FFFFFF"/>
-                </a:solidFill>
-              </a:rPr>
-              <a:t>Which program offices are most effective in engaging a diverse range of participants? </a:t>
-            </a:r>
-            <a:br>
-              <a:rPr lang="en-US" sz="3700" dirty="0">
-                <a:solidFill>
-                  <a:srgbClr val="FFFFFF"/>
-                </a:solidFill>
-              </a:rPr>
-            </a:br>
-            <a:endParaRPr lang="en-US" sz="3700" dirty="0">
-              <a:solidFill>
-                <a:srgbClr val="FFFFFF"/>
-              </a:solidFill>
-            </a:endParaRPr>
-          </a:p>
-        </p:txBody>
-      </p:sp>
-      <p:sp>
-        <p:nvSpPr>
-          <p:cNvPr id="3" name="Content Placeholder 2">
-            <a:extLst>
-              <a:ext uri="{FF2B5EF4-FFF2-40B4-BE49-F238E27FC236}">
-                <a16:creationId xmlns:a16="http://schemas.microsoft.com/office/drawing/2014/main" id="{F2268ED2-1635-44E1-E140-9E760C97D7D3}"/>
-              </a:ext>
-            </a:extLst>
-          </p:cNvPr>
-          <p:cNvSpPr>
-            <a:spLocks noGrp="1"/>
-          </p:cNvSpPr>
-          <p:nvPr>
-            <p:ph idx="1"/>
-          </p:nvPr>
-        </p:nvSpPr>
-        <p:spPr>
-          <a:xfrm>
-            <a:off x="6503158" y="649480"/>
-            <a:ext cx="4862447" cy="5546047"/>
-          </a:xfrm>
-        </p:spPr>
-        <p:txBody>
-          <a:bodyPr anchor="ctr">
-            <a:normAutofit/>
-          </a:bodyPr>
-          <a:lstStyle/>
-          <a:p>
-            <a:endParaRPr lang="en-US" sz="2000"/>
-          </a:p>
-        </p:txBody>
-      </p:sp>
+      </p:pic>
     </p:spTree>
     <p:extLst>
       <p:ext uri="{BB962C8B-B14F-4D97-AF65-F5344CB8AC3E}">
-        <p14:creationId xmlns:p14="http://schemas.microsoft.com/office/powerpoint/2010/main" val="3965314190"/>
+        <p14:creationId xmlns:p14="http://schemas.microsoft.com/office/powerpoint/2010/main" val="1573446236"/>
       </p:ext>
     </p:extLst>
   </p:cSld>

--- a/AmeriCorps EDA.pptx
+++ b/AmeriCorps EDA.pptx
@@ -4,6 +4,9 @@
   <p:sldMasterIdLst>
     <p:sldMasterId id="2147483648" r:id="rId1"/>
   </p:sldMasterIdLst>
+  <p:notesMasterIdLst>
+    <p:notesMasterId r:id="rId14"/>
+  </p:notesMasterIdLst>
   <p:sldIdLst>
     <p:sldId id="256" r:id="rId2"/>
     <p:sldId id="257" r:id="rId3"/>
@@ -15,7 +18,8 @@
     <p:sldId id="264" r:id="rId9"/>
     <p:sldId id="261" r:id="rId10"/>
     <p:sldId id="266" r:id="rId11"/>
-    <p:sldId id="267" r:id="rId12"/>
+    <p:sldId id="268" r:id="rId12"/>
+    <p:sldId id="267" r:id="rId13"/>
   </p:sldIdLst>
   <p:sldSz cx="12192000" cy="6858000"/>
   <p:notesSz cx="6858000" cy="9144000"/>
@@ -905,6 +909,788 @@
 </file>
 
 <file path=ppt/diagrams/colors2.xml><?xml version="1.0" encoding="utf-8"?>
+<dgm:colorsDef xmlns:dgm="http://schemas.openxmlformats.org/drawingml/2006/diagram" xmlns:a="http://schemas.openxmlformats.org/drawingml/2006/main" uniqueId="urn:microsoft.com/office/officeart/2005/8/colors/colorful2">
+  <dgm:title val=""/>
+  <dgm:desc val=""/>
+  <dgm:catLst>
+    <dgm:cat type="colorful" pri="10200"/>
+  </dgm:catLst>
+  <dgm:styleLbl name="node0">
+    <dgm:fillClrLst meth="repeat">
+      <a:schemeClr val="accent1"/>
+    </dgm:fillClrLst>
+    <dgm:linClrLst meth="repeat">
+      <a:schemeClr val="lt1"/>
+    </dgm:linClrLst>
+    <dgm:effectClrLst/>
+    <dgm:txLinClrLst/>
+    <dgm:txFillClrLst/>
+    <dgm:txEffectClrLst/>
+  </dgm:styleLbl>
+  <dgm:styleLbl name="node1">
+    <dgm:fillClrLst>
+      <a:schemeClr val="accent2"/>
+      <a:schemeClr val="accent3"/>
+    </dgm:fillClrLst>
+    <dgm:linClrLst meth="repeat">
+      <a:schemeClr val="lt1"/>
+    </dgm:linClrLst>
+    <dgm:effectClrLst/>
+    <dgm:txLinClrLst/>
+    <dgm:txFillClrLst/>
+    <dgm:txEffectClrLst/>
+  </dgm:styleLbl>
+  <dgm:styleLbl name="alignNode1">
+    <dgm:fillClrLst>
+      <a:schemeClr val="accent2"/>
+      <a:schemeClr val="accent3"/>
+    </dgm:fillClrLst>
+    <dgm:linClrLst>
+      <a:schemeClr val="accent2"/>
+      <a:schemeClr val="accent3"/>
+    </dgm:linClrLst>
+    <dgm:effectClrLst/>
+    <dgm:txLinClrLst/>
+    <dgm:txFillClrLst/>
+    <dgm:txEffectClrLst/>
+  </dgm:styleLbl>
+  <dgm:styleLbl name="lnNode1">
+    <dgm:fillClrLst>
+      <a:schemeClr val="accent2"/>
+      <a:schemeClr val="accent3"/>
+    </dgm:fillClrLst>
+    <dgm:linClrLst meth="repeat">
+      <a:schemeClr val="lt1"/>
+    </dgm:linClrLst>
+    <dgm:effectClrLst/>
+    <dgm:txLinClrLst/>
+    <dgm:txFillClrLst/>
+    <dgm:txEffectClrLst/>
+  </dgm:styleLbl>
+  <dgm:styleLbl name="vennNode1">
+    <dgm:fillClrLst>
+      <a:schemeClr val="accent2">
+        <a:alpha val="50000"/>
+      </a:schemeClr>
+      <a:schemeClr val="accent3">
+        <a:alpha val="50000"/>
+      </a:schemeClr>
+    </dgm:fillClrLst>
+    <dgm:linClrLst meth="repeat">
+      <a:schemeClr val="lt1"/>
+    </dgm:linClrLst>
+    <dgm:effectClrLst/>
+    <dgm:txLinClrLst/>
+    <dgm:txFillClrLst/>
+    <dgm:txEffectClrLst/>
+  </dgm:styleLbl>
+  <dgm:styleLbl name="node2">
+    <dgm:fillClrLst>
+      <a:schemeClr val="accent3"/>
+    </dgm:fillClrLst>
+    <dgm:linClrLst meth="repeat">
+      <a:schemeClr val="lt1"/>
+    </dgm:linClrLst>
+    <dgm:effectClrLst/>
+    <dgm:txLinClrLst/>
+    <dgm:txFillClrLst/>
+    <dgm:txEffectClrLst/>
+  </dgm:styleLbl>
+  <dgm:styleLbl name="node3">
+    <dgm:fillClrLst>
+      <a:schemeClr val="accent4"/>
+    </dgm:fillClrLst>
+    <dgm:linClrLst meth="repeat">
+      <a:schemeClr val="lt1"/>
+    </dgm:linClrLst>
+    <dgm:effectClrLst/>
+    <dgm:txLinClrLst/>
+    <dgm:txFillClrLst/>
+    <dgm:txEffectClrLst/>
+  </dgm:styleLbl>
+  <dgm:styleLbl name="node4">
+    <dgm:fillClrLst>
+      <a:schemeClr val="accent5"/>
+    </dgm:fillClrLst>
+    <dgm:linClrLst meth="repeat">
+      <a:schemeClr val="lt1"/>
+    </dgm:linClrLst>
+    <dgm:effectClrLst/>
+    <dgm:txLinClrLst/>
+    <dgm:txFillClrLst/>
+    <dgm:txEffectClrLst/>
+  </dgm:styleLbl>
+  <dgm:styleLbl name="fgImgPlace1">
+    <dgm:fillClrLst>
+      <a:schemeClr val="accent2">
+        <a:tint val="50000"/>
+      </a:schemeClr>
+      <a:schemeClr val="accent3">
+        <a:tint val="50000"/>
+      </a:schemeClr>
+    </dgm:fillClrLst>
+    <dgm:linClrLst meth="repeat">
+      <a:schemeClr val="lt1"/>
+    </dgm:linClrLst>
+    <dgm:effectClrLst/>
+    <dgm:txLinClrLst/>
+    <dgm:txFillClrLst meth="repeat">
+      <a:schemeClr val="lt1"/>
+    </dgm:txFillClrLst>
+    <dgm:txEffectClrLst/>
+  </dgm:styleLbl>
+  <dgm:styleLbl name="alignImgPlace1">
+    <dgm:fillClrLst>
+      <a:schemeClr val="accent2">
+        <a:tint val="50000"/>
+      </a:schemeClr>
+      <a:schemeClr val="accent3">
+        <a:tint val="20000"/>
+      </a:schemeClr>
+    </dgm:fillClrLst>
+    <dgm:linClrLst meth="repeat">
+      <a:schemeClr val="lt1"/>
+    </dgm:linClrLst>
+    <dgm:effectClrLst/>
+    <dgm:txLinClrLst/>
+    <dgm:txFillClrLst meth="repeat">
+      <a:schemeClr val="lt1"/>
+    </dgm:txFillClrLst>
+    <dgm:txEffectClrLst/>
+  </dgm:styleLbl>
+  <dgm:styleLbl name="bgImgPlace1">
+    <dgm:fillClrLst>
+      <a:schemeClr val="accent2">
+        <a:tint val="50000"/>
+      </a:schemeClr>
+      <a:schemeClr val="accent3">
+        <a:tint val="20000"/>
+      </a:schemeClr>
+    </dgm:fillClrLst>
+    <dgm:linClrLst meth="repeat">
+      <a:schemeClr val="lt1"/>
+    </dgm:linClrLst>
+    <dgm:effectClrLst/>
+    <dgm:txLinClrLst/>
+    <dgm:txFillClrLst meth="repeat">
+      <a:schemeClr val="lt1"/>
+    </dgm:txFillClrLst>
+    <dgm:txEffectClrLst/>
+  </dgm:styleLbl>
+  <dgm:styleLbl name="sibTrans2D1">
+    <dgm:fillClrLst>
+      <a:schemeClr val="accent2"/>
+      <a:schemeClr val="accent3"/>
+    </dgm:fillClrLst>
+    <dgm:linClrLst meth="repeat">
+      <a:schemeClr val="lt1"/>
+    </dgm:linClrLst>
+    <dgm:effectClrLst/>
+    <dgm:txLinClrLst/>
+    <dgm:txFillClrLst/>
+    <dgm:txEffectClrLst/>
+  </dgm:styleLbl>
+  <dgm:styleLbl name="fgSibTrans2D1">
+    <dgm:fillClrLst>
+      <a:schemeClr val="accent2"/>
+      <a:schemeClr val="accent3"/>
+    </dgm:fillClrLst>
+    <dgm:linClrLst meth="repeat">
+      <a:schemeClr val="lt1"/>
+    </dgm:linClrLst>
+    <dgm:effectClrLst/>
+    <dgm:txLinClrLst/>
+    <dgm:txFillClrLst meth="repeat">
+      <a:schemeClr val="lt1"/>
+    </dgm:txFillClrLst>
+    <dgm:txEffectClrLst/>
+  </dgm:styleLbl>
+  <dgm:styleLbl name="bgSibTrans2D1">
+    <dgm:fillClrLst>
+      <a:schemeClr val="accent2"/>
+      <a:schemeClr val="accent3"/>
+    </dgm:fillClrLst>
+    <dgm:linClrLst meth="repeat">
+      <a:schemeClr val="lt1"/>
+    </dgm:linClrLst>
+    <dgm:effectClrLst/>
+    <dgm:txLinClrLst/>
+    <dgm:txFillClrLst meth="repeat">
+      <a:schemeClr val="lt1"/>
+    </dgm:txFillClrLst>
+    <dgm:txEffectClrLst/>
+  </dgm:styleLbl>
+  <dgm:styleLbl name="sibTrans1D1">
+    <dgm:fillClrLst/>
+    <dgm:linClrLst>
+      <a:schemeClr val="accent2"/>
+      <a:schemeClr val="accent3"/>
+    </dgm:linClrLst>
+    <dgm:effectClrLst/>
+    <dgm:txLinClrLst/>
+    <dgm:txFillClrLst meth="repeat">
+      <a:schemeClr val="tx1"/>
+    </dgm:txFillClrLst>
+    <dgm:txEffectClrLst/>
+  </dgm:styleLbl>
+  <dgm:styleLbl name="callout">
+    <dgm:fillClrLst meth="repeat">
+      <a:schemeClr val="accent2"/>
+    </dgm:fillClrLst>
+    <dgm:linClrLst meth="repeat">
+      <a:schemeClr val="accent2">
+        <a:tint val="50000"/>
+      </a:schemeClr>
+    </dgm:linClrLst>
+    <dgm:effectClrLst/>
+    <dgm:txLinClrLst/>
+    <dgm:txFillClrLst meth="repeat">
+      <a:schemeClr val="tx1"/>
+    </dgm:txFillClrLst>
+    <dgm:txEffectClrLst/>
+  </dgm:styleLbl>
+  <dgm:styleLbl name="asst0">
+    <dgm:fillClrLst meth="repeat">
+      <a:schemeClr val="accent2"/>
+    </dgm:fillClrLst>
+    <dgm:linClrLst meth="repeat">
+      <a:schemeClr val="lt1">
+        <a:shade val="80000"/>
+      </a:schemeClr>
+    </dgm:linClrLst>
+    <dgm:effectClrLst/>
+    <dgm:txLinClrLst/>
+    <dgm:txFillClrLst/>
+    <dgm:txEffectClrLst/>
+  </dgm:styleLbl>
+  <dgm:styleLbl name="asst1">
+    <dgm:fillClrLst meth="repeat">
+      <a:schemeClr val="accent3"/>
+    </dgm:fillClrLst>
+    <dgm:linClrLst meth="repeat">
+      <a:schemeClr val="lt1">
+        <a:shade val="80000"/>
+      </a:schemeClr>
+    </dgm:linClrLst>
+    <dgm:effectClrLst/>
+    <dgm:txLinClrLst/>
+    <dgm:txFillClrLst/>
+    <dgm:txEffectClrLst/>
+  </dgm:styleLbl>
+  <dgm:styleLbl name="asst2">
+    <dgm:fillClrLst>
+      <a:schemeClr val="accent4"/>
+    </dgm:fillClrLst>
+    <dgm:linClrLst meth="repeat">
+      <a:schemeClr val="lt1"/>
+    </dgm:linClrLst>
+    <dgm:effectClrLst/>
+    <dgm:txLinClrLst/>
+    <dgm:txFillClrLst/>
+    <dgm:txEffectClrLst/>
+  </dgm:styleLbl>
+  <dgm:styleLbl name="asst3">
+    <dgm:fillClrLst>
+      <a:schemeClr val="accent5"/>
+    </dgm:fillClrLst>
+    <dgm:linClrLst meth="repeat">
+      <a:schemeClr val="lt1"/>
+    </dgm:linClrLst>
+    <dgm:effectClrLst/>
+    <dgm:txLinClrLst/>
+    <dgm:txFillClrLst/>
+    <dgm:txEffectClrLst/>
+  </dgm:styleLbl>
+  <dgm:styleLbl name="asst4">
+    <dgm:fillClrLst>
+      <a:schemeClr val="accent6"/>
+    </dgm:fillClrLst>
+    <dgm:linClrLst meth="repeat">
+      <a:schemeClr val="lt1"/>
+    </dgm:linClrLst>
+    <dgm:effectClrLst/>
+    <dgm:txLinClrLst/>
+    <dgm:txFillClrLst/>
+    <dgm:txEffectClrLst/>
+  </dgm:styleLbl>
+  <dgm:styleLbl name="parChTrans2D1">
+    <dgm:fillClrLst meth="repeat">
+      <a:schemeClr val="accent2"/>
+    </dgm:fillClrLst>
+    <dgm:linClrLst meth="repeat">
+      <a:schemeClr val="lt1"/>
+    </dgm:linClrLst>
+    <dgm:effectClrLst/>
+    <dgm:txLinClrLst/>
+    <dgm:txFillClrLst meth="repeat">
+      <a:schemeClr val="lt1"/>
+    </dgm:txFillClrLst>
+    <dgm:txEffectClrLst/>
+  </dgm:styleLbl>
+  <dgm:styleLbl name="parChTrans2D2">
+    <dgm:fillClrLst meth="repeat">
+      <a:schemeClr val="accent3"/>
+    </dgm:fillClrLst>
+    <dgm:linClrLst meth="repeat">
+      <a:schemeClr val="lt1"/>
+    </dgm:linClrLst>
+    <dgm:effectClrLst/>
+    <dgm:txLinClrLst/>
+    <dgm:txFillClrLst/>
+    <dgm:txEffectClrLst/>
+  </dgm:styleLbl>
+  <dgm:styleLbl name="parChTrans2D3">
+    <dgm:fillClrLst meth="repeat">
+      <a:schemeClr val="accent4"/>
+    </dgm:fillClrLst>
+    <dgm:linClrLst meth="repeat">
+      <a:schemeClr val="lt1"/>
+    </dgm:linClrLst>
+    <dgm:effectClrLst/>
+    <dgm:txLinClrLst/>
+    <dgm:txFillClrLst/>
+    <dgm:txEffectClrLst/>
+  </dgm:styleLbl>
+  <dgm:styleLbl name="parChTrans2D4">
+    <dgm:fillClrLst meth="repeat">
+      <a:schemeClr val="accent5"/>
+    </dgm:fillClrLst>
+    <dgm:linClrLst meth="repeat">
+      <a:schemeClr val="lt1"/>
+    </dgm:linClrLst>
+    <dgm:effectClrLst/>
+    <dgm:txLinClrLst/>
+    <dgm:txFillClrLst meth="repeat">
+      <a:schemeClr val="lt1"/>
+    </dgm:txFillClrLst>
+    <dgm:txEffectClrLst/>
+  </dgm:styleLbl>
+  <dgm:styleLbl name="parChTrans1D1">
+    <dgm:fillClrLst meth="repeat">
+      <a:schemeClr val="accent2"/>
+    </dgm:fillClrLst>
+    <dgm:linClrLst meth="repeat">
+      <a:schemeClr val="accent2"/>
+    </dgm:linClrLst>
+    <dgm:effectClrLst/>
+    <dgm:txLinClrLst/>
+    <dgm:txFillClrLst meth="repeat">
+      <a:schemeClr val="tx1"/>
+    </dgm:txFillClrLst>
+    <dgm:txEffectClrLst/>
+  </dgm:styleLbl>
+  <dgm:styleLbl name="parChTrans1D2">
+    <dgm:fillClrLst meth="repeat">
+      <a:schemeClr val="accent2">
+        <a:tint val="90000"/>
+      </a:schemeClr>
+    </dgm:fillClrLst>
+    <dgm:linClrLst meth="repeat">
+      <a:schemeClr val="accent3"/>
+    </dgm:linClrLst>
+    <dgm:effectClrLst/>
+    <dgm:txLinClrLst/>
+    <dgm:txFillClrLst meth="repeat">
+      <a:schemeClr val="tx1"/>
+    </dgm:txFillClrLst>
+    <dgm:txEffectClrLst/>
+  </dgm:styleLbl>
+  <dgm:styleLbl name="parChTrans1D3">
+    <dgm:fillClrLst meth="repeat">
+      <a:schemeClr val="accent2">
+        <a:tint val="70000"/>
+      </a:schemeClr>
+    </dgm:fillClrLst>
+    <dgm:linClrLst meth="repeat">
+      <a:schemeClr val="accent4"/>
+    </dgm:linClrLst>
+    <dgm:effectClrLst/>
+    <dgm:txLinClrLst/>
+    <dgm:txFillClrLst meth="repeat">
+      <a:schemeClr val="tx1"/>
+    </dgm:txFillClrLst>
+    <dgm:txEffectClrLst/>
+  </dgm:styleLbl>
+  <dgm:styleLbl name="parChTrans1D4">
+    <dgm:fillClrLst meth="repeat">
+      <a:schemeClr val="accent2">
+        <a:tint val="50000"/>
+      </a:schemeClr>
+    </dgm:fillClrLst>
+    <dgm:linClrLst meth="repeat">
+      <a:schemeClr val="accent5"/>
+    </dgm:linClrLst>
+    <dgm:effectClrLst/>
+    <dgm:txLinClrLst/>
+    <dgm:txFillClrLst meth="repeat">
+      <a:schemeClr val="tx1"/>
+    </dgm:txFillClrLst>
+    <dgm:txEffectClrLst/>
+  </dgm:styleLbl>
+  <dgm:styleLbl name="fgAcc1">
+    <dgm:fillClrLst meth="repeat">
+      <a:schemeClr val="lt1">
+        <a:alpha val="90000"/>
+      </a:schemeClr>
+    </dgm:fillClrLst>
+    <dgm:linClrLst>
+      <a:schemeClr val="accent2"/>
+      <a:schemeClr val="accent3"/>
+    </dgm:linClrLst>
+    <dgm:effectClrLst/>
+    <dgm:txLinClrLst/>
+    <dgm:txFillClrLst meth="repeat">
+      <a:schemeClr val="dk1"/>
+    </dgm:txFillClrLst>
+    <dgm:txEffectClrLst/>
+  </dgm:styleLbl>
+  <dgm:styleLbl name="conFgAcc1">
+    <dgm:fillClrLst meth="repeat">
+      <a:schemeClr val="lt1">
+        <a:alpha val="90000"/>
+      </a:schemeClr>
+    </dgm:fillClrLst>
+    <dgm:linClrLst>
+      <a:schemeClr val="accent2"/>
+      <a:schemeClr val="accent3"/>
+    </dgm:linClrLst>
+    <dgm:effectClrLst/>
+    <dgm:txLinClrLst/>
+    <dgm:txFillClrLst meth="repeat">
+      <a:schemeClr val="dk1"/>
+    </dgm:txFillClrLst>
+    <dgm:txEffectClrLst/>
+  </dgm:styleLbl>
+  <dgm:styleLbl name="alignAcc1">
+    <dgm:fillClrLst meth="repeat">
+      <a:schemeClr val="lt1">
+        <a:alpha val="90000"/>
+      </a:schemeClr>
+    </dgm:fillClrLst>
+    <dgm:linClrLst>
+      <a:schemeClr val="accent2"/>
+      <a:schemeClr val="accent3"/>
+    </dgm:linClrLst>
+    <dgm:effectClrLst/>
+    <dgm:txLinClrLst/>
+    <dgm:txFillClrLst meth="repeat">
+      <a:schemeClr val="dk1"/>
+    </dgm:txFillClrLst>
+    <dgm:txEffectClrLst/>
+  </dgm:styleLbl>
+  <dgm:styleLbl name="trAlignAcc1">
+    <dgm:fillClrLst meth="repeat">
+      <a:schemeClr val="lt1">
+        <a:alpha val="40000"/>
+      </a:schemeClr>
+    </dgm:fillClrLst>
+    <dgm:linClrLst meth="repeat">
+      <a:schemeClr val="accent2"/>
+    </dgm:linClrLst>
+    <dgm:effectClrLst/>
+    <dgm:txLinClrLst/>
+    <dgm:txFillClrLst meth="repeat">
+      <a:schemeClr val="dk1"/>
+    </dgm:txFillClrLst>
+    <dgm:txEffectClrLst/>
+  </dgm:styleLbl>
+  <dgm:styleLbl name="bgAcc1">
+    <dgm:fillClrLst meth="repeat">
+      <a:schemeClr val="lt1">
+        <a:alpha val="90000"/>
+      </a:schemeClr>
+    </dgm:fillClrLst>
+    <dgm:linClrLst>
+      <a:schemeClr val="accent2"/>
+      <a:schemeClr val="accent3"/>
+    </dgm:linClrLst>
+    <dgm:effectClrLst/>
+    <dgm:txLinClrLst/>
+    <dgm:txFillClrLst meth="repeat">
+      <a:schemeClr val="dk1"/>
+    </dgm:txFillClrLst>
+    <dgm:txEffectClrLst/>
+  </dgm:styleLbl>
+  <dgm:styleLbl name="solidFgAcc1">
+    <dgm:fillClrLst meth="repeat">
+      <a:schemeClr val="lt1"/>
+    </dgm:fillClrLst>
+    <dgm:linClrLst>
+      <a:schemeClr val="accent2"/>
+      <a:schemeClr val="accent3"/>
+    </dgm:linClrLst>
+    <dgm:effectClrLst/>
+    <dgm:txLinClrLst/>
+    <dgm:txFillClrLst meth="repeat">
+      <a:schemeClr val="dk1"/>
+    </dgm:txFillClrLst>
+    <dgm:txEffectClrLst/>
+  </dgm:styleLbl>
+  <dgm:styleLbl name="solidAlignAcc1">
+    <dgm:fillClrLst meth="repeat">
+      <a:schemeClr val="lt1"/>
+    </dgm:fillClrLst>
+    <dgm:linClrLst>
+      <a:schemeClr val="accent2"/>
+      <a:schemeClr val="accent3"/>
+    </dgm:linClrLst>
+    <dgm:effectClrLst/>
+    <dgm:txLinClrLst/>
+    <dgm:txFillClrLst meth="repeat">
+      <a:schemeClr val="dk1"/>
+    </dgm:txFillClrLst>
+    <dgm:txEffectClrLst/>
+  </dgm:styleLbl>
+  <dgm:styleLbl name="solidBgAcc1">
+    <dgm:fillClrLst meth="repeat">
+      <a:schemeClr val="lt1"/>
+    </dgm:fillClrLst>
+    <dgm:linClrLst>
+      <a:schemeClr val="accent2"/>
+      <a:schemeClr val="accent3"/>
+    </dgm:linClrLst>
+    <dgm:effectClrLst/>
+    <dgm:txLinClrLst/>
+    <dgm:txFillClrLst meth="repeat">
+      <a:schemeClr val="dk1"/>
+    </dgm:txFillClrLst>
+    <dgm:txEffectClrLst/>
+  </dgm:styleLbl>
+  <dgm:styleLbl name="fgAccFollowNode1">
+    <dgm:fillClrLst>
+      <a:schemeClr val="accent2">
+        <a:tint val="40000"/>
+        <a:alpha val="90000"/>
+      </a:schemeClr>
+      <a:schemeClr val="accent3">
+        <a:tint val="40000"/>
+        <a:alpha val="90000"/>
+      </a:schemeClr>
+    </dgm:fillClrLst>
+    <dgm:linClrLst>
+      <a:schemeClr val="accent2">
+        <a:tint val="40000"/>
+        <a:alpha val="90000"/>
+      </a:schemeClr>
+      <a:schemeClr val="accent3">
+        <a:tint val="40000"/>
+        <a:alpha val="90000"/>
+      </a:schemeClr>
+    </dgm:linClrLst>
+    <dgm:effectClrLst/>
+    <dgm:txLinClrLst/>
+    <dgm:txFillClrLst meth="repeat">
+      <a:schemeClr val="dk1"/>
+    </dgm:txFillClrLst>
+    <dgm:txEffectClrLst/>
+  </dgm:styleLbl>
+  <dgm:styleLbl name="alignAccFollowNode1">
+    <dgm:fillClrLst>
+      <a:schemeClr val="accent2">
+        <a:tint val="40000"/>
+        <a:alpha val="90000"/>
+      </a:schemeClr>
+      <a:schemeClr val="accent3">
+        <a:tint val="40000"/>
+        <a:alpha val="90000"/>
+      </a:schemeClr>
+    </dgm:fillClrLst>
+    <dgm:linClrLst>
+      <a:schemeClr val="accent2">
+        <a:tint val="40000"/>
+        <a:alpha val="90000"/>
+      </a:schemeClr>
+      <a:schemeClr val="accent3">
+        <a:tint val="40000"/>
+        <a:alpha val="90000"/>
+      </a:schemeClr>
+    </dgm:linClrLst>
+    <dgm:effectClrLst/>
+    <dgm:txLinClrLst/>
+    <dgm:txFillClrLst meth="repeat">
+      <a:schemeClr val="dk1"/>
+    </dgm:txFillClrLst>
+    <dgm:txEffectClrLst/>
+  </dgm:styleLbl>
+  <dgm:styleLbl name="bgAccFollowNode1">
+    <dgm:fillClrLst>
+      <a:schemeClr val="accent2">
+        <a:tint val="40000"/>
+        <a:alpha val="90000"/>
+      </a:schemeClr>
+      <a:schemeClr val="accent3">
+        <a:tint val="40000"/>
+        <a:alpha val="90000"/>
+      </a:schemeClr>
+    </dgm:fillClrLst>
+    <dgm:linClrLst>
+      <a:schemeClr val="accent2">
+        <a:tint val="40000"/>
+        <a:alpha val="90000"/>
+      </a:schemeClr>
+      <a:schemeClr val="accent3">
+        <a:tint val="40000"/>
+        <a:alpha val="90000"/>
+      </a:schemeClr>
+    </dgm:linClrLst>
+    <dgm:effectClrLst/>
+    <dgm:txLinClrLst/>
+    <dgm:txFillClrLst meth="repeat">
+      <a:schemeClr val="dk1"/>
+    </dgm:txFillClrLst>
+    <dgm:txEffectClrLst/>
+  </dgm:styleLbl>
+  <dgm:styleLbl name="fgAcc0">
+    <dgm:fillClrLst meth="repeat">
+      <a:schemeClr val="lt1">
+        <a:alpha val="90000"/>
+      </a:schemeClr>
+    </dgm:fillClrLst>
+    <dgm:linClrLst>
+      <a:schemeClr val="accent1"/>
+    </dgm:linClrLst>
+    <dgm:effectClrLst/>
+    <dgm:txLinClrLst/>
+    <dgm:txFillClrLst meth="repeat">
+      <a:schemeClr val="dk1"/>
+    </dgm:txFillClrLst>
+    <dgm:txEffectClrLst/>
+  </dgm:styleLbl>
+  <dgm:styleLbl name="fgAcc2">
+    <dgm:fillClrLst meth="repeat">
+      <a:schemeClr val="lt1">
+        <a:alpha val="90000"/>
+      </a:schemeClr>
+    </dgm:fillClrLst>
+    <dgm:linClrLst>
+      <a:schemeClr val="accent3"/>
+    </dgm:linClrLst>
+    <dgm:effectClrLst/>
+    <dgm:txLinClrLst/>
+    <dgm:txFillClrLst meth="repeat">
+      <a:schemeClr val="dk1"/>
+    </dgm:txFillClrLst>
+    <dgm:txEffectClrLst/>
+  </dgm:styleLbl>
+  <dgm:styleLbl name="fgAcc3">
+    <dgm:fillClrLst meth="repeat">
+      <a:schemeClr val="lt1">
+        <a:alpha val="90000"/>
+      </a:schemeClr>
+    </dgm:fillClrLst>
+    <dgm:linClrLst>
+      <a:schemeClr val="accent4"/>
+    </dgm:linClrLst>
+    <dgm:effectClrLst/>
+    <dgm:txLinClrLst/>
+    <dgm:txFillClrLst meth="repeat">
+      <a:schemeClr val="dk1"/>
+    </dgm:txFillClrLst>
+    <dgm:txEffectClrLst/>
+  </dgm:styleLbl>
+  <dgm:styleLbl name="fgAcc4">
+    <dgm:fillClrLst meth="repeat">
+      <a:schemeClr val="lt1">
+        <a:alpha val="90000"/>
+      </a:schemeClr>
+    </dgm:fillClrLst>
+    <dgm:linClrLst>
+      <a:schemeClr val="accent5"/>
+    </dgm:linClrLst>
+    <dgm:effectClrLst/>
+    <dgm:txLinClrLst/>
+    <dgm:txFillClrLst meth="repeat">
+      <a:schemeClr val="dk1"/>
+    </dgm:txFillClrLst>
+    <dgm:txEffectClrLst/>
+  </dgm:styleLbl>
+  <dgm:styleLbl name="bgShp">
+    <dgm:fillClrLst meth="repeat">
+      <a:schemeClr val="accent2">
+        <a:tint val="40000"/>
+      </a:schemeClr>
+    </dgm:fillClrLst>
+    <dgm:linClrLst meth="repeat">
+      <a:schemeClr val="dk1"/>
+    </dgm:linClrLst>
+    <dgm:effectClrLst/>
+    <dgm:txLinClrLst/>
+    <dgm:txFillClrLst meth="repeat">
+      <a:schemeClr val="dk1"/>
+    </dgm:txFillClrLst>
+    <dgm:txEffectClrLst/>
+  </dgm:styleLbl>
+  <dgm:styleLbl name="dkBgShp">
+    <dgm:fillClrLst meth="repeat">
+      <a:schemeClr val="accent2">
+        <a:shade val="90000"/>
+      </a:schemeClr>
+    </dgm:fillClrLst>
+    <dgm:linClrLst meth="repeat">
+      <a:schemeClr val="dk1"/>
+    </dgm:linClrLst>
+    <dgm:effectClrLst/>
+    <dgm:txLinClrLst/>
+    <dgm:txFillClrLst meth="repeat">
+      <a:schemeClr val="lt1"/>
+    </dgm:txFillClrLst>
+    <dgm:txEffectClrLst/>
+  </dgm:styleLbl>
+  <dgm:styleLbl name="trBgShp">
+    <dgm:fillClrLst meth="repeat">
+      <a:schemeClr val="accent2">
+        <a:tint val="50000"/>
+        <a:alpha val="40000"/>
+      </a:schemeClr>
+    </dgm:fillClrLst>
+    <dgm:linClrLst meth="repeat">
+      <a:schemeClr val="accent2"/>
+    </dgm:linClrLst>
+    <dgm:effectClrLst/>
+    <dgm:txLinClrLst/>
+    <dgm:txFillClrLst meth="repeat">
+      <a:schemeClr val="lt1"/>
+    </dgm:txFillClrLst>
+    <dgm:txEffectClrLst/>
+  </dgm:styleLbl>
+  <dgm:styleLbl name="fgShp">
+    <dgm:fillClrLst meth="repeat">
+      <a:schemeClr val="accent2">
+        <a:tint val="40000"/>
+      </a:schemeClr>
+    </dgm:fillClrLst>
+    <dgm:linClrLst meth="repeat">
+      <a:schemeClr val="lt1"/>
+    </dgm:linClrLst>
+    <dgm:effectClrLst/>
+    <dgm:txLinClrLst/>
+    <dgm:txFillClrLst meth="repeat">
+      <a:schemeClr val="dk1"/>
+    </dgm:txFillClrLst>
+    <dgm:txEffectClrLst/>
+  </dgm:styleLbl>
+  <dgm:styleLbl name="revTx">
+    <dgm:fillClrLst meth="repeat">
+      <a:schemeClr val="lt1">
+        <a:alpha val="0"/>
+      </a:schemeClr>
+    </dgm:fillClrLst>
+    <dgm:linClrLst meth="repeat">
+      <a:schemeClr val="dk1">
+        <a:alpha val="0"/>
+      </a:schemeClr>
+    </dgm:linClrLst>
+    <dgm:effectClrLst/>
+    <dgm:txLinClrLst/>
+    <dgm:txFillClrLst meth="repeat">
+      <a:schemeClr val="tx1"/>
+    </dgm:txFillClrLst>
+    <dgm:txEffectClrLst/>
+  </dgm:styleLbl>
+</dgm:colorsDef>
+</file>
+
+<file path=ppt/diagrams/colors3.xml><?xml version="1.0" encoding="utf-8"?>
 <dgm:colorsDef xmlns:dgm="http://schemas.openxmlformats.org/drawingml/2006/diagram" xmlns:a="http://schemas.openxmlformats.org/drawingml/2006/main" uniqueId="urn:microsoft.com/office/officeart/2005/8/colors/accent1_2">
   <dgm:title val=""/>
   <dgm:desc val=""/>
@@ -1996,6 +2782,507 @@
 </file>
 
 <file path=ppt/diagrams/data2.xml><?xml version="1.0" encoding="utf-8"?>
+<dgm:dataModel xmlns:dgm="http://schemas.openxmlformats.org/drawingml/2006/diagram" xmlns:a="http://schemas.openxmlformats.org/drawingml/2006/main">
+  <dgm:ptLst>
+    <dgm:pt modelId="{AB5C764A-99D3-4976-B6B8-9F37C408582C}" type="doc">
+      <dgm:prSet loTypeId="urn:microsoft.com/office/officeart/2005/8/layout/list1" loCatId="list" qsTypeId="urn:microsoft.com/office/officeart/2005/8/quickstyle/simple4" qsCatId="simple" csTypeId="urn:microsoft.com/office/officeart/2005/8/colors/colorful2" csCatId="colorful" phldr="1"/>
+      <dgm:spPr/>
+      <dgm:t>
+        <a:bodyPr/>
+        <a:lstStyle/>
+        <a:p>
+          <a:endParaRPr lang="en-US"/>
+        </a:p>
+      </dgm:t>
+    </dgm:pt>
+    <dgm:pt modelId="{44A71FDA-32F7-460F-BAF2-2CF52DAEFA60}">
+      <dgm:prSet/>
+      <dgm:spPr/>
+      <dgm:t>
+        <a:bodyPr/>
+        <a:lstStyle/>
+        <a:p>
+          <a:r>
+            <a:rPr lang="en-US" dirty="0"/>
+            <a:t>2 time periods: 2020-2022 or 2022*</a:t>
+          </a:r>
+        </a:p>
+      </dgm:t>
+    </dgm:pt>
+    <dgm:pt modelId="{503275E3-5DD2-402E-B2E5-81D8B0CD9FDC}" type="parTrans" cxnId="{F0EFDA25-31AA-439A-A9FA-CF7D0220DEE6}">
+      <dgm:prSet/>
+      <dgm:spPr/>
+      <dgm:t>
+        <a:bodyPr/>
+        <a:lstStyle/>
+        <a:p>
+          <a:endParaRPr lang="en-US"/>
+        </a:p>
+      </dgm:t>
+    </dgm:pt>
+    <dgm:pt modelId="{EB8E45C9-F3B0-4123-AF0A-36A849A601E8}" type="sibTrans" cxnId="{F0EFDA25-31AA-439A-A9FA-CF7D0220DEE6}">
+      <dgm:prSet/>
+      <dgm:spPr/>
+      <dgm:t>
+        <a:bodyPr/>
+        <a:lstStyle/>
+        <a:p>
+          <a:endParaRPr lang="en-US"/>
+        </a:p>
+      </dgm:t>
+    </dgm:pt>
+    <dgm:pt modelId="{53505704-EBF9-4098-B069-302596C4567B}">
+      <dgm:prSet/>
+      <dgm:spPr/>
+      <dgm:t>
+        <a:bodyPr/>
+        <a:lstStyle/>
+        <a:p>
+          <a:r>
+            <a:rPr lang="en-US"/>
+            <a:t>Demographic categories</a:t>
+          </a:r>
+        </a:p>
+      </dgm:t>
+    </dgm:pt>
+    <dgm:pt modelId="{8BB11C7E-6D21-48B7-9BBA-5E98D5E72675}" type="parTrans" cxnId="{4DCE2728-E974-4282-8976-4B430C37649D}">
+      <dgm:prSet/>
+      <dgm:spPr/>
+      <dgm:t>
+        <a:bodyPr/>
+        <a:lstStyle/>
+        <a:p>
+          <a:endParaRPr lang="en-US"/>
+        </a:p>
+      </dgm:t>
+    </dgm:pt>
+    <dgm:pt modelId="{63C81C3C-5C6B-4ADC-BC73-6D226FC9302C}" type="sibTrans" cxnId="{4DCE2728-E974-4282-8976-4B430C37649D}">
+      <dgm:prSet/>
+      <dgm:spPr/>
+      <dgm:t>
+        <a:bodyPr/>
+        <a:lstStyle/>
+        <a:p>
+          <a:endParaRPr lang="en-US"/>
+        </a:p>
+      </dgm:t>
+    </dgm:pt>
+    <dgm:pt modelId="{C7D84350-6E45-40A0-81BB-1FE25365A923}">
+      <dgm:prSet/>
+      <dgm:spPr/>
+      <dgm:t>
+        <a:bodyPr/>
+        <a:lstStyle/>
+        <a:p>
+          <a:r>
+            <a:rPr lang="en-US" dirty="0"/>
+            <a:t>Race*</a:t>
+          </a:r>
+        </a:p>
+      </dgm:t>
+    </dgm:pt>
+    <dgm:pt modelId="{82FC34A4-96AC-4FAD-B0A9-04F3223CE165}" type="parTrans" cxnId="{15F4FAAE-738D-477C-9AA8-64FF4740D430}">
+      <dgm:prSet/>
+      <dgm:spPr/>
+      <dgm:t>
+        <a:bodyPr/>
+        <a:lstStyle/>
+        <a:p>
+          <a:endParaRPr lang="en-US"/>
+        </a:p>
+      </dgm:t>
+    </dgm:pt>
+    <dgm:pt modelId="{3588BF8C-1EE6-4328-9A50-0E07D2D91E50}" type="sibTrans" cxnId="{15F4FAAE-738D-477C-9AA8-64FF4740D430}">
+      <dgm:prSet/>
+      <dgm:spPr/>
+      <dgm:t>
+        <a:bodyPr/>
+        <a:lstStyle/>
+        <a:p>
+          <a:endParaRPr lang="en-US"/>
+        </a:p>
+      </dgm:t>
+    </dgm:pt>
+    <dgm:pt modelId="{2D6B53FE-6E83-4BB1-9BCF-CDA7F5850448}">
+      <dgm:prSet/>
+      <dgm:spPr/>
+      <dgm:t>
+        <a:bodyPr/>
+        <a:lstStyle/>
+        <a:p>
+          <a:r>
+            <a:rPr lang="en-US"/>
+            <a:t>Ethnicity (Hispanic or Not)</a:t>
+          </a:r>
+        </a:p>
+      </dgm:t>
+    </dgm:pt>
+    <dgm:pt modelId="{B4A07371-621A-4F18-BA99-0D26B36FE011}" type="parTrans" cxnId="{487134D1-1F15-4BD9-AD89-32F30FE91936}">
+      <dgm:prSet/>
+      <dgm:spPr/>
+      <dgm:t>
+        <a:bodyPr/>
+        <a:lstStyle/>
+        <a:p>
+          <a:endParaRPr lang="en-US"/>
+        </a:p>
+      </dgm:t>
+    </dgm:pt>
+    <dgm:pt modelId="{2A5190A4-71A0-4B60-82D5-FB6F53C24261}" type="sibTrans" cxnId="{487134D1-1F15-4BD9-AD89-32F30FE91936}">
+      <dgm:prSet/>
+      <dgm:spPr/>
+      <dgm:t>
+        <a:bodyPr/>
+        <a:lstStyle/>
+        <a:p>
+          <a:endParaRPr lang="en-US"/>
+        </a:p>
+      </dgm:t>
+    </dgm:pt>
+    <dgm:pt modelId="{6AA15E9A-CBB0-46CB-896A-1F1F6628E3CA}">
+      <dgm:prSet/>
+      <dgm:spPr/>
+      <dgm:t>
+        <a:bodyPr/>
+        <a:lstStyle/>
+        <a:p>
+          <a:r>
+            <a:rPr lang="en-US"/>
+            <a:t>Sex</a:t>
+          </a:r>
+        </a:p>
+      </dgm:t>
+    </dgm:pt>
+    <dgm:pt modelId="{7473F6D1-25BB-4E5B-9FFE-8D665558A741}" type="parTrans" cxnId="{08E7757B-B258-47C6-9DE0-8E099F963DD9}">
+      <dgm:prSet/>
+      <dgm:spPr/>
+      <dgm:t>
+        <a:bodyPr/>
+        <a:lstStyle/>
+        <a:p>
+          <a:endParaRPr lang="en-US"/>
+        </a:p>
+      </dgm:t>
+    </dgm:pt>
+    <dgm:pt modelId="{DF1A358E-380F-4F85-8EA4-FD18CDB6DB19}" type="sibTrans" cxnId="{08E7757B-B258-47C6-9DE0-8E099F963DD9}">
+      <dgm:prSet/>
+      <dgm:spPr/>
+      <dgm:t>
+        <a:bodyPr/>
+        <a:lstStyle/>
+        <a:p>
+          <a:endParaRPr lang="en-US"/>
+        </a:p>
+      </dgm:t>
+    </dgm:pt>
+    <dgm:pt modelId="{228F809E-2CBD-438A-9241-618AEAFA2159}">
+      <dgm:prSet/>
+      <dgm:spPr/>
+      <dgm:t>
+        <a:bodyPr/>
+        <a:lstStyle/>
+        <a:p>
+          <a:r>
+            <a:rPr lang="en-US" dirty="0"/>
+            <a:t>Socioeconomic status (Mother’s ed)</a:t>
+          </a:r>
+        </a:p>
+      </dgm:t>
+    </dgm:pt>
+    <dgm:pt modelId="{72B4F8E8-8FE0-4AEA-8DCA-D5FE35ABC500}" type="parTrans" cxnId="{4E526927-621D-4CC7-B336-14F9C26470D6}">
+      <dgm:prSet/>
+      <dgm:spPr/>
+      <dgm:t>
+        <a:bodyPr/>
+        <a:lstStyle/>
+        <a:p>
+          <a:endParaRPr lang="en-US"/>
+        </a:p>
+      </dgm:t>
+    </dgm:pt>
+    <dgm:pt modelId="{59BE4EB2-D7D1-4F63-A950-DDCCE94FADD6}" type="sibTrans" cxnId="{4E526927-621D-4CC7-B336-14F9C26470D6}">
+      <dgm:prSet/>
+      <dgm:spPr/>
+      <dgm:t>
+        <a:bodyPr/>
+        <a:lstStyle/>
+        <a:p>
+          <a:endParaRPr lang="en-US"/>
+        </a:p>
+      </dgm:t>
+    </dgm:pt>
+    <dgm:pt modelId="{88B8CC56-EEC3-D047-BD4F-737CA019907C}">
+      <dgm:prSet/>
+      <dgm:spPr/>
+      <dgm:t>
+        <a:bodyPr/>
+        <a:lstStyle/>
+        <a:p>
+          <a:r>
+            <a:rPr lang="en-US" dirty="0"/>
+            <a:t>Summary rows included</a:t>
+          </a:r>
+        </a:p>
+      </dgm:t>
+    </dgm:pt>
+    <dgm:pt modelId="{92358062-8251-EA46-84F3-54842162B108}" type="parTrans" cxnId="{7ABECCF8-B7AD-CF40-994B-A293DA24D10A}">
+      <dgm:prSet/>
+      <dgm:spPr/>
+    </dgm:pt>
+    <dgm:pt modelId="{1984CC4A-C66F-884B-A862-C3B113C4FB81}" type="sibTrans" cxnId="{7ABECCF8-B7AD-CF40-994B-A293DA24D10A}">
+      <dgm:prSet/>
+      <dgm:spPr/>
+    </dgm:pt>
+    <dgm:pt modelId="{8BAF1AE8-FEAE-034D-92A9-AFB7BC66E013}">
+      <dgm:prSet/>
+      <dgm:spPr/>
+      <dgm:t>
+        <a:bodyPr/>
+        <a:lstStyle/>
+        <a:p>
+          <a:r>
+            <a:rPr lang="en-US" dirty="0"/>
+            <a:t>All AmeriCorps Volunteers</a:t>
+          </a:r>
+        </a:p>
+      </dgm:t>
+    </dgm:pt>
+    <dgm:pt modelId="{29E2C363-7441-414B-826C-18E6D30F95D5}" type="parTrans" cxnId="{D323D1C4-B74D-1E43-BE76-A2B018F3C7CD}">
+      <dgm:prSet/>
+      <dgm:spPr/>
+    </dgm:pt>
+    <dgm:pt modelId="{06008C30-00B2-2142-BC82-A5EEF21AA78D}" type="sibTrans" cxnId="{D323D1C4-B74D-1E43-BE76-A2B018F3C7CD}">
+      <dgm:prSet/>
+      <dgm:spPr/>
+    </dgm:pt>
+    <dgm:pt modelId="{398B84B8-1E65-FC4E-BBEE-AFF85451A917}">
+      <dgm:prSet/>
+      <dgm:spPr/>
+      <dgm:t>
+        <a:bodyPr/>
+        <a:lstStyle/>
+        <a:p>
+          <a:r>
+            <a:rPr lang="en-US" dirty="0"/>
+            <a:t>Summaries for all Seniors programs</a:t>
+          </a:r>
+        </a:p>
+      </dgm:t>
+    </dgm:pt>
+    <dgm:pt modelId="{F20A4929-CF7B-0A4C-9A57-604633AEE0CD}" type="parTrans" cxnId="{969AE334-8EE6-164E-9A34-980EF3542143}">
+      <dgm:prSet/>
+      <dgm:spPr/>
+    </dgm:pt>
+    <dgm:pt modelId="{6EC9F1AD-1563-2D44-B0D9-082D98DC3183}" type="sibTrans" cxnId="{969AE334-8EE6-164E-9A34-980EF3542143}">
+      <dgm:prSet/>
+      <dgm:spPr/>
+    </dgm:pt>
+    <dgm:pt modelId="{A2DC0C2F-9C76-A443-B507-630526708EEE}">
+      <dgm:prSet/>
+      <dgm:spPr/>
+      <dgm:t>
+        <a:bodyPr/>
+        <a:lstStyle/>
+        <a:p>
+          <a:r>
+            <a:rPr lang="en-US" dirty="0"/>
+            <a:t>Non-white</a:t>
+          </a:r>
+        </a:p>
+      </dgm:t>
+    </dgm:pt>
+    <dgm:pt modelId="{D936375F-C4B0-E947-A64C-7AFEDA17A467}" type="parTrans" cxnId="{F1E2EBE0-D16D-0140-BF97-456B6842FEC1}">
+      <dgm:prSet/>
+      <dgm:spPr/>
+    </dgm:pt>
+    <dgm:pt modelId="{95C75EAA-3F54-2645-8C97-AD9E9B612AB3}" type="sibTrans" cxnId="{F1E2EBE0-D16D-0140-BF97-456B6842FEC1}">
+      <dgm:prSet/>
+      <dgm:spPr/>
+    </dgm:pt>
+    <dgm:pt modelId="{B5223A1E-8495-6448-8095-DB6B38041E95}">
+      <dgm:prSet/>
+      <dgm:spPr/>
+      <dgm:t>
+        <a:bodyPr/>
+        <a:lstStyle/>
+        <a:p>
+          <a:r>
+            <a:rPr lang="en-US" dirty="0"/>
+            <a:t>National, Regional, State</a:t>
+          </a:r>
+        </a:p>
+      </dgm:t>
+    </dgm:pt>
+    <dgm:pt modelId="{EF12C803-AE01-494B-8FFE-C8089081E373}" type="parTrans" cxnId="{27F11760-D8E9-4A4A-A0CE-958C0455FAB1}">
+      <dgm:prSet/>
+      <dgm:spPr/>
+    </dgm:pt>
+    <dgm:pt modelId="{80E7D9D4-8CE8-C748-B447-F78B6CDC5523}" type="sibTrans" cxnId="{27F11760-D8E9-4A4A-A0CE-958C0455FAB1}">
+      <dgm:prSet/>
+      <dgm:spPr/>
+    </dgm:pt>
+    <dgm:pt modelId="{D5AE07F6-54EC-5246-97A3-C4DF86A95FC6}" type="pres">
+      <dgm:prSet presAssocID="{AB5C764A-99D3-4976-B6B8-9F37C408582C}" presName="linear" presStyleCnt="0">
+        <dgm:presLayoutVars>
+          <dgm:dir/>
+          <dgm:animLvl val="lvl"/>
+          <dgm:resizeHandles val="exact"/>
+        </dgm:presLayoutVars>
+      </dgm:prSet>
+      <dgm:spPr/>
+    </dgm:pt>
+    <dgm:pt modelId="{1DE292D9-86A4-5848-BA02-3E3FBA76EBB4}" type="pres">
+      <dgm:prSet presAssocID="{44A71FDA-32F7-460F-BAF2-2CF52DAEFA60}" presName="parentLin" presStyleCnt="0"/>
+      <dgm:spPr/>
+    </dgm:pt>
+    <dgm:pt modelId="{39EA7BE8-9619-7642-A660-1F3E1825C436}" type="pres">
+      <dgm:prSet presAssocID="{44A71FDA-32F7-460F-BAF2-2CF52DAEFA60}" presName="parentLeftMargin" presStyleLbl="node1" presStyleIdx="0" presStyleCnt="3"/>
+      <dgm:spPr/>
+    </dgm:pt>
+    <dgm:pt modelId="{897B67A5-C791-5043-8F6D-073016D6BBA5}" type="pres">
+      <dgm:prSet presAssocID="{44A71FDA-32F7-460F-BAF2-2CF52DAEFA60}" presName="parentText" presStyleLbl="node1" presStyleIdx="0" presStyleCnt="3">
+        <dgm:presLayoutVars>
+          <dgm:chMax val="0"/>
+          <dgm:bulletEnabled val="1"/>
+        </dgm:presLayoutVars>
+      </dgm:prSet>
+      <dgm:spPr/>
+    </dgm:pt>
+    <dgm:pt modelId="{51279460-0D6C-6C4E-B943-1E754A5CACBE}" type="pres">
+      <dgm:prSet presAssocID="{44A71FDA-32F7-460F-BAF2-2CF52DAEFA60}" presName="negativeSpace" presStyleCnt="0"/>
+      <dgm:spPr/>
+    </dgm:pt>
+    <dgm:pt modelId="{AE3C4A9B-05C2-F945-8631-64F338E71919}" type="pres">
+      <dgm:prSet presAssocID="{44A71FDA-32F7-460F-BAF2-2CF52DAEFA60}" presName="childText" presStyleLbl="conFgAcc1" presStyleIdx="0" presStyleCnt="3">
+        <dgm:presLayoutVars>
+          <dgm:bulletEnabled val="1"/>
+        </dgm:presLayoutVars>
+      </dgm:prSet>
+      <dgm:spPr/>
+    </dgm:pt>
+    <dgm:pt modelId="{28AEB24C-9789-6D49-9EB6-35997D24637D}" type="pres">
+      <dgm:prSet presAssocID="{EB8E45C9-F3B0-4123-AF0A-36A849A601E8}" presName="spaceBetweenRectangles" presStyleCnt="0"/>
+      <dgm:spPr/>
+    </dgm:pt>
+    <dgm:pt modelId="{847C30AC-BA6F-894B-892B-3EAFF01726DB}" type="pres">
+      <dgm:prSet presAssocID="{53505704-EBF9-4098-B069-302596C4567B}" presName="parentLin" presStyleCnt="0"/>
+      <dgm:spPr/>
+    </dgm:pt>
+    <dgm:pt modelId="{A9A1982D-3775-714C-AAF0-F958C3AEA064}" type="pres">
+      <dgm:prSet presAssocID="{53505704-EBF9-4098-B069-302596C4567B}" presName="parentLeftMargin" presStyleLbl="node1" presStyleIdx="0" presStyleCnt="3"/>
+      <dgm:spPr/>
+    </dgm:pt>
+    <dgm:pt modelId="{E8D97B17-4DF7-9B47-9BCA-E496071019EA}" type="pres">
+      <dgm:prSet presAssocID="{53505704-EBF9-4098-B069-302596C4567B}" presName="parentText" presStyleLbl="node1" presStyleIdx="1" presStyleCnt="3">
+        <dgm:presLayoutVars>
+          <dgm:chMax val="0"/>
+          <dgm:bulletEnabled val="1"/>
+        </dgm:presLayoutVars>
+      </dgm:prSet>
+      <dgm:spPr/>
+    </dgm:pt>
+    <dgm:pt modelId="{E9C7B6FD-2422-5C45-B35C-4786C5A36D1E}" type="pres">
+      <dgm:prSet presAssocID="{53505704-EBF9-4098-B069-302596C4567B}" presName="negativeSpace" presStyleCnt="0"/>
+      <dgm:spPr/>
+    </dgm:pt>
+    <dgm:pt modelId="{1108082F-9DF3-FC47-AE5B-51D7AF4249E0}" type="pres">
+      <dgm:prSet presAssocID="{53505704-EBF9-4098-B069-302596C4567B}" presName="childText" presStyleLbl="conFgAcc1" presStyleIdx="1" presStyleCnt="3">
+        <dgm:presLayoutVars>
+          <dgm:bulletEnabled val="1"/>
+        </dgm:presLayoutVars>
+      </dgm:prSet>
+      <dgm:spPr/>
+    </dgm:pt>
+    <dgm:pt modelId="{F703DA9B-2D13-E84E-8375-C10F2927750F}" type="pres">
+      <dgm:prSet presAssocID="{63C81C3C-5C6B-4ADC-BC73-6D226FC9302C}" presName="spaceBetweenRectangles" presStyleCnt="0"/>
+      <dgm:spPr/>
+    </dgm:pt>
+    <dgm:pt modelId="{FBBFCF2B-6894-274D-A521-1BA05BA877D5}" type="pres">
+      <dgm:prSet presAssocID="{88B8CC56-EEC3-D047-BD4F-737CA019907C}" presName="parentLin" presStyleCnt="0"/>
+      <dgm:spPr/>
+    </dgm:pt>
+    <dgm:pt modelId="{48E91B91-F0F3-2749-B31B-BEB0B1207113}" type="pres">
+      <dgm:prSet presAssocID="{88B8CC56-EEC3-D047-BD4F-737CA019907C}" presName="parentLeftMargin" presStyleLbl="node1" presStyleIdx="1" presStyleCnt="3"/>
+      <dgm:spPr/>
+    </dgm:pt>
+    <dgm:pt modelId="{5D749826-0D9E-EC4F-BBFE-27D26DCC2115}" type="pres">
+      <dgm:prSet presAssocID="{88B8CC56-EEC3-D047-BD4F-737CA019907C}" presName="parentText" presStyleLbl="node1" presStyleIdx="2" presStyleCnt="3">
+        <dgm:presLayoutVars>
+          <dgm:chMax val="0"/>
+          <dgm:bulletEnabled val="1"/>
+        </dgm:presLayoutVars>
+      </dgm:prSet>
+      <dgm:spPr/>
+    </dgm:pt>
+    <dgm:pt modelId="{DE6DD0B4-154F-5C45-B49D-548F9242EE6A}" type="pres">
+      <dgm:prSet presAssocID="{88B8CC56-EEC3-D047-BD4F-737CA019907C}" presName="negativeSpace" presStyleCnt="0"/>
+      <dgm:spPr/>
+    </dgm:pt>
+    <dgm:pt modelId="{29F74AB5-8F82-B34C-A376-880324DFA4B9}" type="pres">
+      <dgm:prSet presAssocID="{88B8CC56-EEC3-D047-BD4F-737CA019907C}" presName="childText" presStyleLbl="conFgAcc1" presStyleIdx="2" presStyleCnt="3">
+        <dgm:presLayoutVars>
+          <dgm:bulletEnabled val="1"/>
+        </dgm:presLayoutVars>
+      </dgm:prSet>
+      <dgm:spPr/>
+    </dgm:pt>
+  </dgm:ptLst>
+  <dgm:cxnLst>
+    <dgm:cxn modelId="{1D88F916-B8F4-8D4D-8C9A-C9EB75BEE9D3}" type="presOf" srcId="{44A71FDA-32F7-460F-BAF2-2CF52DAEFA60}" destId="{897B67A5-C791-5043-8F6D-073016D6BBA5}" srcOrd="1" destOrd="0" presId="urn:microsoft.com/office/officeart/2005/8/layout/list1"/>
+    <dgm:cxn modelId="{4B59C319-120B-6049-9142-D96DA554E622}" type="presOf" srcId="{C7D84350-6E45-40A0-81BB-1FE25365A923}" destId="{1108082F-9DF3-FC47-AE5B-51D7AF4249E0}" srcOrd="0" destOrd="0" presId="urn:microsoft.com/office/officeart/2005/8/layout/list1"/>
+    <dgm:cxn modelId="{A272DE22-660E-AB42-B9BD-C3A7C1FF993E}" type="presOf" srcId="{44A71FDA-32F7-460F-BAF2-2CF52DAEFA60}" destId="{39EA7BE8-9619-7642-A660-1F3E1825C436}" srcOrd="0" destOrd="0" presId="urn:microsoft.com/office/officeart/2005/8/layout/list1"/>
+    <dgm:cxn modelId="{F0EFDA25-31AA-439A-A9FA-CF7D0220DEE6}" srcId="{AB5C764A-99D3-4976-B6B8-9F37C408582C}" destId="{44A71FDA-32F7-460F-BAF2-2CF52DAEFA60}" srcOrd="0" destOrd="0" parTransId="{503275E3-5DD2-402E-B2E5-81D8B0CD9FDC}" sibTransId="{EB8E45C9-F3B0-4123-AF0A-36A849A601E8}"/>
+    <dgm:cxn modelId="{4E526927-621D-4CC7-B336-14F9C26470D6}" srcId="{53505704-EBF9-4098-B069-302596C4567B}" destId="{228F809E-2CBD-438A-9241-618AEAFA2159}" srcOrd="3" destOrd="0" parTransId="{72B4F8E8-8FE0-4AEA-8DCA-D5FE35ABC500}" sibTransId="{59BE4EB2-D7D1-4F63-A950-DDCCE94FADD6}"/>
+    <dgm:cxn modelId="{4DCE2728-E974-4282-8976-4B430C37649D}" srcId="{AB5C764A-99D3-4976-B6B8-9F37C408582C}" destId="{53505704-EBF9-4098-B069-302596C4567B}" srcOrd="1" destOrd="0" parTransId="{8BB11C7E-6D21-48B7-9BBA-5E98D5E72675}" sibTransId="{63C81C3C-5C6B-4ADC-BC73-6D226FC9302C}"/>
+    <dgm:cxn modelId="{969AE334-8EE6-164E-9A34-980EF3542143}" srcId="{88B8CC56-EEC3-D047-BD4F-737CA019907C}" destId="{398B84B8-1E65-FC4E-BBEE-AFF85451A917}" srcOrd="1" destOrd="0" parTransId="{F20A4929-CF7B-0A4C-9A57-604633AEE0CD}" sibTransId="{6EC9F1AD-1563-2D44-B0D9-082D98DC3183}"/>
+    <dgm:cxn modelId="{4E01C93C-9544-9E41-AE48-7A067EDA450C}" type="presOf" srcId="{88B8CC56-EEC3-D047-BD4F-737CA019907C}" destId="{48E91B91-F0F3-2749-B31B-BEB0B1207113}" srcOrd="0" destOrd="0" presId="urn:microsoft.com/office/officeart/2005/8/layout/list1"/>
+    <dgm:cxn modelId="{27F11760-D8E9-4A4A-A0CE-958C0455FAB1}" srcId="{88B8CC56-EEC3-D047-BD4F-737CA019907C}" destId="{B5223A1E-8495-6448-8095-DB6B38041E95}" srcOrd="3" destOrd="0" parTransId="{EF12C803-AE01-494B-8FFE-C8089081E373}" sibTransId="{80E7D9D4-8CE8-C748-B447-F78B6CDC5523}"/>
+    <dgm:cxn modelId="{045FF66C-016F-E941-8445-FE58F2298544}" type="presOf" srcId="{53505704-EBF9-4098-B069-302596C4567B}" destId="{A9A1982D-3775-714C-AAF0-F958C3AEA064}" srcOrd="0" destOrd="0" presId="urn:microsoft.com/office/officeart/2005/8/layout/list1"/>
+    <dgm:cxn modelId="{08E7757B-B258-47C6-9DE0-8E099F963DD9}" srcId="{53505704-EBF9-4098-B069-302596C4567B}" destId="{6AA15E9A-CBB0-46CB-896A-1F1F6628E3CA}" srcOrd="2" destOrd="0" parTransId="{7473F6D1-25BB-4E5B-9FFE-8D665558A741}" sibTransId="{DF1A358E-380F-4F85-8EA4-FD18CDB6DB19}"/>
+    <dgm:cxn modelId="{15F4FAAE-738D-477C-9AA8-64FF4740D430}" srcId="{53505704-EBF9-4098-B069-302596C4567B}" destId="{C7D84350-6E45-40A0-81BB-1FE25365A923}" srcOrd="0" destOrd="0" parTransId="{82FC34A4-96AC-4FAD-B0A9-04F3223CE165}" sibTransId="{3588BF8C-1EE6-4328-9A50-0E07D2D91E50}"/>
+    <dgm:cxn modelId="{04DD8CAF-9789-E944-BE67-D34000DE9EFA}" type="presOf" srcId="{53505704-EBF9-4098-B069-302596C4567B}" destId="{E8D97B17-4DF7-9B47-9BCA-E496071019EA}" srcOrd="1" destOrd="0" presId="urn:microsoft.com/office/officeart/2005/8/layout/list1"/>
+    <dgm:cxn modelId="{3CBE89B7-A88C-3B40-976D-4A569B44E907}" type="presOf" srcId="{228F809E-2CBD-438A-9241-618AEAFA2159}" destId="{1108082F-9DF3-FC47-AE5B-51D7AF4249E0}" srcOrd="0" destOrd="3" presId="urn:microsoft.com/office/officeart/2005/8/layout/list1"/>
+    <dgm:cxn modelId="{055B3FBE-0065-214F-B65C-7311FBF85923}" type="presOf" srcId="{6AA15E9A-CBB0-46CB-896A-1F1F6628E3CA}" destId="{1108082F-9DF3-FC47-AE5B-51D7AF4249E0}" srcOrd="0" destOrd="2" presId="urn:microsoft.com/office/officeart/2005/8/layout/list1"/>
+    <dgm:cxn modelId="{0A5B6FC2-A6AF-D744-AFBE-FBE09A8D628B}" type="presOf" srcId="{398B84B8-1E65-FC4E-BBEE-AFF85451A917}" destId="{29F74AB5-8F82-B34C-A376-880324DFA4B9}" srcOrd="0" destOrd="1" presId="urn:microsoft.com/office/officeart/2005/8/layout/list1"/>
+    <dgm:cxn modelId="{D323D1C4-B74D-1E43-BE76-A2B018F3C7CD}" srcId="{88B8CC56-EEC3-D047-BD4F-737CA019907C}" destId="{8BAF1AE8-FEAE-034D-92A9-AFB7BC66E013}" srcOrd="0" destOrd="0" parTransId="{29E2C363-7441-414B-826C-18E6D30F95D5}" sibTransId="{06008C30-00B2-2142-BC82-A5EEF21AA78D}"/>
+    <dgm:cxn modelId="{F5E931CE-D05C-944E-AF69-770A228800B8}" type="presOf" srcId="{2D6B53FE-6E83-4BB1-9BCF-CDA7F5850448}" destId="{1108082F-9DF3-FC47-AE5B-51D7AF4249E0}" srcOrd="0" destOrd="1" presId="urn:microsoft.com/office/officeart/2005/8/layout/list1"/>
+    <dgm:cxn modelId="{487134D1-1F15-4BD9-AD89-32F30FE91936}" srcId="{53505704-EBF9-4098-B069-302596C4567B}" destId="{2D6B53FE-6E83-4BB1-9BCF-CDA7F5850448}" srcOrd="1" destOrd="0" parTransId="{B4A07371-621A-4F18-BA99-0D26B36FE011}" sibTransId="{2A5190A4-71A0-4B60-82D5-FB6F53C24261}"/>
+    <dgm:cxn modelId="{F1E2EBE0-D16D-0140-BF97-456B6842FEC1}" srcId="{88B8CC56-EEC3-D047-BD4F-737CA019907C}" destId="{A2DC0C2F-9C76-A443-B507-630526708EEE}" srcOrd="2" destOrd="0" parTransId="{D936375F-C4B0-E947-A64C-7AFEDA17A467}" sibTransId="{95C75EAA-3F54-2645-8C97-AD9E9B612AB3}"/>
+    <dgm:cxn modelId="{E635E3E9-584F-0A42-985F-32548926BB34}" type="presOf" srcId="{B5223A1E-8495-6448-8095-DB6B38041E95}" destId="{29F74AB5-8F82-B34C-A376-880324DFA4B9}" srcOrd="0" destOrd="3" presId="urn:microsoft.com/office/officeart/2005/8/layout/list1"/>
+    <dgm:cxn modelId="{946918EB-35F0-6E46-8456-F20F920B6186}" type="presOf" srcId="{AB5C764A-99D3-4976-B6B8-9F37C408582C}" destId="{D5AE07F6-54EC-5246-97A3-C4DF86A95FC6}" srcOrd="0" destOrd="0" presId="urn:microsoft.com/office/officeart/2005/8/layout/list1"/>
+    <dgm:cxn modelId="{6CE010EE-CB22-B640-A4CB-9E5ECD79556B}" type="presOf" srcId="{8BAF1AE8-FEAE-034D-92A9-AFB7BC66E013}" destId="{29F74AB5-8F82-B34C-A376-880324DFA4B9}" srcOrd="0" destOrd="0" presId="urn:microsoft.com/office/officeart/2005/8/layout/list1"/>
+    <dgm:cxn modelId="{9E6EE8EF-12A1-8246-A339-577806FB9078}" type="presOf" srcId="{A2DC0C2F-9C76-A443-B507-630526708EEE}" destId="{29F74AB5-8F82-B34C-A376-880324DFA4B9}" srcOrd="0" destOrd="2" presId="urn:microsoft.com/office/officeart/2005/8/layout/list1"/>
+    <dgm:cxn modelId="{7ABECCF8-B7AD-CF40-994B-A293DA24D10A}" srcId="{AB5C764A-99D3-4976-B6B8-9F37C408582C}" destId="{88B8CC56-EEC3-D047-BD4F-737CA019907C}" srcOrd="2" destOrd="0" parTransId="{92358062-8251-EA46-84F3-54842162B108}" sibTransId="{1984CC4A-C66F-884B-A862-C3B113C4FB81}"/>
+    <dgm:cxn modelId="{105DEBFE-5122-C148-9C4C-E7C9B525ACFA}" type="presOf" srcId="{88B8CC56-EEC3-D047-BD4F-737CA019907C}" destId="{5D749826-0D9E-EC4F-BBFE-27D26DCC2115}" srcOrd="1" destOrd="0" presId="urn:microsoft.com/office/officeart/2005/8/layout/list1"/>
+    <dgm:cxn modelId="{B44A3E47-D420-9E41-BB5B-6FA9BC3E4942}" type="presParOf" srcId="{D5AE07F6-54EC-5246-97A3-C4DF86A95FC6}" destId="{1DE292D9-86A4-5848-BA02-3E3FBA76EBB4}" srcOrd="0" destOrd="0" presId="urn:microsoft.com/office/officeart/2005/8/layout/list1"/>
+    <dgm:cxn modelId="{94C9F353-AA79-2749-A9E5-6C96A36D099F}" type="presParOf" srcId="{1DE292D9-86A4-5848-BA02-3E3FBA76EBB4}" destId="{39EA7BE8-9619-7642-A660-1F3E1825C436}" srcOrd="0" destOrd="0" presId="urn:microsoft.com/office/officeart/2005/8/layout/list1"/>
+    <dgm:cxn modelId="{86924E34-F39E-E94D-B9E1-45F4AB59AA97}" type="presParOf" srcId="{1DE292D9-86A4-5848-BA02-3E3FBA76EBB4}" destId="{897B67A5-C791-5043-8F6D-073016D6BBA5}" srcOrd="1" destOrd="0" presId="urn:microsoft.com/office/officeart/2005/8/layout/list1"/>
+    <dgm:cxn modelId="{394DF3BC-F26C-284D-A1F5-945D39F67DF9}" type="presParOf" srcId="{D5AE07F6-54EC-5246-97A3-C4DF86A95FC6}" destId="{51279460-0D6C-6C4E-B943-1E754A5CACBE}" srcOrd="1" destOrd="0" presId="urn:microsoft.com/office/officeart/2005/8/layout/list1"/>
+    <dgm:cxn modelId="{3298EADC-64AF-8D4D-85D7-3CB22B24FBAC}" type="presParOf" srcId="{D5AE07F6-54EC-5246-97A3-C4DF86A95FC6}" destId="{AE3C4A9B-05C2-F945-8631-64F338E71919}" srcOrd="2" destOrd="0" presId="urn:microsoft.com/office/officeart/2005/8/layout/list1"/>
+    <dgm:cxn modelId="{7A6FAFD3-49CC-2C4C-8FEE-3AF459E8C04A}" type="presParOf" srcId="{D5AE07F6-54EC-5246-97A3-C4DF86A95FC6}" destId="{28AEB24C-9789-6D49-9EB6-35997D24637D}" srcOrd="3" destOrd="0" presId="urn:microsoft.com/office/officeart/2005/8/layout/list1"/>
+    <dgm:cxn modelId="{5EDFE645-F545-1040-B6FA-6248F690A116}" type="presParOf" srcId="{D5AE07F6-54EC-5246-97A3-C4DF86A95FC6}" destId="{847C30AC-BA6F-894B-892B-3EAFF01726DB}" srcOrd="4" destOrd="0" presId="urn:microsoft.com/office/officeart/2005/8/layout/list1"/>
+    <dgm:cxn modelId="{C91CCE47-968F-9F48-A9B2-207E0359DB3A}" type="presParOf" srcId="{847C30AC-BA6F-894B-892B-3EAFF01726DB}" destId="{A9A1982D-3775-714C-AAF0-F958C3AEA064}" srcOrd="0" destOrd="0" presId="urn:microsoft.com/office/officeart/2005/8/layout/list1"/>
+    <dgm:cxn modelId="{3C39DEB4-3266-384B-A627-BA3BBACBE9AA}" type="presParOf" srcId="{847C30AC-BA6F-894B-892B-3EAFF01726DB}" destId="{E8D97B17-4DF7-9B47-9BCA-E496071019EA}" srcOrd="1" destOrd="0" presId="urn:microsoft.com/office/officeart/2005/8/layout/list1"/>
+    <dgm:cxn modelId="{8067CFFC-49A8-D548-98D9-C0F8E34BF068}" type="presParOf" srcId="{D5AE07F6-54EC-5246-97A3-C4DF86A95FC6}" destId="{E9C7B6FD-2422-5C45-B35C-4786C5A36D1E}" srcOrd="5" destOrd="0" presId="urn:microsoft.com/office/officeart/2005/8/layout/list1"/>
+    <dgm:cxn modelId="{91179795-8E67-0949-9230-B98E591B9461}" type="presParOf" srcId="{D5AE07F6-54EC-5246-97A3-C4DF86A95FC6}" destId="{1108082F-9DF3-FC47-AE5B-51D7AF4249E0}" srcOrd="6" destOrd="0" presId="urn:microsoft.com/office/officeart/2005/8/layout/list1"/>
+    <dgm:cxn modelId="{F3BA6912-85C0-5342-82A9-0888C2E4E49A}" type="presParOf" srcId="{D5AE07F6-54EC-5246-97A3-C4DF86A95FC6}" destId="{F703DA9B-2D13-E84E-8375-C10F2927750F}" srcOrd="7" destOrd="0" presId="urn:microsoft.com/office/officeart/2005/8/layout/list1"/>
+    <dgm:cxn modelId="{7A357BF3-03E2-7543-98AC-6B48E505B5EA}" type="presParOf" srcId="{D5AE07F6-54EC-5246-97A3-C4DF86A95FC6}" destId="{FBBFCF2B-6894-274D-A521-1BA05BA877D5}" srcOrd="8" destOrd="0" presId="urn:microsoft.com/office/officeart/2005/8/layout/list1"/>
+    <dgm:cxn modelId="{3B60F5FC-971B-8942-830C-ED27EA17C8C8}" type="presParOf" srcId="{FBBFCF2B-6894-274D-A521-1BA05BA877D5}" destId="{48E91B91-F0F3-2749-B31B-BEB0B1207113}" srcOrd="0" destOrd="0" presId="urn:microsoft.com/office/officeart/2005/8/layout/list1"/>
+    <dgm:cxn modelId="{BDFA8194-CE0C-874F-9150-4CF3B951A891}" type="presParOf" srcId="{FBBFCF2B-6894-274D-A521-1BA05BA877D5}" destId="{5D749826-0D9E-EC4F-BBFE-27D26DCC2115}" srcOrd="1" destOrd="0" presId="urn:microsoft.com/office/officeart/2005/8/layout/list1"/>
+    <dgm:cxn modelId="{4E931772-7BC0-5D4D-8B9E-FCC78D8ABC92}" type="presParOf" srcId="{D5AE07F6-54EC-5246-97A3-C4DF86A95FC6}" destId="{DE6DD0B4-154F-5C45-B49D-548F9242EE6A}" srcOrd="9" destOrd="0" presId="urn:microsoft.com/office/officeart/2005/8/layout/list1"/>
+    <dgm:cxn modelId="{8435A0CD-42B2-9D4C-98FF-B6DC37458E23}" type="presParOf" srcId="{D5AE07F6-54EC-5246-97A3-C4DF86A95FC6}" destId="{29F74AB5-8F82-B34C-A376-880324DFA4B9}" srcOrd="10" destOrd="0" presId="urn:microsoft.com/office/officeart/2005/8/layout/list1"/>
+  </dgm:cxnLst>
+  <dgm:bg/>
+  <dgm:whole/>
+  <dgm:extLst>
+    <a:ext uri="http://schemas.microsoft.com/office/drawing/2008/diagram">
+      <dsp:dataModelExt xmlns:dsp="http://schemas.microsoft.com/office/drawing/2008/diagram" relId="rId7" minVer="http://schemas.openxmlformats.org/drawingml/2006/diagram"/>
+    </a:ext>
+  </dgm:extLst>
+</dgm:dataModel>
+</file>
+
+<file path=ppt/diagrams/data3.xml><?xml version="1.0" encoding="utf-8"?>
 <dgm:dataModel xmlns:dgm="http://schemas.openxmlformats.org/drawingml/2006/diagram" xmlns:a="http://schemas.openxmlformats.org/drawingml/2006/main">
   <dgm:ptLst>
     <dgm:pt modelId="{F998C548-BA78-4773-826D-D67EEC85DC2F}" type="doc">
@@ -2724,6 +4011,626 @@
       <dsp:cNvGrpSpPr/>
     </dsp:nvGrpSpPr>
     <dsp:grpSpPr/>
+    <dsp:sp modelId="{AE3C4A9B-05C2-F945-8631-64F338E71919}">
+      <dsp:nvSpPr>
+        <dsp:cNvPr id="0" name=""/>
+        <dsp:cNvSpPr/>
+      </dsp:nvSpPr>
+      <dsp:spPr>
+        <a:xfrm>
+          <a:off x="0" y="392360"/>
+          <a:ext cx="6666833" cy="504000"/>
+        </a:xfrm>
+        <a:prstGeom prst="rect">
+          <a:avLst/>
+        </a:prstGeom>
+        <a:solidFill>
+          <a:schemeClr val="lt1">
+            <a:alpha val="90000"/>
+            <a:hueOff val="0"/>
+            <a:satOff val="0"/>
+            <a:lumOff val="0"/>
+            <a:alphaOff val="0"/>
+          </a:schemeClr>
+        </a:solidFill>
+        <a:ln w="12700" cap="flat" cmpd="sng" algn="ctr">
+          <a:solidFill>
+            <a:schemeClr val="accent2">
+              <a:hueOff val="0"/>
+              <a:satOff val="0"/>
+              <a:lumOff val="0"/>
+              <a:alphaOff val="0"/>
+            </a:schemeClr>
+          </a:solidFill>
+          <a:prstDash val="solid"/>
+          <a:miter lim="800000"/>
+        </a:ln>
+        <a:effectLst/>
+      </dsp:spPr>
+      <dsp:style>
+        <a:lnRef idx="1">
+          <a:scrgbClr r="0" g="0" b="0"/>
+        </a:lnRef>
+        <a:fillRef idx="1">
+          <a:scrgbClr r="0" g="0" b="0"/>
+        </a:fillRef>
+        <a:effectRef idx="0">
+          <a:scrgbClr r="0" g="0" b="0"/>
+        </a:effectRef>
+        <a:fontRef idx="minor"/>
+      </dsp:style>
+    </dsp:sp>
+    <dsp:sp modelId="{897B67A5-C791-5043-8F6D-073016D6BBA5}">
+      <dsp:nvSpPr>
+        <dsp:cNvPr id="0" name=""/>
+        <dsp:cNvSpPr/>
+      </dsp:nvSpPr>
+      <dsp:spPr>
+        <a:xfrm>
+          <a:off x="333341" y="97160"/>
+          <a:ext cx="4666783" cy="590399"/>
+        </a:xfrm>
+        <a:prstGeom prst="roundRect">
+          <a:avLst/>
+        </a:prstGeom>
+        <a:gradFill rotWithShape="0">
+          <a:gsLst>
+            <a:gs pos="0">
+              <a:schemeClr val="accent2">
+                <a:hueOff val="0"/>
+                <a:satOff val="0"/>
+                <a:lumOff val="0"/>
+                <a:alphaOff val="0"/>
+                <a:satMod val="103000"/>
+                <a:lumMod val="102000"/>
+                <a:tint val="94000"/>
+              </a:schemeClr>
+            </a:gs>
+            <a:gs pos="50000">
+              <a:schemeClr val="accent2">
+                <a:hueOff val="0"/>
+                <a:satOff val="0"/>
+                <a:lumOff val="0"/>
+                <a:alphaOff val="0"/>
+                <a:satMod val="110000"/>
+                <a:lumMod val="100000"/>
+                <a:shade val="100000"/>
+              </a:schemeClr>
+            </a:gs>
+            <a:gs pos="100000">
+              <a:schemeClr val="accent2">
+                <a:hueOff val="0"/>
+                <a:satOff val="0"/>
+                <a:lumOff val="0"/>
+                <a:alphaOff val="0"/>
+                <a:lumMod val="99000"/>
+                <a:satMod val="120000"/>
+                <a:shade val="78000"/>
+              </a:schemeClr>
+            </a:gs>
+          </a:gsLst>
+          <a:lin ang="5400000" scaled="0"/>
+        </a:gradFill>
+        <a:ln>
+          <a:noFill/>
+        </a:ln>
+        <a:effectLst/>
+      </dsp:spPr>
+      <dsp:style>
+        <a:lnRef idx="0">
+          <a:scrgbClr r="0" g="0" b="0"/>
+        </a:lnRef>
+        <a:fillRef idx="3">
+          <a:scrgbClr r="0" g="0" b="0"/>
+        </a:fillRef>
+        <a:effectRef idx="2">
+          <a:scrgbClr r="0" g="0" b="0"/>
+        </a:effectRef>
+        <a:fontRef idx="minor">
+          <a:schemeClr val="lt1"/>
+        </a:fontRef>
+      </dsp:style>
+      <dsp:txBody>
+        <a:bodyPr spcFirstLastPara="0" vert="horz" wrap="square" lIns="176393" tIns="0" rIns="176393" bIns="0" numCol="1" spcCol="1270" anchor="ctr" anchorCtr="0">
+          <a:noAutofit/>
+        </a:bodyPr>
+        <a:lstStyle/>
+        <a:p>
+          <a:pPr marL="0" lvl="0" indent="0" algn="l" defTabSz="889000">
+            <a:lnSpc>
+              <a:spcPct val="90000"/>
+            </a:lnSpc>
+            <a:spcBef>
+              <a:spcPct val="0"/>
+            </a:spcBef>
+            <a:spcAft>
+              <a:spcPct val="35000"/>
+            </a:spcAft>
+            <a:buNone/>
+          </a:pPr>
+          <a:r>
+            <a:rPr lang="en-US" sz="2000" kern="1200" dirty="0"/>
+            <a:t>2 time periods: 2020-2022 or 2022*</a:t>
+          </a:r>
+        </a:p>
+      </dsp:txBody>
+      <dsp:txXfrm>
+        <a:off x="362162" y="125981"/>
+        <a:ext cx="4609141" cy="532757"/>
+      </dsp:txXfrm>
+    </dsp:sp>
+    <dsp:sp modelId="{1108082F-9DF3-FC47-AE5B-51D7AF4249E0}">
+      <dsp:nvSpPr>
+        <dsp:cNvPr id="0" name=""/>
+        <dsp:cNvSpPr/>
+      </dsp:nvSpPr>
+      <dsp:spPr>
+        <a:xfrm>
+          <a:off x="0" y="1299560"/>
+          <a:ext cx="6666833" cy="1827000"/>
+        </a:xfrm>
+        <a:prstGeom prst="rect">
+          <a:avLst/>
+        </a:prstGeom>
+        <a:solidFill>
+          <a:schemeClr val="lt1">
+            <a:alpha val="90000"/>
+            <a:hueOff val="0"/>
+            <a:satOff val="0"/>
+            <a:lumOff val="0"/>
+            <a:alphaOff val="0"/>
+          </a:schemeClr>
+        </a:solidFill>
+        <a:ln w="12700" cap="flat" cmpd="sng" algn="ctr">
+          <a:solidFill>
+            <a:schemeClr val="accent2">
+              <a:hueOff val="3221807"/>
+              <a:satOff val="-9246"/>
+              <a:lumOff val="-14805"/>
+              <a:alphaOff val="0"/>
+            </a:schemeClr>
+          </a:solidFill>
+          <a:prstDash val="solid"/>
+          <a:miter lim="800000"/>
+        </a:ln>
+        <a:effectLst/>
+      </dsp:spPr>
+      <dsp:style>
+        <a:lnRef idx="1">
+          <a:scrgbClr r="0" g="0" b="0"/>
+        </a:lnRef>
+        <a:fillRef idx="1">
+          <a:scrgbClr r="0" g="0" b="0"/>
+        </a:fillRef>
+        <a:effectRef idx="0">
+          <a:scrgbClr r="0" g="0" b="0"/>
+        </a:effectRef>
+        <a:fontRef idx="minor"/>
+      </dsp:style>
+      <dsp:txBody>
+        <a:bodyPr spcFirstLastPara="0" vert="horz" wrap="square" lIns="517420" tIns="416560" rIns="517420" bIns="142240" numCol="1" spcCol="1270" anchor="t" anchorCtr="0">
+          <a:noAutofit/>
+        </a:bodyPr>
+        <a:lstStyle/>
+        <a:p>
+          <a:pPr marL="228600" lvl="1" indent="-228600" algn="l" defTabSz="889000">
+            <a:lnSpc>
+              <a:spcPct val="90000"/>
+            </a:lnSpc>
+            <a:spcBef>
+              <a:spcPct val="0"/>
+            </a:spcBef>
+            <a:spcAft>
+              <a:spcPct val="15000"/>
+            </a:spcAft>
+            <a:buChar char="•"/>
+          </a:pPr>
+          <a:r>
+            <a:rPr lang="en-US" sz="2000" kern="1200" dirty="0"/>
+            <a:t>Race*</a:t>
+          </a:r>
+        </a:p>
+        <a:p>
+          <a:pPr marL="228600" lvl="1" indent="-228600" algn="l" defTabSz="889000">
+            <a:lnSpc>
+              <a:spcPct val="90000"/>
+            </a:lnSpc>
+            <a:spcBef>
+              <a:spcPct val="0"/>
+            </a:spcBef>
+            <a:spcAft>
+              <a:spcPct val="15000"/>
+            </a:spcAft>
+            <a:buChar char="•"/>
+          </a:pPr>
+          <a:r>
+            <a:rPr lang="en-US" sz="2000" kern="1200"/>
+            <a:t>Ethnicity (Hispanic or Not)</a:t>
+          </a:r>
+        </a:p>
+        <a:p>
+          <a:pPr marL="228600" lvl="1" indent="-228600" algn="l" defTabSz="889000">
+            <a:lnSpc>
+              <a:spcPct val="90000"/>
+            </a:lnSpc>
+            <a:spcBef>
+              <a:spcPct val="0"/>
+            </a:spcBef>
+            <a:spcAft>
+              <a:spcPct val="15000"/>
+            </a:spcAft>
+            <a:buChar char="•"/>
+          </a:pPr>
+          <a:r>
+            <a:rPr lang="en-US" sz="2000" kern="1200"/>
+            <a:t>Sex</a:t>
+          </a:r>
+        </a:p>
+        <a:p>
+          <a:pPr marL="228600" lvl="1" indent="-228600" algn="l" defTabSz="889000">
+            <a:lnSpc>
+              <a:spcPct val="90000"/>
+            </a:lnSpc>
+            <a:spcBef>
+              <a:spcPct val="0"/>
+            </a:spcBef>
+            <a:spcAft>
+              <a:spcPct val="15000"/>
+            </a:spcAft>
+            <a:buChar char="•"/>
+          </a:pPr>
+          <a:r>
+            <a:rPr lang="en-US" sz="2000" kern="1200" dirty="0"/>
+            <a:t>Socioeconomic status (Mother’s ed)</a:t>
+          </a:r>
+        </a:p>
+      </dsp:txBody>
+      <dsp:txXfrm>
+        <a:off x="0" y="1299560"/>
+        <a:ext cx="6666833" cy="1827000"/>
+      </dsp:txXfrm>
+    </dsp:sp>
+    <dsp:sp modelId="{E8D97B17-4DF7-9B47-9BCA-E496071019EA}">
+      <dsp:nvSpPr>
+        <dsp:cNvPr id="0" name=""/>
+        <dsp:cNvSpPr/>
+      </dsp:nvSpPr>
+      <dsp:spPr>
+        <a:xfrm>
+          <a:off x="333341" y="1004360"/>
+          <a:ext cx="4666783" cy="590399"/>
+        </a:xfrm>
+        <a:prstGeom prst="roundRect">
+          <a:avLst/>
+        </a:prstGeom>
+        <a:gradFill rotWithShape="0">
+          <a:gsLst>
+            <a:gs pos="0">
+              <a:schemeClr val="accent2">
+                <a:hueOff val="3221807"/>
+                <a:satOff val="-9246"/>
+                <a:lumOff val="-14805"/>
+                <a:alphaOff val="0"/>
+                <a:satMod val="103000"/>
+                <a:lumMod val="102000"/>
+                <a:tint val="94000"/>
+              </a:schemeClr>
+            </a:gs>
+            <a:gs pos="50000">
+              <a:schemeClr val="accent2">
+                <a:hueOff val="3221807"/>
+                <a:satOff val="-9246"/>
+                <a:lumOff val="-14805"/>
+                <a:alphaOff val="0"/>
+                <a:satMod val="110000"/>
+                <a:lumMod val="100000"/>
+                <a:shade val="100000"/>
+              </a:schemeClr>
+            </a:gs>
+            <a:gs pos="100000">
+              <a:schemeClr val="accent2">
+                <a:hueOff val="3221807"/>
+                <a:satOff val="-9246"/>
+                <a:lumOff val="-14805"/>
+                <a:alphaOff val="0"/>
+                <a:lumMod val="99000"/>
+                <a:satMod val="120000"/>
+                <a:shade val="78000"/>
+              </a:schemeClr>
+            </a:gs>
+          </a:gsLst>
+          <a:lin ang="5400000" scaled="0"/>
+        </a:gradFill>
+        <a:ln>
+          <a:noFill/>
+        </a:ln>
+        <a:effectLst/>
+      </dsp:spPr>
+      <dsp:style>
+        <a:lnRef idx="0">
+          <a:scrgbClr r="0" g="0" b="0"/>
+        </a:lnRef>
+        <a:fillRef idx="3">
+          <a:scrgbClr r="0" g="0" b="0"/>
+        </a:fillRef>
+        <a:effectRef idx="2">
+          <a:scrgbClr r="0" g="0" b="0"/>
+        </a:effectRef>
+        <a:fontRef idx="minor">
+          <a:schemeClr val="lt1"/>
+        </a:fontRef>
+      </dsp:style>
+      <dsp:txBody>
+        <a:bodyPr spcFirstLastPara="0" vert="horz" wrap="square" lIns="176393" tIns="0" rIns="176393" bIns="0" numCol="1" spcCol="1270" anchor="ctr" anchorCtr="0">
+          <a:noAutofit/>
+        </a:bodyPr>
+        <a:lstStyle/>
+        <a:p>
+          <a:pPr marL="0" lvl="0" indent="0" algn="l" defTabSz="889000">
+            <a:lnSpc>
+              <a:spcPct val="90000"/>
+            </a:lnSpc>
+            <a:spcBef>
+              <a:spcPct val="0"/>
+            </a:spcBef>
+            <a:spcAft>
+              <a:spcPct val="35000"/>
+            </a:spcAft>
+            <a:buNone/>
+          </a:pPr>
+          <a:r>
+            <a:rPr lang="en-US" sz="2000" kern="1200"/>
+            <a:t>Demographic categories</a:t>
+          </a:r>
+        </a:p>
+      </dsp:txBody>
+      <dsp:txXfrm>
+        <a:off x="362162" y="1033181"/>
+        <a:ext cx="4609141" cy="532757"/>
+      </dsp:txXfrm>
+    </dsp:sp>
+    <dsp:sp modelId="{29F74AB5-8F82-B34C-A376-880324DFA4B9}">
+      <dsp:nvSpPr>
+        <dsp:cNvPr id="0" name=""/>
+        <dsp:cNvSpPr/>
+      </dsp:nvSpPr>
+      <dsp:spPr>
+        <a:xfrm>
+          <a:off x="0" y="3529760"/>
+          <a:ext cx="6666833" cy="1827000"/>
+        </a:xfrm>
+        <a:prstGeom prst="rect">
+          <a:avLst/>
+        </a:prstGeom>
+        <a:solidFill>
+          <a:schemeClr val="lt1">
+            <a:alpha val="90000"/>
+            <a:hueOff val="0"/>
+            <a:satOff val="0"/>
+            <a:lumOff val="0"/>
+            <a:alphaOff val="0"/>
+          </a:schemeClr>
+        </a:solidFill>
+        <a:ln w="12700" cap="flat" cmpd="sng" algn="ctr">
+          <a:solidFill>
+            <a:schemeClr val="accent2">
+              <a:hueOff val="6443614"/>
+              <a:satOff val="-18493"/>
+              <a:lumOff val="-29609"/>
+              <a:alphaOff val="0"/>
+            </a:schemeClr>
+          </a:solidFill>
+          <a:prstDash val="solid"/>
+          <a:miter lim="800000"/>
+        </a:ln>
+        <a:effectLst/>
+      </dsp:spPr>
+      <dsp:style>
+        <a:lnRef idx="1">
+          <a:scrgbClr r="0" g="0" b="0"/>
+        </a:lnRef>
+        <a:fillRef idx="1">
+          <a:scrgbClr r="0" g="0" b="0"/>
+        </a:fillRef>
+        <a:effectRef idx="0">
+          <a:scrgbClr r="0" g="0" b="0"/>
+        </a:effectRef>
+        <a:fontRef idx="minor"/>
+      </dsp:style>
+      <dsp:txBody>
+        <a:bodyPr spcFirstLastPara="0" vert="horz" wrap="square" lIns="517420" tIns="416560" rIns="517420" bIns="142240" numCol="1" spcCol="1270" anchor="t" anchorCtr="0">
+          <a:noAutofit/>
+        </a:bodyPr>
+        <a:lstStyle/>
+        <a:p>
+          <a:pPr marL="228600" lvl="1" indent="-228600" algn="l" defTabSz="889000">
+            <a:lnSpc>
+              <a:spcPct val="90000"/>
+            </a:lnSpc>
+            <a:spcBef>
+              <a:spcPct val="0"/>
+            </a:spcBef>
+            <a:spcAft>
+              <a:spcPct val="15000"/>
+            </a:spcAft>
+            <a:buChar char="•"/>
+          </a:pPr>
+          <a:r>
+            <a:rPr lang="en-US" sz="2000" kern="1200" dirty="0"/>
+            <a:t>All AmeriCorps Volunteers</a:t>
+          </a:r>
+        </a:p>
+        <a:p>
+          <a:pPr marL="228600" lvl="1" indent="-228600" algn="l" defTabSz="889000">
+            <a:lnSpc>
+              <a:spcPct val="90000"/>
+            </a:lnSpc>
+            <a:spcBef>
+              <a:spcPct val="0"/>
+            </a:spcBef>
+            <a:spcAft>
+              <a:spcPct val="15000"/>
+            </a:spcAft>
+            <a:buChar char="•"/>
+          </a:pPr>
+          <a:r>
+            <a:rPr lang="en-US" sz="2000" kern="1200" dirty="0"/>
+            <a:t>Summaries for all Seniors programs</a:t>
+          </a:r>
+        </a:p>
+        <a:p>
+          <a:pPr marL="228600" lvl="1" indent="-228600" algn="l" defTabSz="889000">
+            <a:lnSpc>
+              <a:spcPct val="90000"/>
+            </a:lnSpc>
+            <a:spcBef>
+              <a:spcPct val="0"/>
+            </a:spcBef>
+            <a:spcAft>
+              <a:spcPct val="15000"/>
+            </a:spcAft>
+            <a:buChar char="•"/>
+          </a:pPr>
+          <a:r>
+            <a:rPr lang="en-US" sz="2000" kern="1200" dirty="0"/>
+            <a:t>Non-white</a:t>
+          </a:r>
+        </a:p>
+        <a:p>
+          <a:pPr marL="228600" lvl="1" indent="-228600" algn="l" defTabSz="889000">
+            <a:lnSpc>
+              <a:spcPct val="90000"/>
+            </a:lnSpc>
+            <a:spcBef>
+              <a:spcPct val="0"/>
+            </a:spcBef>
+            <a:spcAft>
+              <a:spcPct val="15000"/>
+            </a:spcAft>
+            <a:buChar char="•"/>
+          </a:pPr>
+          <a:r>
+            <a:rPr lang="en-US" sz="2000" kern="1200" dirty="0"/>
+            <a:t>National, Regional, State</a:t>
+          </a:r>
+        </a:p>
+      </dsp:txBody>
+      <dsp:txXfrm>
+        <a:off x="0" y="3529760"/>
+        <a:ext cx="6666833" cy="1827000"/>
+      </dsp:txXfrm>
+    </dsp:sp>
+    <dsp:sp modelId="{5D749826-0D9E-EC4F-BBFE-27D26DCC2115}">
+      <dsp:nvSpPr>
+        <dsp:cNvPr id="0" name=""/>
+        <dsp:cNvSpPr/>
+      </dsp:nvSpPr>
+      <dsp:spPr>
+        <a:xfrm>
+          <a:off x="333341" y="3234560"/>
+          <a:ext cx="4666783" cy="590399"/>
+        </a:xfrm>
+        <a:prstGeom prst="roundRect">
+          <a:avLst/>
+        </a:prstGeom>
+        <a:gradFill rotWithShape="0">
+          <a:gsLst>
+            <a:gs pos="0">
+              <a:schemeClr val="accent2">
+                <a:hueOff val="6443614"/>
+                <a:satOff val="-18493"/>
+                <a:lumOff val="-29609"/>
+                <a:alphaOff val="0"/>
+                <a:satMod val="103000"/>
+                <a:lumMod val="102000"/>
+                <a:tint val="94000"/>
+              </a:schemeClr>
+            </a:gs>
+            <a:gs pos="50000">
+              <a:schemeClr val="accent2">
+                <a:hueOff val="6443614"/>
+                <a:satOff val="-18493"/>
+                <a:lumOff val="-29609"/>
+                <a:alphaOff val="0"/>
+                <a:satMod val="110000"/>
+                <a:lumMod val="100000"/>
+                <a:shade val="100000"/>
+              </a:schemeClr>
+            </a:gs>
+            <a:gs pos="100000">
+              <a:schemeClr val="accent2">
+                <a:hueOff val="6443614"/>
+                <a:satOff val="-18493"/>
+                <a:lumOff val="-29609"/>
+                <a:alphaOff val="0"/>
+                <a:lumMod val="99000"/>
+                <a:satMod val="120000"/>
+                <a:shade val="78000"/>
+              </a:schemeClr>
+            </a:gs>
+          </a:gsLst>
+          <a:lin ang="5400000" scaled="0"/>
+        </a:gradFill>
+        <a:ln>
+          <a:noFill/>
+        </a:ln>
+        <a:effectLst/>
+      </dsp:spPr>
+      <dsp:style>
+        <a:lnRef idx="0">
+          <a:scrgbClr r="0" g="0" b="0"/>
+        </a:lnRef>
+        <a:fillRef idx="3">
+          <a:scrgbClr r="0" g="0" b="0"/>
+        </a:fillRef>
+        <a:effectRef idx="2">
+          <a:scrgbClr r="0" g="0" b="0"/>
+        </a:effectRef>
+        <a:fontRef idx="minor">
+          <a:schemeClr val="lt1"/>
+        </a:fontRef>
+      </dsp:style>
+      <dsp:txBody>
+        <a:bodyPr spcFirstLastPara="0" vert="horz" wrap="square" lIns="176393" tIns="0" rIns="176393" bIns="0" numCol="1" spcCol="1270" anchor="ctr" anchorCtr="0">
+          <a:noAutofit/>
+        </a:bodyPr>
+        <a:lstStyle/>
+        <a:p>
+          <a:pPr marL="0" lvl="0" indent="0" algn="l" defTabSz="889000">
+            <a:lnSpc>
+              <a:spcPct val="90000"/>
+            </a:lnSpc>
+            <a:spcBef>
+              <a:spcPct val="0"/>
+            </a:spcBef>
+            <a:spcAft>
+              <a:spcPct val="35000"/>
+            </a:spcAft>
+            <a:buNone/>
+          </a:pPr>
+          <a:r>
+            <a:rPr lang="en-US" sz="2000" kern="1200" dirty="0"/>
+            <a:t>Summary rows included</a:t>
+          </a:r>
+        </a:p>
+      </dsp:txBody>
+      <dsp:txXfrm>
+        <a:off x="362162" y="3263381"/>
+        <a:ext cx="4609141" cy="532757"/>
+      </dsp:txXfrm>
+    </dsp:sp>
+  </dsp:spTree>
+</dsp:drawing>
+</file>
+
+<file path=ppt/diagrams/drawing3.xml><?xml version="1.0" encoding="utf-8"?>
+<dsp:drawing xmlns:dgm="http://schemas.openxmlformats.org/drawingml/2006/diagram" xmlns:dsp="http://schemas.microsoft.com/office/drawing/2008/diagram" xmlns:a="http://schemas.openxmlformats.org/drawingml/2006/main">
+  <dsp:spTree>
+    <dsp:nvGrpSpPr>
+      <dsp:cNvPr id="0" name=""/>
+      <dsp:cNvGrpSpPr/>
+    </dsp:nvGrpSpPr>
+    <dsp:grpSpPr/>
     <dsp:sp modelId="{AA68ADCC-7E87-2F4F-91F7-F58707500C1B}">
       <dsp:nvSpPr>
         <dsp:cNvPr id="0" name=""/>
@@ -3269,6 +5176,231 @@
 </file>
 
 <file path=ppt/diagrams/layout2.xml><?xml version="1.0" encoding="utf-8"?>
+<dgm:layoutDef xmlns:dgm="http://schemas.openxmlformats.org/drawingml/2006/diagram" xmlns:a="http://schemas.openxmlformats.org/drawingml/2006/main" uniqueId="urn:microsoft.com/office/officeart/2005/8/layout/list1">
+  <dgm:title val=""/>
+  <dgm:desc val=""/>
+  <dgm:catLst>
+    <dgm:cat type="list" pri="4000"/>
+  </dgm:catLst>
+  <dgm:sampData>
+    <dgm:dataModel>
+      <dgm:ptLst>
+        <dgm:pt modelId="0" type="doc"/>
+        <dgm:pt modelId="1">
+          <dgm:prSet phldr="1"/>
+        </dgm:pt>
+        <dgm:pt modelId="2">
+          <dgm:prSet phldr="1"/>
+        </dgm:pt>
+        <dgm:pt modelId="3">
+          <dgm:prSet phldr="1"/>
+        </dgm:pt>
+      </dgm:ptLst>
+      <dgm:cxnLst>
+        <dgm:cxn modelId="4" srcId="0" destId="1" srcOrd="0" destOrd="0"/>
+        <dgm:cxn modelId="5" srcId="0" destId="2" srcOrd="1" destOrd="0"/>
+        <dgm:cxn modelId="6" srcId="0" destId="3" srcOrd="2" destOrd="0"/>
+      </dgm:cxnLst>
+      <dgm:bg/>
+      <dgm:whole/>
+    </dgm:dataModel>
+  </dgm:sampData>
+  <dgm:styleData>
+    <dgm:dataModel>
+      <dgm:ptLst>
+        <dgm:pt modelId="0" type="doc"/>
+        <dgm:pt modelId="1"/>
+        <dgm:pt modelId="2"/>
+      </dgm:ptLst>
+      <dgm:cxnLst>
+        <dgm:cxn modelId="4" srcId="0" destId="1" srcOrd="0" destOrd="0"/>
+        <dgm:cxn modelId="5" srcId="0" destId="2" srcOrd="1" destOrd="0"/>
+      </dgm:cxnLst>
+      <dgm:bg/>
+      <dgm:whole/>
+    </dgm:dataModel>
+  </dgm:styleData>
+  <dgm:clrData>
+    <dgm:dataModel>
+      <dgm:ptLst>
+        <dgm:pt modelId="0" type="doc"/>
+        <dgm:pt modelId="1"/>
+        <dgm:pt modelId="2"/>
+        <dgm:pt modelId="3"/>
+        <dgm:pt modelId="4"/>
+      </dgm:ptLst>
+      <dgm:cxnLst>
+        <dgm:cxn modelId="5" srcId="0" destId="1" srcOrd="0" destOrd="0"/>
+        <dgm:cxn modelId="6" srcId="0" destId="2" srcOrd="1" destOrd="0"/>
+        <dgm:cxn modelId="7" srcId="0" destId="3" srcOrd="2" destOrd="0"/>
+        <dgm:cxn modelId="8" srcId="0" destId="4" srcOrd="3" destOrd="0"/>
+      </dgm:cxnLst>
+      <dgm:bg/>
+      <dgm:whole/>
+    </dgm:dataModel>
+  </dgm:clrData>
+  <dgm:layoutNode name="linear">
+    <dgm:varLst>
+      <dgm:dir/>
+      <dgm:animLvl val="lvl"/>
+      <dgm:resizeHandles val="exact"/>
+    </dgm:varLst>
+    <dgm:choose name="Name0">
+      <dgm:if name="Name1" func="var" arg="dir" op="equ" val="norm">
+        <dgm:alg type="lin">
+          <dgm:param type="linDir" val="fromT"/>
+          <dgm:param type="vertAlign" val="mid"/>
+          <dgm:param type="horzAlign" val="l"/>
+          <dgm:param type="nodeHorzAlign" val="l"/>
+        </dgm:alg>
+      </dgm:if>
+      <dgm:else name="Name2">
+        <dgm:alg type="lin">
+          <dgm:param type="linDir" val="fromT"/>
+          <dgm:param type="vertAlign" val="mid"/>
+          <dgm:param type="horzAlign" val="r"/>
+          <dgm:param type="nodeHorzAlign" val="r"/>
+        </dgm:alg>
+      </dgm:else>
+    </dgm:choose>
+    <dgm:shape xmlns:r="http://schemas.openxmlformats.org/officeDocument/2006/relationships" r:blip="">
+      <dgm:adjLst/>
+    </dgm:shape>
+    <dgm:presOf/>
+    <dgm:constrLst>
+      <dgm:constr type="w" for="ch" forName="parentLin" refType="w"/>
+      <dgm:constr type="h" for="ch" forName="parentLin" val="INF"/>
+      <dgm:constr type="w" for="des" forName="parentLeftMargin" refType="w" fact="0.05"/>
+      <dgm:constr type="w" for="des" forName="parentText" refType="w" fact="0.7"/>
+      <dgm:constr type="h" for="des" forName="parentText" refType="primFontSz" refFor="des" refForName="parentText" fact="0.82"/>
+      <dgm:constr type="h" for="ch" forName="negativeSpace" refType="primFontSz" refFor="des" refForName="parentText" fact="-0.41"/>
+      <dgm:constr type="h" for="ch" forName="negativeSpace" refType="h" refFor="des" refForName="parentText" op="lte" fact="-0.82"/>
+      <dgm:constr type="h" for="ch" forName="negativeSpace" refType="h" refFor="des" refForName="parentText" op="gte" fact="-0.82"/>
+      <dgm:constr type="w" for="ch" forName="childText" refType="w"/>
+      <dgm:constr type="h" for="ch" forName="childText" refType="primFontSz" refFor="des" refForName="parentText" fact="0.7"/>
+      <dgm:constr type="primFontSz" for="des" forName="parentText" val="65"/>
+      <dgm:constr type="primFontSz" for="ch" forName="childText" refType="primFontSz" refFor="des" refForName="parentText"/>
+      <dgm:constr type="tMarg" for="ch" forName="childText" refType="primFontSz" refFor="des" refForName="parentText" fact="1.64"/>
+      <dgm:constr type="tMarg" for="ch" forName="childText" refType="h" refFor="des" refForName="parentText" op="lte" fact="3.28"/>
+      <dgm:constr type="tMarg" for="ch" forName="childText" refType="h" refFor="des" refForName="parentText" op="gte" fact="3.28"/>
+      <dgm:constr type="lMarg" for="ch" forName="childText" refType="w" fact="0.22"/>
+      <dgm:constr type="rMarg" for="ch" forName="childText" refType="lMarg" refFor="ch" refForName="childText"/>
+      <dgm:constr type="lMarg" for="des" forName="parentText" refType="w" fact="0.075"/>
+      <dgm:constr type="rMarg" for="des" forName="parentText" refType="lMarg" refFor="des" refForName="parentText"/>
+      <dgm:constr type="h" for="ch" forName="spaceBetweenRectangles" refType="primFontSz" refFor="des" refForName="parentText" fact="0.15"/>
+    </dgm:constrLst>
+    <dgm:ruleLst>
+      <dgm:rule type="primFontSz" for="des" forName="parentText" val="5" fact="NaN" max="NaN"/>
+    </dgm:ruleLst>
+    <dgm:forEach name="Name3" axis="ch" ptType="node">
+      <dgm:layoutNode name="parentLin">
+        <dgm:choose name="Name4">
+          <dgm:if name="Name5" func="var" arg="dir" op="equ" val="norm">
+            <dgm:alg type="lin">
+              <dgm:param type="linDir" val="fromL"/>
+              <dgm:param type="horzAlign" val="l"/>
+              <dgm:param type="nodeHorzAlign" val="l"/>
+            </dgm:alg>
+          </dgm:if>
+          <dgm:else name="Name6">
+            <dgm:alg type="lin">
+              <dgm:param type="linDir" val="fromR"/>
+              <dgm:param type="horzAlign" val="r"/>
+              <dgm:param type="nodeHorzAlign" val="r"/>
+            </dgm:alg>
+          </dgm:else>
+        </dgm:choose>
+        <dgm:shape xmlns:r="http://schemas.openxmlformats.org/officeDocument/2006/relationships" r:blip="">
+          <dgm:adjLst/>
+        </dgm:shape>
+        <dgm:presOf/>
+        <dgm:constrLst/>
+        <dgm:ruleLst/>
+        <dgm:layoutNode name="parentLeftMargin">
+          <dgm:alg type="sp"/>
+          <dgm:shape xmlns:r="http://schemas.openxmlformats.org/officeDocument/2006/relationships" type="rect" r:blip="" hideGeom="1">
+            <dgm:adjLst/>
+          </dgm:shape>
+          <dgm:presOf axis="self"/>
+          <dgm:constrLst>
+            <dgm:constr type="h"/>
+          </dgm:constrLst>
+          <dgm:ruleLst/>
+        </dgm:layoutNode>
+        <dgm:layoutNode name="parentText" styleLbl="node1">
+          <dgm:varLst>
+            <dgm:chMax val="0"/>
+            <dgm:bulletEnabled val="1"/>
+          </dgm:varLst>
+          <dgm:choose name="Name7">
+            <dgm:if name="Name8" func="var" arg="dir" op="equ" val="norm">
+              <dgm:alg type="tx">
+                <dgm:param type="parTxLTRAlign" val="l"/>
+                <dgm:param type="parTxRTLAlign" val="l"/>
+              </dgm:alg>
+            </dgm:if>
+            <dgm:else name="Name9">
+              <dgm:alg type="tx">
+                <dgm:param type="parTxLTRAlign" val="r"/>
+                <dgm:param type="parTxRTLAlign" val="r"/>
+              </dgm:alg>
+            </dgm:else>
+          </dgm:choose>
+          <dgm:shape xmlns:r="http://schemas.openxmlformats.org/officeDocument/2006/relationships" type="roundRect" r:blip="">
+            <dgm:adjLst/>
+          </dgm:shape>
+          <dgm:presOf axis="self" ptType="node"/>
+          <dgm:constrLst>
+            <dgm:constr type="tMarg"/>
+            <dgm:constr type="bMarg"/>
+          </dgm:constrLst>
+          <dgm:ruleLst/>
+        </dgm:layoutNode>
+      </dgm:layoutNode>
+      <dgm:layoutNode name="negativeSpace">
+        <dgm:alg type="sp"/>
+        <dgm:shape xmlns:r="http://schemas.openxmlformats.org/officeDocument/2006/relationships" r:blip="">
+          <dgm:adjLst/>
+        </dgm:shape>
+        <dgm:presOf/>
+        <dgm:constrLst/>
+        <dgm:ruleLst/>
+      </dgm:layoutNode>
+      <dgm:layoutNode name="childText" styleLbl="conFgAcc1">
+        <dgm:varLst>
+          <dgm:bulletEnabled val="1"/>
+        </dgm:varLst>
+        <dgm:alg type="tx">
+          <dgm:param type="stBulletLvl" val="1"/>
+        </dgm:alg>
+        <dgm:shape xmlns:r="http://schemas.openxmlformats.org/officeDocument/2006/relationships" type="rect" r:blip="" zOrderOff="-2">
+          <dgm:adjLst/>
+        </dgm:shape>
+        <dgm:presOf axis="des" ptType="node"/>
+        <dgm:constrLst>
+          <dgm:constr type="secFontSz" refType="primFontSz"/>
+        </dgm:constrLst>
+        <dgm:ruleLst>
+          <dgm:rule type="h" val="INF" fact="NaN" max="NaN"/>
+        </dgm:ruleLst>
+      </dgm:layoutNode>
+      <dgm:forEach name="Name10" axis="followSib" ptType="sibTrans" cnt="1">
+        <dgm:layoutNode name="spaceBetweenRectangles">
+          <dgm:alg type="sp"/>
+          <dgm:shape xmlns:r="http://schemas.openxmlformats.org/officeDocument/2006/relationships" r:blip="">
+            <dgm:adjLst/>
+          </dgm:shape>
+          <dgm:presOf/>
+          <dgm:constrLst/>
+          <dgm:ruleLst/>
+        </dgm:layoutNode>
+      </dgm:forEach>
+    </dgm:forEach>
+  </dgm:layoutNode>
+</dgm:layoutDef>
+</file>
+
+<file path=ppt/diagrams/layout3.xml><?xml version="1.0" encoding="utf-8"?>
 <dgm:layoutDef xmlns:dgm="http://schemas.openxmlformats.org/drawingml/2006/diagram" xmlns:a="http://schemas.openxmlformats.org/drawingml/2006/main" uniqueId="urn:microsoft.com/office/officeart/2005/8/layout/hierarchy1">
   <dgm:title val=""/>
   <dgm:desc val=""/>
@@ -4866,6 +6998,1040 @@
 </file>
 
 <file path=ppt/diagrams/quickStyle2.xml><?xml version="1.0" encoding="utf-8"?>
+<dgm:styleDef xmlns:dgm="http://schemas.openxmlformats.org/drawingml/2006/diagram" xmlns:a="http://schemas.openxmlformats.org/drawingml/2006/main" uniqueId="urn:microsoft.com/office/officeart/2005/8/quickstyle/simple4">
+  <dgm:title val=""/>
+  <dgm:desc val=""/>
+  <dgm:catLst>
+    <dgm:cat type="simple" pri="10400"/>
+  </dgm:catLst>
+  <dgm:scene3d>
+    <a:camera prst="orthographicFront"/>
+    <a:lightRig rig="threePt" dir="t"/>
+  </dgm:scene3d>
+  <dgm:styleLbl name="node0">
+    <dgm:scene3d>
+      <a:camera prst="orthographicFront"/>
+      <a:lightRig rig="threePt" dir="t"/>
+    </dgm:scene3d>
+    <dgm:sp3d/>
+    <dgm:txPr/>
+    <dgm:style>
+      <a:lnRef idx="0">
+        <a:scrgbClr r="0" g="0" b="0"/>
+      </a:lnRef>
+      <a:fillRef idx="3">
+        <a:scrgbClr r="0" g="0" b="0"/>
+      </a:fillRef>
+      <a:effectRef idx="2">
+        <a:scrgbClr r="0" g="0" b="0"/>
+      </a:effectRef>
+      <a:fontRef idx="minor">
+        <a:schemeClr val="lt1"/>
+      </a:fontRef>
+    </dgm:style>
+  </dgm:styleLbl>
+  <dgm:styleLbl name="lnNode1">
+    <dgm:scene3d>
+      <a:camera prst="orthographicFront"/>
+      <a:lightRig rig="threePt" dir="t"/>
+    </dgm:scene3d>
+    <dgm:sp3d/>
+    <dgm:txPr/>
+    <dgm:style>
+      <a:lnRef idx="1">
+        <a:scrgbClr r="0" g="0" b="0"/>
+      </a:lnRef>
+      <a:fillRef idx="3">
+        <a:scrgbClr r="0" g="0" b="0"/>
+      </a:fillRef>
+      <a:effectRef idx="2">
+        <a:scrgbClr r="0" g="0" b="0"/>
+      </a:effectRef>
+      <a:fontRef idx="minor">
+        <a:schemeClr val="lt1"/>
+      </a:fontRef>
+    </dgm:style>
+  </dgm:styleLbl>
+  <dgm:styleLbl name="vennNode1">
+    <dgm:scene3d>
+      <a:camera prst="orthographicFront"/>
+      <a:lightRig rig="threePt" dir="t"/>
+    </dgm:scene3d>
+    <dgm:sp3d/>
+    <dgm:txPr/>
+    <dgm:style>
+      <a:lnRef idx="0">
+        <a:scrgbClr r="0" g="0" b="0"/>
+      </a:lnRef>
+      <a:fillRef idx="3">
+        <a:scrgbClr r="0" g="0" b="0"/>
+      </a:fillRef>
+      <a:effectRef idx="0">
+        <a:scrgbClr r="0" g="0" b="0"/>
+      </a:effectRef>
+      <a:fontRef idx="minor">
+        <a:schemeClr val="tx1"/>
+      </a:fontRef>
+    </dgm:style>
+  </dgm:styleLbl>
+  <dgm:styleLbl name="alignNode1">
+    <dgm:scene3d>
+      <a:camera prst="orthographicFront"/>
+      <a:lightRig rig="threePt" dir="t"/>
+    </dgm:scene3d>
+    <dgm:sp3d/>
+    <dgm:txPr/>
+    <dgm:style>
+      <a:lnRef idx="1">
+        <a:scrgbClr r="0" g="0" b="0"/>
+      </a:lnRef>
+      <a:fillRef idx="3">
+        <a:scrgbClr r="0" g="0" b="0"/>
+      </a:fillRef>
+      <a:effectRef idx="2">
+        <a:scrgbClr r="0" g="0" b="0"/>
+      </a:effectRef>
+      <a:fontRef idx="minor">
+        <a:schemeClr val="lt1"/>
+      </a:fontRef>
+    </dgm:style>
+  </dgm:styleLbl>
+  <dgm:styleLbl name="node1">
+    <dgm:scene3d>
+      <a:camera prst="orthographicFront"/>
+      <a:lightRig rig="threePt" dir="t"/>
+    </dgm:scene3d>
+    <dgm:sp3d/>
+    <dgm:txPr/>
+    <dgm:style>
+      <a:lnRef idx="0">
+        <a:scrgbClr r="0" g="0" b="0"/>
+      </a:lnRef>
+      <a:fillRef idx="3">
+        <a:scrgbClr r="0" g="0" b="0"/>
+      </a:fillRef>
+      <a:effectRef idx="2">
+        <a:scrgbClr r="0" g="0" b="0"/>
+      </a:effectRef>
+      <a:fontRef idx="minor">
+        <a:schemeClr val="lt1"/>
+      </a:fontRef>
+    </dgm:style>
+  </dgm:styleLbl>
+  <dgm:styleLbl name="node2">
+    <dgm:scene3d>
+      <a:camera prst="orthographicFront"/>
+      <a:lightRig rig="threePt" dir="t"/>
+    </dgm:scene3d>
+    <dgm:sp3d/>
+    <dgm:txPr/>
+    <dgm:style>
+      <a:lnRef idx="0">
+        <a:scrgbClr r="0" g="0" b="0"/>
+      </a:lnRef>
+      <a:fillRef idx="3">
+        <a:scrgbClr r="0" g="0" b="0"/>
+      </a:fillRef>
+      <a:effectRef idx="2">
+        <a:scrgbClr r="0" g="0" b="0"/>
+      </a:effectRef>
+      <a:fontRef idx="minor">
+        <a:schemeClr val="lt1"/>
+      </a:fontRef>
+    </dgm:style>
+  </dgm:styleLbl>
+  <dgm:styleLbl name="node3">
+    <dgm:scene3d>
+      <a:camera prst="orthographicFront"/>
+      <a:lightRig rig="threePt" dir="t"/>
+    </dgm:scene3d>
+    <dgm:sp3d/>
+    <dgm:txPr/>
+    <dgm:style>
+      <a:lnRef idx="0">
+        <a:scrgbClr r="0" g="0" b="0"/>
+      </a:lnRef>
+      <a:fillRef idx="3">
+        <a:scrgbClr r="0" g="0" b="0"/>
+      </a:fillRef>
+      <a:effectRef idx="2">
+        <a:scrgbClr r="0" g="0" b="0"/>
+      </a:effectRef>
+      <a:fontRef idx="minor">
+        <a:schemeClr val="lt1"/>
+      </a:fontRef>
+    </dgm:style>
+  </dgm:styleLbl>
+  <dgm:styleLbl name="node4">
+    <dgm:scene3d>
+      <a:camera prst="orthographicFront"/>
+      <a:lightRig rig="threePt" dir="t"/>
+    </dgm:scene3d>
+    <dgm:sp3d/>
+    <dgm:txPr/>
+    <dgm:style>
+      <a:lnRef idx="0">
+        <a:scrgbClr r="0" g="0" b="0"/>
+      </a:lnRef>
+      <a:fillRef idx="3">
+        <a:scrgbClr r="0" g="0" b="0"/>
+      </a:fillRef>
+      <a:effectRef idx="2">
+        <a:scrgbClr r="0" g="0" b="0"/>
+      </a:effectRef>
+      <a:fontRef idx="minor">
+        <a:schemeClr val="lt1"/>
+      </a:fontRef>
+    </dgm:style>
+  </dgm:styleLbl>
+  <dgm:styleLbl name="fgImgPlace1">
+    <dgm:scene3d>
+      <a:camera prst="orthographicFront"/>
+      <a:lightRig rig="threePt" dir="t"/>
+    </dgm:scene3d>
+    <dgm:sp3d/>
+    <dgm:txPr/>
+    <dgm:style>
+      <a:lnRef idx="0">
+        <a:scrgbClr r="0" g="0" b="0"/>
+      </a:lnRef>
+      <a:fillRef idx="1">
+        <a:scrgbClr r="0" g="0" b="0"/>
+      </a:fillRef>
+      <a:effectRef idx="2">
+        <a:scrgbClr r="0" g="0" b="0"/>
+      </a:effectRef>
+      <a:fontRef idx="minor"/>
+    </dgm:style>
+  </dgm:styleLbl>
+  <dgm:styleLbl name="alignImgPlace1">
+    <dgm:scene3d>
+      <a:camera prst="orthographicFront"/>
+      <a:lightRig rig="threePt" dir="t"/>
+    </dgm:scene3d>
+    <dgm:sp3d/>
+    <dgm:txPr/>
+    <dgm:style>
+      <a:lnRef idx="0">
+        <a:scrgbClr r="0" g="0" b="0"/>
+      </a:lnRef>
+      <a:fillRef idx="1">
+        <a:scrgbClr r="0" g="0" b="0"/>
+      </a:fillRef>
+      <a:effectRef idx="2">
+        <a:scrgbClr r="0" g="0" b="0"/>
+      </a:effectRef>
+      <a:fontRef idx="minor"/>
+    </dgm:style>
+  </dgm:styleLbl>
+  <dgm:styleLbl name="bgImgPlace1">
+    <dgm:scene3d>
+      <a:camera prst="orthographicFront"/>
+      <a:lightRig rig="threePt" dir="t"/>
+    </dgm:scene3d>
+    <dgm:sp3d/>
+    <dgm:txPr/>
+    <dgm:style>
+      <a:lnRef idx="0">
+        <a:scrgbClr r="0" g="0" b="0"/>
+      </a:lnRef>
+      <a:fillRef idx="1">
+        <a:scrgbClr r="0" g="0" b="0"/>
+      </a:fillRef>
+      <a:effectRef idx="2">
+        <a:scrgbClr r="0" g="0" b="0"/>
+      </a:effectRef>
+      <a:fontRef idx="minor"/>
+    </dgm:style>
+  </dgm:styleLbl>
+  <dgm:styleLbl name="sibTrans2D1">
+    <dgm:scene3d>
+      <a:camera prst="orthographicFront"/>
+      <a:lightRig rig="threePt" dir="t"/>
+    </dgm:scene3d>
+    <dgm:sp3d/>
+    <dgm:txPr/>
+    <dgm:style>
+      <a:lnRef idx="0">
+        <a:scrgbClr r="0" g="0" b="0"/>
+      </a:lnRef>
+      <a:fillRef idx="3">
+        <a:scrgbClr r="0" g="0" b="0"/>
+      </a:fillRef>
+      <a:effectRef idx="2">
+        <a:scrgbClr r="0" g="0" b="0"/>
+      </a:effectRef>
+      <a:fontRef idx="minor">
+        <a:schemeClr val="lt1"/>
+      </a:fontRef>
+    </dgm:style>
+  </dgm:styleLbl>
+  <dgm:styleLbl name="fgSibTrans2D1">
+    <dgm:scene3d>
+      <a:camera prst="orthographicFront"/>
+      <a:lightRig rig="threePt" dir="t"/>
+    </dgm:scene3d>
+    <dgm:sp3d/>
+    <dgm:txPr/>
+    <dgm:style>
+      <a:lnRef idx="0">
+        <a:scrgbClr r="0" g="0" b="0"/>
+      </a:lnRef>
+      <a:fillRef idx="3">
+        <a:scrgbClr r="0" g="0" b="0"/>
+      </a:fillRef>
+      <a:effectRef idx="2">
+        <a:scrgbClr r="0" g="0" b="0"/>
+      </a:effectRef>
+      <a:fontRef idx="minor">
+        <a:schemeClr val="lt1"/>
+      </a:fontRef>
+    </dgm:style>
+  </dgm:styleLbl>
+  <dgm:styleLbl name="bgSibTrans2D1">
+    <dgm:scene3d>
+      <a:camera prst="orthographicFront"/>
+      <a:lightRig rig="threePt" dir="t"/>
+    </dgm:scene3d>
+    <dgm:sp3d/>
+    <dgm:txPr/>
+    <dgm:style>
+      <a:lnRef idx="0">
+        <a:scrgbClr r="0" g="0" b="0"/>
+      </a:lnRef>
+      <a:fillRef idx="3">
+        <a:scrgbClr r="0" g="0" b="0"/>
+      </a:fillRef>
+      <a:effectRef idx="2">
+        <a:scrgbClr r="0" g="0" b="0"/>
+      </a:effectRef>
+      <a:fontRef idx="minor">
+        <a:schemeClr val="lt1"/>
+      </a:fontRef>
+    </dgm:style>
+  </dgm:styleLbl>
+  <dgm:styleLbl name="sibTrans1D1">
+    <dgm:scene3d>
+      <a:camera prst="orthographicFront"/>
+      <a:lightRig rig="threePt" dir="t"/>
+    </dgm:scene3d>
+    <dgm:sp3d/>
+    <dgm:txPr/>
+    <dgm:style>
+      <a:lnRef idx="1">
+        <a:scrgbClr r="0" g="0" b="0"/>
+      </a:lnRef>
+      <a:fillRef idx="0">
+        <a:scrgbClr r="0" g="0" b="0"/>
+      </a:fillRef>
+      <a:effectRef idx="0">
+        <a:scrgbClr r="0" g="0" b="0"/>
+      </a:effectRef>
+      <a:fontRef idx="minor"/>
+    </dgm:style>
+  </dgm:styleLbl>
+  <dgm:styleLbl name="callout">
+    <dgm:scene3d>
+      <a:camera prst="orthographicFront"/>
+      <a:lightRig rig="threePt" dir="t"/>
+    </dgm:scene3d>
+    <dgm:sp3d/>
+    <dgm:txPr/>
+    <dgm:style>
+      <a:lnRef idx="2">
+        <a:scrgbClr r="0" g="0" b="0"/>
+      </a:lnRef>
+      <a:fillRef idx="1">
+        <a:scrgbClr r="0" g="0" b="0"/>
+      </a:fillRef>
+      <a:effectRef idx="1">
+        <a:scrgbClr r="0" g="0" b="0"/>
+      </a:effectRef>
+      <a:fontRef idx="minor"/>
+    </dgm:style>
+  </dgm:styleLbl>
+  <dgm:styleLbl name="asst0">
+    <dgm:scene3d>
+      <a:camera prst="orthographicFront"/>
+      <a:lightRig rig="threePt" dir="t"/>
+    </dgm:scene3d>
+    <dgm:sp3d/>
+    <dgm:txPr/>
+    <dgm:style>
+      <a:lnRef idx="0">
+        <a:scrgbClr r="0" g="0" b="0"/>
+      </a:lnRef>
+      <a:fillRef idx="3">
+        <a:scrgbClr r="0" g="0" b="0"/>
+      </a:fillRef>
+      <a:effectRef idx="2">
+        <a:scrgbClr r="0" g="0" b="0"/>
+      </a:effectRef>
+      <a:fontRef idx="minor">
+        <a:schemeClr val="lt1"/>
+      </a:fontRef>
+    </dgm:style>
+  </dgm:styleLbl>
+  <dgm:styleLbl name="asst1">
+    <dgm:scene3d>
+      <a:camera prst="orthographicFront"/>
+      <a:lightRig rig="threePt" dir="t"/>
+    </dgm:scene3d>
+    <dgm:sp3d/>
+    <dgm:txPr/>
+    <dgm:style>
+      <a:lnRef idx="0">
+        <a:scrgbClr r="0" g="0" b="0"/>
+      </a:lnRef>
+      <a:fillRef idx="3">
+        <a:scrgbClr r="0" g="0" b="0"/>
+      </a:fillRef>
+      <a:effectRef idx="2">
+        <a:scrgbClr r="0" g="0" b="0"/>
+      </a:effectRef>
+      <a:fontRef idx="minor">
+        <a:schemeClr val="lt1"/>
+      </a:fontRef>
+    </dgm:style>
+  </dgm:styleLbl>
+  <dgm:styleLbl name="asst2">
+    <dgm:scene3d>
+      <a:camera prst="orthographicFront"/>
+      <a:lightRig rig="threePt" dir="t"/>
+    </dgm:scene3d>
+    <dgm:sp3d/>
+    <dgm:txPr/>
+    <dgm:style>
+      <a:lnRef idx="0">
+        <a:scrgbClr r="0" g="0" b="0"/>
+      </a:lnRef>
+      <a:fillRef idx="3">
+        <a:scrgbClr r="0" g="0" b="0"/>
+      </a:fillRef>
+      <a:effectRef idx="2">
+        <a:scrgbClr r="0" g="0" b="0"/>
+      </a:effectRef>
+      <a:fontRef idx="minor">
+        <a:schemeClr val="lt1"/>
+      </a:fontRef>
+    </dgm:style>
+  </dgm:styleLbl>
+  <dgm:styleLbl name="asst3">
+    <dgm:scene3d>
+      <a:camera prst="orthographicFront"/>
+      <a:lightRig rig="threePt" dir="t"/>
+    </dgm:scene3d>
+    <dgm:sp3d/>
+    <dgm:txPr/>
+    <dgm:style>
+      <a:lnRef idx="0">
+        <a:scrgbClr r="0" g="0" b="0"/>
+      </a:lnRef>
+      <a:fillRef idx="3">
+        <a:scrgbClr r="0" g="0" b="0"/>
+      </a:fillRef>
+      <a:effectRef idx="2">
+        <a:scrgbClr r="0" g="0" b="0"/>
+      </a:effectRef>
+      <a:fontRef idx="minor">
+        <a:schemeClr val="lt1"/>
+      </a:fontRef>
+    </dgm:style>
+  </dgm:styleLbl>
+  <dgm:styleLbl name="asst4">
+    <dgm:scene3d>
+      <a:camera prst="orthographicFront"/>
+      <a:lightRig rig="threePt" dir="t"/>
+    </dgm:scene3d>
+    <dgm:sp3d/>
+    <dgm:txPr/>
+    <dgm:style>
+      <a:lnRef idx="0">
+        <a:scrgbClr r="0" g="0" b="0"/>
+      </a:lnRef>
+      <a:fillRef idx="3">
+        <a:scrgbClr r="0" g="0" b="0"/>
+      </a:fillRef>
+      <a:effectRef idx="2">
+        <a:scrgbClr r="0" g="0" b="0"/>
+      </a:effectRef>
+      <a:fontRef idx="minor">
+        <a:schemeClr val="lt1"/>
+      </a:fontRef>
+    </dgm:style>
+  </dgm:styleLbl>
+  <dgm:styleLbl name="parChTrans2D1">
+    <dgm:scene3d>
+      <a:camera prst="orthographicFront"/>
+      <a:lightRig rig="threePt" dir="t"/>
+    </dgm:scene3d>
+    <dgm:sp3d/>
+    <dgm:txPr/>
+    <dgm:style>
+      <a:lnRef idx="0">
+        <a:scrgbClr r="0" g="0" b="0"/>
+      </a:lnRef>
+      <a:fillRef idx="3">
+        <a:scrgbClr r="0" g="0" b="0"/>
+      </a:fillRef>
+      <a:effectRef idx="2">
+        <a:scrgbClr r="0" g="0" b="0"/>
+      </a:effectRef>
+      <a:fontRef idx="minor">
+        <a:schemeClr val="lt1"/>
+      </a:fontRef>
+    </dgm:style>
+  </dgm:styleLbl>
+  <dgm:styleLbl name="parChTrans2D2">
+    <dgm:scene3d>
+      <a:camera prst="orthographicFront"/>
+      <a:lightRig rig="threePt" dir="t"/>
+    </dgm:scene3d>
+    <dgm:sp3d/>
+    <dgm:txPr/>
+    <dgm:style>
+      <a:lnRef idx="0">
+        <a:scrgbClr r="0" g="0" b="0"/>
+      </a:lnRef>
+      <a:fillRef idx="3">
+        <a:scrgbClr r="0" g="0" b="0"/>
+      </a:fillRef>
+      <a:effectRef idx="2">
+        <a:scrgbClr r="0" g="0" b="0"/>
+      </a:effectRef>
+      <a:fontRef idx="minor">
+        <a:schemeClr val="lt1"/>
+      </a:fontRef>
+    </dgm:style>
+  </dgm:styleLbl>
+  <dgm:styleLbl name="parChTrans2D3">
+    <dgm:scene3d>
+      <a:camera prst="orthographicFront"/>
+      <a:lightRig rig="threePt" dir="t"/>
+    </dgm:scene3d>
+    <dgm:sp3d/>
+    <dgm:txPr/>
+    <dgm:style>
+      <a:lnRef idx="1">
+        <a:scrgbClr r="0" g="0" b="0"/>
+      </a:lnRef>
+      <a:fillRef idx="3">
+        <a:scrgbClr r="0" g="0" b="0"/>
+      </a:fillRef>
+      <a:effectRef idx="2">
+        <a:scrgbClr r="0" g="0" b="0"/>
+      </a:effectRef>
+      <a:fontRef idx="minor">
+        <a:schemeClr val="lt1"/>
+      </a:fontRef>
+    </dgm:style>
+  </dgm:styleLbl>
+  <dgm:styleLbl name="parChTrans2D4">
+    <dgm:scene3d>
+      <a:camera prst="orthographicFront"/>
+      <a:lightRig rig="threePt" dir="t"/>
+    </dgm:scene3d>
+    <dgm:sp3d/>
+    <dgm:txPr/>
+    <dgm:style>
+      <a:lnRef idx="1">
+        <a:scrgbClr r="0" g="0" b="0"/>
+      </a:lnRef>
+      <a:fillRef idx="3">
+        <a:scrgbClr r="0" g="0" b="0"/>
+      </a:fillRef>
+      <a:effectRef idx="2">
+        <a:scrgbClr r="0" g="0" b="0"/>
+      </a:effectRef>
+      <a:fontRef idx="minor">
+        <a:schemeClr val="lt1"/>
+      </a:fontRef>
+    </dgm:style>
+  </dgm:styleLbl>
+  <dgm:styleLbl name="parChTrans1D1">
+    <dgm:scene3d>
+      <a:camera prst="orthographicFront"/>
+      <a:lightRig rig="threePt" dir="t"/>
+    </dgm:scene3d>
+    <dgm:sp3d/>
+    <dgm:txPr/>
+    <dgm:style>
+      <a:lnRef idx="1">
+        <a:scrgbClr r="0" g="0" b="0"/>
+      </a:lnRef>
+      <a:fillRef idx="0">
+        <a:scrgbClr r="0" g="0" b="0"/>
+      </a:fillRef>
+      <a:effectRef idx="0">
+        <a:scrgbClr r="0" g="0" b="0"/>
+      </a:effectRef>
+      <a:fontRef idx="minor"/>
+    </dgm:style>
+  </dgm:styleLbl>
+  <dgm:styleLbl name="parChTrans1D2">
+    <dgm:scene3d>
+      <a:camera prst="orthographicFront"/>
+      <a:lightRig rig="threePt" dir="t"/>
+    </dgm:scene3d>
+    <dgm:sp3d/>
+    <dgm:txPr/>
+    <dgm:style>
+      <a:lnRef idx="1">
+        <a:scrgbClr r="0" g="0" b="0"/>
+      </a:lnRef>
+      <a:fillRef idx="0">
+        <a:scrgbClr r="0" g="0" b="0"/>
+      </a:fillRef>
+      <a:effectRef idx="0">
+        <a:scrgbClr r="0" g="0" b="0"/>
+      </a:effectRef>
+      <a:fontRef idx="minor"/>
+    </dgm:style>
+  </dgm:styleLbl>
+  <dgm:styleLbl name="parChTrans1D3">
+    <dgm:scene3d>
+      <a:camera prst="orthographicFront"/>
+      <a:lightRig rig="threePt" dir="t"/>
+    </dgm:scene3d>
+    <dgm:sp3d/>
+    <dgm:txPr/>
+    <dgm:style>
+      <a:lnRef idx="1">
+        <a:scrgbClr r="0" g="0" b="0"/>
+      </a:lnRef>
+      <a:fillRef idx="0">
+        <a:scrgbClr r="0" g="0" b="0"/>
+      </a:fillRef>
+      <a:effectRef idx="0">
+        <a:scrgbClr r="0" g="0" b="0"/>
+      </a:effectRef>
+      <a:fontRef idx="minor"/>
+    </dgm:style>
+  </dgm:styleLbl>
+  <dgm:styleLbl name="parChTrans1D4">
+    <dgm:scene3d>
+      <a:camera prst="orthographicFront"/>
+      <a:lightRig rig="threePt" dir="t"/>
+    </dgm:scene3d>
+    <dgm:sp3d/>
+    <dgm:txPr/>
+    <dgm:style>
+      <a:lnRef idx="1">
+        <a:scrgbClr r="0" g="0" b="0"/>
+      </a:lnRef>
+      <a:fillRef idx="0">
+        <a:scrgbClr r="0" g="0" b="0"/>
+      </a:fillRef>
+      <a:effectRef idx="0">
+        <a:scrgbClr r="0" g="0" b="0"/>
+      </a:effectRef>
+      <a:fontRef idx="minor"/>
+    </dgm:style>
+  </dgm:styleLbl>
+  <dgm:styleLbl name="fgAcc1">
+    <dgm:scene3d>
+      <a:camera prst="orthographicFront"/>
+      <a:lightRig rig="threePt" dir="t"/>
+    </dgm:scene3d>
+    <dgm:sp3d/>
+    <dgm:txPr/>
+    <dgm:style>
+      <a:lnRef idx="1">
+        <a:scrgbClr r="0" g="0" b="0"/>
+      </a:lnRef>
+      <a:fillRef idx="1">
+        <a:scrgbClr r="0" g="0" b="0"/>
+      </a:fillRef>
+      <a:effectRef idx="0">
+        <a:scrgbClr r="0" g="0" b="0"/>
+      </a:effectRef>
+      <a:fontRef idx="minor"/>
+    </dgm:style>
+  </dgm:styleLbl>
+  <dgm:styleLbl name="conFgAcc1">
+    <dgm:scene3d>
+      <a:camera prst="orthographicFront"/>
+      <a:lightRig rig="threePt" dir="t"/>
+    </dgm:scene3d>
+    <dgm:sp3d/>
+    <dgm:txPr/>
+    <dgm:style>
+      <a:lnRef idx="1">
+        <a:scrgbClr r="0" g="0" b="0"/>
+      </a:lnRef>
+      <a:fillRef idx="1">
+        <a:scrgbClr r="0" g="0" b="0"/>
+      </a:fillRef>
+      <a:effectRef idx="0">
+        <a:scrgbClr r="0" g="0" b="0"/>
+      </a:effectRef>
+      <a:fontRef idx="minor"/>
+    </dgm:style>
+  </dgm:styleLbl>
+  <dgm:styleLbl name="alignAcc1">
+    <dgm:scene3d>
+      <a:camera prst="orthographicFront"/>
+      <a:lightRig rig="threePt" dir="t"/>
+    </dgm:scene3d>
+    <dgm:sp3d/>
+    <dgm:txPr/>
+    <dgm:style>
+      <a:lnRef idx="1">
+        <a:scrgbClr r="0" g="0" b="0"/>
+      </a:lnRef>
+      <a:fillRef idx="1">
+        <a:scrgbClr r="0" g="0" b="0"/>
+      </a:fillRef>
+      <a:effectRef idx="0">
+        <a:scrgbClr r="0" g="0" b="0"/>
+      </a:effectRef>
+      <a:fontRef idx="minor"/>
+    </dgm:style>
+  </dgm:styleLbl>
+  <dgm:styleLbl name="trAlignAcc1">
+    <dgm:scene3d>
+      <a:camera prst="orthographicFront"/>
+      <a:lightRig rig="threePt" dir="t"/>
+    </dgm:scene3d>
+    <dgm:sp3d/>
+    <dgm:txPr/>
+    <dgm:style>
+      <a:lnRef idx="1">
+        <a:scrgbClr r="0" g="0" b="0"/>
+      </a:lnRef>
+      <a:fillRef idx="1">
+        <a:scrgbClr r="0" g="0" b="0"/>
+      </a:fillRef>
+      <a:effectRef idx="0">
+        <a:scrgbClr r="0" g="0" b="0"/>
+      </a:effectRef>
+      <a:fontRef idx="minor"/>
+    </dgm:style>
+  </dgm:styleLbl>
+  <dgm:styleLbl name="bgAcc1">
+    <dgm:scene3d>
+      <a:camera prst="orthographicFront"/>
+      <a:lightRig rig="threePt" dir="t"/>
+    </dgm:scene3d>
+    <dgm:sp3d/>
+    <dgm:txPr/>
+    <dgm:style>
+      <a:lnRef idx="1">
+        <a:scrgbClr r="0" g="0" b="0"/>
+      </a:lnRef>
+      <a:fillRef idx="1">
+        <a:scrgbClr r="0" g="0" b="0"/>
+      </a:fillRef>
+      <a:effectRef idx="0">
+        <a:scrgbClr r="0" g="0" b="0"/>
+      </a:effectRef>
+      <a:fontRef idx="minor"/>
+    </dgm:style>
+  </dgm:styleLbl>
+  <dgm:styleLbl name="solidFgAcc1">
+    <dgm:scene3d>
+      <a:camera prst="orthographicFront"/>
+      <a:lightRig rig="threePt" dir="t"/>
+    </dgm:scene3d>
+    <dgm:sp3d/>
+    <dgm:txPr/>
+    <dgm:style>
+      <a:lnRef idx="1">
+        <a:scrgbClr r="0" g="0" b="0"/>
+      </a:lnRef>
+      <a:fillRef idx="1">
+        <a:scrgbClr r="0" g="0" b="0"/>
+      </a:fillRef>
+      <a:effectRef idx="0">
+        <a:scrgbClr r="0" g="0" b="0"/>
+      </a:effectRef>
+      <a:fontRef idx="minor"/>
+    </dgm:style>
+  </dgm:styleLbl>
+  <dgm:styleLbl name="solidAlignAcc1">
+    <dgm:scene3d>
+      <a:camera prst="orthographicFront"/>
+      <a:lightRig rig="threePt" dir="t"/>
+    </dgm:scene3d>
+    <dgm:sp3d/>
+    <dgm:txPr/>
+    <dgm:style>
+      <a:lnRef idx="1">
+        <a:scrgbClr r="0" g="0" b="0"/>
+      </a:lnRef>
+      <a:fillRef idx="1">
+        <a:scrgbClr r="0" g="0" b="0"/>
+      </a:fillRef>
+      <a:effectRef idx="0">
+        <a:scrgbClr r="0" g="0" b="0"/>
+      </a:effectRef>
+      <a:fontRef idx="minor"/>
+    </dgm:style>
+  </dgm:styleLbl>
+  <dgm:styleLbl name="solidBgAcc1">
+    <dgm:scene3d>
+      <a:camera prst="orthographicFront"/>
+      <a:lightRig rig="threePt" dir="t"/>
+    </dgm:scene3d>
+    <dgm:sp3d/>
+    <dgm:txPr/>
+    <dgm:style>
+      <a:lnRef idx="1">
+        <a:scrgbClr r="0" g="0" b="0"/>
+      </a:lnRef>
+      <a:fillRef idx="1">
+        <a:scrgbClr r="0" g="0" b="0"/>
+      </a:fillRef>
+      <a:effectRef idx="0">
+        <a:scrgbClr r="0" g="0" b="0"/>
+      </a:effectRef>
+      <a:fontRef idx="minor"/>
+    </dgm:style>
+  </dgm:styleLbl>
+  <dgm:styleLbl name="fgAccFollowNode1">
+    <dgm:scene3d>
+      <a:camera prst="orthographicFront"/>
+      <a:lightRig rig="threePt" dir="t"/>
+    </dgm:scene3d>
+    <dgm:sp3d/>
+    <dgm:txPr/>
+    <dgm:style>
+      <a:lnRef idx="1">
+        <a:scrgbClr r="0" g="0" b="0"/>
+      </a:lnRef>
+      <a:fillRef idx="1">
+        <a:scrgbClr r="0" g="0" b="0"/>
+      </a:fillRef>
+      <a:effectRef idx="0">
+        <a:scrgbClr r="0" g="0" b="0"/>
+      </a:effectRef>
+      <a:fontRef idx="minor"/>
+    </dgm:style>
+  </dgm:styleLbl>
+  <dgm:styleLbl name="alignAccFollowNode1">
+    <dgm:scene3d>
+      <a:camera prst="orthographicFront"/>
+      <a:lightRig rig="threePt" dir="t"/>
+    </dgm:scene3d>
+    <dgm:sp3d/>
+    <dgm:txPr/>
+    <dgm:style>
+      <a:lnRef idx="1">
+        <a:scrgbClr r="0" g="0" b="0"/>
+      </a:lnRef>
+      <a:fillRef idx="1">
+        <a:scrgbClr r="0" g="0" b="0"/>
+      </a:fillRef>
+      <a:effectRef idx="0">
+        <a:scrgbClr r="0" g="0" b="0"/>
+      </a:effectRef>
+      <a:fontRef idx="minor"/>
+    </dgm:style>
+  </dgm:styleLbl>
+  <dgm:styleLbl name="bgAccFollowNode1">
+    <dgm:scene3d>
+      <a:camera prst="orthographicFront"/>
+      <a:lightRig rig="threePt" dir="t"/>
+    </dgm:scene3d>
+    <dgm:sp3d/>
+    <dgm:txPr/>
+    <dgm:style>
+      <a:lnRef idx="1">
+        <a:scrgbClr r="0" g="0" b="0"/>
+      </a:lnRef>
+      <a:fillRef idx="1">
+        <a:scrgbClr r="0" g="0" b="0"/>
+      </a:fillRef>
+      <a:effectRef idx="0">
+        <a:scrgbClr r="0" g="0" b="0"/>
+      </a:effectRef>
+      <a:fontRef idx="minor"/>
+    </dgm:style>
+  </dgm:styleLbl>
+  <dgm:styleLbl name="fgAcc0">
+    <dgm:scene3d>
+      <a:camera prst="orthographicFront"/>
+      <a:lightRig rig="threePt" dir="t"/>
+    </dgm:scene3d>
+    <dgm:sp3d/>
+    <dgm:txPr/>
+    <dgm:style>
+      <a:lnRef idx="1">
+        <a:scrgbClr r="0" g="0" b="0"/>
+      </a:lnRef>
+      <a:fillRef idx="1">
+        <a:scrgbClr r="0" g="0" b="0"/>
+      </a:fillRef>
+      <a:effectRef idx="0">
+        <a:scrgbClr r="0" g="0" b="0"/>
+      </a:effectRef>
+      <a:fontRef idx="minor"/>
+    </dgm:style>
+  </dgm:styleLbl>
+  <dgm:styleLbl name="fgAcc2">
+    <dgm:scene3d>
+      <a:camera prst="orthographicFront"/>
+      <a:lightRig rig="threePt" dir="t"/>
+    </dgm:scene3d>
+    <dgm:sp3d/>
+    <dgm:txPr/>
+    <dgm:style>
+      <a:lnRef idx="1">
+        <a:scrgbClr r="0" g="0" b="0"/>
+      </a:lnRef>
+      <a:fillRef idx="1">
+        <a:scrgbClr r="0" g="0" b="0"/>
+      </a:fillRef>
+      <a:effectRef idx="0">
+        <a:scrgbClr r="0" g="0" b="0"/>
+      </a:effectRef>
+      <a:fontRef idx="minor"/>
+    </dgm:style>
+  </dgm:styleLbl>
+  <dgm:styleLbl name="fgAcc3">
+    <dgm:scene3d>
+      <a:camera prst="orthographicFront"/>
+      <a:lightRig rig="threePt" dir="t"/>
+    </dgm:scene3d>
+    <dgm:sp3d/>
+    <dgm:txPr/>
+    <dgm:style>
+      <a:lnRef idx="1">
+        <a:scrgbClr r="0" g="0" b="0"/>
+      </a:lnRef>
+      <a:fillRef idx="1">
+        <a:scrgbClr r="0" g="0" b="0"/>
+      </a:fillRef>
+      <a:effectRef idx="0">
+        <a:scrgbClr r="0" g="0" b="0"/>
+      </a:effectRef>
+      <a:fontRef idx="minor"/>
+    </dgm:style>
+  </dgm:styleLbl>
+  <dgm:styleLbl name="fgAcc4">
+    <dgm:scene3d>
+      <a:camera prst="orthographicFront"/>
+      <a:lightRig rig="threePt" dir="t"/>
+    </dgm:scene3d>
+    <dgm:sp3d/>
+    <dgm:txPr/>
+    <dgm:style>
+      <a:lnRef idx="1">
+        <a:scrgbClr r="0" g="0" b="0"/>
+      </a:lnRef>
+      <a:fillRef idx="1">
+        <a:scrgbClr r="0" g="0" b="0"/>
+      </a:fillRef>
+      <a:effectRef idx="0">
+        <a:scrgbClr r="0" g="0" b="0"/>
+      </a:effectRef>
+      <a:fontRef idx="minor"/>
+    </dgm:style>
+  </dgm:styleLbl>
+  <dgm:styleLbl name="bgShp">
+    <dgm:scene3d>
+      <a:camera prst="orthographicFront"/>
+      <a:lightRig rig="threePt" dir="t"/>
+    </dgm:scene3d>
+    <dgm:sp3d/>
+    <dgm:txPr/>
+    <dgm:style>
+      <a:lnRef idx="0">
+        <a:scrgbClr r="0" g="0" b="0"/>
+      </a:lnRef>
+      <a:fillRef idx="1">
+        <a:scrgbClr r="0" g="0" b="0"/>
+      </a:fillRef>
+      <a:effectRef idx="2">
+        <a:scrgbClr r="0" g="0" b="0"/>
+      </a:effectRef>
+      <a:fontRef idx="minor"/>
+    </dgm:style>
+  </dgm:styleLbl>
+  <dgm:styleLbl name="dkBgShp">
+    <dgm:scene3d>
+      <a:camera prst="orthographicFront"/>
+      <a:lightRig rig="threePt" dir="t"/>
+    </dgm:scene3d>
+    <dgm:sp3d/>
+    <dgm:txPr/>
+    <dgm:style>
+      <a:lnRef idx="0">
+        <a:scrgbClr r="0" g="0" b="0"/>
+      </a:lnRef>
+      <a:fillRef idx="1">
+        <a:scrgbClr r="0" g="0" b="0"/>
+      </a:fillRef>
+      <a:effectRef idx="2">
+        <a:scrgbClr r="0" g="0" b="0"/>
+      </a:effectRef>
+      <a:fontRef idx="minor"/>
+    </dgm:style>
+  </dgm:styleLbl>
+  <dgm:styleLbl name="trBgShp">
+    <dgm:scene3d>
+      <a:camera prst="orthographicFront"/>
+      <a:lightRig rig="threePt" dir="t"/>
+    </dgm:scene3d>
+    <dgm:sp3d/>
+    <dgm:txPr/>
+    <dgm:style>
+      <a:lnRef idx="0">
+        <a:scrgbClr r="0" g="0" b="0"/>
+      </a:lnRef>
+      <a:fillRef idx="1">
+        <a:scrgbClr r="0" g="0" b="0"/>
+      </a:fillRef>
+      <a:effectRef idx="0">
+        <a:scrgbClr r="0" g="0" b="0"/>
+      </a:effectRef>
+      <a:fontRef idx="minor"/>
+    </dgm:style>
+  </dgm:styleLbl>
+  <dgm:styleLbl name="fgShp">
+    <dgm:scene3d>
+      <a:camera prst="orthographicFront"/>
+      <a:lightRig rig="threePt" dir="t"/>
+    </dgm:scene3d>
+    <dgm:sp3d/>
+    <dgm:txPr/>
+    <dgm:style>
+      <a:lnRef idx="0">
+        <a:scrgbClr r="0" g="0" b="0"/>
+      </a:lnRef>
+      <a:fillRef idx="3">
+        <a:scrgbClr r="0" g="0" b="0"/>
+      </a:fillRef>
+      <a:effectRef idx="2">
+        <a:scrgbClr r="0" g="0" b="0"/>
+      </a:effectRef>
+      <a:fontRef idx="minor"/>
+    </dgm:style>
+  </dgm:styleLbl>
+  <dgm:styleLbl name="revTx">
+    <dgm:scene3d>
+      <a:camera prst="orthographicFront"/>
+      <a:lightRig rig="threePt" dir="t"/>
+    </dgm:scene3d>
+    <dgm:sp3d/>
+    <dgm:txPr/>
+    <dgm:style>
+      <a:lnRef idx="0">
+        <a:scrgbClr r="0" g="0" b="0"/>
+      </a:lnRef>
+      <a:fillRef idx="0">
+        <a:scrgbClr r="0" g="0" b="0"/>
+      </a:fillRef>
+      <a:effectRef idx="0">
+        <a:scrgbClr r="0" g="0" b="0"/>
+      </a:effectRef>
+      <a:fontRef idx="minor"/>
+    </dgm:style>
+  </dgm:styleLbl>
+</dgm:styleDef>
+</file>
+
+<file path=ppt/diagrams/quickStyle3.xml><?xml version="1.0" encoding="utf-8"?>
 <dgm:styleDef xmlns:dgm="http://schemas.openxmlformats.org/drawingml/2006/diagram" xmlns:a="http://schemas.openxmlformats.org/drawingml/2006/main" uniqueId="urn:microsoft.com/office/officeart/2005/8/quickstyle/simple1">
   <dgm:title val=""/>
   <dgm:desc val=""/>
@@ -5897,6 +9063,529 @@
     </dgm:style>
   </dgm:styleLbl>
 </dgm:styleDef>
+</file>
+
+<file path=ppt/notesMasters/notesMaster1.xml><?xml version="1.0" encoding="utf-8"?>
+<p:notesMaster xmlns:a="http://schemas.openxmlformats.org/drawingml/2006/main" xmlns:r="http://schemas.openxmlformats.org/officeDocument/2006/relationships" xmlns:p="http://schemas.openxmlformats.org/presentationml/2006/main">
+  <p:cSld>
+    <p:bg>
+      <p:bgRef idx="1001">
+        <a:schemeClr val="bg1"/>
+      </p:bgRef>
+    </p:bg>
+    <p:spTree>
+      <p:nvGrpSpPr>
+        <p:cNvPr id="1" name=""/>
+        <p:cNvGrpSpPr/>
+        <p:nvPr/>
+      </p:nvGrpSpPr>
+      <p:grpSpPr>
+        <a:xfrm>
+          <a:off x="0" y="0"/>
+          <a:ext cx="0" cy="0"/>
+          <a:chOff x="0" y="0"/>
+          <a:chExt cx="0" cy="0"/>
+        </a:xfrm>
+      </p:grpSpPr>
+      <p:sp>
+        <p:nvSpPr>
+          <p:cNvPr id="2" name="Header Placeholder 1"/>
+          <p:cNvSpPr>
+            <a:spLocks noGrp="1"/>
+          </p:cNvSpPr>
+          <p:nvPr>
+            <p:ph type="hdr" sz="quarter"/>
+          </p:nvPr>
+        </p:nvSpPr>
+        <p:spPr>
+          <a:xfrm>
+            <a:off x="0" y="0"/>
+            <a:ext cx="2971800" cy="458788"/>
+          </a:xfrm>
+          <a:prstGeom prst="rect">
+            <a:avLst/>
+          </a:prstGeom>
+        </p:spPr>
+        <p:txBody>
+          <a:bodyPr vert="horz" lIns="91440" tIns="45720" rIns="91440" bIns="45720" rtlCol="0"/>
+          <a:lstStyle>
+            <a:lvl1pPr algn="l">
+              <a:defRPr sz="1200"/>
+            </a:lvl1pPr>
+          </a:lstStyle>
+          <a:p>
+            <a:endParaRPr lang="en-US"/>
+          </a:p>
+        </p:txBody>
+      </p:sp>
+      <p:sp>
+        <p:nvSpPr>
+          <p:cNvPr id="3" name="Date Placeholder 2"/>
+          <p:cNvSpPr>
+            <a:spLocks noGrp="1"/>
+          </p:cNvSpPr>
+          <p:nvPr>
+            <p:ph type="dt" idx="1"/>
+          </p:nvPr>
+        </p:nvSpPr>
+        <p:spPr>
+          <a:xfrm>
+            <a:off x="3884613" y="0"/>
+            <a:ext cx="2971800" cy="458788"/>
+          </a:xfrm>
+          <a:prstGeom prst="rect">
+            <a:avLst/>
+          </a:prstGeom>
+        </p:spPr>
+        <p:txBody>
+          <a:bodyPr vert="horz" lIns="91440" tIns="45720" rIns="91440" bIns="45720" rtlCol="0"/>
+          <a:lstStyle>
+            <a:lvl1pPr algn="r">
+              <a:defRPr sz="1200"/>
+            </a:lvl1pPr>
+          </a:lstStyle>
+          <a:p>
+            <a:fld id="{9EA15531-4E7C-C843-819F-5BCD9D824D42}" type="datetimeFigureOut">
+              <a:rPr lang="en-US" smtClean="0"/>
+              <a:t>10/20/24</a:t>
+            </a:fld>
+            <a:endParaRPr lang="en-US"/>
+          </a:p>
+        </p:txBody>
+      </p:sp>
+      <p:sp>
+        <p:nvSpPr>
+          <p:cNvPr id="4" name="Slide Image Placeholder 3"/>
+          <p:cNvSpPr>
+            <a:spLocks noGrp="1" noRot="1" noChangeAspect="1"/>
+          </p:cNvSpPr>
+          <p:nvPr>
+            <p:ph type="sldImg" idx="2"/>
+          </p:nvPr>
+        </p:nvSpPr>
+        <p:spPr>
+          <a:xfrm>
+            <a:off x="685800" y="1143000"/>
+            <a:ext cx="5486400" cy="3086100"/>
+          </a:xfrm>
+          <a:prstGeom prst="rect">
+            <a:avLst/>
+          </a:prstGeom>
+          <a:noFill/>
+          <a:ln w="12700">
+            <a:solidFill>
+              <a:prstClr val="black"/>
+            </a:solidFill>
+          </a:ln>
+        </p:spPr>
+        <p:txBody>
+          <a:bodyPr vert="horz" lIns="91440" tIns="45720" rIns="91440" bIns="45720" rtlCol="0" anchor="ctr"/>
+          <a:lstStyle/>
+          <a:p>
+            <a:endParaRPr lang="en-US"/>
+          </a:p>
+        </p:txBody>
+      </p:sp>
+      <p:sp>
+        <p:nvSpPr>
+          <p:cNvPr id="5" name="Notes Placeholder 4"/>
+          <p:cNvSpPr>
+            <a:spLocks noGrp="1"/>
+          </p:cNvSpPr>
+          <p:nvPr>
+            <p:ph type="body" sz="quarter" idx="3"/>
+          </p:nvPr>
+        </p:nvSpPr>
+        <p:spPr>
+          <a:xfrm>
+            <a:off x="685800" y="4400550"/>
+            <a:ext cx="5486400" cy="3600450"/>
+          </a:xfrm>
+          <a:prstGeom prst="rect">
+            <a:avLst/>
+          </a:prstGeom>
+        </p:spPr>
+        <p:txBody>
+          <a:bodyPr vert="horz" lIns="91440" tIns="45720" rIns="91440" bIns="45720" rtlCol="0"/>
+          <a:lstStyle/>
+          <a:p>
+            <a:pPr lvl="0"/>
+            <a:r>
+              <a:rPr lang="en-US"/>
+              <a:t>Click to edit Master text styles</a:t>
+            </a:r>
+          </a:p>
+          <a:p>
+            <a:pPr lvl="1"/>
+            <a:r>
+              <a:rPr lang="en-US"/>
+              <a:t>Second level</a:t>
+            </a:r>
+          </a:p>
+          <a:p>
+            <a:pPr lvl="2"/>
+            <a:r>
+              <a:rPr lang="en-US"/>
+              <a:t>Third level</a:t>
+            </a:r>
+          </a:p>
+          <a:p>
+            <a:pPr lvl="3"/>
+            <a:r>
+              <a:rPr lang="en-US"/>
+              <a:t>Fourth level</a:t>
+            </a:r>
+          </a:p>
+          <a:p>
+            <a:pPr lvl="4"/>
+            <a:r>
+              <a:rPr lang="en-US"/>
+              <a:t>Fifth level</a:t>
+            </a:r>
+          </a:p>
+        </p:txBody>
+      </p:sp>
+      <p:sp>
+        <p:nvSpPr>
+          <p:cNvPr id="6" name="Footer Placeholder 5"/>
+          <p:cNvSpPr>
+            <a:spLocks noGrp="1"/>
+          </p:cNvSpPr>
+          <p:nvPr>
+            <p:ph type="ftr" sz="quarter" idx="4"/>
+          </p:nvPr>
+        </p:nvSpPr>
+        <p:spPr>
+          <a:xfrm>
+            <a:off x="0" y="8685213"/>
+            <a:ext cx="2971800" cy="458787"/>
+          </a:xfrm>
+          <a:prstGeom prst="rect">
+            <a:avLst/>
+          </a:prstGeom>
+        </p:spPr>
+        <p:txBody>
+          <a:bodyPr vert="horz" lIns="91440" tIns="45720" rIns="91440" bIns="45720" rtlCol="0" anchor="b"/>
+          <a:lstStyle>
+            <a:lvl1pPr algn="l">
+              <a:defRPr sz="1200"/>
+            </a:lvl1pPr>
+          </a:lstStyle>
+          <a:p>
+            <a:endParaRPr lang="en-US"/>
+          </a:p>
+        </p:txBody>
+      </p:sp>
+      <p:sp>
+        <p:nvSpPr>
+          <p:cNvPr id="7" name="Slide Number Placeholder 6"/>
+          <p:cNvSpPr>
+            <a:spLocks noGrp="1"/>
+          </p:cNvSpPr>
+          <p:nvPr>
+            <p:ph type="sldNum" sz="quarter" idx="5"/>
+          </p:nvPr>
+        </p:nvSpPr>
+        <p:spPr>
+          <a:xfrm>
+            <a:off x="3884613" y="8685213"/>
+            <a:ext cx="2971800" cy="458787"/>
+          </a:xfrm>
+          <a:prstGeom prst="rect">
+            <a:avLst/>
+          </a:prstGeom>
+        </p:spPr>
+        <p:txBody>
+          <a:bodyPr vert="horz" lIns="91440" tIns="45720" rIns="91440" bIns="45720" rtlCol="0" anchor="b"/>
+          <a:lstStyle>
+            <a:lvl1pPr algn="r">
+              <a:defRPr sz="1200"/>
+            </a:lvl1pPr>
+          </a:lstStyle>
+          <a:p>
+            <a:fld id="{654BC42A-6F10-1642-90D3-0ECB30810FE4}" type="slidenum">
+              <a:rPr lang="en-US" smtClean="0"/>
+              <a:t>‹#›</a:t>
+            </a:fld>
+            <a:endParaRPr lang="en-US"/>
+          </a:p>
+        </p:txBody>
+      </p:sp>
+    </p:spTree>
+    <p:extLst>
+      <p:ext uri="{BB962C8B-B14F-4D97-AF65-F5344CB8AC3E}">
+        <p14:creationId xmlns:p14="http://schemas.microsoft.com/office/powerpoint/2010/main" val="3903258953"/>
+      </p:ext>
+    </p:extLst>
+  </p:cSld>
+  <p:clrMap bg1="lt1" tx1="dk1" bg2="lt2" tx2="dk2" accent1="accent1" accent2="accent2" accent3="accent3" accent4="accent4" accent5="accent5" accent6="accent6" hlink="hlink" folHlink="folHlink"/>
+  <p:notesStyle>
+    <a:lvl1pPr marL="0" algn="l" defTabSz="914400" rtl="0" eaLnBrk="1" latinLnBrk="0" hangingPunct="1">
+      <a:defRPr sz="1200" kern="1200">
+        <a:solidFill>
+          <a:schemeClr val="tx1"/>
+        </a:solidFill>
+        <a:latin typeface="+mn-lt"/>
+        <a:ea typeface="+mn-ea"/>
+        <a:cs typeface="+mn-cs"/>
+      </a:defRPr>
+    </a:lvl1pPr>
+    <a:lvl2pPr marL="457200" algn="l" defTabSz="914400" rtl="0" eaLnBrk="1" latinLnBrk="0" hangingPunct="1">
+      <a:defRPr sz="1200" kern="1200">
+        <a:solidFill>
+          <a:schemeClr val="tx1"/>
+        </a:solidFill>
+        <a:latin typeface="+mn-lt"/>
+        <a:ea typeface="+mn-ea"/>
+        <a:cs typeface="+mn-cs"/>
+      </a:defRPr>
+    </a:lvl2pPr>
+    <a:lvl3pPr marL="914400" algn="l" defTabSz="914400" rtl="0" eaLnBrk="1" latinLnBrk="0" hangingPunct="1">
+      <a:defRPr sz="1200" kern="1200">
+        <a:solidFill>
+          <a:schemeClr val="tx1"/>
+        </a:solidFill>
+        <a:latin typeface="+mn-lt"/>
+        <a:ea typeface="+mn-ea"/>
+        <a:cs typeface="+mn-cs"/>
+      </a:defRPr>
+    </a:lvl3pPr>
+    <a:lvl4pPr marL="1371600" algn="l" defTabSz="914400" rtl="0" eaLnBrk="1" latinLnBrk="0" hangingPunct="1">
+      <a:defRPr sz="1200" kern="1200">
+        <a:solidFill>
+          <a:schemeClr val="tx1"/>
+        </a:solidFill>
+        <a:latin typeface="+mn-lt"/>
+        <a:ea typeface="+mn-ea"/>
+        <a:cs typeface="+mn-cs"/>
+      </a:defRPr>
+    </a:lvl4pPr>
+    <a:lvl5pPr marL="1828800" algn="l" defTabSz="914400" rtl="0" eaLnBrk="1" latinLnBrk="0" hangingPunct="1">
+      <a:defRPr sz="1200" kern="1200">
+        <a:solidFill>
+          <a:schemeClr val="tx1"/>
+        </a:solidFill>
+        <a:latin typeface="+mn-lt"/>
+        <a:ea typeface="+mn-ea"/>
+        <a:cs typeface="+mn-cs"/>
+      </a:defRPr>
+    </a:lvl5pPr>
+    <a:lvl6pPr marL="2286000" algn="l" defTabSz="914400" rtl="0" eaLnBrk="1" latinLnBrk="0" hangingPunct="1">
+      <a:defRPr sz="1200" kern="1200">
+        <a:solidFill>
+          <a:schemeClr val="tx1"/>
+        </a:solidFill>
+        <a:latin typeface="+mn-lt"/>
+        <a:ea typeface="+mn-ea"/>
+        <a:cs typeface="+mn-cs"/>
+      </a:defRPr>
+    </a:lvl6pPr>
+    <a:lvl7pPr marL="2743200" algn="l" defTabSz="914400" rtl="0" eaLnBrk="1" latinLnBrk="0" hangingPunct="1">
+      <a:defRPr sz="1200" kern="1200">
+        <a:solidFill>
+          <a:schemeClr val="tx1"/>
+        </a:solidFill>
+        <a:latin typeface="+mn-lt"/>
+        <a:ea typeface="+mn-ea"/>
+        <a:cs typeface="+mn-cs"/>
+      </a:defRPr>
+    </a:lvl7pPr>
+    <a:lvl8pPr marL="3200400" algn="l" defTabSz="914400" rtl="0" eaLnBrk="1" latinLnBrk="0" hangingPunct="1">
+      <a:defRPr sz="1200" kern="1200">
+        <a:solidFill>
+          <a:schemeClr val="tx1"/>
+        </a:solidFill>
+        <a:latin typeface="+mn-lt"/>
+        <a:ea typeface="+mn-ea"/>
+        <a:cs typeface="+mn-cs"/>
+      </a:defRPr>
+    </a:lvl8pPr>
+    <a:lvl9pPr marL="3657600" algn="l" defTabSz="914400" rtl="0" eaLnBrk="1" latinLnBrk="0" hangingPunct="1">
+      <a:defRPr sz="1200" kern="1200">
+        <a:solidFill>
+          <a:schemeClr val="tx1"/>
+        </a:solidFill>
+        <a:latin typeface="+mn-lt"/>
+        <a:ea typeface="+mn-ea"/>
+        <a:cs typeface="+mn-cs"/>
+      </a:defRPr>
+    </a:lvl9pPr>
+  </p:notesStyle>
+</p:notesMaster>
+</file>
+
+<file path=ppt/notesSlides/notesSlide1.xml><?xml version="1.0" encoding="utf-8"?>
+<p:notes xmlns:a="http://schemas.openxmlformats.org/drawingml/2006/main" xmlns:r="http://schemas.openxmlformats.org/officeDocument/2006/relationships" xmlns:p="http://schemas.openxmlformats.org/presentationml/2006/main">
+  <p:cSld>
+    <p:spTree>
+      <p:nvGrpSpPr>
+        <p:cNvPr id="1" name=""/>
+        <p:cNvGrpSpPr/>
+        <p:nvPr/>
+      </p:nvGrpSpPr>
+      <p:grpSpPr>
+        <a:xfrm>
+          <a:off x="0" y="0"/>
+          <a:ext cx="0" cy="0"/>
+          <a:chOff x="0" y="0"/>
+          <a:chExt cx="0" cy="0"/>
+        </a:xfrm>
+      </p:grpSpPr>
+      <p:sp>
+        <p:nvSpPr>
+          <p:cNvPr id="2" name="Slide Image Placeholder 1"/>
+          <p:cNvSpPr>
+            <a:spLocks noGrp="1" noRot="1" noChangeAspect="1"/>
+          </p:cNvSpPr>
+          <p:nvPr>
+            <p:ph type="sldImg"/>
+          </p:nvPr>
+        </p:nvSpPr>
+        <p:spPr/>
+      </p:sp>
+      <p:sp>
+        <p:nvSpPr>
+          <p:cNvPr id="3" name="Notes Placeholder 2"/>
+          <p:cNvSpPr>
+            <a:spLocks noGrp="1"/>
+          </p:cNvSpPr>
+          <p:nvPr>
+            <p:ph type="body" idx="1"/>
+          </p:nvPr>
+        </p:nvSpPr>
+        <p:spPr/>
+        <p:txBody>
+          <a:bodyPr/>
+          <a:lstStyle/>
+          <a:p>
+            <a:r>
+              <a:rPr lang="en-US" dirty="0"/>
+              <a:t>The purpose of this data is for AmeriCorps to be able to determine how well they are doing recruiting a volunteer force that is representative of the communities they serve. Although which do determine and provide in these results in the data, we were unable to understand how they were comparing Member Service Years to actual counts of people. We used the available open-source analysis procedure documents provided with the data set, but ultimately, there were inconsistencies in the way the numbers were recorded in the data that we could not explain. We concluded that if we worked for the agency and could ask those clarifying questions, the data would likely support answering these questions. But without understanding that conversion element from MSYs to counts, in order to then be able to reference census population numbers, we could not. </a:t>
+            </a:r>
+          </a:p>
+        </p:txBody>
+      </p:sp>
+      <p:sp>
+        <p:nvSpPr>
+          <p:cNvPr id="4" name="Slide Number Placeholder 3"/>
+          <p:cNvSpPr>
+            <a:spLocks noGrp="1"/>
+          </p:cNvSpPr>
+          <p:nvPr>
+            <p:ph type="sldNum" sz="quarter" idx="5"/>
+          </p:nvPr>
+        </p:nvSpPr>
+        <p:spPr/>
+        <p:txBody>
+          <a:bodyPr/>
+          <a:lstStyle/>
+          <a:p>
+            <a:fld id="{654BC42A-6F10-1642-90D3-0ECB30810FE4}" type="slidenum">
+              <a:rPr lang="en-US" smtClean="0"/>
+              <a:t>10</a:t>
+            </a:fld>
+            <a:endParaRPr lang="en-US"/>
+          </a:p>
+        </p:txBody>
+      </p:sp>
+    </p:spTree>
+    <p:extLst>
+      <p:ext uri="{BB962C8B-B14F-4D97-AF65-F5344CB8AC3E}">
+        <p14:creationId xmlns:p14="http://schemas.microsoft.com/office/powerpoint/2010/main" val="2588628743"/>
+      </p:ext>
+    </p:extLst>
+  </p:cSld>
+  <p:clrMapOvr>
+    <a:masterClrMapping/>
+  </p:clrMapOvr>
+</p:notes>
+</file>
+
+<file path=ppt/notesSlides/notesSlide2.xml><?xml version="1.0" encoding="utf-8"?>
+<p:notes xmlns:a="http://schemas.openxmlformats.org/drawingml/2006/main" xmlns:r="http://schemas.openxmlformats.org/officeDocument/2006/relationships" xmlns:p="http://schemas.openxmlformats.org/presentationml/2006/main">
+  <p:cSld>
+    <p:spTree>
+      <p:nvGrpSpPr>
+        <p:cNvPr id="1" name=""/>
+        <p:cNvGrpSpPr/>
+        <p:nvPr/>
+      </p:nvGrpSpPr>
+      <p:grpSpPr>
+        <a:xfrm>
+          <a:off x="0" y="0"/>
+          <a:ext cx="0" cy="0"/>
+          <a:chOff x="0" y="0"/>
+          <a:chExt cx="0" cy="0"/>
+        </a:xfrm>
+      </p:grpSpPr>
+      <p:sp>
+        <p:nvSpPr>
+          <p:cNvPr id="2" name="Slide Image Placeholder 1"/>
+          <p:cNvSpPr>
+            <a:spLocks noGrp="1" noRot="1" noChangeAspect="1"/>
+          </p:cNvSpPr>
+          <p:nvPr>
+            <p:ph type="sldImg"/>
+          </p:nvPr>
+        </p:nvSpPr>
+        <p:spPr/>
+      </p:sp>
+      <p:sp>
+        <p:nvSpPr>
+          <p:cNvPr id="3" name="Notes Placeholder 2"/>
+          <p:cNvSpPr>
+            <a:spLocks noGrp="1"/>
+          </p:cNvSpPr>
+          <p:nvPr>
+            <p:ph type="body" idx="1"/>
+          </p:nvPr>
+        </p:nvSpPr>
+        <p:spPr/>
+        <p:txBody>
+          <a:bodyPr/>
+          <a:lstStyle/>
+          <a:p>
+            <a:r>
+              <a:rPr lang="en-US" dirty="0"/>
+              <a:t>This was a very large dataset with wide ranging information included. A particularly tricky element was the inclusion of summary rows. Inclusion of these rows in our initial examination of the data caused duplicate entries and incorrect evaluations.</a:t>
+            </a:r>
+          </a:p>
+        </p:txBody>
+      </p:sp>
+      <p:sp>
+        <p:nvSpPr>
+          <p:cNvPr id="4" name="Slide Number Placeholder 3"/>
+          <p:cNvSpPr>
+            <a:spLocks noGrp="1"/>
+          </p:cNvSpPr>
+          <p:nvPr>
+            <p:ph type="sldNum" sz="quarter" idx="5"/>
+          </p:nvPr>
+        </p:nvSpPr>
+        <p:spPr/>
+        <p:txBody>
+          <a:bodyPr/>
+          <a:lstStyle/>
+          <a:p>
+            <a:fld id="{654BC42A-6F10-1642-90D3-0ECB30810FE4}" type="slidenum">
+              <a:rPr lang="en-US" smtClean="0"/>
+              <a:t>11</a:t>
+            </a:fld>
+            <a:endParaRPr lang="en-US"/>
+          </a:p>
+        </p:txBody>
+      </p:sp>
+    </p:spTree>
+    <p:extLst>
+      <p:ext uri="{BB962C8B-B14F-4D97-AF65-F5344CB8AC3E}">
+        <p14:creationId xmlns:p14="http://schemas.microsoft.com/office/powerpoint/2010/main" val="1987600220"/>
+      </p:ext>
+    </p:extLst>
+  </p:cSld>
+  <p:clrMapOvr>
+    <a:masterClrMapping/>
+  </p:clrMapOvr>
+</p:notes>
 </file>
 
 <file path=ppt/slideLayouts/slideLayout1.xml><?xml version="1.0" encoding="utf-8"?>
@@ -6046,7 +9735,7 @@
           <a:p>
             <a:fld id="{6004D711-28DD-1248-858B-9A1F4978A960}" type="datetimeFigureOut">
               <a:rPr lang="en-US" smtClean="0"/>
-              <a:t>10/19/24</a:t>
+              <a:t>10/20/24</a:t>
             </a:fld>
             <a:endParaRPr lang="en-US"/>
           </a:p>
@@ -6244,7 +9933,7 @@
           <a:p>
             <a:fld id="{6004D711-28DD-1248-858B-9A1F4978A960}" type="datetimeFigureOut">
               <a:rPr lang="en-US" smtClean="0"/>
-              <a:t>10/19/24</a:t>
+              <a:t>10/20/24</a:t>
             </a:fld>
             <a:endParaRPr lang="en-US"/>
           </a:p>
@@ -6452,7 +10141,7 @@
           <a:p>
             <a:fld id="{6004D711-28DD-1248-858B-9A1F4978A960}" type="datetimeFigureOut">
               <a:rPr lang="en-US" smtClean="0"/>
-              <a:t>10/19/24</a:t>
+              <a:t>10/20/24</a:t>
             </a:fld>
             <a:endParaRPr lang="en-US"/>
           </a:p>
@@ -6650,7 +10339,7 @@
           <a:p>
             <a:fld id="{6004D711-28DD-1248-858B-9A1F4978A960}" type="datetimeFigureOut">
               <a:rPr lang="en-US" smtClean="0"/>
-              <a:t>10/19/24</a:t>
+              <a:t>10/20/24</a:t>
             </a:fld>
             <a:endParaRPr lang="en-US"/>
           </a:p>
@@ -6925,7 +10614,7 @@
           <a:p>
             <a:fld id="{6004D711-28DD-1248-858B-9A1F4978A960}" type="datetimeFigureOut">
               <a:rPr lang="en-US" smtClean="0"/>
-              <a:t>10/19/24</a:t>
+              <a:t>10/20/24</a:t>
             </a:fld>
             <a:endParaRPr lang="en-US"/>
           </a:p>
@@ -7190,7 +10879,7 @@
           <a:p>
             <a:fld id="{6004D711-28DD-1248-858B-9A1F4978A960}" type="datetimeFigureOut">
               <a:rPr lang="en-US" smtClean="0"/>
-              <a:t>10/19/24</a:t>
+              <a:t>10/20/24</a:t>
             </a:fld>
             <a:endParaRPr lang="en-US"/>
           </a:p>
@@ -7602,7 +11291,7 @@
           <a:p>
             <a:fld id="{6004D711-28DD-1248-858B-9A1F4978A960}" type="datetimeFigureOut">
               <a:rPr lang="en-US" smtClean="0"/>
-              <a:t>10/19/24</a:t>
+              <a:t>10/20/24</a:t>
             </a:fld>
             <a:endParaRPr lang="en-US"/>
           </a:p>
@@ -7743,7 +11432,7 @@
           <a:p>
             <a:fld id="{6004D711-28DD-1248-858B-9A1F4978A960}" type="datetimeFigureOut">
               <a:rPr lang="en-US" smtClean="0"/>
-              <a:t>10/19/24</a:t>
+              <a:t>10/20/24</a:t>
             </a:fld>
             <a:endParaRPr lang="en-US"/>
           </a:p>
@@ -7856,7 +11545,7 @@
           <a:p>
             <a:fld id="{6004D711-28DD-1248-858B-9A1F4978A960}" type="datetimeFigureOut">
               <a:rPr lang="en-US" smtClean="0"/>
-              <a:t>10/19/24</a:t>
+              <a:t>10/20/24</a:t>
             </a:fld>
             <a:endParaRPr lang="en-US"/>
           </a:p>
@@ -8167,7 +11856,7 @@
           <a:p>
             <a:fld id="{6004D711-28DD-1248-858B-9A1F4978A960}" type="datetimeFigureOut">
               <a:rPr lang="en-US" smtClean="0"/>
-              <a:t>10/19/24</a:t>
+              <a:t>10/20/24</a:t>
             </a:fld>
             <a:endParaRPr lang="en-US"/>
           </a:p>
@@ -8455,7 +12144,7 @@
           <a:p>
             <a:fld id="{6004D711-28DD-1248-858B-9A1F4978A960}" type="datetimeFigureOut">
               <a:rPr lang="en-US" smtClean="0"/>
-              <a:t>10/19/24</a:t>
+              <a:t>10/20/24</a:t>
             </a:fld>
             <a:endParaRPr lang="en-US"/>
           </a:p>
@@ -8696,7 +12385,7 @@
           <a:p>
             <a:fld id="{6004D711-28DD-1248-858B-9A1F4978A960}" type="datetimeFigureOut">
               <a:rPr lang="en-US" smtClean="0"/>
-              <a:t>10/19/24</a:t>
+              <a:t>10/20/24</a:t>
             </a:fld>
             <a:endParaRPr lang="en-US"/>
           </a:p>
@@ -10495,10 +14184,10 @@
       </p:grpSpPr>
       <p:sp useBgFill="1">
         <p:nvSpPr>
-          <p:cNvPr id="8" name="Rectangle 7">
+          <p:cNvPr id="9" name="Rectangle 8">
             <a:extLst>
               <a:ext uri="{FF2B5EF4-FFF2-40B4-BE49-F238E27FC236}">
-                <a16:creationId xmlns:a16="http://schemas.microsoft.com/office/drawing/2014/main" id="{1B15ED52-F352-441B-82BF-E0EA34836D08}"/>
+                <a16:creationId xmlns:a16="http://schemas.microsoft.com/office/drawing/2014/main" id="{BACC6370-2D7E-4714-9D71-7542949D7D5D}"/>
               </a:ext>
               <a:ext uri="{C183D7F6-B498-43B3-948B-1728B52AA6E4}">
                 <adec:decorative xmlns:adec="http://schemas.microsoft.com/office/drawing/2017/decorative" val="1"/>
@@ -10571,6 +14260,661 @@
       </p:sp>
       <p:sp>
         <p:nvSpPr>
+          <p:cNvPr id="11" name="Rectangle 10">
+            <a:extLst>
+              <a:ext uri="{FF2B5EF4-FFF2-40B4-BE49-F238E27FC236}">
+                <a16:creationId xmlns:a16="http://schemas.microsoft.com/office/drawing/2014/main" id="{256B2C21-A230-48C0-8DF1-C46611373C44}"/>
+              </a:ext>
+              <a:ext uri="{C183D7F6-B498-43B3-948B-1728B52AA6E4}">
+                <adec:decorative xmlns:adec="http://schemas.microsoft.com/office/drawing/2017/decorative" val="1"/>
+              </a:ext>
+            </a:extLst>
+          </p:cNvPr>
+          <p:cNvSpPr>
+            <a:spLocks noGrp="1" noRot="1" noChangeAspect="1" noMove="1" noResize="1" noEditPoints="1" noAdjustHandles="1" noChangeArrowheads="1" noChangeShapeType="1" noTextEdit="1"/>
+          </p:cNvSpPr>
+          <p:nvPr>
+            <p:extLst>
+              <p:ext uri="{386F3935-93C4-4BCD-93E2-E3B085C9AB24}">
+                <p16:designElem xmlns:p16="http://schemas.microsoft.com/office/powerpoint/2015/main" val="1"/>
+              </p:ext>
+            </p:extLst>
+          </p:nvPr>
+        </p:nvSpPr>
+        <p:spPr>
+          <a:xfrm rot="5400000" flipH="1">
+            <a:off x="-1410084" y="1410082"/>
+            <a:ext cx="6858000" cy="4037836"/>
+          </a:xfrm>
+          <a:prstGeom prst="rect">
+            <a:avLst/>
+          </a:prstGeom>
+          <a:gradFill>
+            <a:gsLst>
+              <a:gs pos="8000">
+                <a:srgbClr val="000000"/>
+              </a:gs>
+              <a:gs pos="100000">
+                <a:schemeClr val="accent1">
+                  <a:lumMod val="75000"/>
+                </a:schemeClr>
+              </a:gs>
+            </a:gsLst>
+            <a:lin ang="3000000" scaled="0"/>
+          </a:gradFill>
+          <a:ln>
+            <a:noFill/>
+          </a:ln>
+        </p:spPr>
+        <p:style>
+          <a:lnRef idx="2">
+            <a:schemeClr val="accent1">
+              <a:shade val="50000"/>
+            </a:schemeClr>
+          </a:lnRef>
+          <a:fillRef idx="1">
+            <a:schemeClr val="accent1"/>
+          </a:fillRef>
+          <a:effectRef idx="0">
+            <a:schemeClr val="accent1"/>
+          </a:effectRef>
+          <a:fontRef idx="minor">
+            <a:schemeClr val="lt1"/>
+          </a:fontRef>
+        </p:style>
+        <p:txBody>
+          <a:bodyPr rtlCol="0" anchor="ctr"/>
+          <a:lstStyle/>
+          <a:p>
+            <a:pPr algn="ctr"/>
+            <a:endParaRPr lang="en-US"/>
+          </a:p>
+        </p:txBody>
+      </p:sp>
+      <p:sp>
+        <p:nvSpPr>
+          <p:cNvPr id="13" name="Rectangle 12">
+            <a:extLst>
+              <a:ext uri="{FF2B5EF4-FFF2-40B4-BE49-F238E27FC236}">
+                <a16:creationId xmlns:a16="http://schemas.microsoft.com/office/drawing/2014/main" id="{3847E18C-932D-4C95-AABA-FEC7C9499AD7}"/>
+              </a:ext>
+              <a:ext uri="{C183D7F6-B498-43B3-948B-1728B52AA6E4}">
+                <adec:decorative xmlns:adec="http://schemas.microsoft.com/office/drawing/2017/decorative" val="1"/>
+              </a:ext>
+            </a:extLst>
+          </p:cNvPr>
+          <p:cNvSpPr>
+            <a:spLocks noGrp="1" noRot="1" noChangeAspect="1" noMove="1" noResize="1" noEditPoints="1" noAdjustHandles="1" noChangeArrowheads="1" noChangeShapeType="1" noTextEdit="1"/>
+          </p:cNvSpPr>
+          <p:nvPr>
+            <p:extLst>
+              <p:ext uri="{386F3935-93C4-4BCD-93E2-E3B085C9AB24}">
+                <p16:designElem xmlns:p16="http://schemas.microsoft.com/office/powerpoint/2015/main" val="1"/>
+              </p:ext>
+            </p:extLst>
+          </p:nvPr>
+        </p:nvSpPr>
+        <p:spPr>
+          <a:xfrm rot="5400000" flipH="1">
+            <a:off x="-1410085" y="1420219"/>
+            <a:ext cx="6857999" cy="4037839"/>
+          </a:xfrm>
+          <a:prstGeom prst="rect">
+            <a:avLst/>
+          </a:prstGeom>
+          <a:gradFill>
+            <a:gsLst>
+              <a:gs pos="0">
+                <a:srgbClr val="000000">
+                  <a:alpha val="0"/>
+                </a:srgbClr>
+              </a:gs>
+              <a:gs pos="99000">
+                <a:schemeClr val="accent1">
+                  <a:alpha val="46000"/>
+                </a:schemeClr>
+              </a:gs>
+            </a:gsLst>
+            <a:lin ang="1800000" scaled="0"/>
+          </a:gradFill>
+          <a:ln>
+            <a:noFill/>
+          </a:ln>
+        </p:spPr>
+        <p:style>
+          <a:lnRef idx="2">
+            <a:schemeClr val="accent1">
+              <a:shade val="50000"/>
+            </a:schemeClr>
+          </a:lnRef>
+          <a:fillRef idx="1">
+            <a:schemeClr val="accent1"/>
+          </a:fillRef>
+          <a:effectRef idx="0">
+            <a:schemeClr val="accent1"/>
+          </a:effectRef>
+          <a:fontRef idx="minor">
+            <a:schemeClr val="lt1"/>
+          </a:fontRef>
+        </p:style>
+        <p:txBody>
+          <a:bodyPr rtlCol="0" anchor="ctr"/>
+          <a:lstStyle/>
+          <a:p>
+            <a:pPr algn="ctr"/>
+            <a:endParaRPr lang="en-US"/>
+          </a:p>
+        </p:txBody>
+      </p:sp>
+      <p:sp>
+        <p:nvSpPr>
+          <p:cNvPr id="15" name="Rectangle 14">
+            <a:extLst>
+              <a:ext uri="{FF2B5EF4-FFF2-40B4-BE49-F238E27FC236}">
+                <a16:creationId xmlns:a16="http://schemas.microsoft.com/office/drawing/2014/main" id="{3150CB11-0C61-439E-910F-5787759E72A0}"/>
+              </a:ext>
+              <a:ext uri="{C183D7F6-B498-43B3-948B-1728B52AA6E4}">
+                <adec:decorative xmlns:adec="http://schemas.microsoft.com/office/drawing/2017/decorative" val="1"/>
+              </a:ext>
+            </a:extLst>
+          </p:cNvPr>
+          <p:cNvSpPr>
+            <a:spLocks noGrp="1" noRot="1" noChangeAspect="1" noMove="1" noResize="1" noEditPoints="1" noAdjustHandles="1" noChangeArrowheads="1" noChangeShapeType="1" noTextEdit="1"/>
+          </p:cNvSpPr>
+          <p:nvPr>
+            <p:extLst>
+              <p:ext uri="{386F3935-93C4-4BCD-93E2-E3B085C9AB24}">
+                <p16:designElem xmlns:p16="http://schemas.microsoft.com/office/powerpoint/2015/main" val="1"/>
+              </p:ext>
+            </p:extLst>
+          </p:nvPr>
+        </p:nvSpPr>
+        <p:spPr>
+          <a:xfrm rot="5400000" flipH="1">
+            <a:off x="767923" y="3588085"/>
+            <a:ext cx="2501979" cy="4037841"/>
+          </a:xfrm>
+          <a:prstGeom prst="rect">
+            <a:avLst/>
+          </a:prstGeom>
+          <a:gradFill>
+            <a:gsLst>
+              <a:gs pos="2000">
+                <a:schemeClr val="accent1">
+                  <a:alpha val="29000"/>
+                </a:schemeClr>
+              </a:gs>
+              <a:gs pos="100000">
+                <a:srgbClr val="000000">
+                  <a:alpha val="30000"/>
+                </a:srgbClr>
+              </a:gs>
+            </a:gsLst>
+            <a:lin ang="7800000" scaled="0"/>
+          </a:gradFill>
+          <a:ln>
+            <a:noFill/>
+          </a:ln>
+        </p:spPr>
+        <p:style>
+          <a:lnRef idx="2">
+            <a:schemeClr val="accent1">
+              <a:shade val="50000"/>
+            </a:schemeClr>
+          </a:lnRef>
+          <a:fillRef idx="1">
+            <a:schemeClr val="accent1"/>
+          </a:fillRef>
+          <a:effectRef idx="0">
+            <a:schemeClr val="accent1"/>
+          </a:effectRef>
+          <a:fontRef idx="minor">
+            <a:schemeClr val="lt1"/>
+          </a:fontRef>
+        </p:style>
+        <p:txBody>
+          <a:bodyPr rtlCol="0" anchor="ctr"/>
+          <a:lstStyle/>
+          <a:p>
+            <a:pPr algn="ctr"/>
+            <a:endParaRPr lang="en-US" dirty="0"/>
+          </a:p>
+        </p:txBody>
+      </p:sp>
+      <p:sp>
+        <p:nvSpPr>
+          <p:cNvPr id="17" name="Freeform: Shape 16">
+            <a:extLst>
+              <a:ext uri="{FF2B5EF4-FFF2-40B4-BE49-F238E27FC236}">
+                <a16:creationId xmlns:a16="http://schemas.microsoft.com/office/drawing/2014/main" id="{43F8A58B-5155-44CE-A5FF-7647B47D0A7A}"/>
+              </a:ext>
+              <a:ext uri="{C183D7F6-B498-43B3-948B-1728B52AA6E4}">
+                <adec:decorative xmlns:adec="http://schemas.microsoft.com/office/drawing/2017/decorative" val="1"/>
+              </a:ext>
+            </a:extLst>
+          </p:cNvPr>
+          <p:cNvSpPr>
+            <a:spLocks noGrp="1" noRot="1" noChangeAspect="1" noMove="1" noResize="1" noEditPoints="1" noAdjustHandles="1" noChangeArrowheads="1" noChangeShapeType="1" noTextEdit="1"/>
+          </p:cNvSpPr>
+          <p:nvPr>
+            <p:extLst>
+              <p:ext uri="{386F3935-93C4-4BCD-93E2-E3B085C9AB24}">
+                <p16:designElem xmlns:p16="http://schemas.microsoft.com/office/powerpoint/2015/main" val="1"/>
+              </p:ext>
+            </p:extLst>
+          </p:nvPr>
+        </p:nvSpPr>
+        <p:spPr>
+          <a:xfrm rot="20635413">
+            <a:off x="-501737" y="969718"/>
+            <a:ext cx="3900357" cy="4178958"/>
+          </a:xfrm>
+          <a:custGeom>
+            <a:avLst/>
+            <a:gdLst>
+              <a:gd name="connsiteX0" fmla="*/ 2432225 w 3900357"/>
+              <a:gd name="connsiteY0" fmla="*/ 93939 h 4178958"/>
+              <a:gd name="connsiteX1" fmla="*/ 3900357 w 3900357"/>
+              <a:gd name="connsiteY1" fmla="*/ 2089479 h 4178958"/>
+              <a:gd name="connsiteX2" fmla="*/ 1810878 w 3900357"/>
+              <a:gd name="connsiteY2" fmla="*/ 4178958 h 4178958"/>
+              <a:gd name="connsiteX3" fmla="*/ 78249 w 3900357"/>
+              <a:gd name="connsiteY3" fmla="*/ 3257727 h 4178958"/>
+              <a:gd name="connsiteX4" fmla="*/ 0 w 3900357"/>
+              <a:gd name="connsiteY4" fmla="*/ 3128923 h 4178958"/>
+              <a:gd name="connsiteX5" fmla="*/ 831324 w 3900357"/>
+              <a:gd name="connsiteY5" fmla="*/ 244281 h 4178958"/>
+              <a:gd name="connsiteX6" fmla="*/ 997559 w 3900357"/>
+              <a:gd name="connsiteY6" fmla="*/ 164202 h 4178958"/>
+              <a:gd name="connsiteX7" fmla="*/ 1810878 w 3900357"/>
+              <a:gd name="connsiteY7" fmla="*/ 0 h 4178958"/>
+              <a:gd name="connsiteX8" fmla="*/ 2432225 w 3900357"/>
+              <a:gd name="connsiteY8" fmla="*/ 93939 h 4178958"/>
+            </a:gdLst>
+            <a:ahLst/>
+            <a:cxnLst>
+              <a:cxn ang="0">
+                <a:pos x="connsiteX0" y="connsiteY0"/>
+              </a:cxn>
+              <a:cxn ang="0">
+                <a:pos x="connsiteX1" y="connsiteY1"/>
+              </a:cxn>
+              <a:cxn ang="0">
+                <a:pos x="connsiteX2" y="connsiteY2"/>
+              </a:cxn>
+              <a:cxn ang="0">
+                <a:pos x="connsiteX3" y="connsiteY3"/>
+              </a:cxn>
+              <a:cxn ang="0">
+                <a:pos x="connsiteX4" y="connsiteY4"/>
+              </a:cxn>
+              <a:cxn ang="0">
+                <a:pos x="connsiteX5" y="connsiteY5"/>
+              </a:cxn>
+              <a:cxn ang="0">
+                <a:pos x="connsiteX6" y="connsiteY6"/>
+              </a:cxn>
+              <a:cxn ang="0">
+                <a:pos x="connsiteX7" y="connsiteY7"/>
+              </a:cxn>
+              <a:cxn ang="0">
+                <a:pos x="connsiteX8" y="connsiteY8"/>
+              </a:cxn>
+            </a:cxnLst>
+            <a:rect l="l" t="t" r="r" b="b"/>
+            <a:pathLst>
+              <a:path w="3900357" h="4178958">
+                <a:moveTo>
+                  <a:pt x="2432225" y="93939"/>
+                </a:moveTo>
+                <a:cubicBezTo>
+                  <a:pt x="3282786" y="358491"/>
+                  <a:pt x="3900357" y="1151865"/>
+                  <a:pt x="3900357" y="2089479"/>
+                </a:cubicBezTo>
+                <a:cubicBezTo>
+                  <a:pt x="3900357" y="3243466"/>
+                  <a:pt x="2964865" y="4178958"/>
+                  <a:pt x="1810878" y="4178958"/>
+                </a:cubicBezTo>
+                <a:cubicBezTo>
+                  <a:pt x="1089636" y="4178958"/>
+                  <a:pt x="453744" y="3813531"/>
+                  <a:pt x="78249" y="3257727"/>
+                </a:cubicBezTo>
+                <a:lnTo>
+                  <a:pt x="0" y="3128923"/>
+                </a:lnTo>
+                <a:lnTo>
+                  <a:pt x="831324" y="244281"/>
+                </a:lnTo>
+                <a:lnTo>
+                  <a:pt x="997559" y="164202"/>
+                </a:lnTo>
+                <a:cubicBezTo>
+                  <a:pt x="1247540" y="58468"/>
+                  <a:pt x="1522381" y="0"/>
+                  <a:pt x="1810878" y="0"/>
+                </a:cubicBezTo>
+                <a:cubicBezTo>
+                  <a:pt x="2027251" y="0"/>
+                  <a:pt x="2235942" y="32888"/>
+                  <a:pt x="2432225" y="93939"/>
+                </a:cubicBezTo>
+                <a:close/>
+              </a:path>
+            </a:pathLst>
+          </a:custGeom>
+          <a:gradFill>
+            <a:gsLst>
+              <a:gs pos="29000">
+                <a:srgbClr val="000000">
+                  <a:alpha val="0"/>
+                </a:srgbClr>
+              </a:gs>
+              <a:gs pos="100000">
+                <a:schemeClr val="accent1">
+                  <a:alpha val="43000"/>
+                </a:schemeClr>
+              </a:gs>
+            </a:gsLst>
+            <a:lin ang="1800000" scaled="0"/>
+          </a:gradFill>
+          <a:ln>
+            <a:noFill/>
+          </a:ln>
+        </p:spPr>
+        <p:style>
+          <a:lnRef idx="2">
+            <a:schemeClr val="accent1">
+              <a:shade val="50000"/>
+            </a:schemeClr>
+          </a:lnRef>
+          <a:fillRef idx="1">
+            <a:schemeClr val="accent1"/>
+          </a:fillRef>
+          <a:effectRef idx="0">
+            <a:schemeClr val="accent1"/>
+          </a:effectRef>
+          <a:fontRef idx="minor">
+            <a:schemeClr val="lt1"/>
+          </a:fontRef>
+        </p:style>
+        <p:txBody>
+          <a:bodyPr wrap="square" rtlCol="0" anchor="ctr">
+            <a:noAutofit/>
+          </a:bodyPr>
+          <a:lstStyle/>
+          <a:p>
+            <a:pPr algn="ctr"/>
+            <a:endParaRPr lang="en-US" dirty="0"/>
+          </a:p>
+        </p:txBody>
+      </p:sp>
+      <p:sp>
+        <p:nvSpPr>
+          <p:cNvPr id="19" name="Rectangle 18">
+            <a:extLst>
+              <a:ext uri="{FF2B5EF4-FFF2-40B4-BE49-F238E27FC236}">
+                <a16:creationId xmlns:a16="http://schemas.microsoft.com/office/drawing/2014/main" id="{443F2ACA-E6D6-4028-82DD-F03C262D5DE6}"/>
+              </a:ext>
+              <a:ext uri="{C183D7F6-B498-43B3-948B-1728B52AA6E4}">
+                <adec:decorative xmlns:adec="http://schemas.microsoft.com/office/drawing/2017/decorative" val="1"/>
+              </a:ext>
+            </a:extLst>
+          </p:cNvPr>
+          <p:cNvSpPr>
+            <a:spLocks noGrp="1" noRot="1" noChangeAspect="1" noMove="1" noResize="1" noEditPoints="1" noAdjustHandles="1" noChangeArrowheads="1" noChangeShapeType="1" noTextEdit="1"/>
+          </p:cNvSpPr>
+          <p:nvPr>
+            <p:extLst>
+              <p:ext uri="{386F3935-93C4-4BCD-93E2-E3B085C9AB24}">
+                <p16:designElem xmlns:p16="http://schemas.microsoft.com/office/powerpoint/2015/main" val="1"/>
+              </p:ext>
+            </p:extLst>
+          </p:nvPr>
+        </p:nvSpPr>
+        <p:spPr>
+          <a:xfrm rot="5400000" flipH="1">
+            <a:off x="-1410095" y="1410079"/>
+            <a:ext cx="6858003" cy="4037835"/>
+          </a:xfrm>
+          <a:prstGeom prst="rect">
+            <a:avLst/>
+          </a:prstGeom>
+          <a:gradFill>
+            <a:gsLst>
+              <a:gs pos="0">
+                <a:srgbClr val="000000">
+                  <a:alpha val="0"/>
+                </a:srgbClr>
+              </a:gs>
+              <a:gs pos="99000">
+                <a:schemeClr val="accent1">
+                  <a:lumMod val="60000"/>
+                  <a:lumOff val="40000"/>
+                  <a:alpha val="11000"/>
+                </a:schemeClr>
+              </a:gs>
+            </a:gsLst>
+            <a:lin ang="7200000" scaled="0"/>
+          </a:gradFill>
+          <a:ln>
+            <a:noFill/>
+          </a:ln>
+        </p:spPr>
+        <p:style>
+          <a:lnRef idx="2">
+            <a:schemeClr val="accent1">
+              <a:shade val="50000"/>
+            </a:schemeClr>
+          </a:lnRef>
+          <a:fillRef idx="1">
+            <a:schemeClr val="accent1"/>
+          </a:fillRef>
+          <a:effectRef idx="0">
+            <a:schemeClr val="accent1"/>
+          </a:effectRef>
+          <a:fontRef idx="minor">
+            <a:schemeClr val="lt1"/>
+          </a:fontRef>
+        </p:style>
+        <p:txBody>
+          <a:bodyPr rtlCol="0" anchor="ctr"/>
+          <a:lstStyle/>
+          <a:p>
+            <a:pPr algn="ctr"/>
+            <a:endParaRPr lang="en-US"/>
+          </a:p>
+        </p:txBody>
+      </p:sp>
+      <p:sp>
+        <p:nvSpPr>
+          <p:cNvPr id="2" name="Title 1">
+            <a:extLst>
+              <a:ext uri="{FF2B5EF4-FFF2-40B4-BE49-F238E27FC236}">
+                <a16:creationId xmlns:a16="http://schemas.microsoft.com/office/drawing/2014/main" id="{6521FCD4-2AC1-8D58-C53E-57873F9DEDDE}"/>
+              </a:ext>
+            </a:extLst>
+          </p:cNvPr>
+          <p:cNvSpPr>
+            <a:spLocks noGrp="1"/>
+          </p:cNvSpPr>
+          <p:nvPr>
+            <p:ph type="title"/>
+          </p:nvPr>
+        </p:nvSpPr>
+        <p:spPr>
+          <a:xfrm>
+            <a:off x="586478" y="1683756"/>
+            <a:ext cx="3115265" cy="2396359"/>
+          </a:xfrm>
+        </p:spPr>
+        <p:txBody>
+          <a:bodyPr anchor="b">
+            <a:normAutofit/>
+          </a:bodyPr>
+          <a:lstStyle/>
+          <a:p>
+            <a:pPr algn="r"/>
+            <a:r>
+              <a:rPr lang="en-US" sz="4000" dirty="0">
+                <a:solidFill>
+                  <a:srgbClr val="FFFFFF"/>
+                </a:solidFill>
+              </a:rPr>
+              <a:t>Additional notes about our data</a:t>
+            </a:r>
+          </a:p>
+        </p:txBody>
+      </p:sp>
+      <p:graphicFrame>
+        <p:nvGraphicFramePr>
+          <p:cNvPr id="5" name="Content Placeholder 2">
+            <a:extLst>
+              <a:ext uri="{FF2B5EF4-FFF2-40B4-BE49-F238E27FC236}">
+                <a16:creationId xmlns:a16="http://schemas.microsoft.com/office/drawing/2014/main" id="{1D3B7DF4-2189-8182-3A66-EE09B9F0B878}"/>
+              </a:ext>
+            </a:extLst>
+          </p:cNvPr>
+          <p:cNvGraphicFramePr>
+            <a:graphicFrameLocks noGrp="1"/>
+          </p:cNvGraphicFramePr>
+          <p:nvPr>
+            <p:ph idx="1"/>
+            <p:extLst>
+              <p:ext uri="{D42A27DB-BD31-4B8C-83A1-F6EECF244321}">
+                <p14:modId xmlns:p14="http://schemas.microsoft.com/office/powerpoint/2010/main" val="1862331871"/>
+              </p:ext>
+            </p:extLst>
+          </p:nvPr>
+        </p:nvGraphicFramePr>
+        <p:xfrm>
+          <a:off x="4905052" y="750440"/>
+          <a:ext cx="6666833" cy="5453920"/>
+        </p:xfrm>
+        <a:graphic>
+          <a:graphicData uri="http://schemas.openxmlformats.org/drawingml/2006/diagram">
+            <dgm:relIds xmlns:dgm="http://schemas.openxmlformats.org/drawingml/2006/diagram" xmlns:r="http://schemas.openxmlformats.org/officeDocument/2006/relationships" r:dm="rId3" r:lo="rId4" r:qs="rId5" r:cs="rId6"/>
+          </a:graphicData>
+        </a:graphic>
+      </p:graphicFrame>
+    </p:spTree>
+    <p:extLst>
+      <p:ext uri="{BB962C8B-B14F-4D97-AF65-F5344CB8AC3E}">
+        <p14:creationId xmlns:p14="http://schemas.microsoft.com/office/powerpoint/2010/main" val="2432646171"/>
+      </p:ext>
+    </p:extLst>
+  </p:cSld>
+  <p:clrMapOvr>
+    <a:masterClrMapping/>
+  </p:clrMapOvr>
+</p:sld>
+</file>
+
+<file path=ppt/slides/slide12.xml><?xml version="1.0" encoding="utf-8"?>
+<p:sld xmlns:a="http://schemas.openxmlformats.org/drawingml/2006/main" xmlns:r="http://schemas.openxmlformats.org/officeDocument/2006/relationships" xmlns:p="http://schemas.openxmlformats.org/presentationml/2006/main">
+  <p:cSld>
+    <p:bg>
+      <p:bgPr>
+        <a:solidFill>
+          <a:schemeClr val="bg1"/>
+        </a:solidFill>
+        <a:effectLst/>
+      </p:bgPr>
+    </p:bg>
+    <p:spTree>
+      <p:nvGrpSpPr>
+        <p:cNvPr id="1" name=""/>
+        <p:cNvGrpSpPr/>
+        <p:nvPr/>
+      </p:nvGrpSpPr>
+      <p:grpSpPr>
+        <a:xfrm>
+          <a:off x="0" y="0"/>
+          <a:ext cx="0" cy="0"/>
+          <a:chOff x="0" y="0"/>
+          <a:chExt cx="0" cy="0"/>
+        </a:xfrm>
+      </p:grpSpPr>
+      <p:sp useBgFill="1">
+        <p:nvSpPr>
+          <p:cNvPr id="8" name="Rectangle 7">
+            <a:extLst>
+              <a:ext uri="{FF2B5EF4-FFF2-40B4-BE49-F238E27FC236}">
+                <a16:creationId xmlns:a16="http://schemas.microsoft.com/office/drawing/2014/main" id="{1B15ED52-F352-441B-82BF-E0EA34836D08}"/>
+              </a:ext>
+              <a:ext uri="{C183D7F6-B498-43B3-948B-1728B52AA6E4}">
+                <adec:decorative xmlns:adec="http://schemas.microsoft.com/office/drawing/2017/decorative" val="1"/>
+              </a:ext>
+            </a:extLst>
+          </p:cNvPr>
+          <p:cNvSpPr>
+            <a:spLocks noGrp="1" noRot="1" noChangeAspect="1" noMove="1" noResize="1" noEditPoints="1" noAdjustHandles="1" noChangeArrowheads="1" noChangeShapeType="1" noTextEdit="1"/>
+          </p:cNvSpPr>
+          <p:nvPr>
+            <p:extLst>
+              <p:ext uri="{386F3935-93C4-4BCD-93E2-E3B085C9AB24}">
+                <p16:designElem xmlns:p16="http://schemas.microsoft.com/office/powerpoint/2015/main" val="1"/>
+              </p:ext>
+            </p:extLst>
+          </p:nvPr>
+        </p:nvSpPr>
+        <p:spPr>
+          <a:xfrm>
+            <a:off x="0" y="0"/>
+            <a:ext cx="12192000" cy="6858000"/>
+          </a:xfrm>
+          <a:prstGeom prst="rect">
+            <a:avLst/>
+          </a:prstGeom>
+          <a:ln w="12700" cap="flat" cmpd="sng" algn="ctr">
+            <a:noFill/>
+            <a:prstDash val="solid"/>
+            <a:miter lim="800000"/>
+          </a:ln>
+          <a:effectLst/>
+          <a:extLst>
+            <a:ext uri="{91240B29-F687-4F45-9708-019B960494DF}">
+              <a14:hiddenLine xmlns:a14="http://schemas.microsoft.com/office/drawing/2010/main" w="12700" cap="flat" cmpd="sng" algn="ctr">
+                <a:solidFill>
+                  <a:schemeClr val="accent1">
+                    <a:shade val="50000"/>
+                  </a:schemeClr>
+                </a:solidFill>
+                <a:prstDash val="solid"/>
+                <a:miter lim="800000"/>
+              </a14:hiddenLine>
+            </a:ext>
+          </a:extLst>
+        </p:spPr>
+        <p:style>
+          <a:lnRef idx="2">
+            <a:schemeClr val="accent1">
+              <a:shade val="50000"/>
+            </a:schemeClr>
+          </a:lnRef>
+          <a:fillRef idx="1">
+            <a:schemeClr val="accent1"/>
+          </a:fillRef>
+          <a:effectRef idx="0">
+            <a:schemeClr val="accent1"/>
+          </a:effectRef>
+          <a:fontRef idx="minor">
+            <a:schemeClr val="lt1"/>
+          </a:fontRef>
+        </p:style>
+        <p:txBody>
+          <a:bodyPr rtlCol="0" anchor="ctr"/>
+          <a:lstStyle/>
+          <a:p>
+            <a:pPr algn="ctr"/>
+            <a:endParaRPr lang="en-US"/>
+          </a:p>
+        </p:txBody>
+      </p:sp>
+      <p:sp>
+        <p:nvSpPr>
           <p:cNvPr id="10" name="Rectangle 9">
             <a:extLst>
               <a:ext uri="{FF2B5EF4-FFF2-40B4-BE49-F238E27FC236}">
@@ -10903,8 +15247,13 @@
                   <a:srgbClr val="FFFFFF"/>
                 </a:solidFill>
               </a:rPr>
-              <a:t>Conclusion</a:t>
+              <a:t>Conclusion – Delete?</a:t>
             </a:r>
+            <a:endParaRPr lang="en-US" sz="4000" dirty="0">
+              <a:solidFill>
+                <a:srgbClr val="FFFFFF"/>
+              </a:solidFill>
+            </a:endParaRPr>
           </a:p>
         </p:txBody>
       </p:sp>
@@ -13007,7 +17356,7 @@
         </p:spPr>
         <p:txBody>
           <a:bodyPr>
-            <a:normAutofit/>
+            <a:normAutofit fontScale="90000"/>
           </a:bodyPr>
           <a:lstStyle/>
           <a:p>
@@ -13017,7 +17366,7 @@
                   <a:srgbClr val="FFFFFF"/>
                 </a:solidFill>
               </a:rPr>
-              <a:t>Important note on MSYs</a:t>
+              <a:t>Important note on Member Service Years (MSYs)</a:t>
             </a:r>
           </a:p>
         </p:txBody>
@@ -13050,15 +17399,33 @@
           </a:bodyPr>
           <a:lstStyle/>
           <a:p>
-            <a:pPr marL="0" indent="0">
-              <a:buNone/>
-            </a:pPr>
+            <a:r>
+              <a:rPr lang="en-US" dirty="0">
+                <a:latin typeface="Helvetica" pitchFamily="2" charset="0"/>
+              </a:rPr>
+              <a:t>M</a:t>
+            </a:r>
             <a:r>
               <a:rPr lang="en-US" dirty="0">
                 <a:effectLst/>
                 <a:latin typeface="Helvetica" pitchFamily="2" charset="0"/>
               </a:rPr>
-              <a:t>For member data, member service years [MSYs] (i.e., the number of days or hours members are required to serve over the course of their term to fulfill their service requirements) are summed and used in place of observed member counts to account for potential differences in service time allotments assigned to different demographic groups. </a:t>
+              <a:t>ember service years [MSYs] =  the number of days or hours members are required to serve over the course of their term to fulfill their service requirements </a:t>
+            </a:r>
+          </a:p>
+          <a:p>
+            <a:r>
+              <a:rPr lang="en-US" dirty="0">
+                <a:latin typeface="Helvetica" pitchFamily="2" charset="0"/>
+              </a:rPr>
+              <a:t>S</a:t>
+            </a:r>
+            <a:r>
+              <a:rPr lang="en-US" dirty="0">
+                <a:effectLst/>
+                <a:latin typeface="Helvetica" pitchFamily="2" charset="0"/>
+              </a:rPr>
+              <a:t>ummed and used in place of observed member counts to account for potential differences in service time allotments assigned to different demographic groups</a:t>
             </a:r>
           </a:p>
         </p:txBody>
@@ -15525,4 +19892,319 @@
     </a:ext>
   </a:extLst>
 </a:theme>
+</file>
+
+<file path=ppt/theme/theme2.xml><?xml version="1.0" encoding="utf-8"?>
+<a:theme xmlns:a="http://schemas.openxmlformats.org/drawingml/2006/main" name="Office Theme">
+  <a:themeElements>
+    <a:clrScheme name="Office">
+      <a:dk1>
+        <a:sysClr val="windowText" lastClr="000000"/>
+      </a:dk1>
+      <a:lt1>
+        <a:sysClr val="window" lastClr="FFFFFF"/>
+      </a:lt1>
+      <a:dk2>
+        <a:srgbClr val="0E2841"/>
+      </a:dk2>
+      <a:lt2>
+        <a:srgbClr val="E8E8E8"/>
+      </a:lt2>
+      <a:accent1>
+        <a:srgbClr val="156082"/>
+      </a:accent1>
+      <a:accent2>
+        <a:srgbClr val="E97132"/>
+      </a:accent2>
+      <a:accent3>
+        <a:srgbClr val="196B24"/>
+      </a:accent3>
+      <a:accent4>
+        <a:srgbClr val="0F9ED5"/>
+      </a:accent4>
+      <a:accent5>
+        <a:srgbClr val="A02B93"/>
+      </a:accent5>
+      <a:accent6>
+        <a:srgbClr val="4EA72E"/>
+      </a:accent6>
+      <a:hlink>
+        <a:srgbClr val="467886"/>
+      </a:hlink>
+      <a:folHlink>
+        <a:srgbClr val="96607D"/>
+      </a:folHlink>
+    </a:clrScheme>
+    <a:fontScheme name="Office">
+      <a:majorFont>
+        <a:latin typeface="Aptos Display" panose="02110004020202020204"/>
+        <a:ea typeface=""/>
+        <a:cs typeface=""/>
+        <a:font script="Jpan" typeface="游ゴシック Light"/>
+        <a:font script="Hang" typeface="맑은 고딕"/>
+        <a:font script="Hans" typeface="等线 Light"/>
+        <a:font script="Hant" typeface="新細明體"/>
+        <a:font script="Arab" typeface="Times New Roman"/>
+        <a:font script="Hebr" typeface="Times New Roman"/>
+        <a:font script="Thai" typeface="Angsana New"/>
+        <a:font script="Ethi" typeface="Nyala"/>
+        <a:font script="Beng" typeface="Vrinda"/>
+        <a:font script="Gujr" typeface="Shruti"/>
+        <a:font script="Khmr" typeface="MoolBoran"/>
+        <a:font script="Knda" typeface="Tunga"/>
+        <a:font script="Guru" typeface="Raavi"/>
+        <a:font script="Cans" typeface="Euphemia"/>
+        <a:font script="Cher" typeface="Plantagenet Cherokee"/>
+        <a:font script="Yiii" typeface="Microsoft Yi Baiti"/>
+        <a:font script="Tibt" typeface="Microsoft Himalaya"/>
+        <a:font script="Thaa" typeface="MV Boli"/>
+        <a:font script="Deva" typeface="Mangal"/>
+        <a:font script="Telu" typeface="Gautami"/>
+        <a:font script="Taml" typeface="Latha"/>
+        <a:font script="Syrc" typeface="Estrangelo Edessa"/>
+        <a:font script="Orya" typeface="Kalinga"/>
+        <a:font script="Mlym" typeface="Kartika"/>
+        <a:font script="Laoo" typeface="DokChampa"/>
+        <a:font script="Sinh" typeface="Iskoola Pota"/>
+        <a:font script="Mong" typeface="Mongolian Baiti"/>
+        <a:font script="Viet" typeface="Times New Roman"/>
+        <a:font script="Uigh" typeface="Microsoft Uighur"/>
+        <a:font script="Geor" typeface="Sylfaen"/>
+        <a:font script="Armn" typeface="Arial"/>
+        <a:font script="Bugi" typeface="Leelawadee UI"/>
+        <a:font script="Bopo" typeface="Microsoft JhengHei"/>
+        <a:font script="Java" typeface="Javanese Text"/>
+        <a:font script="Lisu" typeface="Segoe UI"/>
+        <a:font script="Mymr" typeface="Myanmar Text"/>
+        <a:font script="Nkoo" typeface="Ebrima"/>
+        <a:font script="Olck" typeface="Nirmala UI"/>
+        <a:font script="Osma" typeface="Ebrima"/>
+        <a:font script="Phag" typeface="Phagspa"/>
+        <a:font script="Syrn" typeface="Estrangelo Edessa"/>
+        <a:font script="Syrj" typeface="Estrangelo Edessa"/>
+        <a:font script="Syre" typeface="Estrangelo Edessa"/>
+        <a:font script="Sora" typeface="Nirmala UI"/>
+        <a:font script="Tale" typeface="Microsoft Tai Le"/>
+        <a:font script="Talu" typeface="Microsoft New Tai Lue"/>
+        <a:font script="Tfng" typeface="Ebrima"/>
+      </a:majorFont>
+      <a:minorFont>
+        <a:latin typeface="Aptos" panose="02110004020202020204"/>
+        <a:ea typeface=""/>
+        <a:cs typeface=""/>
+        <a:font script="Jpan" typeface="游ゴシック"/>
+        <a:font script="Hang" typeface="맑은 고딕"/>
+        <a:font script="Hans" typeface="等线"/>
+        <a:font script="Hant" typeface="新細明體"/>
+        <a:font script="Arab" typeface="Arial"/>
+        <a:font script="Hebr" typeface="Arial"/>
+        <a:font script="Thai" typeface="Cordia New"/>
+        <a:font script="Ethi" typeface="Nyala"/>
+        <a:font script="Beng" typeface="Vrinda"/>
+        <a:font script="Gujr" typeface="Shruti"/>
+        <a:font script="Khmr" typeface="DaunPenh"/>
+        <a:font script="Knda" typeface="Tunga"/>
+        <a:font script="Guru" typeface="Raavi"/>
+        <a:font script="Cans" typeface="Euphemia"/>
+        <a:font script="Cher" typeface="Plantagenet Cherokee"/>
+        <a:font script="Yiii" typeface="Microsoft Yi Baiti"/>
+        <a:font script="Tibt" typeface="Microsoft Himalaya"/>
+        <a:font script="Thaa" typeface="MV Boli"/>
+        <a:font script="Deva" typeface="Mangal"/>
+        <a:font script="Telu" typeface="Gautami"/>
+        <a:font script="Taml" typeface="Latha"/>
+        <a:font script="Syrc" typeface="Estrangelo Edessa"/>
+        <a:font script="Orya" typeface="Kalinga"/>
+        <a:font script="Mlym" typeface="Kartika"/>
+        <a:font script="Laoo" typeface="DokChampa"/>
+        <a:font script="Sinh" typeface="Iskoola Pota"/>
+        <a:font script="Mong" typeface="Mongolian Baiti"/>
+        <a:font script="Viet" typeface="Arial"/>
+        <a:font script="Uigh" typeface="Microsoft Uighur"/>
+        <a:font script="Geor" typeface="Sylfaen"/>
+        <a:font script="Armn" typeface="Arial"/>
+        <a:font script="Bugi" typeface="Leelawadee UI"/>
+        <a:font script="Bopo" typeface="Microsoft JhengHei"/>
+        <a:font script="Java" typeface="Javanese Text"/>
+        <a:font script="Lisu" typeface="Segoe UI"/>
+        <a:font script="Mymr" typeface="Myanmar Text"/>
+        <a:font script="Nkoo" typeface="Ebrima"/>
+        <a:font script="Olck" typeface="Nirmala UI"/>
+        <a:font script="Osma" typeface="Ebrima"/>
+        <a:font script="Phag" typeface="Phagspa"/>
+        <a:font script="Syrn" typeface="Estrangelo Edessa"/>
+        <a:font script="Syrj" typeface="Estrangelo Edessa"/>
+        <a:font script="Syre" typeface="Estrangelo Edessa"/>
+        <a:font script="Sora" typeface="Nirmala UI"/>
+        <a:font script="Tale" typeface="Microsoft Tai Le"/>
+        <a:font script="Talu" typeface="Microsoft New Tai Lue"/>
+        <a:font script="Tfng" typeface="Ebrima"/>
+      </a:minorFont>
+    </a:fontScheme>
+    <a:fmtScheme name="Office">
+      <a:fillStyleLst>
+        <a:solidFill>
+          <a:schemeClr val="phClr"/>
+        </a:solidFill>
+        <a:gradFill rotWithShape="1">
+          <a:gsLst>
+            <a:gs pos="0">
+              <a:schemeClr val="phClr">
+                <a:lumMod val="110000"/>
+                <a:satMod val="105000"/>
+                <a:tint val="67000"/>
+              </a:schemeClr>
+            </a:gs>
+            <a:gs pos="50000">
+              <a:schemeClr val="phClr">
+                <a:lumMod val="105000"/>
+                <a:satMod val="103000"/>
+                <a:tint val="73000"/>
+              </a:schemeClr>
+            </a:gs>
+            <a:gs pos="100000">
+              <a:schemeClr val="phClr">
+                <a:lumMod val="105000"/>
+                <a:satMod val="109000"/>
+                <a:tint val="81000"/>
+              </a:schemeClr>
+            </a:gs>
+          </a:gsLst>
+          <a:lin ang="5400000" scaled="0"/>
+        </a:gradFill>
+        <a:gradFill rotWithShape="1">
+          <a:gsLst>
+            <a:gs pos="0">
+              <a:schemeClr val="phClr">
+                <a:satMod val="103000"/>
+                <a:lumMod val="102000"/>
+                <a:tint val="94000"/>
+              </a:schemeClr>
+            </a:gs>
+            <a:gs pos="50000">
+              <a:schemeClr val="phClr">
+                <a:satMod val="110000"/>
+                <a:lumMod val="100000"/>
+                <a:shade val="100000"/>
+              </a:schemeClr>
+            </a:gs>
+            <a:gs pos="100000">
+              <a:schemeClr val="phClr">
+                <a:lumMod val="99000"/>
+                <a:satMod val="120000"/>
+                <a:shade val="78000"/>
+              </a:schemeClr>
+            </a:gs>
+          </a:gsLst>
+          <a:lin ang="5400000" scaled="0"/>
+        </a:gradFill>
+      </a:fillStyleLst>
+      <a:lnStyleLst>
+        <a:ln w="12700" cap="flat" cmpd="sng" algn="ctr">
+          <a:solidFill>
+            <a:schemeClr val="phClr"/>
+          </a:solidFill>
+          <a:prstDash val="solid"/>
+          <a:miter lim="800000"/>
+        </a:ln>
+        <a:ln w="19050" cap="flat" cmpd="sng" algn="ctr">
+          <a:solidFill>
+            <a:schemeClr val="phClr"/>
+          </a:solidFill>
+          <a:prstDash val="solid"/>
+          <a:miter lim="800000"/>
+        </a:ln>
+        <a:ln w="25400" cap="flat" cmpd="sng" algn="ctr">
+          <a:solidFill>
+            <a:schemeClr val="phClr"/>
+          </a:solidFill>
+          <a:prstDash val="solid"/>
+          <a:miter lim="800000"/>
+        </a:ln>
+      </a:lnStyleLst>
+      <a:effectStyleLst>
+        <a:effectStyle>
+          <a:effectLst/>
+        </a:effectStyle>
+        <a:effectStyle>
+          <a:effectLst/>
+        </a:effectStyle>
+        <a:effectStyle>
+          <a:effectLst>
+            <a:outerShdw blurRad="57150" dist="19050" dir="5400000" algn="ctr" rotWithShape="0">
+              <a:srgbClr val="000000">
+                <a:alpha val="63000"/>
+              </a:srgbClr>
+            </a:outerShdw>
+          </a:effectLst>
+        </a:effectStyle>
+      </a:effectStyleLst>
+      <a:bgFillStyleLst>
+        <a:solidFill>
+          <a:schemeClr val="phClr"/>
+        </a:solidFill>
+        <a:solidFill>
+          <a:schemeClr val="phClr">
+            <a:tint val="95000"/>
+            <a:satMod val="170000"/>
+          </a:schemeClr>
+        </a:solidFill>
+        <a:gradFill rotWithShape="1">
+          <a:gsLst>
+            <a:gs pos="0">
+              <a:schemeClr val="phClr">
+                <a:tint val="93000"/>
+                <a:satMod val="150000"/>
+                <a:shade val="98000"/>
+                <a:lumMod val="102000"/>
+              </a:schemeClr>
+            </a:gs>
+            <a:gs pos="50000">
+              <a:schemeClr val="phClr">
+                <a:tint val="98000"/>
+                <a:satMod val="130000"/>
+                <a:shade val="90000"/>
+                <a:lumMod val="103000"/>
+              </a:schemeClr>
+            </a:gs>
+            <a:gs pos="100000">
+              <a:schemeClr val="phClr">
+                <a:shade val="63000"/>
+                <a:satMod val="120000"/>
+              </a:schemeClr>
+            </a:gs>
+          </a:gsLst>
+          <a:lin ang="5400000" scaled="0"/>
+        </a:gradFill>
+      </a:bgFillStyleLst>
+    </a:fmtScheme>
+  </a:themeElements>
+  <a:objectDefaults>
+    <a:lnDef>
+      <a:spPr/>
+      <a:bodyPr/>
+      <a:lstStyle/>
+      <a:style>
+        <a:lnRef idx="2">
+          <a:schemeClr val="accent1"/>
+        </a:lnRef>
+        <a:fillRef idx="0">
+          <a:schemeClr val="accent1"/>
+        </a:fillRef>
+        <a:effectRef idx="1">
+          <a:schemeClr val="accent1"/>
+        </a:effectRef>
+        <a:fontRef idx="minor">
+          <a:schemeClr val="tx1"/>
+        </a:fontRef>
+      </a:style>
+    </a:lnDef>
+  </a:objectDefaults>
+  <a:extraClrSchemeLst/>
+  <a:extLst>
+    <a:ext uri="{05A4C25C-085E-4340-85A3-A5531E510DB2}">
+      <thm15:themeFamily xmlns:thm15="http://schemas.microsoft.com/office/thememl/2012/main" name="Office Theme" id="{2E142A2C-CD16-42D6-873A-C26D2A0506FA}" vid="{1BDDFF52-6CD6-40A5-AB3C-68EB2F1E4D0A}"/>
+    </a:ext>
+  </a:extLst>
+</a:theme>
 </file>
--- a/AmeriCorps EDA.pptx
+++ b/AmeriCorps EDA.pptx
@@ -3305,7 +3305,7 @@
         <a:p>
           <a:r>
             <a:rPr lang="en-US" dirty="0"/>
-            <a:t>AmeriCorps consists of </a:t>
+            <a:t>The overall distribution of race within AmeriCorps programs seems reflective of the distribution of race in the country at large.</a:t>
           </a:r>
         </a:p>
       </dgm:t>
@@ -3341,7 +3341,7 @@
         <a:p>
           <a:r>
             <a:rPr lang="en-US" dirty="0"/>
-            <a:t>AmeriCorps aims for its volunteers to be representative both of the nation and of the communities it serves</a:t>
+            <a:t>AmeriCorps Seniors programs, especially RSVP, recruit most of the volunteers across the country.</a:t>
           </a:r>
         </a:p>
       </dgm:t>
@@ -3376,8 +3376,8 @@
         <a:lstStyle/>
         <a:p>
           <a:r>
-            <a:rPr lang="en-US"/>
-            <a:t>The data seems to indicate it is not quite reflective</a:t>
+            <a:rPr lang="en-US" dirty="0"/>
+            <a:t>Using a dataset without the ability to ask the researcher about how they collected and calculated the results made it a challenge to answer all the questions.</a:t>
           </a:r>
         </a:p>
       </dgm:t>
@@ -3429,7 +3429,7 @@
       <dgm:spPr/>
     </dgm:pt>
     <dgm:pt modelId="{A95AA38C-F4CE-4149-BDA0-D45CAD85FED6}" type="pres">
-      <dgm:prSet presAssocID="{A9D11C59-9B34-44F5-808D-153665E05956}" presName="text" presStyleLbl="fgAcc0" presStyleIdx="0" presStyleCnt="3">
+      <dgm:prSet presAssocID="{A9D11C59-9B34-44F5-808D-153665E05956}" presName="text" presStyleLbl="fgAcc0" presStyleIdx="0" presStyleCnt="3" custScaleY="148658">
         <dgm:presLayoutVars>
           <dgm:chPref val="3"/>
         </dgm:presLayoutVars>
@@ -3453,7 +3453,7 @@
       <dgm:spPr/>
     </dgm:pt>
     <dgm:pt modelId="{88E4D484-02A0-0243-9E50-51F5AB434A48}" type="pres">
-      <dgm:prSet presAssocID="{E0B4AEC9-97E8-4024-A40E-CC2A1DA1E2BD}" presName="text" presStyleLbl="fgAcc0" presStyleIdx="1" presStyleCnt="3">
+      <dgm:prSet presAssocID="{E0B4AEC9-97E8-4024-A40E-CC2A1DA1E2BD}" presName="text" presStyleLbl="fgAcc0" presStyleIdx="1" presStyleCnt="3" custScaleY="142037">
         <dgm:presLayoutVars>
           <dgm:chPref val="3"/>
         </dgm:presLayoutVars>
@@ -3477,7 +3477,7 @@
       <dgm:spPr/>
     </dgm:pt>
     <dgm:pt modelId="{5E94A23F-919B-7B41-A4ED-1324ADFDEAE8}" type="pres">
-      <dgm:prSet presAssocID="{1AC7B2F4-7DC6-4780-96A1-07A2A35F7DB7}" presName="text" presStyleLbl="fgAcc0" presStyleIdx="2" presStyleCnt="3">
+      <dgm:prSet presAssocID="{1AC7B2F4-7DC6-4780-96A1-07A2A35F7DB7}" presName="text" presStyleLbl="fgAcc0" presStyleIdx="2" presStyleCnt="3" custScaleY="156068">
         <dgm:presLayoutVars>
           <dgm:chPref val="3"/>
         </dgm:presLayoutVars>
@@ -4638,8 +4638,8 @@
       </dsp:nvSpPr>
       <dsp:spPr>
         <a:xfrm>
-          <a:off x="0" y="740056"/>
-          <a:ext cx="3043237" cy="1932455"/>
+          <a:off x="0" y="198311"/>
+          <a:ext cx="3043237" cy="2872750"/>
         </a:xfrm>
         <a:prstGeom prst="roundRect">
           <a:avLst>
@@ -4690,8 +4690,8 @@
       </dsp:nvSpPr>
       <dsp:spPr>
         <a:xfrm>
-          <a:off x="338137" y="1061286"/>
-          <a:ext cx="3043237" cy="1932455"/>
+          <a:off x="338137" y="519542"/>
+          <a:ext cx="3043237" cy="2872750"/>
         </a:xfrm>
         <a:prstGeom prst="roundRect">
           <a:avLst>
@@ -4734,12 +4734,12 @@
         <a:fontRef idx="minor"/>
       </dsp:style>
       <dsp:txBody>
-        <a:bodyPr spcFirstLastPara="0" vert="horz" wrap="square" lIns="83820" tIns="83820" rIns="83820" bIns="83820" numCol="1" spcCol="1270" anchor="ctr" anchorCtr="0">
+        <a:bodyPr spcFirstLastPara="0" vert="horz" wrap="square" lIns="80010" tIns="80010" rIns="80010" bIns="80010" numCol="1" spcCol="1270" anchor="ctr" anchorCtr="0">
           <a:noAutofit/>
         </a:bodyPr>
         <a:lstStyle/>
         <a:p>
-          <a:pPr marL="0" lvl="0" indent="0" algn="ctr" defTabSz="977900">
+          <a:pPr marL="0" lvl="0" indent="0" algn="ctr" defTabSz="933450">
             <a:lnSpc>
               <a:spcPct val="90000"/>
             </a:lnSpc>
@@ -4752,14 +4752,14 @@
             <a:buNone/>
           </a:pPr>
           <a:r>
-            <a:rPr lang="en-US" sz="2200" kern="1200" dirty="0"/>
-            <a:t>AmeriCorps consists of </a:t>
+            <a:rPr lang="en-US" sz="2100" kern="1200" dirty="0"/>
+            <a:t>The overall distribution of race within AmeriCorps programs seems reflective of the distribution of race in the country at large.</a:t>
           </a:r>
         </a:p>
       </dsp:txBody>
       <dsp:txXfrm>
-        <a:off x="394737" y="1117886"/>
-        <a:ext cx="2930037" cy="1819255"/>
+        <a:off x="422277" y="603682"/>
+        <a:ext cx="2874957" cy="2704470"/>
       </dsp:txXfrm>
     </dsp:sp>
     <dsp:sp modelId="{48450776-B67F-1D4B-9872-F552C1CA04AD}">
@@ -4769,8 +4769,8 @@
       </dsp:nvSpPr>
       <dsp:spPr>
         <a:xfrm>
-          <a:off x="3719512" y="740056"/>
-          <a:ext cx="3043237" cy="1932455"/>
+          <a:off x="3719512" y="198311"/>
+          <a:ext cx="3043237" cy="2744802"/>
         </a:xfrm>
         <a:prstGeom prst="roundRect">
           <a:avLst>
@@ -4821,8 +4821,8 @@
       </dsp:nvSpPr>
       <dsp:spPr>
         <a:xfrm>
-          <a:off x="4057650" y="1061286"/>
-          <a:ext cx="3043237" cy="1932455"/>
+          <a:off x="4057650" y="519542"/>
+          <a:ext cx="3043237" cy="2744802"/>
         </a:xfrm>
         <a:prstGeom prst="roundRect">
           <a:avLst>
@@ -4865,12 +4865,12 @@
         <a:fontRef idx="minor"/>
       </dsp:style>
       <dsp:txBody>
-        <a:bodyPr spcFirstLastPara="0" vert="horz" wrap="square" lIns="83820" tIns="83820" rIns="83820" bIns="83820" numCol="1" spcCol="1270" anchor="ctr" anchorCtr="0">
+        <a:bodyPr spcFirstLastPara="0" vert="horz" wrap="square" lIns="80010" tIns="80010" rIns="80010" bIns="80010" numCol="1" spcCol="1270" anchor="ctr" anchorCtr="0">
           <a:noAutofit/>
         </a:bodyPr>
         <a:lstStyle/>
         <a:p>
-          <a:pPr marL="0" lvl="0" indent="0" algn="ctr" defTabSz="977900">
+          <a:pPr marL="0" lvl="0" indent="0" algn="ctr" defTabSz="933450">
             <a:lnSpc>
               <a:spcPct val="90000"/>
             </a:lnSpc>
@@ -4883,14 +4883,14 @@
             <a:buNone/>
           </a:pPr>
           <a:r>
-            <a:rPr lang="en-US" sz="2200" kern="1200" dirty="0"/>
-            <a:t>AmeriCorps aims for its volunteers to be representative both of the nation and of the communities it serves</a:t>
+            <a:rPr lang="en-US" sz="2100" kern="1200" dirty="0"/>
+            <a:t>AmeriCorps Seniors programs, especially RSVP, recruit most of the volunteers across the country.</a:t>
           </a:r>
         </a:p>
       </dsp:txBody>
       <dsp:txXfrm>
-        <a:off x="4114250" y="1117886"/>
-        <a:ext cx="2930037" cy="1819255"/>
+        <a:off x="4138043" y="599935"/>
+        <a:ext cx="2882451" cy="2584016"/>
       </dsp:txXfrm>
     </dsp:sp>
     <dsp:sp modelId="{87665FC5-60E4-8746-90E3-A53C4ACFE3CA}">
@@ -4900,8 +4900,8 @@
       </dsp:nvSpPr>
       <dsp:spPr>
         <a:xfrm>
-          <a:off x="7439025" y="740056"/>
-          <a:ext cx="3043237" cy="1932455"/>
+          <a:off x="7439025" y="198311"/>
+          <a:ext cx="3043237" cy="3015945"/>
         </a:xfrm>
         <a:prstGeom prst="roundRect">
           <a:avLst>
@@ -4952,8 +4952,8 @@
       </dsp:nvSpPr>
       <dsp:spPr>
         <a:xfrm>
-          <a:off x="7777162" y="1061286"/>
-          <a:ext cx="3043237" cy="1932455"/>
+          <a:off x="7777162" y="519542"/>
+          <a:ext cx="3043237" cy="3015945"/>
         </a:xfrm>
         <a:prstGeom prst="roundRect">
           <a:avLst>
@@ -4996,12 +4996,12 @@
         <a:fontRef idx="minor"/>
       </dsp:style>
       <dsp:txBody>
-        <a:bodyPr spcFirstLastPara="0" vert="horz" wrap="square" lIns="83820" tIns="83820" rIns="83820" bIns="83820" numCol="1" spcCol="1270" anchor="ctr" anchorCtr="0">
+        <a:bodyPr spcFirstLastPara="0" vert="horz" wrap="square" lIns="80010" tIns="80010" rIns="80010" bIns="80010" numCol="1" spcCol="1270" anchor="ctr" anchorCtr="0">
           <a:noAutofit/>
         </a:bodyPr>
         <a:lstStyle/>
         <a:p>
-          <a:pPr marL="0" lvl="0" indent="0" algn="ctr" defTabSz="977900">
+          <a:pPr marL="0" lvl="0" indent="0" algn="ctr" defTabSz="933450">
             <a:lnSpc>
               <a:spcPct val="90000"/>
             </a:lnSpc>
@@ -5014,14 +5014,14 @@
             <a:buNone/>
           </a:pPr>
           <a:r>
-            <a:rPr lang="en-US" sz="2200" kern="1200"/>
-            <a:t>The data seems to indicate it is not quite reflective</a:t>
+            <a:rPr lang="en-US" sz="2100" kern="1200" dirty="0"/>
+            <a:t>Using a dataset without the ability to ask the researcher about how they collected and calculated the results made it a challenge to answer all the questions.</a:t>
           </a:r>
         </a:p>
       </dsp:txBody>
       <dsp:txXfrm>
-        <a:off x="7833762" y="1117886"/>
-        <a:ext cx="2930037" cy="1819255"/>
+        <a:off x="7865496" y="607876"/>
+        <a:ext cx="2866569" cy="2839277"/>
       </dsp:txXfrm>
     </dsp:sp>
   </dsp:spTree>
@@ -9147,7 +9147,7 @@
           <a:p>
             <a:fld id="{9EA15531-4E7C-C843-819F-5BCD9D824D42}" type="datetimeFigureOut">
               <a:rPr lang="en-US" smtClean="0"/>
-              <a:t>10/20/24</a:t>
+              <a:t>10/21/24</a:t>
             </a:fld>
             <a:endParaRPr lang="en-US"/>
           </a:p>
@@ -9460,7 +9460,19 @@
           <a:p>
             <a:r>
               <a:rPr lang="en-US" dirty="0"/>
-              <a:t>The purpose of this data is for AmeriCorps to be able to determine how well they are doing recruiting a volunteer force that is representative of the communities they serve. Although which do determine and provide in these results in the data, we were unable to understand how they were comparing Member Service Years to actual counts of people. We used the available open-source analysis procedure documents provided with the data set, but ultimately, there were inconsistencies in the way the numbers were recorded in the data that we could not explain. We concluded that if we worked for the agency and could ask those clarifying questions, the data would likely support answering these questions. But without understanding that conversion element from MSYs to counts, in order to then be able to reference census population numbers, we could not. </a:t>
+              <a:t>This slide is not race based, just program office by region.</a:t>
+            </a:r>
+          </a:p>
+          <a:p>
+            <a:r>
+              <a:rPr lang="en-US" dirty="0"/>
+              <a:t>NCCC is missing because it has less than 2000 total MSYs.</a:t>
+            </a:r>
+          </a:p>
+          <a:p>
+            <a:r>
+              <a:rPr lang="en-US" dirty="0"/>
+              <a:t>RSVP volunteers massively outnumber the rest.</a:t>
             </a:r>
           </a:p>
         </p:txBody>
@@ -9482,7 +9494,7 @@
           <a:p>
             <a:fld id="{654BC42A-6F10-1642-90D3-0ECB30810FE4}" type="slidenum">
               <a:rPr lang="en-US" smtClean="0"/>
-              <a:t>10</a:t>
+              <a:t>9</a:t>
             </a:fld>
             <a:endParaRPr lang="en-US"/>
           </a:p>
@@ -9491,7 +9503,7 @@
     </p:spTree>
     <p:extLst>
       <p:ext uri="{BB962C8B-B14F-4D97-AF65-F5344CB8AC3E}">
-        <p14:creationId xmlns:p14="http://schemas.microsoft.com/office/powerpoint/2010/main" val="2588628743"/>
+        <p14:creationId xmlns:p14="http://schemas.microsoft.com/office/powerpoint/2010/main" val="4058462794"/>
       </p:ext>
     </p:extLst>
   </p:cSld>
@@ -9547,7 +9559,94 @@
           <a:p>
             <a:r>
               <a:rPr lang="en-US" dirty="0"/>
-              <a:t>This was a very large dataset with wide ranging information included. A particularly tricky element was the inclusion of summary rows. Inclusion of these rows in our initial examination of the data caused duplicate entries and incorrect evaluations.</a:t>
+              <a:t>The purpose of this data is for AmeriCorps to be able to determine how well they are doing recruiting a volunteer force that is representative of the communities they serve. Although they do determine and provide in these results in the data, we were unable to understand how they were comparing Member Service Years to actual counts of people. We used the available open-source analysis procedure documents provided with the data set, but ultimately, there were inconsistencies in the way the numbers were recorded in the data that we could not explain. For example, the Census Population Total numbers were different between different observations for the same state. We concluded that if we worked for the agency and could ask those clarifying questions, the data would likely support answering these questions. But without understanding that conversion element from MSYs to counts, in order to then be able to reference census population numbers, we could not. </a:t>
+            </a:r>
+          </a:p>
+        </p:txBody>
+      </p:sp>
+      <p:sp>
+        <p:nvSpPr>
+          <p:cNvPr id="4" name="Slide Number Placeholder 3"/>
+          <p:cNvSpPr>
+            <a:spLocks noGrp="1"/>
+          </p:cNvSpPr>
+          <p:nvPr>
+            <p:ph type="sldNum" sz="quarter" idx="5"/>
+          </p:nvPr>
+        </p:nvSpPr>
+        <p:spPr/>
+        <p:txBody>
+          <a:bodyPr/>
+          <a:lstStyle/>
+          <a:p>
+            <a:fld id="{654BC42A-6F10-1642-90D3-0ECB30810FE4}" type="slidenum">
+              <a:rPr lang="en-US" smtClean="0"/>
+              <a:t>10</a:t>
+            </a:fld>
+            <a:endParaRPr lang="en-US"/>
+          </a:p>
+        </p:txBody>
+      </p:sp>
+    </p:spTree>
+    <p:extLst>
+      <p:ext uri="{BB962C8B-B14F-4D97-AF65-F5344CB8AC3E}">
+        <p14:creationId xmlns:p14="http://schemas.microsoft.com/office/powerpoint/2010/main" val="2588628743"/>
+      </p:ext>
+    </p:extLst>
+  </p:cSld>
+  <p:clrMapOvr>
+    <a:masterClrMapping/>
+  </p:clrMapOvr>
+</p:notes>
+</file>
+
+<file path=ppt/notesSlides/notesSlide3.xml><?xml version="1.0" encoding="utf-8"?>
+<p:notes xmlns:a="http://schemas.openxmlformats.org/drawingml/2006/main" xmlns:r="http://schemas.openxmlformats.org/officeDocument/2006/relationships" xmlns:p="http://schemas.openxmlformats.org/presentationml/2006/main">
+  <p:cSld>
+    <p:spTree>
+      <p:nvGrpSpPr>
+        <p:cNvPr id="1" name=""/>
+        <p:cNvGrpSpPr/>
+        <p:nvPr/>
+      </p:nvGrpSpPr>
+      <p:grpSpPr>
+        <a:xfrm>
+          <a:off x="0" y="0"/>
+          <a:ext cx="0" cy="0"/>
+          <a:chOff x="0" y="0"/>
+          <a:chExt cx="0" cy="0"/>
+        </a:xfrm>
+      </p:grpSpPr>
+      <p:sp>
+        <p:nvSpPr>
+          <p:cNvPr id="2" name="Slide Image Placeholder 1"/>
+          <p:cNvSpPr>
+            <a:spLocks noGrp="1" noRot="1" noChangeAspect="1"/>
+          </p:cNvSpPr>
+          <p:nvPr>
+            <p:ph type="sldImg"/>
+          </p:nvPr>
+        </p:nvSpPr>
+        <p:spPr/>
+      </p:sp>
+      <p:sp>
+        <p:nvSpPr>
+          <p:cNvPr id="3" name="Notes Placeholder 2"/>
+          <p:cNvSpPr>
+            <a:spLocks noGrp="1"/>
+          </p:cNvSpPr>
+          <p:nvPr>
+            <p:ph type="body" idx="1"/>
+          </p:nvPr>
+        </p:nvSpPr>
+        <p:spPr/>
+        <p:txBody>
+          <a:bodyPr/>
+          <a:lstStyle/>
+          <a:p>
+            <a:r>
+              <a:rPr lang="en-US" dirty="0"/>
+              <a:t>This was a very large dataset with wide ranging information included. A particularly tricky element was the inclusion of summary rows. Inclusion of these rows in our initial examination of the data caused duplicate entries and incorrect evaluations. </a:t>
             </a:r>
           </a:p>
         </p:txBody>
@@ -9735,7 +9834,7 @@
           <a:p>
             <a:fld id="{6004D711-28DD-1248-858B-9A1F4978A960}" type="datetimeFigureOut">
               <a:rPr lang="en-US" smtClean="0"/>
-              <a:t>10/20/24</a:t>
+              <a:t>10/21/24</a:t>
             </a:fld>
             <a:endParaRPr lang="en-US"/>
           </a:p>
@@ -9933,7 +10032,7 @@
           <a:p>
             <a:fld id="{6004D711-28DD-1248-858B-9A1F4978A960}" type="datetimeFigureOut">
               <a:rPr lang="en-US" smtClean="0"/>
-              <a:t>10/20/24</a:t>
+              <a:t>10/21/24</a:t>
             </a:fld>
             <a:endParaRPr lang="en-US"/>
           </a:p>
@@ -10141,7 +10240,7 @@
           <a:p>
             <a:fld id="{6004D711-28DD-1248-858B-9A1F4978A960}" type="datetimeFigureOut">
               <a:rPr lang="en-US" smtClean="0"/>
-              <a:t>10/20/24</a:t>
+              <a:t>10/21/24</a:t>
             </a:fld>
             <a:endParaRPr lang="en-US"/>
           </a:p>
@@ -10339,7 +10438,7 @@
           <a:p>
             <a:fld id="{6004D711-28DD-1248-858B-9A1F4978A960}" type="datetimeFigureOut">
               <a:rPr lang="en-US" smtClean="0"/>
-              <a:t>10/20/24</a:t>
+              <a:t>10/21/24</a:t>
             </a:fld>
             <a:endParaRPr lang="en-US"/>
           </a:p>
@@ -10614,7 +10713,7 @@
           <a:p>
             <a:fld id="{6004D711-28DD-1248-858B-9A1F4978A960}" type="datetimeFigureOut">
               <a:rPr lang="en-US" smtClean="0"/>
-              <a:t>10/20/24</a:t>
+              <a:t>10/21/24</a:t>
             </a:fld>
             <a:endParaRPr lang="en-US"/>
           </a:p>
@@ -10879,7 +10978,7 @@
           <a:p>
             <a:fld id="{6004D711-28DD-1248-858B-9A1F4978A960}" type="datetimeFigureOut">
               <a:rPr lang="en-US" smtClean="0"/>
-              <a:t>10/20/24</a:t>
+              <a:t>10/21/24</a:t>
             </a:fld>
             <a:endParaRPr lang="en-US"/>
           </a:p>
@@ -11291,7 +11390,7 @@
           <a:p>
             <a:fld id="{6004D711-28DD-1248-858B-9A1F4978A960}" type="datetimeFigureOut">
               <a:rPr lang="en-US" smtClean="0"/>
-              <a:t>10/20/24</a:t>
+              <a:t>10/21/24</a:t>
             </a:fld>
             <a:endParaRPr lang="en-US"/>
           </a:p>
@@ -11432,7 +11531,7 @@
           <a:p>
             <a:fld id="{6004D711-28DD-1248-858B-9A1F4978A960}" type="datetimeFigureOut">
               <a:rPr lang="en-US" smtClean="0"/>
-              <a:t>10/20/24</a:t>
+              <a:t>10/21/24</a:t>
             </a:fld>
             <a:endParaRPr lang="en-US"/>
           </a:p>
@@ -11545,7 +11644,7 @@
           <a:p>
             <a:fld id="{6004D711-28DD-1248-858B-9A1F4978A960}" type="datetimeFigureOut">
               <a:rPr lang="en-US" smtClean="0"/>
-              <a:t>10/20/24</a:t>
+              <a:t>10/21/24</a:t>
             </a:fld>
             <a:endParaRPr lang="en-US"/>
           </a:p>
@@ -11856,7 +11955,7 @@
           <a:p>
             <a:fld id="{6004D711-28DD-1248-858B-9A1F4978A960}" type="datetimeFigureOut">
               <a:rPr lang="en-US" smtClean="0"/>
-              <a:t>10/20/24</a:t>
+              <a:t>10/21/24</a:t>
             </a:fld>
             <a:endParaRPr lang="en-US"/>
           </a:p>
@@ -12144,7 +12243,7 @@
           <a:p>
             <a:fld id="{6004D711-28DD-1248-858B-9A1F4978A960}" type="datetimeFigureOut">
               <a:rPr lang="en-US" smtClean="0"/>
-              <a:t>10/20/24</a:t>
+              <a:t>10/21/24</a:t>
             </a:fld>
             <a:endParaRPr lang="en-US"/>
           </a:p>
@@ -12385,7 +12484,7 @@
           <a:p>
             <a:fld id="{6004D711-28DD-1248-858B-9A1F4978A960}" type="datetimeFigureOut">
               <a:rPr lang="en-US" smtClean="0"/>
-              <a:t>10/20/24</a:t>
+              <a:t>10/21/24</a:t>
             </a:fld>
             <a:endParaRPr lang="en-US"/>
           </a:p>
@@ -15242,18 +15341,13 @@
           <a:lstStyle/>
           <a:p>
             <a:r>
-              <a:rPr lang="en-US" sz="4000">
+              <a:rPr lang="en-US" sz="4000" dirty="0">
                 <a:solidFill>
                   <a:srgbClr val="FFFFFF"/>
                 </a:solidFill>
               </a:rPr>
-              <a:t>Conclusion – Delete?</a:t>
+              <a:t>Conclusions</a:t>
             </a:r>
-            <a:endParaRPr lang="en-US" sz="4000" dirty="0">
-              <a:solidFill>
-                <a:srgbClr val="FFFFFF"/>
-              </a:solidFill>
-            </a:endParaRPr>
           </a:p>
         </p:txBody>
       </p:sp>
@@ -15272,7 +15366,7 @@
           <p:nvPr>
             <p:extLst>
               <p:ext uri="{D42A27DB-BD31-4B8C-83A1-F6EECF244321}">
-                <p14:modId xmlns:p14="http://schemas.microsoft.com/office/powerpoint/2010/main" val="645221393"/>
+                <p14:modId xmlns:p14="http://schemas.microsoft.com/office/powerpoint/2010/main" val="588437378"/>
               </p:ext>
             </p:extLst>
           </p:nvPr>
@@ -15466,15 +15560,7 @@
           <a:p>
             <a:r>
               <a:rPr lang="en-US" sz="2000" dirty="0"/>
-              <a:t>US Federal agency that “brings people together to </a:t>
-            </a:r>
-            <a:r>
-              <a:rPr lang="en-US" sz="2000" dirty="0" err="1"/>
-              <a:t>tacke</a:t>
-            </a:r>
-            <a:r>
-              <a:rPr lang="en-US" sz="2000" dirty="0"/>
-              <a:t> the country’s most pressing challenges through national service and volunteering.”</a:t>
+              <a:t>US Federal agency that “brings people together to tackle the country’s most pressing challenges through national service and volunteering.”</a:t>
             </a:r>
           </a:p>
           <a:p>
@@ -15521,15 +15607,7 @@
             <a:pPr lvl="1"/>
             <a:r>
               <a:rPr lang="en-US" sz="2000" dirty="0"/>
-              <a:t>Foster </a:t>
-            </a:r>
-            <a:r>
-              <a:rPr lang="en-US" sz="2000" dirty="0" err="1"/>
-              <a:t>Granparent</a:t>
-            </a:r>
-            <a:r>
-              <a:rPr lang="en-US" sz="2000" dirty="0"/>
-              <a:t> Program</a:t>
+              <a:t>Foster Grandparent Program</a:t>
             </a:r>
           </a:p>
           <a:p>
@@ -19551,7 +19629,7 @@
           <p:nvPr/>
         </p:nvPicPr>
         <p:blipFill>
-          <a:blip r:embed="rId2"/>
+          <a:blip r:embed="rId3"/>
           <a:stretch>
             <a:fillRect/>
           </a:stretch>

--- a/AmeriCorps EDA.pptx
+++ b/AmeriCorps EDA.pptx
@@ -9460,19 +9460,7 @@
           <a:p>
             <a:r>
               <a:rPr lang="en-US" dirty="0"/>
-              <a:t>This slide is not race based, just program office by region.</a:t>
-            </a:r>
-          </a:p>
-          <a:p>
-            <a:r>
-              <a:rPr lang="en-US" dirty="0"/>
-              <a:t>NCCC is missing because it has less than 2000 total MSYs.</a:t>
-            </a:r>
-          </a:p>
-          <a:p>
-            <a:r>
-              <a:rPr lang="en-US" dirty="0"/>
-              <a:t>RSVP volunteers massively outnumber the rest.</a:t>
+              <a:t>RSVP has the most volunteers by far</a:t>
             </a:r>
           </a:p>
         </p:txBody>
@@ -9494,7 +9482,7 @@
           <a:p>
             <a:fld id="{654BC42A-6F10-1642-90D3-0ECB30810FE4}" type="slidenum">
               <a:rPr lang="en-US" smtClean="0"/>
-              <a:t>9</a:t>
+              <a:t>8</a:t>
             </a:fld>
             <a:endParaRPr lang="en-US"/>
           </a:p>
@@ -9503,7 +9491,7 @@
     </p:spTree>
     <p:extLst>
       <p:ext uri="{BB962C8B-B14F-4D97-AF65-F5344CB8AC3E}">
-        <p14:creationId xmlns:p14="http://schemas.microsoft.com/office/powerpoint/2010/main" val="4058462794"/>
+        <p14:creationId xmlns:p14="http://schemas.microsoft.com/office/powerpoint/2010/main" val="728202854"/>
       </p:ext>
     </p:extLst>
   </p:cSld>
@@ -9559,7 +9547,19 @@
           <a:p>
             <a:r>
               <a:rPr lang="en-US" dirty="0"/>
-              <a:t>The purpose of this data is for AmeriCorps to be able to determine how well they are doing recruiting a volunteer force that is representative of the communities they serve. Although they do determine and provide in these results in the data, we were unable to understand how they were comparing Member Service Years to actual counts of people. We used the available open-source analysis procedure documents provided with the data set, but ultimately, there were inconsistencies in the way the numbers were recorded in the data that we could not explain. For example, the Census Population Total numbers were different between different observations for the same state. We concluded that if we worked for the agency and could ask those clarifying questions, the data would likely support answering these questions. But without understanding that conversion element from MSYs to counts, in order to then be able to reference census population numbers, we could not. </a:t>
+              <a:t>This slide is not race based, just program office by region.</a:t>
+            </a:r>
+          </a:p>
+          <a:p>
+            <a:r>
+              <a:rPr lang="en-US" dirty="0"/>
+              <a:t>NCCC is missing because it has less than 2000 total MSYs.</a:t>
+            </a:r>
+          </a:p>
+          <a:p>
+            <a:r>
+              <a:rPr lang="en-US" dirty="0"/>
+              <a:t>RSVP volunteers massively outnumber the rest.</a:t>
             </a:r>
           </a:p>
         </p:txBody>
@@ -9581,6 +9581,93 @@
           <a:p>
             <a:fld id="{654BC42A-6F10-1642-90D3-0ECB30810FE4}" type="slidenum">
               <a:rPr lang="en-US" smtClean="0"/>
+              <a:t>9</a:t>
+            </a:fld>
+            <a:endParaRPr lang="en-US"/>
+          </a:p>
+        </p:txBody>
+      </p:sp>
+    </p:spTree>
+    <p:extLst>
+      <p:ext uri="{BB962C8B-B14F-4D97-AF65-F5344CB8AC3E}">
+        <p14:creationId xmlns:p14="http://schemas.microsoft.com/office/powerpoint/2010/main" val="4058462794"/>
+      </p:ext>
+    </p:extLst>
+  </p:cSld>
+  <p:clrMapOvr>
+    <a:masterClrMapping/>
+  </p:clrMapOvr>
+</p:notes>
+</file>
+
+<file path=ppt/notesSlides/notesSlide3.xml><?xml version="1.0" encoding="utf-8"?>
+<p:notes xmlns:a="http://schemas.openxmlformats.org/drawingml/2006/main" xmlns:r="http://schemas.openxmlformats.org/officeDocument/2006/relationships" xmlns:p="http://schemas.openxmlformats.org/presentationml/2006/main">
+  <p:cSld>
+    <p:spTree>
+      <p:nvGrpSpPr>
+        <p:cNvPr id="1" name=""/>
+        <p:cNvGrpSpPr/>
+        <p:nvPr/>
+      </p:nvGrpSpPr>
+      <p:grpSpPr>
+        <a:xfrm>
+          <a:off x="0" y="0"/>
+          <a:ext cx="0" cy="0"/>
+          <a:chOff x="0" y="0"/>
+          <a:chExt cx="0" cy="0"/>
+        </a:xfrm>
+      </p:grpSpPr>
+      <p:sp>
+        <p:nvSpPr>
+          <p:cNvPr id="2" name="Slide Image Placeholder 1"/>
+          <p:cNvSpPr>
+            <a:spLocks noGrp="1" noRot="1" noChangeAspect="1"/>
+          </p:cNvSpPr>
+          <p:nvPr>
+            <p:ph type="sldImg"/>
+          </p:nvPr>
+        </p:nvSpPr>
+        <p:spPr/>
+      </p:sp>
+      <p:sp>
+        <p:nvSpPr>
+          <p:cNvPr id="3" name="Notes Placeholder 2"/>
+          <p:cNvSpPr>
+            <a:spLocks noGrp="1"/>
+          </p:cNvSpPr>
+          <p:nvPr>
+            <p:ph type="body" idx="1"/>
+          </p:nvPr>
+        </p:nvSpPr>
+        <p:spPr/>
+        <p:txBody>
+          <a:bodyPr/>
+          <a:lstStyle/>
+          <a:p>
+            <a:r>
+              <a:rPr lang="en-US" dirty="0"/>
+              <a:t>The purpose of this data is for AmeriCorps to be able to determine how well they are doing recruiting a volunteer force that is representative of the communities they serve. Although they do determine and provide in these results in the data, we were unable to understand how they were comparing Member Service Years to actual counts of people. We used the available open-source analysis procedure documents provided with the data set, but ultimately, there were inconsistencies in the way the numbers were recorded in the data that we could not explain. For example, the Census Population Total numbers were different between different observations for the same state. We concluded that if we worked for the agency and could ask those clarifying questions, the data would likely support answering these questions. But without understanding that conversion element from MSYs to counts, in order to then be able to reference census population numbers, we could not. </a:t>
+            </a:r>
+          </a:p>
+        </p:txBody>
+      </p:sp>
+      <p:sp>
+        <p:nvSpPr>
+          <p:cNvPr id="4" name="Slide Number Placeholder 3"/>
+          <p:cNvSpPr>
+            <a:spLocks noGrp="1"/>
+          </p:cNvSpPr>
+          <p:nvPr>
+            <p:ph type="sldNum" sz="quarter" idx="5"/>
+          </p:nvPr>
+        </p:nvSpPr>
+        <p:spPr/>
+        <p:txBody>
+          <a:bodyPr/>
+          <a:lstStyle/>
+          <a:p>
+            <a:fld id="{654BC42A-6F10-1642-90D3-0ECB30810FE4}" type="slidenum">
+              <a:rPr lang="en-US" smtClean="0"/>
               <a:t>10</a:t>
             </a:fld>
             <a:endParaRPr lang="en-US"/>
@@ -9600,7 +9687,7 @@
 </p:notes>
 </file>
 
-<file path=ppt/notesSlides/notesSlide3.xml><?xml version="1.0" encoding="utf-8"?>
+<file path=ppt/notesSlides/notesSlide4.xml><?xml version="1.0" encoding="utf-8"?>
 <p:notes xmlns:a="http://schemas.openxmlformats.org/drawingml/2006/main" xmlns:r="http://schemas.openxmlformats.org/officeDocument/2006/relationships" xmlns:p="http://schemas.openxmlformats.org/presentationml/2006/main">
   <p:cSld>
     <p:spTree>
@@ -14862,8 +14949,20 @@
                   <a:srgbClr val="FFFFFF"/>
                 </a:solidFill>
               </a:rPr>
-              <a:t>Additional notes about our data</a:t>
+              <a:t>Additional notes about our data set</a:t>
             </a:r>
+            <a:br>
+              <a:rPr lang="en-US" sz="4000" dirty="0">
+                <a:solidFill>
+                  <a:srgbClr val="FFFFFF"/>
+                </a:solidFill>
+              </a:rPr>
+            </a:br>
+            <a:endParaRPr lang="en-US" sz="4000" dirty="0">
+              <a:solidFill>
+                <a:srgbClr val="FFFFFF"/>
+              </a:solidFill>
+            </a:endParaRPr>
           </a:p>
         </p:txBody>
       </p:sp>
@@ -19141,7 +19240,7 @@
           <p:nvPr/>
         </p:nvPicPr>
         <p:blipFill>
-          <a:blip r:embed="rId2"/>
+          <a:blip r:embed="rId3"/>
           <a:stretch>
             <a:fillRect/>
           </a:stretch>
